--- a/docs/part1ca/09_Pipeline/CA_Lecture_09.pptx
+++ b/docs/part1ca/09_Pipeline/CA_Lecture_09.pptx
@@ -5,10 +5,10 @@
     <p:sldMasterId id="2147483648" r:id="rId1"/>
   </p:sldMasterIdLst>
   <p:notesMasterIdLst>
-    <p:notesMasterId r:id="rId40"/>
+    <p:notesMasterId r:id="rId45"/>
   </p:notesMasterIdLst>
   <p:handoutMasterIdLst>
-    <p:handoutMasterId r:id="rId41"/>
+    <p:handoutMasterId r:id="rId46"/>
   </p:handoutMasterIdLst>
   <p:sldIdLst>
     <p:sldId id="256" r:id="rId2"/>
@@ -46,9 +46,14 @@
     <p:sldId id="401" r:id="rId34"/>
     <p:sldId id="400" r:id="rId35"/>
     <p:sldId id="402" r:id="rId36"/>
-    <p:sldId id="403" r:id="rId37"/>
-    <p:sldId id="404" r:id="rId38"/>
-    <p:sldId id="380" r:id="rId39"/>
+    <p:sldId id="410" r:id="rId37"/>
+    <p:sldId id="411" r:id="rId38"/>
+    <p:sldId id="412" r:id="rId39"/>
+    <p:sldId id="414" r:id="rId40"/>
+    <p:sldId id="413" r:id="rId41"/>
+    <p:sldId id="403" r:id="rId42"/>
+    <p:sldId id="404" r:id="rId43"/>
+    <p:sldId id="380" r:id="rId44"/>
   </p:sldIdLst>
   <p:sldSz cx="12192000" cy="6858000"/>
   <p:notesSz cx="6858000" cy="9144000"/>
@@ -271,7 +276,7 @@
             <a:fld id="{D0106195-8D78-4F6F-B8E4-FA67975ACEF5}" type="datetimeFigureOut">
               <a:rPr lang="ru-RU" smtClean="0"/>
               <a:pPr/>
-              <a:t>08.02.2021</a:t>
+              <a:t>09.02.2021</a:t>
             </a:fld>
             <a:endParaRPr lang="ru-RU"/>
           </a:p>
@@ -439,7 +444,7 @@
             <a:fld id="{878212F1-C3D9-4F2B-8F42-5E960FE8BE51}" type="datetimeFigureOut">
               <a:rPr lang="ru-RU" smtClean="0"/>
               <a:pPr/>
-              <a:t>08.02.2021</a:t>
+              <a:t>09.02.2021</a:t>
             </a:fld>
             <a:endParaRPr lang="ru-RU"/>
           </a:p>
@@ -936,7 +941,7 @@
             <a:fld id="{5583B3A5-99BF-45D9-956B-DC57CC23AD97}" type="slidenum">
               <a:rPr lang="ru-RU" smtClean="0"/>
               <a:pPr/>
-              <a:t>38</a:t>
+              <a:t>43</a:t>
             </a:fld>
             <a:endParaRPr lang="ru-RU"/>
           </a:p>
@@ -24984,76 +24989,60 @@
         </p:nvSpPr>
         <p:spPr>
           <a:xfrm>
-            <a:off x="838200" y="1178053"/>
-            <a:ext cx="10515600" cy="5492304"/>
+            <a:off x="838200" y="962971"/>
+            <a:ext cx="10515600" cy="3083051"/>
           </a:xfrm>
         </p:spPr>
         <p:txBody>
           <a:bodyPr>
-            <a:noAutofit/>
+            <a:normAutofit/>
           </a:bodyPr>
           <a:lstStyle/>
           <a:p>
             <a:r>
               <a:rPr lang="en-US" altLang="en-US" dirty="0"/>
-              <a:t>Yes, but not as much as we’d like</a:t>
-            </a:r>
-          </a:p>
-          <a:p>
+              <a:t>Two-issue packets</a:t>
+            </a:r>
+          </a:p>
+          <a:p>
+            <a:pPr lvl="1"/>
             <a:r>
               <a:rPr lang="en-US" altLang="en-US" dirty="0"/>
-              <a:t>Programs have real dependencies that limit ILP</a:t>
-            </a:r>
-          </a:p>
-          <a:p>
+              <a:t>One ALU/branch instruction</a:t>
+            </a:r>
+          </a:p>
+          <a:p>
+            <a:pPr lvl="1"/>
             <a:r>
               <a:rPr lang="en-US" altLang="en-US" dirty="0"/>
-              <a:t>Some dependencies are hard to eliminate</a:t>
+              <a:t>One load/store instruction</a:t>
             </a:r>
           </a:p>
           <a:p>
             <a:pPr lvl="1"/>
             <a:r>
               <a:rPr lang="en-US" altLang="en-US" dirty="0"/>
-              <a:t>e.g., pointer aliasing</a:t>
-            </a:r>
-          </a:p>
-          <a:p>
-            <a:r>
-              <a:rPr lang="en-US" altLang="en-US" dirty="0"/>
-              <a:t>Some parallelism is hard to expose</a:t>
-            </a:r>
-          </a:p>
-          <a:p>
-            <a:pPr lvl="1"/>
-            <a:r>
-              <a:rPr lang="en-US" altLang="en-US" dirty="0"/>
-              <a:t>Limited window size during instruction issue</a:t>
-            </a:r>
-          </a:p>
-          <a:p>
-            <a:r>
-              <a:rPr lang="en-US" altLang="en-US" dirty="0"/>
-              <a:t>Memory delays and limited bandwidth</a:t>
-            </a:r>
-          </a:p>
-          <a:p>
-            <a:pPr lvl="1"/>
-            <a:r>
-              <a:rPr lang="en-US" altLang="en-US" dirty="0"/>
-              <a:t>Hard to keep pipelines full</a:t>
-            </a:r>
-          </a:p>
-          <a:p>
-            <a:r>
-              <a:rPr lang="en-AU" altLang="en-US" dirty="0"/>
-              <a:t>Speculation can help if done </a:t>
-            </a:r>
-            <a:r>
-              <a:rPr lang="en-AU" altLang="en-US" dirty="0" smtClean="0"/>
-              <a:t>well</a:t>
-            </a:r>
-            <a:endParaRPr lang="en-AU" altLang="en-US" dirty="0"/>
+              <a:t>64-bit aligned</a:t>
+            </a:r>
+          </a:p>
+          <a:p>
+            <a:pPr lvl="2"/>
+            <a:r>
+              <a:rPr lang="en-US" altLang="en-US" sz="2800" dirty="0"/>
+              <a:t>ALU/branch, then load/store</a:t>
+            </a:r>
+          </a:p>
+          <a:p>
+            <a:pPr lvl="2"/>
+            <a:r>
+              <a:rPr lang="en-US" altLang="en-US" sz="2800" dirty="0"/>
+              <a:t>Pad an unused instruction with </a:t>
+            </a:r>
+            <a:r>
+              <a:rPr lang="en-US" altLang="en-US" sz="2800" dirty="0" err="1" smtClean="0"/>
+              <a:t>nop</a:t>
+            </a:r>
+            <a:endParaRPr lang="en-AU" altLang="en-US" sz="2800" dirty="0"/>
           </a:p>
         </p:txBody>
       </p:sp>
@@ -25099,16 +25088,5329 @@
           <a:p>
             <a:r>
               <a:rPr lang="en-US" altLang="en-US" dirty="0"/>
-              <a:t>Does Multiple Issue Work?</a:t>
+              <a:t>RISC-V with Static Dual Issue</a:t>
             </a:r>
             <a:endParaRPr lang="en-US" dirty="0"/>
           </a:p>
         </p:txBody>
       </p:sp>
+      <p:graphicFrame>
+        <p:nvGraphicFramePr>
+          <p:cNvPr id="5" name="Group 88"/>
+          <p:cNvGraphicFramePr>
+            <a:graphicFrameLocks noGrp="1"/>
+          </p:cNvGraphicFramePr>
+          <p:nvPr>
+            <p:extLst>
+              <p:ext uri="{D42A27DB-BD31-4B8C-83A1-F6EECF244321}">
+                <p14:modId xmlns:p14="http://schemas.microsoft.com/office/powerpoint/2010/main" val="3417825829"/>
+              </p:ext>
+            </p:extLst>
+          </p:nvPr>
+        </p:nvGraphicFramePr>
+        <p:xfrm>
+          <a:off x="2115640" y="4042623"/>
+          <a:ext cx="8330385" cy="2648408"/>
+        </p:xfrm>
+        <a:graphic>
+          <a:graphicData uri="http://schemas.openxmlformats.org/drawingml/2006/table">
+            <a:tbl>
+              <a:tblPr/>
+              <a:tblGrid>
+                <a:gridCol w="1079018"/>
+                <a:gridCol w="1783122"/>
+                <a:gridCol w="780917"/>
+                <a:gridCol w="780916"/>
+                <a:gridCol w="782746"/>
+                <a:gridCol w="780917"/>
+                <a:gridCol w="780916"/>
+                <a:gridCol w="780917"/>
+                <a:gridCol w="780916"/>
+              </a:tblGrid>
+              <a:tr h="378344">
+                <a:tc>
+                  <a:txBody>
+                    <a:bodyPr/>
+                    <a:lstStyle/>
+                    <a:p>
+                      <a:pPr marL="0" marR="0" lvl="0" indent="0" algn="l" defTabSz="914400" rtl="0" eaLnBrk="1" fontAlgn="base" latinLnBrk="0" hangingPunct="1">
+                        <a:lnSpc>
+                          <a:spcPct val="100000"/>
+                        </a:lnSpc>
+                        <a:spcBef>
+                          <a:spcPct val="20000"/>
+                        </a:spcBef>
+                        <a:spcAft>
+                          <a:spcPct val="0"/>
+                        </a:spcAft>
+                        <a:buClr>
+                          <a:schemeClr val="folHlink"/>
+                        </a:buClr>
+                        <a:buSzPct val="60000"/>
+                        <a:buFont typeface="Wingdings" pitchFamily="2" charset="2"/>
+                        <a:buNone/>
+                        <a:tabLst/>
+                      </a:pPr>
+                      <a:r>
+                        <a:rPr kumimoji="0" lang="en-US" sz="1600" b="1" i="0" u="none" strike="noStrike" cap="none" normalizeH="0" baseline="0" dirty="0" smtClean="0">
+                          <a:ln>
+                            <a:noFill/>
+                          </a:ln>
+                          <a:solidFill>
+                            <a:srgbClr val="1E3272"/>
+                          </a:solidFill>
+                          <a:effectLst/>
+                          <a:latin typeface="Arial" charset="0"/>
+                        </a:rPr>
+                        <a:t>Address</a:t>
+                      </a:r>
+                      <a:endParaRPr kumimoji="0" lang="en-AU" sz="1600" b="1" i="0" u="none" strike="noStrike" cap="none" normalizeH="0" baseline="0" dirty="0" smtClean="0">
+                        <a:ln>
+                          <a:noFill/>
+                        </a:ln>
+                        <a:solidFill>
+                          <a:srgbClr val="1E3272"/>
+                        </a:solidFill>
+                        <a:effectLst/>
+                        <a:latin typeface="Arial" charset="0"/>
+                      </a:endParaRPr>
+                    </a:p>
+                  </a:txBody>
+                  <a:tcPr horzOverflow="overflow">
+                    <a:lnL w="28575" cap="flat" cmpd="sng" algn="ctr">
+                      <a:solidFill>
+                        <a:schemeClr val="tx1"/>
+                      </a:solidFill>
+                      <a:prstDash val="solid"/>
+                      <a:round/>
+                      <a:headEnd type="none" w="med" len="med"/>
+                      <a:tailEnd type="none" w="med" len="med"/>
+                    </a:lnL>
+                    <a:lnR w="12700" cap="flat" cmpd="sng" algn="ctr">
+                      <a:solidFill>
+                        <a:schemeClr val="tx1"/>
+                      </a:solidFill>
+                      <a:prstDash val="solid"/>
+                      <a:round/>
+                      <a:headEnd type="none" w="med" len="med"/>
+                      <a:tailEnd type="none" w="med" len="med"/>
+                    </a:lnR>
+                    <a:lnT w="28575" cap="flat" cmpd="sng" algn="ctr">
+                      <a:solidFill>
+                        <a:schemeClr val="tx1"/>
+                      </a:solidFill>
+                      <a:prstDash val="solid"/>
+                      <a:round/>
+                      <a:headEnd type="none" w="med" len="med"/>
+                      <a:tailEnd type="none" w="med" len="med"/>
+                    </a:lnT>
+                    <a:lnB w="19050" cap="flat" cmpd="sng" algn="ctr">
+                      <a:solidFill>
+                        <a:schemeClr val="tx1"/>
+                      </a:solidFill>
+                      <a:prstDash val="solid"/>
+                      <a:round/>
+                      <a:headEnd type="none" w="med" len="med"/>
+                      <a:tailEnd type="none" w="med" len="med"/>
+                    </a:lnB>
+                    <a:lnTlToBr>
+                      <a:noFill/>
+                    </a:lnTlToBr>
+                    <a:lnBlToTr>
+                      <a:noFill/>
+                    </a:lnBlToTr>
+                    <a:noFill/>
+                  </a:tcPr>
+                </a:tc>
+                <a:tc>
+                  <a:txBody>
+                    <a:bodyPr/>
+                    <a:lstStyle/>
+                    <a:p>
+                      <a:pPr marL="0" marR="0" lvl="0" indent="0" algn="l" defTabSz="914400" rtl="0" eaLnBrk="1" fontAlgn="base" latinLnBrk="0" hangingPunct="1">
+                        <a:lnSpc>
+                          <a:spcPct val="100000"/>
+                        </a:lnSpc>
+                        <a:spcBef>
+                          <a:spcPct val="20000"/>
+                        </a:spcBef>
+                        <a:spcAft>
+                          <a:spcPct val="0"/>
+                        </a:spcAft>
+                        <a:buClr>
+                          <a:schemeClr val="folHlink"/>
+                        </a:buClr>
+                        <a:buSzPct val="60000"/>
+                        <a:buFont typeface="Wingdings" pitchFamily="2" charset="2"/>
+                        <a:buNone/>
+                        <a:tabLst/>
+                      </a:pPr>
+                      <a:r>
+                        <a:rPr kumimoji="0" lang="en-US" sz="1600" b="1" i="0" u="none" strike="noStrike" cap="none" normalizeH="0" baseline="0" dirty="0" smtClean="0">
+                          <a:ln>
+                            <a:noFill/>
+                          </a:ln>
+                          <a:solidFill>
+                            <a:srgbClr val="1E3272"/>
+                          </a:solidFill>
+                          <a:effectLst/>
+                          <a:latin typeface="Arial" charset="0"/>
+                        </a:rPr>
+                        <a:t>Instruction type</a:t>
+                      </a:r>
+                      <a:endParaRPr kumimoji="0" lang="en-AU" sz="1600" b="1" i="0" u="none" strike="noStrike" cap="none" normalizeH="0" baseline="0" dirty="0" smtClean="0">
+                        <a:ln>
+                          <a:noFill/>
+                        </a:ln>
+                        <a:solidFill>
+                          <a:srgbClr val="1E3272"/>
+                        </a:solidFill>
+                        <a:effectLst/>
+                        <a:latin typeface="Arial" charset="0"/>
+                      </a:endParaRPr>
+                    </a:p>
+                  </a:txBody>
+                  <a:tcPr horzOverflow="overflow">
+                    <a:lnL w="12700" cap="flat" cmpd="sng" algn="ctr">
+                      <a:solidFill>
+                        <a:schemeClr val="tx1"/>
+                      </a:solidFill>
+                      <a:prstDash val="solid"/>
+                      <a:round/>
+                      <a:headEnd type="none" w="med" len="med"/>
+                      <a:tailEnd type="none" w="med" len="med"/>
+                    </a:lnL>
+                    <a:lnR w="12700" cap="flat" cmpd="sng" algn="ctr">
+                      <a:solidFill>
+                        <a:schemeClr val="tx1"/>
+                      </a:solidFill>
+                      <a:prstDash val="solid"/>
+                      <a:round/>
+                      <a:headEnd type="none" w="med" len="med"/>
+                      <a:tailEnd type="none" w="med" len="med"/>
+                    </a:lnR>
+                    <a:lnT w="28575" cap="flat" cmpd="sng" algn="ctr">
+                      <a:solidFill>
+                        <a:schemeClr val="tx1"/>
+                      </a:solidFill>
+                      <a:prstDash val="solid"/>
+                      <a:round/>
+                      <a:headEnd type="none" w="med" len="med"/>
+                      <a:tailEnd type="none" w="med" len="med"/>
+                    </a:lnT>
+                    <a:lnB w="19050" cap="flat" cmpd="sng" algn="ctr">
+                      <a:solidFill>
+                        <a:schemeClr val="tx1"/>
+                      </a:solidFill>
+                      <a:prstDash val="solid"/>
+                      <a:round/>
+                      <a:headEnd type="none" w="med" len="med"/>
+                      <a:tailEnd type="none" w="med" len="med"/>
+                    </a:lnB>
+                    <a:lnTlToBr>
+                      <a:noFill/>
+                    </a:lnTlToBr>
+                    <a:lnBlToTr>
+                      <a:noFill/>
+                    </a:lnBlToTr>
+                    <a:noFill/>
+                  </a:tcPr>
+                </a:tc>
+                <a:tc gridSpan="7">
+                  <a:txBody>
+                    <a:bodyPr/>
+                    <a:lstStyle/>
+                    <a:p>
+                      <a:pPr marL="0" marR="0" lvl="0" indent="0" algn="ctr" defTabSz="914400" rtl="0" eaLnBrk="1" fontAlgn="base" latinLnBrk="0" hangingPunct="1">
+                        <a:lnSpc>
+                          <a:spcPct val="100000"/>
+                        </a:lnSpc>
+                        <a:spcBef>
+                          <a:spcPct val="20000"/>
+                        </a:spcBef>
+                        <a:spcAft>
+                          <a:spcPct val="0"/>
+                        </a:spcAft>
+                        <a:buClr>
+                          <a:schemeClr val="folHlink"/>
+                        </a:buClr>
+                        <a:buSzPct val="60000"/>
+                        <a:buFont typeface="Wingdings" pitchFamily="2" charset="2"/>
+                        <a:buNone/>
+                        <a:tabLst/>
+                      </a:pPr>
+                      <a:r>
+                        <a:rPr kumimoji="0" lang="en-US" sz="1600" b="1" i="0" u="none" strike="noStrike" cap="none" normalizeH="0" baseline="0" smtClean="0">
+                          <a:ln>
+                            <a:noFill/>
+                          </a:ln>
+                          <a:solidFill>
+                            <a:srgbClr val="1E3272"/>
+                          </a:solidFill>
+                          <a:effectLst/>
+                          <a:latin typeface="Arial" charset="0"/>
+                        </a:rPr>
+                        <a:t>Pipeline Stages</a:t>
+                      </a:r>
+                      <a:endParaRPr kumimoji="0" lang="en-AU" sz="1600" b="1" i="0" u="none" strike="noStrike" cap="none" normalizeH="0" baseline="0" smtClean="0">
+                        <a:ln>
+                          <a:noFill/>
+                        </a:ln>
+                        <a:solidFill>
+                          <a:srgbClr val="1E3272"/>
+                        </a:solidFill>
+                        <a:effectLst/>
+                        <a:latin typeface="Arial" charset="0"/>
+                      </a:endParaRPr>
+                    </a:p>
+                  </a:txBody>
+                  <a:tcPr horzOverflow="overflow">
+                    <a:lnL w="12700" cap="flat" cmpd="sng" algn="ctr">
+                      <a:solidFill>
+                        <a:schemeClr val="tx1"/>
+                      </a:solidFill>
+                      <a:prstDash val="solid"/>
+                      <a:round/>
+                      <a:headEnd type="none" w="med" len="med"/>
+                      <a:tailEnd type="none" w="med" len="med"/>
+                    </a:lnL>
+                    <a:lnR w="28575" cap="flat" cmpd="sng" algn="ctr">
+                      <a:solidFill>
+                        <a:schemeClr val="tx1"/>
+                      </a:solidFill>
+                      <a:prstDash val="solid"/>
+                      <a:round/>
+                      <a:headEnd type="none" w="med" len="med"/>
+                      <a:tailEnd type="none" w="med" len="med"/>
+                    </a:lnR>
+                    <a:lnT w="28575" cap="flat" cmpd="sng" algn="ctr">
+                      <a:solidFill>
+                        <a:schemeClr val="tx1"/>
+                      </a:solidFill>
+                      <a:prstDash val="solid"/>
+                      <a:round/>
+                      <a:headEnd type="none" w="med" len="med"/>
+                      <a:tailEnd type="none" w="med" len="med"/>
+                    </a:lnT>
+                    <a:lnB w="19050" cap="flat" cmpd="sng" algn="ctr">
+                      <a:solidFill>
+                        <a:schemeClr val="tx1"/>
+                      </a:solidFill>
+                      <a:prstDash val="solid"/>
+                      <a:round/>
+                      <a:headEnd type="none" w="med" len="med"/>
+                      <a:tailEnd type="none" w="med" len="med"/>
+                    </a:lnB>
+                    <a:lnTlToBr>
+                      <a:noFill/>
+                    </a:lnTlToBr>
+                    <a:lnBlToTr>
+                      <a:noFill/>
+                    </a:lnBlToTr>
+                    <a:noFill/>
+                  </a:tcPr>
+                </a:tc>
+                <a:tc hMerge="1">
+                  <a:txBody>
+                    <a:bodyPr/>
+                    <a:lstStyle/>
+                    <a:p>
+                      <a:endParaRPr lang="en-US"/>
+                    </a:p>
+                  </a:txBody>
+                  <a:tcPr/>
+                </a:tc>
+                <a:tc hMerge="1">
+                  <a:txBody>
+                    <a:bodyPr/>
+                    <a:lstStyle/>
+                    <a:p>
+                      <a:endParaRPr lang="en-US"/>
+                    </a:p>
+                  </a:txBody>
+                  <a:tcPr/>
+                </a:tc>
+                <a:tc hMerge="1">
+                  <a:txBody>
+                    <a:bodyPr/>
+                    <a:lstStyle/>
+                    <a:p>
+                      <a:endParaRPr lang="en-US"/>
+                    </a:p>
+                  </a:txBody>
+                  <a:tcPr/>
+                </a:tc>
+                <a:tc hMerge="1">
+                  <a:txBody>
+                    <a:bodyPr/>
+                    <a:lstStyle/>
+                    <a:p>
+                      <a:endParaRPr lang="en-US"/>
+                    </a:p>
+                  </a:txBody>
+                  <a:tcPr/>
+                </a:tc>
+                <a:tc hMerge="1">
+                  <a:txBody>
+                    <a:bodyPr/>
+                    <a:lstStyle/>
+                    <a:p>
+                      <a:endParaRPr lang="en-US"/>
+                    </a:p>
+                  </a:txBody>
+                  <a:tcPr/>
+                </a:tc>
+                <a:tc hMerge="1">
+                  <a:txBody>
+                    <a:bodyPr/>
+                    <a:lstStyle/>
+                    <a:p>
+                      <a:endParaRPr lang="en-US"/>
+                    </a:p>
+                  </a:txBody>
+                  <a:tcPr/>
+                </a:tc>
+              </a:tr>
+              <a:tr h="378344">
+                <a:tc>
+                  <a:txBody>
+                    <a:bodyPr/>
+                    <a:lstStyle/>
+                    <a:p>
+                      <a:pPr marL="0" marR="0" lvl="0" indent="0" algn="l" defTabSz="914400" rtl="0" eaLnBrk="1" fontAlgn="base" latinLnBrk="0" hangingPunct="1">
+                        <a:lnSpc>
+                          <a:spcPct val="100000"/>
+                        </a:lnSpc>
+                        <a:spcBef>
+                          <a:spcPct val="20000"/>
+                        </a:spcBef>
+                        <a:spcAft>
+                          <a:spcPct val="0"/>
+                        </a:spcAft>
+                        <a:buClr>
+                          <a:schemeClr val="folHlink"/>
+                        </a:buClr>
+                        <a:buSzPct val="60000"/>
+                        <a:buFont typeface="Wingdings" pitchFamily="2" charset="2"/>
+                        <a:buNone/>
+                        <a:tabLst/>
+                      </a:pPr>
+                      <a:r>
+                        <a:rPr kumimoji="0" lang="en-US" sz="1600" b="1" i="0" u="none" strike="noStrike" cap="none" normalizeH="0" baseline="0" dirty="0" smtClean="0">
+                          <a:ln>
+                            <a:noFill/>
+                          </a:ln>
+                          <a:solidFill>
+                            <a:srgbClr val="1E3272"/>
+                          </a:solidFill>
+                          <a:effectLst/>
+                          <a:latin typeface="Arial" charset="0"/>
+                        </a:rPr>
+                        <a:t>n</a:t>
+                      </a:r>
+                      <a:endParaRPr kumimoji="0" lang="en-AU" sz="1600" b="1" i="0" u="none" strike="noStrike" cap="none" normalizeH="0" baseline="0" dirty="0" smtClean="0">
+                        <a:ln>
+                          <a:noFill/>
+                        </a:ln>
+                        <a:solidFill>
+                          <a:srgbClr val="1E3272"/>
+                        </a:solidFill>
+                        <a:effectLst/>
+                        <a:latin typeface="Arial" charset="0"/>
+                      </a:endParaRPr>
+                    </a:p>
+                  </a:txBody>
+                  <a:tcPr horzOverflow="overflow">
+                    <a:lnL w="28575" cap="flat" cmpd="sng" algn="ctr">
+                      <a:solidFill>
+                        <a:schemeClr val="tx1"/>
+                      </a:solidFill>
+                      <a:prstDash val="solid"/>
+                      <a:round/>
+                      <a:headEnd type="none" w="med" len="med"/>
+                      <a:tailEnd type="none" w="med" len="med"/>
+                    </a:lnL>
+                    <a:lnR w="12700" cap="flat" cmpd="sng" algn="ctr">
+                      <a:solidFill>
+                        <a:schemeClr val="tx1"/>
+                      </a:solidFill>
+                      <a:prstDash val="solid"/>
+                      <a:round/>
+                      <a:headEnd type="none" w="med" len="med"/>
+                      <a:tailEnd type="none" w="med" len="med"/>
+                    </a:lnR>
+                    <a:lnT w="19050" cap="flat" cmpd="sng" algn="ctr">
+                      <a:solidFill>
+                        <a:schemeClr val="tx1"/>
+                      </a:solidFill>
+                      <a:prstDash val="solid"/>
+                      <a:round/>
+                      <a:headEnd type="none" w="med" len="med"/>
+                      <a:tailEnd type="none" w="med" len="med"/>
+                    </a:lnT>
+                    <a:lnB w="12700" cap="flat" cmpd="sng" algn="ctr">
+                      <a:solidFill>
+                        <a:schemeClr val="tx1"/>
+                      </a:solidFill>
+                      <a:prstDash val="solid"/>
+                      <a:round/>
+                      <a:headEnd type="none" w="med" len="med"/>
+                      <a:tailEnd type="none" w="med" len="med"/>
+                    </a:lnB>
+                    <a:lnTlToBr>
+                      <a:noFill/>
+                    </a:lnTlToBr>
+                    <a:lnBlToTr>
+                      <a:noFill/>
+                    </a:lnBlToTr>
+                    <a:noFill/>
+                  </a:tcPr>
+                </a:tc>
+                <a:tc>
+                  <a:txBody>
+                    <a:bodyPr/>
+                    <a:lstStyle/>
+                    <a:p>
+                      <a:pPr marL="0" marR="0" lvl="0" indent="0" algn="l" defTabSz="914400" rtl="0" eaLnBrk="1" fontAlgn="base" latinLnBrk="0" hangingPunct="1">
+                        <a:lnSpc>
+                          <a:spcPct val="100000"/>
+                        </a:lnSpc>
+                        <a:spcBef>
+                          <a:spcPct val="20000"/>
+                        </a:spcBef>
+                        <a:spcAft>
+                          <a:spcPct val="0"/>
+                        </a:spcAft>
+                        <a:buClr>
+                          <a:schemeClr val="folHlink"/>
+                        </a:buClr>
+                        <a:buSzPct val="60000"/>
+                        <a:buFont typeface="Wingdings" pitchFamily="2" charset="2"/>
+                        <a:buNone/>
+                        <a:tabLst/>
+                      </a:pPr>
+                      <a:r>
+                        <a:rPr kumimoji="0" lang="en-US" sz="1600" b="1" i="0" u="none" strike="noStrike" cap="none" normalizeH="0" baseline="0" dirty="0" smtClean="0">
+                          <a:ln>
+                            <a:noFill/>
+                          </a:ln>
+                          <a:solidFill>
+                            <a:srgbClr val="1E3272"/>
+                          </a:solidFill>
+                          <a:effectLst/>
+                          <a:latin typeface="Arial" charset="0"/>
+                        </a:rPr>
+                        <a:t>ALU/branch</a:t>
+                      </a:r>
+                      <a:endParaRPr kumimoji="0" lang="en-AU" sz="1600" b="1" i="0" u="none" strike="noStrike" cap="none" normalizeH="0" baseline="0" dirty="0" smtClean="0">
+                        <a:ln>
+                          <a:noFill/>
+                        </a:ln>
+                        <a:solidFill>
+                          <a:srgbClr val="1E3272"/>
+                        </a:solidFill>
+                        <a:effectLst/>
+                        <a:latin typeface="Arial" charset="0"/>
+                      </a:endParaRPr>
+                    </a:p>
+                  </a:txBody>
+                  <a:tcPr horzOverflow="overflow">
+                    <a:lnL w="12700" cap="flat" cmpd="sng" algn="ctr">
+                      <a:solidFill>
+                        <a:schemeClr val="tx1"/>
+                      </a:solidFill>
+                      <a:prstDash val="solid"/>
+                      <a:round/>
+                      <a:headEnd type="none" w="med" len="med"/>
+                      <a:tailEnd type="none" w="med" len="med"/>
+                    </a:lnL>
+                    <a:lnR w="12700" cap="flat" cmpd="sng" algn="ctr">
+                      <a:solidFill>
+                        <a:schemeClr val="tx1"/>
+                      </a:solidFill>
+                      <a:prstDash val="solid"/>
+                      <a:round/>
+                      <a:headEnd type="none" w="med" len="med"/>
+                      <a:tailEnd type="none" w="med" len="med"/>
+                    </a:lnR>
+                    <a:lnT w="19050" cap="flat" cmpd="sng" algn="ctr">
+                      <a:solidFill>
+                        <a:schemeClr val="tx1"/>
+                      </a:solidFill>
+                      <a:prstDash val="solid"/>
+                      <a:round/>
+                      <a:headEnd type="none" w="med" len="med"/>
+                      <a:tailEnd type="none" w="med" len="med"/>
+                    </a:lnT>
+                    <a:lnB w="12700" cap="flat" cmpd="sng" algn="ctr">
+                      <a:solidFill>
+                        <a:schemeClr val="tx1"/>
+                      </a:solidFill>
+                      <a:prstDash val="solid"/>
+                      <a:round/>
+                      <a:headEnd type="none" w="med" len="med"/>
+                      <a:tailEnd type="none" w="med" len="med"/>
+                    </a:lnB>
+                    <a:lnTlToBr>
+                      <a:noFill/>
+                    </a:lnTlToBr>
+                    <a:lnBlToTr>
+                      <a:noFill/>
+                    </a:lnBlToTr>
+                    <a:noFill/>
+                  </a:tcPr>
+                </a:tc>
+                <a:tc>
+                  <a:txBody>
+                    <a:bodyPr/>
+                    <a:lstStyle/>
+                    <a:p>
+                      <a:pPr marL="0" marR="0" lvl="0" indent="0" algn="ctr" defTabSz="914400" rtl="0" eaLnBrk="1" fontAlgn="base" latinLnBrk="0" hangingPunct="1">
+                        <a:lnSpc>
+                          <a:spcPct val="100000"/>
+                        </a:lnSpc>
+                        <a:spcBef>
+                          <a:spcPct val="20000"/>
+                        </a:spcBef>
+                        <a:spcAft>
+                          <a:spcPct val="0"/>
+                        </a:spcAft>
+                        <a:buClr>
+                          <a:schemeClr val="folHlink"/>
+                        </a:buClr>
+                        <a:buSzPct val="60000"/>
+                        <a:buFont typeface="Wingdings" pitchFamily="2" charset="2"/>
+                        <a:buNone/>
+                        <a:tabLst/>
+                      </a:pPr>
+                      <a:r>
+                        <a:rPr kumimoji="0" lang="en-US" sz="1600" b="1" i="0" u="none" strike="noStrike" cap="none" normalizeH="0" baseline="0" smtClean="0">
+                          <a:ln>
+                            <a:noFill/>
+                          </a:ln>
+                          <a:solidFill>
+                            <a:srgbClr val="1E3272"/>
+                          </a:solidFill>
+                          <a:effectLst/>
+                          <a:latin typeface="Arial" charset="0"/>
+                        </a:rPr>
+                        <a:t>IF</a:t>
+                      </a:r>
+                      <a:endParaRPr kumimoji="0" lang="en-AU" sz="1600" b="1" i="0" u="none" strike="noStrike" cap="none" normalizeH="0" baseline="0" smtClean="0">
+                        <a:ln>
+                          <a:noFill/>
+                        </a:ln>
+                        <a:solidFill>
+                          <a:srgbClr val="1E3272"/>
+                        </a:solidFill>
+                        <a:effectLst/>
+                        <a:latin typeface="Arial" charset="0"/>
+                      </a:endParaRPr>
+                    </a:p>
+                  </a:txBody>
+                  <a:tcPr horzOverflow="overflow">
+                    <a:lnL w="12700" cap="flat" cmpd="sng" algn="ctr">
+                      <a:solidFill>
+                        <a:schemeClr val="tx1"/>
+                      </a:solidFill>
+                      <a:prstDash val="solid"/>
+                      <a:round/>
+                      <a:headEnd type="none" w="med" len="med"/>
+                      <a:tailEnd type="none" w="med" len="med"/>
+                    </a:lnL>
+                    <a:lnR w="12700" cap="flat" cmpd="sng" algn="ctr">
+                      <a:solidFill>
+                        <a:schemeClr val="tx1"/>
+                      </a:solidFill>
+                      <a:prstDash val="solid"/>
+                      <a:round/>
+                      <a:headEnd type="none" w="med" len="med"/>
+                      <a:tailEnd type="none" w="med" len="med"/>
+                    </a:lnR>
+                    <a:lnT w="19050" cap="flat" cmpd="sng" algn="ctr">
+                      <a:solidFill>
+                        <a:schemeClr val="tx1"/>
+                      </a:solidFill>
+                      <a:prstDash val="solid"/>
+                      <a:round/>
+                      <a:headEnd type="none" w="med" len="med"/>
+                      <a:tailEnd type="none" w="med" len="med"/>
+                    </a:lnT>
+                    <a:lnB w="12700" cap="flat" cmpd="sng" algn="ctr">
+                      <a:solidFill>
+                        <a:schemeClr val="tx1"/>
+                      </a:solidFill>
+                      <a:prstDash val="solid"/>
+                      <a:round/>
+                      <a:headEnd type="none" w="med" len="med"/>
+                      <a:tailEnd type="none" w="med" len="med"/>
+                    </a:lnB>
+                    <a:lnTlToBr>
+                      <a:noFill/>
+                    </a:lnTlToBr>
+                    <a:lnBlToTr>
+                      <a:noFill/>
+                    </a:lnBlToTr>
+                    <a:noFill/>
+                  </a:tcPr>
+                </a:tc>
+                <a:tc>
+                  <a:txBody>
+                    <a:bodyPr/>
+                    <a:lstStyle/>
+                    <a:p>
+                      <a:pPr marL="0" marR="0" lvl="0" indent="0" algn="ctr" defTabSz="914400" rtl="0" eaLnBrk="1" fontAlgn="base" latinLnBrk="0" hangingPunct="1">
+                        <a:lnSpc>
+                          <a:spcPct val="100000"/>
+                        </a:lnSpc>
+                        <a:spcBef>
+                          <a:spcPct val="20000"/>
+                        </a:spcBef>
+                        <a:spcAft>
+                          <a:spcPct val="0"/>
+                        </a:spcAft>
+                        <a:buClr>
+                          <a:schemeClr val="folHlink"/>
+                        </a:buClr>
+                        <a:buSzPct val="60000"/>
+                        <a:buFont typeface="Wingdings" pitchFamily="2" charset="2"/>
+                        <a:buNone/>
+                        <a:tabLst/>
+                      </a:pPr>
+                      <a:r>
+                        <a:rPr kumimoji="0" lang="en-US" sz="1600" b="1" i="0" u="none" strike="noStrike" cap="none" normalizeH="0" baseline="0" smtClean="0">
+                          <a:ln>
+                            <a:noFill/>
+                          </a:ln>
+                          <a:solidFill>
+                            <a:srgbClr val="1E3272"/>
+                          </a:solidFill>
+                          <a:effectLst/>
+                          <a:latin typeface="Arial" charset="0"/>
+                        </a:rPr>
+                        <a:t>ID</a:t>
+                      </a:r>
+                      <a:endParaRPr kumimoji="0" lang="en-AU" sz="1600" b="1" i="0" u="none" strike="noStrike" cap="none" normalizeH="0" baseline="0" smtClean="0">
+                        <a:ln>
+                          <a:noFill/>
+                        </a:ln>
+                        <a:solidFill>
+                          <a:srgbClr val="1E3272"/>
+                        </a:solidFill>
+                        <a:effectLst/>
+                        <a:latin typeface="Arial" charset="0"/>
+                      </a:endParaRPr>
+                    </a:p>
+                  </a:txBody>
+                  <a:tcPr horzOverflow="overflow">
+                    <a:lnL w="12700" cap="flat" cmpd="sng" algn="ctr">
+                      <a:solidFill>
+                        <a:schemeClr val="tx1"/>
+                      </a:solidFill>
+                      <a:prstDash val="solid"/>
+                      <a:round/>
+                      <a:headEnd type="none" w="med" len="med"/>
+                      <a:tailEnd type="none" w="med" len="med"/>
+                    </a:lnL>
+                    <a:lnR w="12700" cap="flat" cmpd="sng" algn="ctr">
+                      <a:solidFill>
+                        <a:schemeClr val="tx1"/>
+                      </a:solidFill>
+                      <a:prstDash val="solid"/>
+                      <a:round/>
+                      <a:headEnd type="none" w="med" len="med"/>
+                      <a:tailEnd type="none" w="med" len="med"/>
+                    </a:lnR>
+                    <a:lnT w="19050" cap="flat" cmpd="sng" algn="ctr">
+                      <a:solidFill>
+                        <a:schemeClr val="tx1"/>
+                      </a:solidFill>
+                      <a:prstDash val="solid"/>
+                      <a:round/>
+                      <a:headEnd type="none" w="med" len="med"/>
+                      <a:tailEnd type="none" w="med" len="med"/>
+                    </a:lnT>
+                    <a:lnB w="12700" cap="flat" cmpd="sng" algn="ctr">
+                      <a:solidFill>
+                        <a:schemeClr val="tx1"/>
+                      </a:solidFill>
+                      <a:prstDash val="solid"/>
+                      <a:round/>
+                      <a:headEnd type="none" w="med" len="med"/>
+                      <a:tailEnd type="none" w="med" len="med"/>
+                    </a:lnB>
+                    <a:lnTlToBr>
+                      <a:noFill/>
+                    </a:lnTlToBr>
+                    <a:lnBlToTr>
+                      <a:noFill/>
+                    </a:lnBlToTr>
+                    <a:noFill/>
+                  </a:tcPr>
+                </a:tc>
+                <a:tc>
+                  <a:txBody>
+                    <a:bodyPr/>
+                    <a:lstStyle/>
+                    <a:p>
+                      <a:pPr marL="0" marR="0" lvl="0" indent="0" algn="ctr" defTabSz="914400" rtl="0" eaLnBrk="1" fontAlgn="base" latinLnBrk="0" hangingPunct="1">
+                        <a:lnSpc>
+                          <a:spcPct val="100000"/>
+                        </a:lnSpc>
+                        <a:spcBef>
+                          <a:spcPct val="20000"/>
+                        </a:spcBef>
+                        <a:spcAft>
+                          <a:spcPct val="0"/>
+                        </a:spcAft>
+                        <a:buClr>
+                          <a:schemeClr val="folHlink"/>
+                        </a:buClr>
+                        <a:buSzPct val="60000"/>
+                        <a:buFont typeface="Wingdings" pitchFamily="2" charset="2"/>
+                        <a:buNone/>
+                        <a:tabLst/>
+                      </a:pPr>
+                      <a:r>
+                        <a:rPr kumimoji="0" lang="en-US" sz="1600" b="1" i="0" u="none" strike="noStrike" cap="none" normalizeH="0" baseline="0" smtClean="0">
+                          <a:ln>
+                            <a:noFill/>
+                          </a:ln>
+                          <a:solidFill>
+                            <a:srgbClr val="1E3272"/>
+                          </a:solidFill>
+                          <a:effectLst/>
+                          <a:latin typeface="Arial" charset="0"/>
+                        </a:rPr>
+                        <a:t>EX</a:t>
+                      </a:r>
+                      <a:endParaRPr kumimoji="0" lang="en-AU" sz="1600" b="1" i="0" u="none" strike="noStrike" cap="none" normalizeH="0" baseline="0" smtClean="0">
+                        <a:ln>
+                          <a:noFill/>
+                        </a:ln>
+                        <a:solidFill>
+                          <a:srgbClr val="1E3272"/>
+                        </a:solidFill>
+                        <a:effectLst/>
+                        <a:latin typeface="Arial" charset="0"/>
+                      </a:endParaRPr>
+                    </a:p>
+                  </a:txBody>
+                  <a:tcPr horzOverflow="overflow">
+                    <a:lnL w="12700" cap="flat" cmpd="sng" algn="ctr">
+                      <a:solidFill>
+                        <a:schemeClr val="tx1"/>
+                      </a:solidFill>
+                      <a:prstDash val="solid"/>
+                      <a:round/>
+                      <a:headEnd type="none" w="med" len="med"/>
+                      <a:tailEnd type="none" w="med" len="med"/>
+                    </a:lnL>
+                    <a:lnR w="12700" cap="flat" cmpd="sng" algn="ctr">
+                      <a:solidFill>
+                        <a:schemeClr val="tx1"/>
+                      </a:solidFill>
+                      <a:prstDash val="solid"/>
+                      <a:round/>
+                      <a:headEnd type="none" w="med" len="med"/>
+                      <a:tailEnd type="none" w="med" len="med"/>
+                    </a:lnR>
+                    <a:lnT w="19050" cap="flat" cmpd="sng" algn="ctr">
+                      <a:solidFill>
+                        <a:schemeClr val="tx1"/>
+                      </a:solidFill>
+                      <a:prstDash val="solid"/>
+                      <a:round/>
+                      <a:headEnd type="none" w="med" len="med"/>
+                      <a:tailEnd type="none" w="med" len="med"/>
+                    </a:lnT>
+                    <a:lnB w="12700" cap="flat" cmpd="sng" algn="ctr">
+                      <a:solidFill>
+                        <a:schemeClr val="tx1"/>
+                      </a:solidFill>
+                      <a:prstDash val="solid"/>
+                      <a:round/>
+                      <a:headEnd type="none" w="med" len="med"/>
+                      <a:tailEnd type="none" w="med" len="med"/>
+                    </a:lnB>
+                    <a:lnTlToBr>
+                      <a:noFill/>
+                    </a:lnTlToBr>
+                    <a:lnBlToTr>
+                      <a:noFill/>
+                    </a:lnBlToTr>
+                    <a:noFill/>
+                  </a:tcPr>
+                </a:tc>
+                <a:tc>
+                  <a:txBody>
+                    <a:bodyPr/>
+                    <a:lstStyle/>
+                    <a:p>
+                      <a:pPr marL="0" marR="0" lvl="0" indent="0" algn="ctr" defTabSz="914400" rtl="0" eaLnBrk="1" fontAlgn="base" latinLnBrk="0" hangingPunct="1">
+                        <a:lnSpc>
+                          <a:spcPct val="100000"/>
+                        </a:lnSpc>
+                        <a:spcBef>
+                          <a:spcPct val="20000"/>
+                        </a:spcBef>
+                        <a:spcAft>
+                          <a:spcPct val="0"/>
+                        </a:spcAft>
+                        <a:buClr>
+                          <a:schemeClr val="folHlink"/>
+                        </a:buClr>
+                        <a:buSzPct val="60000"/>
+                        <a:buFont typeface="Wingdings" pitchFamily="2" charset="2"/>
+                        <a:buNone/>
+                        <a:tabLst/>
+                      </a:pPr>
+                      <a:r>
+                        <a:rPr kumimoji="0" lang="en-US" sz="1600" b="1" i="0" u="none" strike="noStrike" cap="none" normalizeH="0" baseline="0" smtClean="0">
+                          <a:ln>
+                            <a:noFill/>
+                          </a:ln>
+                          <a:solidFill>
+                            <a:srgbClr val="1E3272"/>
+                          </a:solidFill>
+                          <a:effectLst/>
+                          <a:latin typeface="Arial" charset="0"/>
+                        </a:rPr>
+                        <a:t>MEM</a:t>
+                      </a:r>
+                      <a:endParaRPr kumimoji="0" lang="en-AU" sz="1600" b="1" i="0" u="none" strike="noStrike" cap="none" normalizeH="0" baseline="0" smtClean="0">
+                        <a:ln>
+                          <a:noFill/>
+                        </a:ln>
+                        <a:solidFill>
+                          <a:srgbClr val="1E3272"/>
+                        </a:solidFill>
+                        <a:effectLst/>
+                        <a:latin typeface="Arial" charset="0"/>
+                      </a:endParaRPr>
+                    </a:p>
+                  </a:txBody>
+                  <a:tcPr horzOverflow="overflow">
+                    <a:lnL w="12700" cap="flat" cmpd="sng" algn="ctr">
+                      <a:solidFill>
+                        <a:schemeClr val="tx1"/>
+                      </a:solidFill>
+                      <a:prstDash val="solid"/>
+                      <a:round/>
+                      <a:headEnd type="none" w="med" len="med"/>
+                      <a:tailEnd type="none" w="med" len="med"/>
+                    </a:lnL>
+                    <a:lnR w="12700" cap="flat" cmpd="sng" algn="ctr">
+                      <a:solidFill>
+                        <a:schemeClr val="tx1"/>
+                      </a:solidFill>
+                      <a:prstDash val="solid"/>
+                      <a:round/>
+                      <a:headEnd type="none" w="med" len="med"/>
+                      <a:tailEnd type="none" w="med" len="med"/>
+                    </a:lnR>
+                    <a:lnT w="19050" cap="flat" cmpd="sng" algn="ctr">
+                      <a:solidFill>
+                        <a:schemeClr val="tx1"/>
+                      </a:solidFill>
+                      <a:prstDash val="solid"/>
+                      <a:round/>
+                      <a:headEnd type="none" w="med" len="med"/>
+                      <a:tailEnd type="none" w="med" len="med"/>
+                    </a:lnT>
+                    <a:lnB w="12700" cap="flat" cmpd="sng" algn="ctr">
+                      <a:solidFill>
+                        <a:schemeClr val="tx1"/>
+                      </a:solidFill>
+                      <a:prstDash val="solid"/>
+                      <a:round/>
+                      <a:headEnd type="none" w="med" len="med"/>
+                      <a:tailEnd type="none" w="med" len="med"/>
+                    </a:lnB>
+                    <a:lnTlToBr>
+                      <a:noFill/>
+                    </a:lnTlToBr>
+                    <a:lnBlToTr>
+                      <a:noFill/>
+                    </a:lnBlToTr>
+                    <a:noFill/>
+                  </a:tcPr>
+                </a:tc>
+                <a:tc>
+                  <a:txBody>
+                    <a:bodyPr/>
+                    <a:lstStyle/>
+                    <a:p>
+                      <a:pPr marL="0" marR="0" lvl="0" indent="0" algn="ctr" defTabSz="914400" rtl="0" eaLnBrk="1" fontAlgn="base" latinLnBrk="0" hangingPunct="1">
+                        <a:lnSpc>
+                          <a:spcPct val="100000"/>
+                        </a:lnSpc>
+                        <a:spcBef>
+                          <a:spcPct val="20000"/>
+                        </a:spcBef>
+                        <a:spcAft>
+                          <a:spcPct val="0"/>
+                        </a:spcAft>
+                        <a:buClr>
+                          <a:schemeClr val="folHlink"/>
+                        </a:buClr>
+                        <a:buSzPct val="60000"/>
+                        <a:buFont typeface="Wingdings" pitchFamily="2" charset="2"/>
+                        <a:buNone/>
+                        <a:tabLst/>
+                      </a:pPr>
+                      <a:r>
+                        <a:rPr kumimoji="0" lang="en-US" sz="1600" b="1" i="0" u="none" strike="noStrike" cap="none" normalizeH="0" baseline="0" smtClean="0">
+                          <a:ln>
+                            <a:noFill/>
+                          </a:ln>
+                          <a:solidFill>
+                            <a:srgbClr val="1E3272"/>
+                          </a:solidFill>
+                          <a:effectLst/>
+                          <a:latin typeface="Arial" charset="0"/>
+                        </a:rPr>
+                        <a:t>WB</a:t>
+                      </a:r>
+                      <a:endParaRPr kumimoji="0" lang="en-AU" sz="1600" b="1" i="0" u="none" strike="noStrike" cap="none" normalizeH="0" baseline="0" smtClean="0">
+                        <a:ln>
+                          <a:noFill/>
+                        </a:ln>
+                        <a:solidFill>
+                          <a:srgbClr val="1E3272"/>
+                        </a:solidFill>
+                        <a:effectLst/>
+                        <a:latin typeface="Arial" charset="0"/>
+                      </a:endParaRPr>
+                    </a:p>
+                  </a:txBody>
+                  <a:tcPr horzOverflow="overflow">
+                    <a:lnL w="12700" cap="flat" cmpd="sng" algn="ctr">
+                      <a:solidFill>
+                        <a:schemeClr val="tx1"/>
+                      </a:solidFill>
+                      <a:prstDash val="solid"/>
+                      <a:round/>
+                      <a:headEnd type="none" w="med" len="med"/>
+                      <a:tailEnd type="none" w="med" len="med"/>
+                    </a:lnL>
+                    <a:lnR w="12700" cap="flat" cmpd="sng" algn="ctr">
+                      <a:solidFill>
+                        <a:schemeClr val="tx1"/>
+                      </a:solidFill>
+                      <a:prstDash val="solid"/>
+                      <a:round/>
+                      <a:headEnd type="none" w="med" len="med"/>
+                      <a:tailEnd type="none" w="med" len="med"/>
+                    </a:lnR>
+                    <a:lnT w="19050" cap="flat" cmpd="sng" algn="ctr">
+                      <a:solidFill>
+                        <a:schemeClr val="tx1"/>
+                      </a:solidFill>
+                      <a:prstDash val="solid"/>
+                      <a:round/>
+                      <a:headEnd type="none" w="med" len="med"/>
+                      <a:tailEnd type="none" w="med" len="med"/>
+                    </a:lnT>
+                    <a:lnB w="12700" cap="flat" cmpd="sng" algn="ctr">
+                      <a:solidFill>
+                        <a:schemeClr val="tx1"/>
+                      </a:solidFill>
+                      <a:prstDash val="solid"/>
+                      <a:round/>
+                      <a:headEnd type="none" w="med" len="med"/>
+                      <a:tailEnd type="none" w="med" len="med"/>
+                    </a:lnB>
+                    <a:lnTlToBr>
+                      <a:noFill/>
+                    </a:lnTlToBr>
+                    <a:lnBlToTr>
+                      <a:noFill/>
+                    </a:lnBlToTr>
+                    <a:noFill/>
+                  </a:tcPr>
+                </a:tc>
+                <a:tc>
+                  <a:txBody>
+                    <a:bodyPr/>
+                    <a:lstStyle/>
+                    <a:p>
+                      <a:pPr marL="0" marR="0" lvl="0" indent="0" algn="ctr" defTabSz="914400" rtl="0" eaLnBrk="1" fontAlgn="base" latinLnBrk="0" hangingPunct="1">
+                        <a:lnSpc>
+                          <a:spcPct val="100000"/>
+                        </a:lnSpc>
+                        <a:spcBef>
+                          <a:spcPct val="20000"/>
+                        </a:spcBef>
+                        <a:spcAft>
+                          <a:spcPct val="0"/>
+                        </a:spcAft>
+                        <a:buClr>
+                          <a:schemeClr val="folHlink"/>
+                        </a:buClr>
+                        <a:buSzPct val="60000"/>
+                        <a:buFont typeface="Wingdings" pitchFamily="2" charset="2"/>
+                        <a:buNone/>
+                        <a:tabLst/>
+                      </a:pPr>
+                      <a:endParaRPr kumimoji="0" lang="en-US" sz="1600" b="1" i="0" u="none" strike="noStrike" cap="none" normalizeH="0" baseline="0" smtClean="0">
+                        <a:ln>
+                          <a:noFill/>
+                        </a:ln>
+                        <a:solidFill>
+                          <a:srgbClr val="1E3272"/>
+                        </a:solidFill>
+                        <a:effectLst/>
+                        <a:latin typeface="Arial" charset="0"/>
+                      </a:endParaRPr>
+                    </a:p>
+                  </a:txBody>
+                  <a:tcPr horzOverflow="overflow">
+                    <a:lnL w="12700" cap="flat" cmpd="sng" algn="ctr">
+                      <a:solidFill>
+                        <a:schemeClr val="tx1"/>
+                      </a:solidFill>
+                      <a:prstDash val="solid"/>
+                      <a:round/>
+                      <a:headEnd type="none" w="med" len="med"/>
+                      <a:tailEnd type="none" w="med" len="med"/>
+                    </a:lnL>
+                    <a:lnR w="12700" cap="flat" cmpd="sng" algn="ctr">
+                      <a:solidFill>
+                        <a:schemeClr val="tx1"/>
+                      </a:solidFill>
+                      <a:prstDash val="solid"/>
+                      <a:round/>
+                      <a:headEnd type="none" w="med" len="med"/>
+                      <a:tailEnd type="none" w="med" len="med"/>
+                    </a:lnR>
+                    <a:lnT w="19050" cap="flat" cmpd="sng" algn="ctr">
+                      <a:solidFill>
+                        <a:schemeClr val="tx1"/>
+                      </a:solidFill>
+                      <a:prstDash val="solid"/>
+                      <a:round/>
+                      <a:headEnd type="none" w="med" len="med"/>
+                      <a:tailEnd type="none" w="med" len="med"/>
+                    </a:lnT>
+                    <a:lnB w="12700" cap="flat" cmpd="sng" algn="ctr">
+                      <a:solidFill>
+                        <a:schemeClr val="tx1"/>
+                      </a:solidFill>
+                      <a:prstDash val="solid"/>
+                      <a:round/>
+                      <a:headEnd type="none" w="med" len="med"/>
+                      <a:tailEnd type="none" w="med" len="med"/>
+                    </a:lnB>
+                    <a:lnTlToBr>
+                      <a:noFill/>
+                    </a:lnTlToBr>
+                    <a:lnBlToTr>
+                      <a:noFill/>
+                    </a:lnBlToTr>
+                    <a:noFill/>
+                  </a:tcPr>
+                </a:tc>
+                <a:tc>
+                  <a:txBody>
+                    <a:bodyPr/>
+                    <a:lstStyle/>
+                    <a:p>
+                      <a:pPr marL="0" marR="0" lvl="0" indent="0" algn="ctr" defTabSz="914400" rtl="0" eaLnBrk="1" fontAlgn="base" latinLnBrk="0" hangingPunct="1">
+                        <a:lnSpc>
+                          <a:spcPct val="100000"/>
+                        </a:lnSpc>
+                        <a:spcBef>
+                          <a:spcPct val="20000"/>
+                        </a:spcBef>
+                        <a:spcAft>
+                          <a:spcPct val="0"/>
+                        </a:spcAft>
+                        <a:buClr>
+                          <a:schemeClr val="folHlink"/>
+                        </a:buClr>
+                        <a:buSzPct val="60000"/>
+                        <a:buFont typeface="Wingdings" pitchFamily="2" charset="2"/>
+                        <a:buNone/>
+                        <a:tabLst/>
+                      </a:pPr>
+                      <a:endParaRPr kumimoji="0" lang="en-US" sz="1600" b="1" i="0" u="none" strike="noStrike" cap="none" normalizeH="0" baseline="0" dirty="0" smtClean="0">
+                        <a:ln>
+                          <a:noFill/>
+                        </a:ln>
+                        <a:solidFill>
+                          <a:srgbClr val="1E3272"/>
+                        </a:solidFill>
+                        <a:effectLst/>
+                        <a:latin typeface="Arial" charset="0"/>
+                      </a:endParaRPr>
+                    </a:p>
+                  </a:txBody>
+                  <a:tcPr horzOverflow="overflow">
+                    <a:lnL w="12700" cap="flat" cmpd="sng" algn="ctr">
+                      <a:solidFill>
+                        <a:schemeClr val="tx1"/>
+                      </a:solidFill>
+                      <a:prstDash val="solid"/>
+                      <a:round/>
+                      <a:headEnd type="none" w="med" len="med"/>
+                      <a:tailEnd type="none" w="med" len="med"/>
+                    </a:lnL>
+                    <a:lnR w="28575" cap="flat" cmpd="sng" algn="ctr">
+                      <a:solidFill>
+                        <a:schemeClr val="tx1"/>
+                      </a:solidFill>
+                      <a:prstDash val="solid"/>
+                      <a:round/>
+                      <a:headEnd type="none" w="med" len="med"/>
+                      <a:tailEnd type="none" w="med" len="med"/>
+                    </a:lnR>
+                    <a:lnT w="19050" cap="flat" cmpd="sng" algn="ctr">
+                      <a:solidFill>
+                        <a:schemeClr val="tx1"/>
+                      </a:solidFill>
+                      <a:prstDash val="solid"/>
+                      <a:round/>
+                      <a:headEnd type="none" w="med" len="med"/>
+                      <a:tailEnd type="none" w="med" len="med"/>
+                    </a:lnT>
+                    <a:lnB w="12700" cap="flat" cmpd="sng" algn="ctr">
+                      <a:solidFill>
+                        <a:schemeClr val="tx1"/>
+                      </a:solidFill>
+                      <a:prstDash val="solid"/>
+                      <a:round/>
+                      <a:headEnd type="none" w="med" len="med"/>
+                      <a:tailEnd type="none" w="med" len="med"/>
+                    </a:lnB>
+                    <a:lnTlToBr>
+                      <a:noFill/>
+                    </a:lnTlToBr>
+                    <a:lnBlToTr>
+                      <a:noFill/>
+                    </a:lnBlToTr>
+                    <a:noFill/>
+                  </a:tcPr>
+                </a:tc>
+              </a:tr>
+              <a:tr h="378344">
+                <a:tc>
+                  <a:txBody>
+                    <a:bodyPr/>
+                    <a:lstStyle/>
+                    <a:p>
+                      <a:pPr marL="0" marR="0" lvl="0" indent="0" algn="l" defTabSz="914400" rtl="0" eaLnBrk="1" fontAlgn="base" latinLnBrk="0" hangingPunct="1">
+                        <a:lnSpc>
+                          <a:spcPct val="100000"/>
+                        </a:lnSpc>
+                        <a:spcBef>
+                          <a:spcPct val="20000"/>
+                        </a:spcBef>
+                        <a:spcAft>
+                          <a:spcPct val="0"/>
+                        </a:spcAft>
+                        <a:buClr>
+                          <a:schemeClr val="folHlink"/>
+                        </a:buClr>
+                        <a:buSzPct val="60000"/>
+                        <a:buFont typeface="Wingdings" pitchFamily="2" charset="2"/>
+                        <a:buNone/>
+                        <a:tabLst/>
+                      </a:pPr>
+                      <a:r>
+                        <a:rPr kumimoji="0" lang="en-US" sz="1600" b="1" i="0" u="none" strike="noStrike" cap="none" normalizeH="0" baseline="0" smtClean="0">
+                          <a:ln>
+                            <a:noFill/>
+                          </a:ln>
+                          <a:solidFill>
+                            <a:srgbClr val="1E3272"/>
+                          </a:solidFill>
+                          <a:effectLst/>
+                          <a:latin typeface="Arial" charset="0"/>
+                        </a:rPr>
+                        <a:t>n + 4</a:t>
+                      </a:r>
+                      <a:endParaRPr kumimoji="0" lang="en-AU" sz="1600" b="1" i="0" u="none" strike="noStrike" cap="none" normalizeH="0" baseline="0" smtClean="0">
+                        <a:ln>
+                          <a:noFill/>
+                        </a:ln>
+                        <a:solidFill>
+                          <a:srgbClr val="1E3272"/>
+                        </a:solidFill>
+                        <a:effectLst/>
+                        <a:latin typeface="Arial" charset="0"/>
+                      </a:endParaRPr>
+                    </a:p>
+                  </a:txBody>
+                  <a:tcPr horzOverflow="overflow">
+                    <a:lnL w="28575" cap="flat" cmpd="sng" algn="ctr">
+                      <a:solidFill>
+                        <a:schemeClr val="tx1"/>
+                      </a:solidFill>
+                      <a:prstDash val="solid"/>
+                      <a:round/>
+                      <a:headEnd type="none" w="med" len="med"/>
+                      <a:tailEnd type="none" w="med" len="med"/>
+                    </a:lnL>
+                    <a:lnR w="12700" cap="flat" cmpd="sng" algn="ctr">
+                      <a:solidFill>
+                        <a:schemeClr val="tx1"/>
+                      </a:solidFill>
+                      <a:prstDash val="solid"/>
+                      <a:round/>
+                      <a:headEnd type="none" w="med" len="med"/>
+                      <a:tailEnd type="none" w="med" len="med"/>
+                    </a:lnR>
+                    <a:lnT w="12700" cap="flat" cmpd="sng" algn="ctr">
+                      <a:solidFill>
+                        <a:schemeClr val="tx1"/>
+                      </a:solidFill>
+                      <a:prstDash val="solid"/>
+                      <a:round/>
+                      <a:headEnd type="none" w="med" len="med"/>
+                      <a:tailEnd type="none" w="med" len="med"/>
+                    </a:lnT>
+                    <a:lnB w="12700" cap="flat" cmpd="sng" algn="ctr">
+                      <a:solidFill>
+                        <a:schemeClr val="tx1"/>
+                      </a:solidFill>
+                      <a:prstDash val="solid"/>
+                      <a:round/>
+                      <a:headEnd type="none" w="med" len="med"/>
+                      <a:tailEnd type="none" w="med" len="med"/>
+                    </a:lnB>
+                    <a:lnTlToBr>
+                      <a:noFill/>
+                    </a:lnTlToBr>
+                    <a:lnBlToTr>
+                      <a:noFill/>
+                    </a:lnBlToTr>
+                    <a:noFill/>
+                  </a:tcPr>
+                </a:tc>
+                <a:tc>
+                  <a:txBody>
+                    <a:bodyPr/>
+                    <a:lstStyle/>
+                    <a:p>
+                      <a:pPr marL="0" marR="0" lvl="0" indent="0" algn="l" defTabSz="914400" rtl="0" eaLnBrk="1" fontAlgn="base" latinLnBrk="0" hangingPunct="1">
+                        <a:lnSpc>
+                          <a:spcPct val="100000"/>
+                        </a:lnSpc>
+                        <a:spcBef>
+                          <a:spcPct val="20000"/>
+                        </a:spcBef>
+                        <a:spcAft>
+                          <a:spcPct val="0"/>
+                        </a:spcAft>
+                        <a:buClr>
+                          <a:schemeClr val="folHlink"/>
+                        </a:buClr>
+                        <a:buSzPct val="60000"/>
+                        <a:buFont typeface="Wingdings" pitchFamily="2" charset="2"/>
+                        <a:buNone/>
+                        <a:tabLst/>
+                      </a:pPr>
+                      <a:r>
+                        <a:rPr kumimoji="0" lang="en-US" sz="1600" b="1" i="0" u="none" strike="noStrike" cap="none" normalizeH="0" baseline="0" dirty="0" smtClean="0">
+                          <a:ln>
+                            <a:noFill/>
+                          </a:ln>
+                          <a:solidFill>
+                            <a:srgbClr val="1E3272"/>
+                          </a:solidFill>
+                          <a:effectLst/>
+                          <a:latin typeface="Arial" charset="0"/>
+                        </a:rPr>
+                        <a:t>Load/store</a:t>
+                      </a:r>
+                      <a:endParaRPr kumimoji="0" lang="en-AU" sz="1600" b="1" i="0" u="none" strike="noStrike" cap="none" normalizeH="0" baseline="0" dirty="0" smtClean="0">
+                        <a:ln>
+                          <a:noFill/>
+                        </a:ln>
+                        <a:solidFill>
+                          <a:srgbClr val="1E3272"/>
+                        </a:solidFill>
+                        <a:effectLst/>
+                        <a:latin typeface="Arial" charset="0"/>
+                      </a:endParaRPr>
+                    </a:p>
+                  </a:txBody>
+                  <a:tcPr horzOverflow="overflow">
+                    <a:lnL w="12700" cap="flat" cmpd="sng" algn="ctr">
+                      <a:solidFill>
+                        <a:schemeClr val="tx1"/>
+                      </a:solidFill>
+                      <a:prstDash val="solid"/>
+                      <a:round/>
+                      <a:headEnd type="none" w="med" len="med"/>
+                      <a:tailEnd type="none" w="med" len="med"/>
+                    </a:lnL>
+                    <a:lnR w="12700" cap="flat" cmpd="sng" algn="ctr">
+                      <a:solidFill>
+                        <a:schemeClr val="tx1"/>
+                      </a:solidFill>
+                      <a:prstDash val="solid"/>
+                      <a:round/>
+                      <a:headEnd type="none" w="med" len="med"/>
+                      <a:tailEnd type="none" w="med" len="med"/>
+                    </a:lnR>
+                    <a:lnT w="12700" cap="flat" cmpd="sng" algn="ctr">
+                      <a:solidFill>
+                        <a:schemeClr val="tx1"/>
+                      </a:solidFill>
+                      <a:prstDash val="solid"/>
+                      <a:round/>
+                      <a:headEnd type="none" w="med" len="med"/>
+                      <a:tailEnd type="none" w="med" len="med"/>
+                    </a:lnT>
+                    <a:lnB w="12700" cap="flat" cmpd="sng" algn="ctr">
+                      <a:solidFill>
+                        <a:schemeClr val="tx1"/>
+                      </a:solidFill>
+                      <a:prstDash val="solid"/>
+                      <a:round/>
+                      <a:headEnd type="none" w="med" len="med"/>
+                      <a:tailEnd type="none" w="med" len="med"/>
+                    </a:lnB>
+                    <a:lnTlToBr>
+                      <a:noFill/>
+                    </a:lnTlToBr>
+                    <a:lnBlToTr>
+                      <a:noFill/>
+                    </a:lnBlToTr>
+                    <a:noFill/>
+                  </a:tcPr>
+                </a:tc>
+                <a:tc>
+                  <a:txBody>
+                    <a:bodyPr/>
+                    <a:lstStyle/>
+                    <a:p>
+                      <a:pPr marL="0" marR="0" lvl="0" indent="0" algn="ctr" defTabSz="914400" rtl="0" eaLnBrk="1" fontAlgn="base" latinLnBrk="0" hangingPunct="1">
+                        <a:lnSpc>
+                          <a:spcPct val="100000"/>
+                        </a:lnSpc>
+                        <a:spcBef>
+                          <a:spcPct val="20000"/>
+                        </a:spcBef>
+                        <a:spcAft>
+                          <a:spcPct val="0"/>
+                        </a:spcAft>
+                        <a:buClr>
+                          <a:schemeClr val="folHlink"/>
+                        </a:buClr>
+                        <a:buSzPct val="60000"/>
+                        <a:buFont typeface="Wingdings" pitchFamily="2" charset="2"/>
+                        <a:buNone/>
+                        <a:tabLst/>
+                      </a:pPr>
+                      <a:r>
+                        <a:rPr kumimoji="0" lang="en-US" sz="1600" b="1" i="0" u="none" strike="noStrike" cap="none" normalizeH="0" baseline="0" dirty="0" smtClean="0">
+                          <a:ln>
+                            <a:noFill/>
+                          </a:ln>
+                          <a:solidFill>
+                            <a:srgbClr val="1E3272"/>
+                          </a:solidFill>
+                          <a:effectLst/>
+                          <a:latin typeface="Arial" charset="0"/>
+                        </a:rPr>
+                        <a:t>IF</a:t>
+                      </a:r>
+                      <a:endParaRPr kumimoji="0" lang="en-AU" sz="1600" b="1" i="0" u="none" strike="noStrike" cap="none" normalizeH="0" baseline="0" dirty="0" smtClean="0">
+                        <a:ln>
+                          <a:noFill/>
+                        </a:ln>
+                        <a:solidFill>
+                          <a:srgbClr val="1E3272"/>
+                        </a:solidFill>
+                        <a:effectLst/>
+                        <a:latin typeface="Arial" charset="0"/>
+                      </a:endParaRPr>
+                    </a:p>
+                  </a:txBody>
+                  <a:tcPr horzOverflow="overflow">
+                    <a:lnL w="12700" cap="flat" cmpd="sng" algn="ctr">
+                      <a:solidFill>
+                        <a:schemeClr val="tx1"/>
+                      </a:solidFill>
+                      <a:prstDash val="solid"/>
+                      <a:round/>
+                      <a:headEnd type="none" w="med" len="med"/>
+                      <a:tailEnd type="none" w="med" len="med"/>
+                    </a:lnL>
+                    <a:lnR w="12700" cap="flat" cmpd="sng" algn="ctr">
+                      <a:solidFill>
+                        <a:schemeClr val="tx1"/>
+                      </a:solidFill>
+                      <a:prstDash val="solid"/>
+                      <a:round/>
+                      <a:headEnd type="none" w="med" len="med"/>
+                      <a:tailEnd type="none" w="med" len="med"/>
+                    </a:lnR>
+                    <a:lnT w="12700" cap="flat" cmpd="sng" algn="ctr">
+                      <a:solidFill>
+                        <a:schemeClr val="tx1"/>
+                      </a:solidFill>
+                      <a:prstDash val="solid"/>
+                      <a:round/>
+                      <a:headEnd type="none" w="med" len="med"/>
+                      <a:tailEnd type="none" w="med" len="med"/>
+                    </a:lnT>
+                    <a:lnB w="12700" cap="flat" cmpd="sng" algn="ctr">
+                      <a:solidFill>
+                        <a:schemeClr val="tx1"/>
+                      </a:solidFill>
+                      <a:prstDash val="solid"/>
+                      <a:round/>
+                      <a:headEnd type="none" w="med" len="med"/>
+                      <a:tailEnd type="none" w="med" len="med"/>
+                    </a:lnB>
+                    <a:lnTlToBr>
+                      <a:noFill/>
+                    </a:lnTlToBr>
+                    <a:lnBlToTr>
+                      <a:noFill/>
+                    </a:lnBlToTr>
+                    <a:noFill/>
+                  </a:tcPr>
+                </a:tc>
+                <a:tc>
+                  <a:txBody>
+                    <a:bodyPr/>
+                    <a:lstStyle/>
+                    <a:p>
+                      <a:pPr marL="0" marR="0" lvl="0" indent="0" algn="ctr" defTabSz="914400" rtl="0" eaLnBrk="1" fontAlgn="base" latinLnBrk="0" hangingPunct="1">
+                        <a:lnSpc>
+                          <a:spcPct val="100000"/>
+                        </a:lnSpc>
+                        <a:spcBef>
+                          <a:spcPct val="20000"/>
+                        </a:spcBef>
+                        <a:spcAft>
+                          <a:spcPct val="0"/>
+                        </a:spcAft>
+                        <a:buClr>
+                          <a:schemeClr val="folHlink"/>
+                        </a:buClr>
+                        <a:buSzPct val="60000"/>
+                        <a:buFont typeface="Wingdings" pitchFamily="2" charset="2"/>
+                        <a:buNone/>
+                        <a:tabLst/>
+                      </a:pPr>
+                      <a:r>
+                        <a:rPr kumimoji="0" lang="en-US" sz="1600" b="1" i="0" u="none" strike="noStrike" cap="none" normalizeH="0" baseline="0" smtClean="0">
+                          <a:ln>
+                            <a:noFill/>
+                          </a:ln>
+                          <a:solidFill>
+                            <a:srgbClr val="1E3272"/>
+                          </a:solidFill>
+                          <a:effectLst/>
+                          <a:latin typeface="Arial" charset="0"/>
+                        </a:rPr>
+                        <a:t>ID</a:t>
+                      </a:r>
+                      <a:endParaRPr kumimoji="0" lang="en-AU" sz="1600" b="1" i="0" u="none" strike="noStrike" cap="none" normalizeH="0" baseline="0" smtClean="0">
+                        <a:ln>
+                          <a:noFill/>
+                        </a:ln>
+                        <a:solidFill>
+                          <a:srgbClr val="1E3272"/>
+                        </a:solidFill>
+                        <a:effectLst/>
+                        <a:latin typeface="Arial" charset="0"/>
+                      </a:endParaRPr>
+                    </a:p>
+                  </a:txBody>
+                  <a:tcPr horzOverflow="overflow">
+                    <a:lnL w="12700" cap="flat" cmpd="sng" algn="ctr">
+                      <a:solidFill>
+                        <a:schemeClr val="tx1"/>
+                      </a:solidFill>
+                      <a:prstDash val="solid"/>
+                      <a:round/>
+                      <a:headEnd type="none" w="med" len="med"/>
+                      <a:tailEnd type="none" w="med" len="med"/>
+                    </a:lnL>
+                    <a:lnR w="12700" cap="flat" cmpd="sng" algn="ctr">
+                      <a:solidFill>
+                        <a:schemeClr val="tx1"/>
+                      </a:solidFill>
+                      <a:prstDash val="solid"/>
+                      <a:round/>
+                      <a:headEnd type="none" w="med" len="med"/>
+                      <a:tailEnd type="none" w="med" len="med"/>
+                    </a:lnR>
+                    <a:lnT w="12700" cap="flat" cmpd="sng" algn="ctr">
+                      <a:solidFill>
+                        <a:schemeClr val="tx1"/>
+                      </a:solidFill>
+                      <a:prstDash val="solid"/>
+                      <a:round/>
+                      <a:headEnd type="none" w="med" len="med"/>
+                      <a:tailEnd type="none" w="med" len="med"/>
+                    </a:lnT>
+                    <a:lnB w="12700" cap="flat" cmpd="sng" algn="ctr">
+                      <a:solidFill>
+                        <a:schemeClr val="tx1"/>
+                      </a:solidFill>
+                      <a:prstDash val="solid"/>
+                      <a:round/>
+                      <a:headEnd type="none" w="med" len="med"/>
+                      <a:tailEnd type="none" w="med" len="med"/>
+                    </a:lnB>
+                    <a:lnTlToBr>
+                      <a:noFill/>
+                    </a:lnTlToBr>
+                    <a:lnBlToTr>
+                      <a:noFill/>
+                    </a:lnBlToTr>
+                    <a:noFill/>
+                  </a:tcPr>
+                </a:tc>
+                <a:tc>
+                  <a:txBody>
+                    <a:bodyPr/>
+                    <a:lstStyle/>
+                    <a:p>
+                      <a:pPr marL="0" marR="0" lvl="0" indent="0" algn="ctr" defTabSz="914400" rtl="0" eaLnBrk="1" fontAlgn="base" latinLnBrk="0" hangingPunct="1">
+                        <a:lnSpc>
+                          <a:spcPct val="100000"/>
+                        </a:lnSpc>
+                        <a:spcBef>
+                          <a:spcPct val="20000"/>
+                        </a:spcBef>
+                        <a:spcAft>
+                          <a:spcPct val="0"/>
+                        </a:spcAft>
+                        <a:buClr>
+                          <a:schemeClr val="folHlink"/>
+                        </a:buClr>
+                        <a:buSzPct val="60000"/>
+                        <a:buFont typeface="Wingdings" pitchFamily="2" charset="2"/>
+                        <a:buNone/>
+                        <a:tabLst/>
+                      </a:pPr>
+                      <a:r>
+                        <a:rPr kumimoji="0" lang="en-US" sz="1600" b="1" i="0" u="none" strike="noStrike" cap="none" normalizeH="0" baseline="0" smtClean="0">
+                          <a:ln>
+                            <a:noFill/>
+                          </a:ln>
+                          <a:solidFill>
+                            <a:srgbClr val="1E3272"/>
+                          </a:solidFill>
+                          <a:effectLst/>
+                          <a:latin typeface="Arial" charset="0"/>
+                        </a:rPr>
+                        <a:t>EX</a:t>
+                      </a:r>
+                      <a:endParaRPr kumimoji="0" lang="en-AU" sz="1600" b="1" i="0" u="none" strike="noStrike" cap="none" normalizeH="0" baseline="0" smtClean="0">
+                        <a:ln>
+                          <a:noFill/>
+                        </a:ln>
+                        <a:solidFill>
+                          <a:srgbClr val="1E3272"/>
+                        </a:solidFill>
+                        <a:effectLst/>
+                        <a:latin typeface="Arial" charset="0"/>
+                      </a:endParaRPr>
+                    </a:p>
+                  </a:txBody>
+                  <a:tcPr horzOverflow="overflow">
+                    <a:lnL w="12700" cap="flat" cmpd="sng" algn="ctr">
+                      <a:solidFill>
+                        <a:schemeClr val="tx1"/>
+                      </a:solidFill>
+                      <a:prstDash val="solid"/>
+                      <a:round/>
+                      <a:headEnd type="none" w="med" len="med"/>
+                      <a:tailEnd type="none" w="med" len="med"/>
+                    </a:lnL>
+                    <a:lnR w="12700" cap="flat" cmpd="sng" algn="ctr">
+                      <a:solidFill>
+                        <a:schemeClr val="tx1"/>
+                      </a:solidFill>
+                      <a:prstDash val="solid"/>
+                      <a:round/>
+                      <a:headEnd type="none" w="med" len="med"/>
+                      <a:tailEnd type="none" w="med" len="med"/>
+                    </a:lnR>
+                    <a:lnT w="12700" cap="flat" cmpd="sng" algn="ctr">
+                      <a:solidFill>
+                        <a:schemeClr val="tx1"/>
+                      </a:solidFill>
+                      <a:prstDash val="solid"/>
+                      <a:round/>
+                      <a:headEnd type="none" w="med" len="med"/>
+                      <a:tailEnd type="none" w="med" len="med"/>
+                    </a:lnT>
+                    <a:lnB w="12700" cap="flat" cmpd="sng" algn="ctr">
+                      <a:solidFill>
+                        <a:schemeClr val="tx1"/>
+                      </a:solidFill>
+                      <a:prstDash val="solid"/>
+                      <a:round/>
+                      <a:headEnd type="none" w="med" len="med"/>
+                      <a:tailEnd type="none" w="med" len="med"/>
+                    </a:lnB>
+                    <a:lnTlToBr>
+                      <a:noFill/>
+                    </a:lnTlToBr>
+                    <a:lnBlToTr>
+                      <a:noFill/>
+                    </a:lnBlToTr>
+                    <a:noFill/>
+                  </a:tcPr>
+                </a:tc>
+                <a:tc>
+                  <a:txBody>
+                    <a:bodyPr/>
+                    <a:lstStyle/>
+                    <a:p>
+                      <a:pPr marL="0" marR="0" lvl="0" indent="0" algn="ctr" defTabSz="914400" rtl="0" eaLnBrk="1" fontAlgn="base" latinLnBrk="0" hangingPunct="1">
+                        <a:lnSpc>
+                          <a:spcPct val="100000"/>
+                        </a:lnSpc>
+                        <a:spcBef>
+                          <a:spcPct val="20000"/>
+                        </a:spcBef>
+                        <a:spcAft>
+                          <a:spcPct val="0"/>
+                        </a:spcAft>
+                        <a:buClr>
+                          <a:schemeClr val="folHlink"/>
+                        </a:buClr>
+                        <a:buSzPct val="60000"/>
+                        <a:buFont typeface="Wingdings" pitchFamily="2" charset="2"/>
+                        <a:buNone/>
+                        <a:tabLst/>
+                      </a:pPr>
+                      <a:r>
+                        <a:rPr kumimoji="0" lang="en-US" sz="1600" b="1" i="0" u="none" strike="noStrike" cap="none" normalizeH="0" baseline="0" smtClean="0">
+                          <a:ln>
+                            <a:noFill/>
+                          </a:ln>
+                          <a:solidFill>
+                            <a:srgbClr val="1E3272"/>
+                          </a:solidFill>
+                          <a:effectLst/>
+                          <a:latin typeface="Arial" charset="0"/>
+                        </a:rPr>
+                        <a:t>MEM</a:t>
+                      </a:r>
+                      <a:endParaRPr kumimoji="0" lang="en-AU" sz="1600" b="1" i="0" u="none" strike="noStrike" cap="none" normalizeH="0" baseline="0" smtClean="0">
+                        <a:ln>
+                          <a:noFill/>
+                        </a:ln>
+                        <a:solidFill>
+                          <a:srgbClr val="1E3272"/>
+                        </a:solidFill>
+                        <a:effectLst/>
+                        <a:latin typeface="Arial" charset="0"/>
+                      </a:endParaRPr>
+                    </a:p>
+                  </a:txBody>
+                  <a:tcPr horzOverflow="overflow">
+                    <a:lnL w="12700" cap="flat" cmpd="sng" algn="ctr">
+                      <a:solidFill>
+                        <a:schemeClr val="tx1"/>
+                      </a:solidFill>
+                      <a:prstDash val="solid"/>
+                      <a:round/>
+                      <a:headEnd type="none" w="med" len="med"/>
+                      <a:tailEnd type="none" w="med" len="med"/>
+                    </a:lnL>
+                    <a:lnR w="12700" cap="flat" cmpd="sng" algn="ctr">
+                      <a:solidFill>
+                        <a:schemeClr val="tx1"/>
+                      </a:solidFill>
+                      <a:prstDash val="solid"/>
+                      <a:round/>
+                      <a:headEnd type="none" w="med" len="med"/>
+                      <a:tailEnd type="none" w="med" len="med"/>
+                    </a:lnR>
+                    <a:lnT w="12700" cap="flat" cmpd="sng" algn="ctr">
+                      <a:solidFill>
+                        <a:schemeClr val="tx1"/>
+                      </a:solidFill>
+                      <a:prstDash val="solid"/>
+                      <a:round/>
+                      <a:headEnd type="none" w="med" len="med"/>
+                      <a:tailEnd type="none" w="med" len="med"/>
+                    </a:lnT>
+                    <a:lnB w="12700" cap="flat" cmpd="sng" algn="ctr">
+                      <a:solidFill>
+                        <a:schemeClr val="tx1"/>
+                      </a:solidFill>
+                      <a:prstDash val="solid"/>
+                      <a:round/>
+                      <a:headEnd type="none" w="med" len="med"/>
+                      <a:tailEnd type="none" w="med" len="med"/>
+                    </a:lnB>
+                    <a:lnTlToBr>
+                      <a:noFill/>
+                    </a:lnTlToBr>
+                    <a:lnBlToTr>
+                      <a:noFill/>
+                    </a:lnBlToTr>
+                    <a:noFill/>
+                  </a:tcPr>
+                </a:tc>
+                <a:tc>
+                  <a:txBody>
+                    <a:bodyPr/>
+                    <a:lstStyle/>
+                    <a:p>
+                      <a:pPr marL="0" marR="0" lvl="0" indent="0" algn="ctr" defTabSz="914400" rtl="0" eaLnBrk="1" fontAlgn="base" latinLnBrk="0" hangingPunct="1">
+                        <a:lnSpc>
+                          <a:spcPct val="100000"/>
+                        </a:lnSpc>
+                        <a:spcBef>
+                          <a:spcPct val="20000"/>
+                        </a:spcBef>
+                        <a:spcAft>
+                          <a:spcPct val="0"/>
+                        </a:spcAft>
+                        <a:buClr>
+                          <a:schemeClr val="folHlink"/>
+                        </a:buClr>
+                        <a:buSzPct val="60000"/>
+                        <a:buFont typeface="Wingdings" pitchFamily="2" charset="2"/>
+                        <a:buNone/>
+                        <a:tabLst/>
+                      </a:pPr>
+                      <a:r>
+                        <a:rPr kumimoji="0" lang="en-US" sz="1600" b="1" i="0" u="none" strike="noStrike" cap="none" normalizeH="0" baseline="0" smtClean="0">
+                          <a:ln>
+                            <a:noFill/>
+                          </a:ln>
+                          <a:solidFill>
+                            <a:srgbClr val="1E3272"/>
+                          </a:solidFill>
+                          <a:effectLst/>
+                          <a:latin typeface="Arial" charset="0"/>
+                        </a:rPr>
+                        <a:t>WB</a:t>
+                      </a:r>
+                      <a:endParaRPr kumimoji="0" lang="en-AU" sz="1600" b="1" i="0" u="none" strike="noStrike" cap="none" normalizeH="0" baseline="0" smtClean="0">
+                        <a:ln>
+                          <a:noFill/>
+                        </a:ln>
+                        <a:solidFill>
+                          <a:srgbClr val="1E3272"/>
+                        </a:solidFill>
+                        <a:effectLst/>
+                        <a:latin typeface="Arial" charset="0"/>
+                      </a:endParaRPr>
+                    </a:p>
+                  </a:txBody>
+                  <a:tcPr horzOverflow="overflow">
+                    <a:lnL w="12700" cap="flat" cmpd="sng" algn="ctr">
+                      <a:solidFill>
+                        <a:schemeClr val="tx1"/>
+                      </a:solidFill>
+                      <a:prstDash val="solid"/>
+                      <a:round/>
+                      <a:headEnd type="none" w="med" len="med"/>
+                      <a:tailEnd type="none" w="med" len="med"/>
+                    </a:lnL>
+                    <a:lnR w="12700" cap="flat" cmpd="sng" algn="ctr">
+                      <a:solidFill>
+                        <a:schemeClr val="tx1"/>
+                      </a:solidFill>
+                      <a:prstDash val="solid"/>
+                      <a:round/>
+                      <a:headEnd type="none" w="med" len="med"/>
+                      <a:tailEnd type="none" w="med" len="med"/>
+                    </a:lnR>
+                    <a:lnT w="12700" cap="flat" cmpd="sng" algn="ctr">
+                      <a:solidFill>
+                        <a:schemeClr val="tx1"/>
+                      </a:solidFill>
+                      <a:prstDash val="solid"/>
+                      <a:round/>
+                      <a:headEnd type="none" w="med" len="med"/>
+                      <a:tailEnd type="none" w="med" len="med"/>
+                    </a:lnT>
+                    <a:lnB w="12700" cap="flat" cmpd="sng" algn="ctr">
+                      <a:solidFill>
+                        <a:schemeClr val="tx1"/>
+                      </a:solidFill>
+                      <a:prstDash val="solid"/>
+                      <a:round/>
+                      <a:headEnd type="none" w="med" len="med"/>
+                      <a:tailEnd type="none" w="med" len="med"/>
+                    </a:lnB>
+                    <a:lnTlToBr>
+                      <a:noFill/>
+                    </a:lnTlToBr>
+                    <a:lnBlToTr>
+                      <a:noFill/>
+                    </a:lnBlToTr>
+                    <a:noFill/>
+                  </a:tcPr>
+                </a:tc>
+                <a:tc>
+                  <a:txBody>
+                    <a:bodyPr/>
+                    <a:lstStyle/>
+                    <a:p>
+                      <a:pPr marL="0" marR="0" lvl="0" indent="0" algn="ctr" defTabSz="914400" rtl="0" eaLnBrk="1" fontAlgn="base" latinLnBrk="0" hangingPunct="1">
+                        <a:lnSpc>
+                          <a:spcPct val="100000"/>
+                        </a:lnSpc>
+                        <a:spcBef>
+                          <a:spcPct val="20000"/>
+                        </a:spcBef>
+                        <a:spcAft>
+                          <a:spcPct val="0"/>
+                        </a:spcAft>
+                        <a:buClr>
+                          <a:schemeClr val="folHlink"/>
+                        </a:buClr>
+                        <a:buSzPct val="60000"/>
+                        <a:buFont typeface="Wingdings" pitchFamily="2" charset="2"/>
+                        <a:buNone/>
+                        <a:tabLst/>
+                      </a:pPr>
+                      <a:endParaRPr kumimoji="0" lang="en-US" sz="1600" b="1" i="0" u="none" strike="noStrike" cap="none" normalizeH="0" baseline="0" smtClean="0">
+                        <a:ln>
+                          <a:noFill/>
+                        </a:ln>
+                        <a:solidFill>
+                          <a:srgbClr val="1E3272"/>
+                        </a:solidFill>
+                        <a:effectLst/>
+                        <a:latin typeface="Arial" charset="0"/>
+                      </a:endParaRPr>
+                    </a:p>
+                  </a:txBody>
+                  <a:tcPr horzOverflow="overflow">
+                    <a:lnL w="12700" cap="flat" cmpd="sng" algn="ctr">
+                      <a:solidFill>
+                        <a:schemeClr val="tx1"/>
+                      </a:solidFill>
+                      <a:prstDash val="solid"/>
+                      <a:round/>
+                      <a:headEnd type="none" w="med" len="med"/>
+                      <a:tailEnd type="none" w="med" len="med"/>
+                    </a:lnL>
+                    <a:lnR w="12700" cap="flat" cmpd="sng" algn="ctr">
+                      <a:solidFill>
+                        <a:schemeClr val="tx1"/>
+                      </a:solidFill>
+                      <a:prstDash val="solid"/>
+                      <a:round/>
+                      <a:headEnd type="none" w="med" len="med"/>
+                      <a:tailEnd type="none" w="med" len="med"/>
+                    </a:lnR>
+                    <a:lnT w="12700" cap="flat" cmpd="sng" algn="ctr">
+                      <a:solidFill>
+                        <a:schemeClr val="tx1"/>
+                      </a:solidFill>
+                      <a:prstDash val="solid"/>
+                      <a:round/>
+                      <a:headEnd type="none" w="med" len="med"/>
+                      <a:tailEnd type="none" w="med" len="med"/>
+                    </a:lnT>
+                    <a:lnB w="12700" cap="flat" cmpd="sng" algn="ctr">
+                      <a:solidFill>
+                        <a:schemeClr val="tx1"/>
+                      </a:solidFill>
+                      <a:prstDash val="solid"/>
+                      <a:round/>
+                      <a:headEnd type="none" w="med" len="med"/>
+                      <a:tailEnd type="none" w="med" len="med"/>
+                    </a:lnB>
+                    <a:lnTlToBr>
+                      <a:noFill/>
+                    </a:lnTlToBr>
+                    <a:lnBlToTr>
+                      <a:noFill/>
+                    </a:lnBlToTr>
+                    <a:noFill/>
+                  </a:tcPr>
+                </a:tc>
+                <a:tc>
+                  <a:txBody>
+                    <a:bodyPr/>
+                    <a:lstStyle/>
+                    <a:p>
+                      <a:pPr marL="0" marR="0" lvl="0" indent="0" algn="ctr" defTabSz="914400" rtl="0" eaLnBrk="1" fontAlgn="base" latinLnBrk="0" hangingPunct="1">
+                        <a:lnSpc>
+                          <a:spcPct val="100000"/>
+                        </a:lnSpc>
+                        <a:spcBef>
+                          <a:spcPct val="20000"/>
+                        </a:spcBef>
+                        <a:spcAft>
+                          <a:spcPct val="0"/>
+                        </a:spcAft>
+                        <a:buClr>
+                          <a:schemeClr val="folHlink"/>
+                        </a:buClr>
+                        <a:buSzPct val="60000"/>
+                        <a:buFont typeface="Wingdings" pitchFamily="2" charset="2"/>
+                        <a:buNone/>
+                        <a:tabLst/>
+                      </a:pPr>
+                      <a:endParaRPr kumimoji="0" lang="en-US" sz="1600" b="1" i="0" u="none" strike="noStrike" cap="none" normalizeH="0" baseline="0" dirty="0" smtClean="0">
+                        <a:ln>
+                          <a:noFill/>
+                        </a:ln>
+                        <a:solidFill>
+                          <a:srgbClr val="1E3272"/>
+                        </a:solidFill>
+                        <a:effectLst/>
+                        <a:latin typeface="Arial" charset="0"/>
+                      </a:endParaRPr>
+                    </a:p>
+                  </a:txBody>
+                  <a:tcPr horzOverflow="overflow">
+                    <a:lnL w="12700" cap="flat" cmpd="sng" algn="ctr">
+                      <a:solidFill>
+                        <a:schemeClr val="tx1"/>
+                      </a:solidFill>
+                      <a:prstDash val="solid"/>
+                      <a:round/>
+                      <a:headEnd type="none" w="med" len="med"/>
+                      <a:tailEnd type="none" w="med" len="med"/>
+                    </a:lnL>
+                    <a:lnR w="28575" cap="flat" cmpd="sng" algn="ctr">
+                      <a:solidFill>
+                        <a:schemeClr val="tx1"/>
+                      </a:solidFill>
+                      <a:prstDash val="solid"/>
+                      <a:round/>
+                      <a:headEnd type="none" w="med" len="med"/>
+                      <a:tailEnd type="none" w="med" len="med"/>
+                    </a:lnR>
+                    <a:lnT w="12700" cap="flat" cmpd="sng" algn="ctr">
+                      <a:solidFill>
+                        <a:schemeClr val="tx1"/>
+                      </a:solidFill>
+                      <a:prstDash val="solid"/>
+                      <a:round/>
+                      <a:headEnd type="none" w="med" len="med"/>
+                      <a:tailEnd type="none" w="med" len="med"/>
+                    </a:lnT>
+                    <a:lnB w="12700" cap="flat" cmpd="sng" algn="ctr">
+                      <a:solidFill>
+                        <a:schemeClr val="tx1"/>
+                      </a:solidFill>
+                      <a:prstDash val="solid"/>
+                      <a:round/>
+                      <a:headEnd type="none" w="med" len="med"/>
+                      <a:tailEnd type="none" w="med" len="med"/>
+                    </a:lnB>
+                    <a:lnTlToBr>
+                      <a:noFill/>
+                    </a:lnTlToBr>
+                    <a:lnBlToTr>
+                      <a:noFill/>
+                    </a:lnBlToTr>
+                    <a:noFill/>
+                  </a:tcPr>
+                </a:tc>
+              </a:tr>
+              <a:tr h="378344">
+                <a:tc>
+                  <a:txBody>
+                    <a:bodyPr/>
+                    <a:lstStyle/>
+                    <a:p>
+                      <a:pPr marL="0" marR="0" lvl="0" indent="0" algn="l" defTabSz="914400" rtl="0" eaLnBrk="1" fontAlgn="base" latinLnBrk="0" hangingPunct="1">
+                        <a:lnSpc>
+                          <a:spcPct val="100000"/>
+                        </a:lnSpc>
+                        <a:spcBef>
+                          <a:spcPct val="20000"/>
+                        </a:spcBef>
+                        <a:spcAft>
+                          <a:spcPct val="0"/>
+                        </a:spcAft>
+                        <a:buClr>
+                          <a:schemeClr val="folHlink"/>
+                        </a:buClr>
+                        <a:buSzPct val="60000"/>
+                        <a:buFont typeface="Wingdings" pitchFamily="2" charset="2"/>
+                        <a:buNone/>
+                        <a:tabLst/>
+                      </a:pPr>
+                      <a:r>
+                        <a:rPr kumimoji="0" lang="en-US" sz="1600" b="1" i="0" u="none" strike="noStrike" cap="none" normalizeH="0" baseline="0" smtClean="0">
+                          <a:ln>
+                            <a:noFill/>
+                          </a:ln>
+                          <a:solidFill>
+                            <a:srgbClr val="1E3272"/>
+                          </a:solidFill>
+                          <a:effectLst/>
+                          <a:latin typeface="Arial" charset="0"/>
+                        </a:rPr>
+                        <a:t>n + 8</a:t>
+                      </a:r>
+                      <a:endParaRPr kumimoji="0" lang="en-AU" sz="1600" b="1" i="0" u="none" strike="noStrike" cap="none" normalizeH="0" baseline="0" smtClean="0">
+                        <a:ln>
+                          <a:noFill/>
+                        </a:ln>
+                        <a:solidFill>
+                          <a:srgbClr val="1E3272"/>
+                        </a:solidFill>
+                        <a:effectLst/>
+                        <a:latin typeface="Arial" charset="0"/>
+                      </a:endParaRPr>
+                    </a:p>
+                  </a:txBody>
+                  <a:tcPr horzOverflow="overflow">
+                    <a:lnL w="28575" cap="flat" cmpd="sng" algn="ctr">
+                      <a:solidFill>
+                        <a:schemeClr val="tx1"/>
+                      </a:solidFill>
+                      <a:prstDash val="solid"/>
+                      <a:round/>
+                      <a:headEnd type="none" w="med" len="med"/>
+                      <a:tailEnd type="none" w="med" len="med"/>
+                    </a:lnL>
+                    <a:lnR w="12700" cap="flat" cmpd="sng" algn="ctr">
+                      <a:solidFill>
+                        <a:schemeClr val="tx1"/>
+                      </a:solidFill>
+                      <a:prstDash val="solid"/>
+                      <a:round/>
+                      <a:headEnd type="none" w="med" len="med"/>
+                      <a:tailEnd type="none" w="med" len="med"/>
+                    </a:lnR>
+                    <a:lnT w="12700" cap="flat" cmpd="sng" algn="ctr">
+                      <a:solidFill>
+                        <a:schemeClr val="tx1"/>
+                      </a:solidFill>
+                      <a:prstDash val="solid"/>
+                      <a:round/>
+                      <a:headEnd type="none" w="med" len="med"/>
+                      <a:tailEnd type="none" w="med" len="med"/>
+                    </a:lnT>
+                    <a:lnB w="12700" cap="flat" cmpd="sng" algn="ctr">
+                      <a:solidFill>
+                        <a:schemeClr val="tx1"/>
+                      </a:solidFill>
+                      <a:prstDash val="solid"/>
+                      <a:round/>
+                      <a:headEnd type="none" w="med" len="med"/>
+                      <a:tailEnd type="none" w="med" len="med"/>
+                    </a:lnB>
+                    <a:lnTlToBr>
+                      <a:noFill/>
+                    </a:lnTlToBr>
+                    <a:lnBlToTr>
+                      <a:noFill/>
+                    </a:lnBlToTr>
+                    <a:noFill/>
+                  </a:tcPr>
+                </a:tc>
+                <a:tc>
+                  <a:txBody>
+                    <a:bodyPr/>
+                    <a:lstStyle/>
+                    <a:p>
+                      <a:pPr marL="0" marR="0" lvl="0" indent="0" algn="l" defTabSz="914400" rtl="0" eaLnBrk="1" fontAlgn="base" latinLnBrk="0" hangingPunct="1">
+                        <a:lnSpc>
+                          <a:spcPct val="100000"/>
+                        </a:lnSpc>
+                        <a:spcBef>
+                          <a:spcPct val="20000"/>
+                        </a:spcBef>
+                        <a:spcAft>
+                          <a:spcPct val="0"/>
+                        </a:spcAft>
+                        <a:buClr>
+                          <a:schemeClr val="folHlink"/>
+                        </a:buClr>
+                        <a:buSzPct val="60000"/>
+                        <a:buFont typeface="Wingdings" pitchFamily="2" charset="2"/>
+                        <a:buNone/>
+                        <a:tabLst/>
+                      </a:pPr>
+                      <a:r>
+                        <a:rPr kumimoji="0" lang="en-US" sz="1600" b="1" i="0" u="none" strike="noStrike" cap="none" normalizeH="0" baseline="0" dirty="0" smtClean="0">
+                          <a:ln>
+                            <a:noFill/>
+                          </a:ln>
+                          <a:solidFill>
+                            <a:srgbClr val="1E3272"/>
+                          </a:solidFill>
+                          <a:effectLst/>
+                          <a:latin typeface="Arial" charset="0"/>
+                        </a:rPr>
+                        <a:t>ALU/branch</a:t>
+                      </a:r>
+                      <a:endParaRPr kumimoji="0" lang="en-AU" sz="1600" b="1" i="0" u="none" strike="noStrike" cap="none" normalizeH="0" baseline="0" dirty="0" smtClean="0">
+                        <a:ln>
+                          <a:noFill/>
+                        </a:ln>
+                        <a:solidFill>
+                          <a:srgbClr val="1E3272"/>
+                        </a:solidFill>
+                        <a:effectLst/>
+                        <a:latin typeface="Arial" charset="0"/>
+                      </a:endParaRPr>
+                    </a:p>
+                  </a:txBody>
+                  <a:tcPr horzOverflow="overflow">
+                    <a:lnL w="12700" cap="flat" cmpd="sng" algn="ctr">
+                      <a:solidFill>
+                        <a:schemeClr val="tx1"/>
+                      </a:solidFill>
+                      <a:prstDash val="solid"/>
+                      <a:round/>
+                      <a:headEnd type="none" w="med" len="med"/>
+                      <a:tailEnd type="none" w="med" len="med"/>
+                    </a:lnL>
+                    <a:lnR w="12700" cap="flat" cmpd="sng" algn="ctr">
+                      <a:solidFill>
+                        <a:schemeClr val="tx1"/>
+                      </a:solidFill>
+                      <a:prstDash val="solid"/>
+                      <a:round/>
+                      <a:headEnd type="none" w="med" len="med"/>
+                      <a:tailEnd type="none" w="med" len="med"/>
+                    </a:lnR>
+                    <a:lnT w="12700" cap="flat" cmpd="sng" algn="ctr">
+                      <a:solidFill>
+                        <a:schemeClr val="tx1"/>
+                      </a:solidFill>
+                      <a:prstDash val="solid"/>
+                      <a:round/>
+                      <a:headEnd type="none" w="med" len="med"/>
+                      <a:tailEnd type="none" w="med" len="med"/>
+                    </a:lnT>
+                    <a:lnB w="12700" cap="flat" cmpd="sng" algn="ctr">
+                      <a:solidFill>
+                        <a:schemeClr val="tx1"/>
+                      </a:solidFill>
+                      <a:prstDash val="solid"/>
+                      <a:round/>
+                      <a:headEnd type="none" w="med" len="med"/>
+                      <a:tailEnd type="none" w="med" len="med"/>
+                    </a:lnB>
+                    <a:lnTlToBr>
+                      <a:noFill/>
+                    </a:lnTlToBr>
+                    <a:lnBlToTr>
+                      <a:noFill/>
+                    </a:lnBlToTr>
+                    <a:noFill/>
+                  </a:tcPr>
+                </a:tc>
+                <a:tc>
+                  <a:txBody>
+                    <a:bodyPr/>
+                    <a:lstStyle/>
+                    <a:p>
+                      <a:pPr marL="0" marR="0" lvl="0" indent="0" algn="ctr" defTabSz="914400" rtl="0" eaLnBrk="1" fontAlgn="base" latinLnBrk="0" hangingPunct="1">
+                        <a:lnSpc>
+                          <a:spcPct val="100000"/>
+                        </a:lnSpc>
+                        <a:spcBef>
+                          <a:spcPct val="20000"/>
+                        </a:spcBef>
+                        <a:spcAft>
+                          <a:spcPct val="0"/>
+                        </a:spcAft>
+                        <a:buClr>
+                          <a:schemeClr val="folHlink"/>
+                        </a:buClr>
+                        <a:buSzPct val="60000"/>
+                        <a:buFont typeface="Wingdings" pitchFamily="2" charset="2"/>
+                        <a:buNone/>
+                        <a:tabLst/>
+                      </a:pPr>
+                      <a:endParaRPr kumimoji="0" lang="en-US" sz="1600" b="1" i="0" u="none" strike="noStrike" cap="none" normalizeH="0" baseline="0" dirty="0" smtClean="0">
+                        <a:ln>
+                          <a:noFill/>
+                        </a:ln>
+                        <a:solidFill>
+                          <a:srgbClr val="1E3272"/>
+                        </a:solidFill>
+                        <a:effectLst/>
+                        <a:latin typeface="Arial" charset="0"/>
+                      </a:endParaRPr>
+                    </a:p>
+                  </a:txBody>
+                  <a:tcPr horzOverflow="overflow">
+                    <a:lnL w="12700" cap="flat" cmpd="sng" algn="ctr">
+                      <a:solidFill>
+                        <a:schemeClr val="tx1"/>
+                      </a:solidFill>
+                      <a:prstDash val="solid"/>
+                      <a:round/>
+                      <a:headEnd type="none" w="med" len="med"/>
+                      <a:tailEnd type="none" w="med" len="med"/>
+                    </a:lnL>
+                    <a:lnR w="12700" cap="flat" cmpd="sng" algn="ctr">
+                      <a:solidFill>
+                        <a:schemeClr val="tx1"/>
+                      </a:solidFill>
+                      <a:prstDash val="solid"/>
+                      <a:round/>
+                      <a:headEnd type="none" w="med" len="med"/>
+                      <a:tailEnd type="none" w="med" len="med"/>
+                    </a:lnR>
+                    <a:lnT w="12700" cap="flat" cmpd="sng" algn="ctr">
+                      <a:solidFill>
+                        <a:schemeClr val="tx1"/>
+                      </a:solidFill>
+                      <a:prstDash val="solid"/>
+                      <a:round/>
+                      <a:headEnd type="none" w="med" len="med"/>
+                      <a:tailEnd type="none" w="med" len="med"/>
+                    </a:lnT>
+                    <a:lnB w="12700" cap="flat" cmpd="sng" algn="ctr">
+                      <a:solidFill>
+                        <a:schemeClr val="tx1"/>
+                      </a:solidFill>
+                      <a:prstDash val="solid"/>
+                      <a:round/>
+                      <a:headEnd type="none" w="med" len="med"/>
+                      <a:tailEnd type="none" w="med" len="med"/>
+                    </a:lnB>
+                    <a:lnTlToBr>
+                      <a:noFill/>
+                    </a:lnTlToBr>
+                    <a:lnBlToTr>
+                      <a:noFill/>
+                    </a:lnBlToTr>
+                    <a:noFill/>
+                  </a:tcPr>
+                </a:tc>
+                <a:tc>
+                  <a:txBody>
+                    <a:bodyPr/>
+                    <a:lstStyle/>
+                    <a:p>
+                      <a:pPr marL="0" marR="0" lvl="0" indent="0" algn="ctr" defTabSz="914400" rtl="0" eaLnBrk="1" fontAlgn="base" latinLnBrk="0" hangingPunct="1">
+                        <a:lnSpc>
+                          <a:spcPct val="100000"/>
+                        </a:lnSpc>
+                        <a:spcBef>
+                          <a:spcPct val="20000"/>
+                        </a:spcBef>
+                        <a:spcAft>
+                          <a:spcPct val="0"/>
+                        </a:spcAft>
+                        <a:buClr>
+                          <a:schemeClr val="folHlink"/>
+                        </a:buClr>
+                        <a:buSzPct val="60000"/>
+                        <a:buFont typeface="Wingdings" pitchFamily="2" charset="2"/>
+                        <a:buNone/>
+                        <a:tabLst/>
+                      </a:pPr>
+                      <a:r>
+                        <a:rPr kumimoji="0" lang="en-US" sz="1600" b="1" i="0" u="none" strike="noStrike" cap="none" normalizeH="0" baseline="0" dirty="0" smtClean="0">
+                          <a:ln>
+                            <a:noFill/>
+                          </a:ln>
+                          <a:solidFill>
+                            <a:srgbClr val="1E3272"/>
+                          </a:solidFill>
+                          <a:effectLst/>
+                          <a:latin typeface="Arial" charset="0"/>
+                        </a:rPr>
+                        <a:t>IF</a:t>
+                      </a:r>
+                      <a:endParaRPr kumimoji="0" lang="en-AU" sz="1600" b="1" i="0" u="none" strike="noStrike" cap="none" normalizeH="0" baseline="0" dirty="0" smtClean="0">
+                        <a:ln>
+                          <a:noFill/>
+                        </a:ln>
+                        <a:solidFill>
+                          <a:srgbClr val="1E3272"/>
+                        </a:solidFill>
+                        <a:effectLst/>
+                        <a:latin typeface="Arial" charset="0"/>
+                      </a:endParaRPr>
+                    </a:p>
+                  </a:txBody>
+                  <a:tcPr horzOverflow="overflow">
+                    <a:lnL w="12700" cap="flat" cmpd="sng" algn="ctr">
+                      <a:solidFill>
+                        <a:schemeClr val="tx1"/>
+                      </a:solidFill>
+                      <a:prstDash val="solid"/>
+                      <a:round/>
+                      <a:headEnd type="none" w="med" len="med"/>
+                      <a:tailEnd type="none" w="med" len="med"/>
+                    </a:lnL>
+                    <a:lnR w="12700" cap="flat" cmpd="sng" algn="ctr">
+                      <a:solidFill>
+                        <a:schemeClr val="tx1"/>
+                      </a:solidFill>
+                      <a:prstDash val="solid"/>
+                      <a:round/>
+                      <a:headEnd type="none" w="med" len="med"/>
+                      <a:tailEnd type="none" w="med" len="med"/>
+                    </a:lnR>
+                    <a:lnT w="12700" cap="flat" cmpd="sng" algn="ctr">
+                      <a:solidFill>
+                        <a:schemeClr val="tx1"/>
+                      </a:solidFill>
+                      <a:prstDash val="solid"/>
+                      <a:round/>
+                      <a:headEnd type="none" w="med" len="med"/>
+                      <a:tailEnd type="none" w="med" len="med"/>
+                    </a:lnT>
+                    <a:lnB w="12700" cap="flat" cmpd="sng" algn="ctr">
+                      <a:solidFill>
+                        <a:schemeClr val="tx1"/>
+                      </a:solidFill>
+                      <a:prstDash val="solid"/>
+                      <a:round/>
+                      <a:headEnd type="none" w="med" len="med"/>
+                      <a:tailEnd type="none" w="med" len="med"/>
+                    </a:lnB>
+                    <a:lnTlToBr>
+                      <a:noFill/>
+                    </a:lnTlToBr>
+                    <a:lnBlToTr>
+                      <a:noFill/>
+                    </a:lnBlToTr>
+                    <a:noFill/>
+                  </a:tcPr>
+                </a:tc>
+                <a:tc>
+                  <a:txBody>
+                    <a:bodyPr/>
+                    <a:lstStyle/>
+                    <a:p>
+                      <a:pPr marL="0" marR="0" lvl="0" indent="0" algn="ctr" defTabSz="914400" rtl="0" eaLnBrk="1" fontAlgn="base" latinLnBrk="0" hangingPunct="1">
+                        <a:lnSpc>
+                          <a:spcPct val="100000"/>
+                        </a:lnSpc>
+                        <a:spcBef>
+                          <a:spcPct val="20000"/>
+                        </a:spcBef>
+                        <a:spcAft>
+                          <a:spcPct val="0"/>
+                        </a:spcAft>
+                        <a:buClr>
+                          <a:schemeClr val="folHlink"/>
+                        </a:buClr>
+                        <a:buSzPct val="60000"/>
+                        <a:buFont typeface="Wingdings" pitchFamily="2" charset="2"/>
+                        <a:buNone/>
+                        <a:tabLst/>
+                      </a:pPr>
+                      <a:r>
+                        <a:rPr kumimoji="0" lang="en-US" sz="1600" b="1" i="0" u="none" strike="noStrike" cap="none" normalizeH="0" baseline="0" smtClean="0">
+                          <a:ln>
+                            <a:noFill/>
+                          </a:ln>
+                          <a:solidFill>
+                            <a:srgbClr val="1E3272"/>
+                          </a:solidFill>
+                          <a:effectLst/>
+                          <a:latin typeface="Arial" charset="0"/>
+                        </a:rPr>
+                        <a:t>ID</a:t>
+                      </a:r>
+                      <a:endParaRPr kumimoji="0" lang="en-AU" sz="1600" b="1" i="0" u="none" strike="noStrike" cap="none" normalizeH="0" baseline="0" smtClean="0">
+                        <a:ln>
+                          <a:noFill/>
+                        </a:ln>
+                        <a:solidFill>
+                          <a:srgbClr val="1E3272"/>
+                        </a:solidFill>
+                        <a:effectLst/>
+                        <a:latin typeface="Arial" charset="0"/>
+                      </a:endParaRPr>
+                    </a:p>
+                  </a:txBody>
+                  <a:tcPr horzOverflow="overflow">
+                    <a:lnL w="12700" cap="flat" cmpd="sng" algn="ctr">
+                      <a:solidFill>
+                        <a:schemeClr val="tx1"/>
+                      </a:solidFill>
+                      <a:prstDash val="solid"/>
+                      <a:round/>
+                      <a:headEnd type="none" w="med" len="med"/>
+                      <a:tailEnd type="none" w="med" len="med"/>
+                    </a:lnL>
+                    <a:lnR w="12700" cap="flat" cmpd="sng" algn="ctr">
+                      <a:solidFill>
+                        <a:schemeClr val="tx1"/>
+                      </a:solidFill>
+                      <a:prstDash val="solid"/>
+                      <a:round/>
+                      <a:headEnd type="none" w="med" len="med"/>
+                      <a:tailEnd type="none" w="med" len="med"/>
+                    </a:lnR>
+                    <a:lnT w="12700" cap="flat" cmpd="sng" algn="ctr">
+                      <a:solidFill>
+                        <a:schemeClr val="tx1"/>
+                      </a:solidFill>
+                      <a:prstDash val="solid"/>
+                      <a:round/>
+                      <a:headEnd type="none" w="med" len="med"/>
+                      <a:tailEnd type="none" w="med" len="med"/>
+                    </a:lnT>
+                    <a:lnB w="12700" cap="flat" cmpd="sng" algn="ctr">
+                      <a:solidFill>
+                        <a:schemeClr val="tx1"/>
+                      </a:solidFill>
+                      <a:prstDash val="solid"/>
+                      <a:round/>
+                      <a:headEnd type="none" w="med" len="med"/>
+                      <a:tailEnd type="none" w="med" len="med"/>
+                    </a:lnB>
+                    <a:lnTlToBr>
+                      <a:noFill/>
+                    </a:lnTlToBr>
+                    <a:lnBlToTr>
+                      <a:noFill/>
+                    </a:lnBlToTr>
+                    <a:noFill/>
+                  </a:tcPr>
+                </a:tc>
+                <a:tc>
+                  <a:txBody>
+                    <a:bodyPr/>
+                    <a:lstStyle/>
+                    <a:p>
+                      <a:pPr marL="0" marR="0" lvl="0" indent="0" algn="ctr" defTabSz="914400" rtl="0" eaLnBrk="1" fontAlgn="base" latinLnBrk="0" hangingPunct="1">
+                        <a:lnSpc>
+                          <a:spcPct val="100000"/>
+                        </a:lnSpc>
+                        <a:spcBef>
+                          <a:spcPct val="20000"/>
+                        </a:spcBef>
+                        <a:spcAft>
+                          <a:spcPct val="0"/>
+                        </a:spcAft>
+                        <a:buClr>
+                          <a:schemeClr val="folHlink"/>
+                        </a:buClr>
+                        <a:buSzPct val="60000"/>
+                        <a:buFont typeface="Wingdings" pitchFamily="2" charset="2"/>
+                        <a:buNone/>
+                        <a:tabLst/>
+                      </a:pPr>
+                      <a:r>
+                        <a:rPr kumimoji="0" lang="en-US" sz="1600" b="1" i="0" u="none" strike="noStrike" cap="none" normalizeH="0" baseline="0" smtClean="0">
+                          <a:ln>
+                            <a:noFill/>
+                          </a:ln>
+                          <a:solidFill>
+                            <a:srgbClr val="1E3272"/>
+                          </a:solidFill>
+                          <a:effectLst/>
+                          <a:latin typeface="Arial" charset="0"/>
+                        </a:rPr>
+                        <a:t>EX</a:t>
+                      </a:r>
+                      <a:endParaRPr kumimoji="0" lang="en-AU" sz="1600" b="1" i="0" u="none" strike="noStrike" cap="none" normalizeH="0" baseline="0" smtClean="0">
+                        <a:ln>
+                          <a:noFill/>
+                        </a:ln>
+                        <a:solidFill>
+                          <a:srgbClr val="1E3272"/>
+                        </a:solidFill>
+                        <a:effectLst/>
+                        <a:latin typeface="Arial" charset="0"/>
+                      </a:endParaRPr>
+                    </a:p>
+                  </a:txBody>
+                  <a:tcPr horzOverflow="overflow">
+                    <a:lnL w="12700" cap="flat" cmpd="sng" algn="ctr">
+                      <a:solidFill>
+                        <a:schemeClr val="tx1"/>
+                      </a:solidFill>
+                      <a:prstDash val="solid"/>
+                      <a:round/>
+                      <a:headEnd type="none" w="med" len="med"/>
+                      <a:tailEnd type="none" w="med" len="med"/>
+                    </a:lnL>
+                    <a:lnR w="12700" cap="flat" cmpd="sng" algn="ctr">
+                      <a:solidFill>
+                        <a:schemeClr val="tx1"/>
+                      </a:solidFill>
+                      <a:prstDash val="solid"/>
+                      <a:round/>
+                      <a:headEnd type="none" w="med" len="med"/>
+                      <a:tailEnd type="none" w="med" len="med"/>
+                    </a:lnR>
+                    <a:lnT w="12700" cap="flat" cmpd="sng" algn="ctr">
+                      <a:solidFill>
+                        <a:schemeClr val="tx1"/>
+                      </a:solidFill>
+                      <a:prstDash val="solid"/>
+                      <a:round/>
+                      <a:headEnd type="none" w="med" len="med"/>
+                      <a:tailEnd type="none" w="med" len="med"/>
+                    </a:lnT>
+                    <a:lnB w="12700" cap="flat" cmpd="sng" algn="ctr">
+                      <a:solidFill>
+                        <a:schemeClr val="tx1"/>
+                      </a:solidFill>
+                      <a:prstDash val="solid"/>
+                      <a:round/>
+                      <a:headEnd type="none" w="med" len="med"/>
+                      <a:tailEnd type="none" w="med" len="med"/>
+                    </a:lnB>
+                    <a:lnTlToBr>
+                      <a:noFill/>
+                    </a:lnTlToBr>
+                    <a:lnBlToTr>
+                      <a:noFill/>
+                    </a:lnBlToTr>
+                    <a:noFill/>
+                  </a:tcPr>
+                </a:tc>
+                <a:tc>
+                  <a:txBody>
+                    <a:bodyPr/>
+                    <a:lstStyle/>
+                    <a:p>
+                      <a:pPr marL="0" marR="0" lvl="0" indent="0" algn="ctr" defTabSz="914400" rtl="0" eaLnBrk="1" fontAlgn="base" latinLnBrk="0" hangingPunct="1">
+                        <a:lnSpc>
+                          <a:spcPct val="100000"/>
+                        </a:lnSpc>
+                        <a:spcBef>
+                          <a:spcPct val="20000"/>
+                        </a:spcBef>
+                        <a:spcAft>
+                          <a:spcPct val="0"/>
+                        </a:spcAft>
+                        <a:buClr>
+                          <a:schemeClr val="folHlink"/>
+                        </a:buClr>
+                        <a:buSzPct val="60000"/>
+                        <a:buFont typeface="Wingdings" pitchFamily="2" charset="2"/>
+                        <a:buNone/>
+                        <a:tabLst/>
+                      </a:pPr>
+                      <a:r>
+                        <a:rPr kumimoji="0" lang="en-US" sz="1600" b="1" i="0" u="none" strike="noStrike" cap="none" normalizeH="0" baseline="0" smtClean="0">
+                          <a:ln>
+                            <a:noFill/>
+                          </a:ln>
+                          <a:solidFill>
+                            <a:srgbClr val="1E3272"/>
+                          </a:solidFill>
+                          <a:effectLst/>
+                          <a:latin typeface="Arial" charset="0"/>
+                        </a:rPr>
+                        <a:t>MEM</a:t>
+                      </a:r>
+                      <a:endParaRPr kumimoji="0" lang="en-AU" sz="1600" b="1" i="0" u="none" strike="noStrike" cap="none" normalizeH="0" baseline="0" smtClean="0">
+                        <a:ln>
+                          <a:noFill/>
+                        </a:ln>
+                        <a:solidFill>
+                          <a:srgbClr val="1E3272"/>
+                        </a:solidFill>
+                        <a:effectLst/>
+                        <a:latin typeface="Arial" charset="0"/>
+                      </a:endParaRPr>
+                    </a:p>
+                  </a:txBody>
+                  <a:tcPr horzOverflow="overflow">
+                    <a:lnL w="12700" cap="flat" cmpd="sng" algn="ctr">
+                      <a:solidFill>
+                        <a:schemeClr val="tx1"/>
+                      </a:solidFill>
+                      <a:prstDash val="solid"/>
+                      <a:round/>
+                      <a:headEnd type="none" w="med" len="med"/>
+                      <a:tailEnd type="none" w="med" len="med"/>
+                    </a:lnL>
+                    <a:lnR w="12700" cap="flat" cmpd="sng" algn="ctr">
+                      <a:solidFill>
+                        <a:schemeClr val="tx1"/>
+                      </a:solidFill>
+                      <a:prstDash val="solid"/>
+                      <a:round/>
+                      <a:headEnd type="none" w="med" len="med"/>
+                      <a:tailEnd type="none" w="med" len="med"/>
+                    </a:lnR>
+                    <a:lnT w="12700" cap="flat" cmpd="sng" algn="ctr">
+                      <a:solidFill>
+                        <a:schemeClr val="tx1"/>
+                      </a:solidFill>
+                      <a:prstDash val="solid"/>
+                      <a:round/>
+                      <a:headEnd type="none" w="med" len="med"/>
+                      <a:tailEnd type="none" w="med" len="med"/>
+                    </a:lnT>
+                    <a:lnB w="12700" cap="flat" cmpd="sng" algn="ctr">
+                      <a:solidFill>
+                        <a:schemeClr val="tx1"/>
+                      </a:solidFill>
+                      <a:prstDash val="solid"/>
+                      <a:round/>
+                      <a:headEnd type="none" w="med" len="med"/>
+                      <a:tailEnd type="none" w="med" len="med"/>
+                    </a:lnB>
+                    <a:lnTlToBr>
+                      <a:noFill/>
+                    </a:lnTlToBr>
+                    <a:lnBlToTr>
+                      <a:noFill/>
+                    </a:lnBlToTr>
+                    <a:noFill/>
+                  </a:tcPr>
+                </a:tc>
+                <a:tc>
+                  <a:txBody>
+                    <a:bodyPr/>
+                    <a:lstStyle/>
+                    <a:p>
+                      <a:pPr marL="0" marR="0" lvl="0" indent="0" algn="ctr" defTabSz="914400" rtl="0" eaLnBrk="1" fontAlgn="base" latinLnBrk="0" hangingPunct="1">
+                        <a:lnSpc>
+                          <a:spcPct val="100000"/>
+                        </a:lnSpc>
+                        <a:spcBef>
+                          <a:spcPct val="20000"/>
+                        </a:spcBef>
+                        <a:spcAft>
+                          <a:spcPct val="0"/>
+                        </a:spcAft>
+                        <a:buClr>
+                          <a:schemeClr val="folHlink"/>
+                        </a:buClr>
+                        <a:buSzPct val="60000"/>
+                        <a:buFont typeface="Wingdings" pitchFamily="2" charset="2"/>
+                        <a:buNone/>
+                        <a:tabLst/>
+                      </a:pPr>
+                      <a:r>
+                        <a:rPr kumimoji="0" lang="en-US" sz="1600" b="1" i="0" u="none" strike="noStrike" cap="none" normalizeH="0" baseline="0" smtClean="0">
+                          <a:ln>
+                            <a:noFill/>
+                          </a:ln>
+                          <a:solidFill>
+                            <a:srgbClr val="1E3272"/>
+                          </a:solidFill>
+                          <a:effectLst/>
+                          <a:latin typeface="Arial" charset="0"/>
+                        </a:rPr>
+                        <a:t>WB</a:t>
+                      </a:r>
+                      <a:endParaRPr kumimoji="0" lang="en-AU" sz="1600" b="1" i="0" u="none" strike="noStrike" cap="none" normalizeH="0" baseline="0" smtClean="0">
+                        <a:ln>
+                          <a:noFill/>
+                        </a:ln>
+                        <a:solidFill>
+                          <a:srgbClr val="1E3272"/>
+                        </a:solidFill>
+                        <a:effectLst/>
+                        <a:latin typeface="Arial" charset="0"/>
+                      </a:endParaRPr>
+                    </a:p>
+                  </a:txBody>
+                  <a:tcPr horzOverflow="overflow">
+                    <a:lnL w="12700" cap="flat" cmpd="sng" algn="ctr">
+                      <a:solidFill>
+                        <a:schemeClr val="tx1"/>
+                      </a:solidFill>
+                      <a:prstDash val="solid"/>
+                      <a:round/>
+                      <a:headEnd type="none" w="med" len="med"/>
+                      <a:tailEnd type="none" w="med" len="med"/>
+                    </a:lnL>
+                    <a:lnR w="12700" cap="flat" cmpd="sng" algn="ctr">
+                      <a:solidFill>
+                        <a:schemeClr val="tx1"/>
+                      </a:solidFill>
+                      <a:prstDash val="solid"/>
+                      <a:round/>
+                      <a:headEnd type="none" w="med" len="med"/>
+                      <a:tailEnd type="none" w="med" len="med"/>
+                    </a:lnR>
+                    <a:lnT w="12700" cap="flat" cmpd="sng" algn="ctr">
+                      <a:solidFill>
+                        <a:schemeClr val="tx1"/>
+                      </a:solidFill>
+                      <a:prstDash val="solid"/>
+                      <a:round/>
+                      <a:headEnd type="none" w="med" len="med"/>
+                      <a:tailEnd type="none" w="med" len="med"/>
+                    </a:lnT>
+                    <a:lnB w="12700" cap="flat" cmpd="sng" algn="ctr">
+                      <a:solidFill>
+                        <a:schemeClr val="tx1"/>
+                      </a:solidFill>
+                      <a:prstDash val="solid"/>
+                      <a:round/>
+                      <a:headEnd type="none" w="med" len="med"/>
+                      <a:tailEnd type="none" w="med" len="med"/>
+                    </a:lnB>
+                    <a:lnTlToBr>
+                      <a:noFill/>
+                    </a:lnTlToBr>
+                    <a:lnBlToTr>
+                      <a:noFill/>
+                    </a:lnBlToTr>
+                    <a:noFill/>
+                  </a:tcPr>
+                </a:tc>
+                <a:tc>
+                  <a:txBody>
+                    <a:bodyPr/>
+                    <a:lstStyle/>
+                    <a:p>
+                      <a:pPr marL="0" marR="0" lvl="0" indent="0" algn="ctr" defTabSz="914400" rtl="0" eaLnBrk="1" fontAlgn="base" latinLnBrk="0" hangingPunct="1">
+                        <a:lnSpc>
+                          <a:spcPct val="100000"/>
+                        </a:lnSpc>
+                        <a:spcBef>
+                          <a:spcPct val="20000"/>
+                        </a:spcBef>
+                        <a:spcAft>
+                          <a:spcPct val="0"/>
+                        </a:spcAft>
+                        <a:buClr>
+                          <a:schemeClr val="folHlink"/>
+                        </a:buClr>
+                        <a:buSzPct val="60000"/>
+                        <a:buFont typeface="Wingdings" pitchFamily="2" charset="2"/>
+                        <a:buNone/>
+                        <a:tabLst/>
+                      </a:pPr>
+                      <a:endParaRPr kumimoji="0" lang="en-US" sz="1600" b="1" i="0" u="none" strike="noStrike" cap="none" normalizeH="0" baseline="0" smtClean="0">
+                        <a:ln>
+                          <a:noFill/>
+                        </a:ln>
+                        <a:solidFill>
+                          <a:srgbClr val="1E3272"/>
+                        </a:solidFill>
+                        <a:effectLst/>
+                        <a:latin typeface="Arial" charset="0"/>
+                      </a:endParaRPr>
+                    </a:p>
+                  </a:txBody>
+                  <a:tcPr horzOverflow="overflow">
+                    <a:lnL w="12700" cap="flat" cmpd="sng" algn="ctr">
+                      <a:solidFill>
+                        <a:schemeClr val="tx1"/>
+                      </a:solidFill>
+                      <a:prstDash val="solid"/>
+                      <a:round/>
+                      <a:headEnd type="none" w="med" len="med"/>
+                      <a:tailEnd type="none" w="med" len="med"/>
+                    </a:lnL>
+                    <a:lnR w="28575" cap="flat" cmpd="sng" algn="ctr">
+                      <a:solidFill>
+                        <a:schemeClr val="tx1"/>
+                      </a:solidFill>
+                      <a:prstDash val="solid"/>
+                      <a:round/>
+                      <a:headEnd type="none" w="med" len="med"/>
+                      <a:tailEnd type="none" w="med" len="med"/>
+                    </a:lnR>
+                    <a:lnT w="12700" cap="flat" cmpd="sng" algn="ctr">
+                      <a:solidFill>
+                        <a:schemeClr val="tx1"/>
+                      </a:solidFill>
+                      <a:prstDash val="solid"/>
+                      <a:round/>
+                      <a:headEnd type="none" w="med" len="med"/>
+                      <a:tailEnd type="none" w="med" len="med"/>
+                    </a:lnT>
+                    <a:lnB w="12700" cap="flat" cmpd="sng" algn="ctr">
+                      <a:solidFill>
+                        <a:schemeClr val="tx1"/>
+                      </a:solidFill>
+                      <a:prstDash val="solid"/>
+                      <a:round/>
+                      <a:headEnd type="none" w="med" len="med"/>
+                      <a:tailEnd type="none" w="med" len="med"/>
+                    </a:lnB>
+                    <a:lnTlToBr>
+                      <a:noFill/>
+                    </a:lnTlToBr>
+                    <a:lnBlToTr>
+                      <a:noFill/>
+                    </a:lnBlToTr>
+                    <a:noFill/>
+                  </a:tcPr>
+                </a:tc>
+              </a:tr>
+              <a:tr h="378344">
+                <a:tc>
+                  <a:txBody>
+                    <a:bodyPr/>
+                    <a:lstStyle/>
+                    <a:p>
+                      <a:pPr marL="0" marR="0" lvl="0" indent="0" algn="l" defTabSz="914400" rtl="0" eaLnBrk="1" fontAlgn="base" latinLnBrk="0" hangingPunct="1">
+                        <a:lnSpc>
+                          <a:spcPct val="100000"/>
+                        </a:lnSpc>
+                        <a:spcBef>
+                          <a:spcPct val="20000"/>
+                        </a:spcBef>
+                        <a:spcAft>
+                          <a:spcPct val="0"/>
+                        </a:spcAft>
+                        <a:buClr>
+                          <a:schemeClr val="folHlink"/>
+                        </a:buClr>
+                        <a:buSzPct val="60000"/>
+                        <a:buFont typeface="Wingdings" pitchFamily="2" charset="2"/>
+                        <a:buNone/>
+                        <a:tabLst/>
+                      </a:pPr>
+                      <a:r>
+                        <a:rPr kumimoji="0" lang="en-US" sz="1600" b="1" i="0" u="none" strike="noStrike" cap="none" normalizeH="0" baseline="0" smtClean="0">
+                          <a:ln>
+                            <a:noFill/>
+                          </a:ln>
+                          <a:solidFill>
+                            <a:srgbClr val="1E3272"/>
+                          </a:solidFill>
+                          <a:effectLst/>
+                          <a:latin typeface="Arial" charset="0"/>
+                        </a:rPr>
+                        <a:t>n + 12</a:t>
+                      </a:r>
+                      <a:endParaRPr kumimoji="0" lang="en-AU" sz="1600" b="1" i="0" u="none" strike="noStrike" cap="none" normalizeH="0" baseline="0" smtClean="0">
+                        <a:ln>
+                          <a:noFill/>
+                        </a:ln>
+                        <a:solidFill>
+                          <a:srgbClr val="1E3272"/>
+                        </a:solidFill>
+                        <a:effectLst/>
+                        <a:latin typeface="Arial" charset="0"/>
+                      </a:endParaRPr>
+                    </a:p>
+                  </a:txBody>
+                  <a:tcPr horzOverflow="overflow">
+                    <a:lnL w="28575" cap="flat" cmpd="sng" algn="ctr">
+                      <a:solidFill>
+                        <a:schemeClr val="tx1"/>
+                      </a:solidFill>
+                      <a:prstDash val="solid"/>
+                      <a:round/>
+                      <a:headEnd type="none" w="med" len="med"/>
+                      <a:tailEnd type="none" w="med" len="med"/>
+                    </a:lnL>
+                    <a:lnR w="12700" cap="flat" cmpd="sng" algn="ctr">
+                      <a:solidFill>
+                        <a:schemeClr val="tx1"/>
+                      </a:solidFill>
+                      <a:prstDash val="solid"/>
+                      <a:round/>
+                      <a:headEnd type="none" w="med" len="med"/>
+                      <a:tailEnd type="none" w="med" len="med"/>
+                    </a:lnR>
+                    <a:lnT w="12700" cap="flat" cmpd="sng" algn="ctr">
+                      <a:solidFill>
+                        <a:schemeClr val="tx1"/>
+                      </a:solidFill>
+                      <a:prstDash val="solid"/>
+                      <a:round/>
+                      <a:headEnd type="none" w="med" len="med"/>
+                      <a:tailEnd type="none" w="med" len="med"/>
+                    </a:lnT>
+                    <a:lnB w="12700" cap="flat" cmpd="sng" algn="ctr">
+                      <a:solidFill>
+                        <a:schemeClr val="tx1"/>
+                      </a:solidFill>
+                      <a:prstDash val="solid"/>
+                      <a:round/>
+                      <a:headEnd type="none" w="med" len="med"/>
+                      <a:tailEnd type="none" w="med" len="med"/>
+                    </a:lnB>
+                    <a:lnTlToBr>
+                      <a:noFill/>
+                    </a:lnTlToBr>
+                    <a:lnBlToTr>
+                      <a:noFill/>
+                    </a:lnBlToTr>
+                    <a:noFill/>
+                  </a:tcPr>
+                </a:tc>
+                <a:tc>
+                  <a:txBody>
+                    <a:bodyPr/>
+                    <a:lstStyle/>
+                    <a:p>
+                      <a:pPr marL="0" marR="0" lvl="0" indent="0" algn="l" defTabSz="914400" rtl="0" eaLnBrk="1" fontAlgn="base" latinLnBrk="0" hangingPunct="1">
+                        <a:lnSpc>
+                          <a:spcPct val="100000"/>
+                        </a:lnSpc>
+                        <a:spcBef>
+                          <a:spcPct val="20000"/>
+                        </a:spcBef>
+                        <a:spcAft>
+                          <a:spcPct val="0"/>
+                        </a:spcAft>
+                        <a:buClr>
+                          <a:schemeClr val="folHlink"/>
+                        </a:buClr>
+                        <a:buSzPct val="60000"/>
+                        <a:buFont typeface="Wingdings" pitchFamily="2" charset="2"/>
+                        <a:buNone/>
+                        <a:tabLst/>
+                      </a:pPr>
+                      <a:r>
+                        <a:rPr kumimoji="0" lang="en-US" sz="1600" b="1" i="0" u="none" strike="noStrike" cap="none" normalizeH="0" baseline="0" smtClean="0">
+                          <a:ln>
+                            <a:noFill/>
+                          </a:ln>
+                          <a:solidFill>
+                            <a:srgbClr val="1E3272"/>
+                          </a:solidFill>
+                          <a:effectLst/>
+                          <a:latin typeface="Arial" charset="0"/>
+                        </a:rPr>
+                        <a:t>Load/store</a:t>
+                      </a:r>
+                      <a:endParaRPr kumimoji="0" lang="en-AU" sz="1600" b="1" i="0" u="none" strike="noStrike" cap="none" normalizeH="0" baseline="0" smtClean="0">
+                        <a:ln>
+                          <a:noFill/>
+                        </a:ln>
+                        <a:solidFill>
+                          <a:srgbClr val="1E3272"/>
+                        </a:solidFill>
+                        <a:effectLst/>
+                        <a:latin typeface="Arial" charset="0"/>
+                      </a:endParaRPr>
+                    </a:p>
+                  </a:txBody>
+                  <a:tcPr horzOverflow="overflow">
+                    <a:lnL w="12700" cap="flat" cmpd="sng" algn="ctr">
+                      <a:solidFill>
+                        <a:schemeClr val="tx1"/>
+                      </a:solidFill>
+                      <a:prstDash val="solid"/>
+                      <a:round/>
+                      <a:headEnd type="none" w="med" len="med"/>
+                      <a:tailEnd type="none" w="med" len="med"/>
+                    </a:lnL>
+                    <a:lnR w="12700" cap="flat" cmpd="sng" algn="ctr">
+                      <a:solidFill>
+                        <a:schemeClr val="tx1"/>
+                      </a:solidFill>
+                      <a:prstDash val="solid"/>
+                      <a:round/>
+                      <a:headEnd type="none" w="med" len="med"/>
+                      <a:tailEnd type="none" w="med" len="med"/>
+                    </a:lnR>
+                    <a:lnT w="12700" cap="flat" cmpd="sng" algn="ctr">
+                      <a:solidFill>
+                        <a:schemeClr val="tx1"/>
+                      </a:solidFill>
+                      <a:prstDash val="solid"/>
+                      <a:round/>
+                      <a:headEnd type="none" w="med" len="med"/>
+                      <a:tailEnd type="none" w="med" len="med"/>
+                    </a:lnT>
+                    <a:lnB w="12700" cap="flat" cmpd="sng" algn="ctr">
+                      <a:solidFill>
+                        <a:schemeClr val="tx1"/>
+                      </a:solidFill>
+                      <a:prstDash val="solid"/>
+                      <a:round/>
+                      <a:headEnd type="none" w="med" len="med"/>
+                      <a:tailEnd type="none" w="med" len="med"/>
+                    </a:lnB>
+                    <a:lnTlToBr>
+                      <a:noFill/>
+                    </a:lnTlToBr>
+                    <a:lnBlToTr>
+                      <a:noFill/>
+                    </a:lnBlToTr>
+                    <a:noFill/>
+                  </a:tcPr>
+                </a:tc>
+                <a:tc>
+                  <a:txBody>
+                    <a:bodyPr/>
+                    <a:lstStyle/>
+                    <a:p>
+                      <a:pPr marL="0" marR="0" lvl="0" indent="0" algn="ctr" defTabSz="914400" rtl="0" eaLnBrk="1" fontAlgn="base" latinLnBrk="0" hangingPunct="1">
+                        <a:lnSpc>
+                          <a:spcPct val="100000"/>
+                        </a:lnSpc>
+                        <a:spcBef>
+                          <a:spcPct val="20000"/>
+                        </a:spcBef>
+                        <a:spcAft>
+                          <a:spcPct val="0"/>
+                        </a:spcAft>
+                        <a:buClr>
+                          <a:schemeClr val="folHlink"/>
+                        </a:buClr>
+                        <a:buSzPct val="60000"/>
+                        <a:buFont typeface="Wingdings" pitchFamily="2" charset="2"/>
+                        <a:buNone/>
+                        <a:tabLst/>
+                      </a:pPr>
+                      <a:endParaRPr kumimoji="0" lang="en-US" sz="1600" b="1" i="0" u="none" strike="noStrike" cap="none" normalizeH="0" baseline="0" dirty="0" smtClean="0">
+                        <a:ln>
+                          <a:noFill/>
+                        </a:ln>
+                        <a:solidFill>
+                          <a:srgbClr val="1E3272"/>
+                        </a:solidFill>
+                        <a:effectLst/>
+                        <a:latin typeface="Arial" charset="0"/>
+                      </a:endParaRPr>
+                    </a:p>
+                  </a:txBody>
+                  <a:tcPr horzOverflow="overflow">
+                    <a:lnL w="12700" cap="flat" cmpd="sng" algn="ctr">
+                      <a:solidFill>
+                        <a:schemeClr val="tx1"/>
+                      </a:solidFill>
+                      <a:prstDash val="solid"/>
+                      <a:round/>
+                      <a:headEnd type="none" w="med" len="med"/>
+                      <a:tailEnd type="none" w="med" len="med"/>
+                    </a:lnL>
+                    <a:lnR w="12700" cap="flat" cmpd="sng" algn="ctr">
+                      <a:solidFill>
+                        <a:schemeClr val="tx1"/>
+                      </a:solidFill>
+                      <a:prstDash val="solid"/>
+                      <a:round/>
+                      <a:headEnd type="none" w="med" len="med"/>
+                      <a:tailEnd type="none" w="med" len="med"/>
+                    </a:lnR>
+                    <a:lnT w="12700" cap="flat" cmpd="sng" algn="ctr">
+                      <a:solidFill>
+                        <a:schemeClr val="tx1"/>
+                      </a:solidFill>
+                      <a:prstDash val="solid"/>
+                      <a:round/>
+                      <a:headEnd type="none" w="med" len="med"/>
+                      <a:tailEnd type="none" w="med" len="med"/>
+                    </a:lnT>
+                    <a:lnB w="12700" cap="flat" cmpd="sng" algn="ctr">
+                      <a:solidFill>
+                        <a:schemeClr val="tx1"/>
+                      </a:solidFill>
+                      <a:prstDash val="solid"/>
+                      <a:round/>
+                      <a:headEnd type="none" w="med" len="med"/>
+                      <a:tailEnd type="none" w="med" len="med"/>
+                    </a:lnB>
+                    <a:lnTlToBr>
+                      <a:noFill/>
+                    </a:lnTlToBr>
+                    <a:lnBlToTr>
+                      <a:noFill/>
+                    </a:lnBlToTr>
+                    <a:noFill/>
+                  </a:tcPr>
+                </a:tc>
+                <a:tc>
+                  <a:txBody>
+                    <a:bodyPr/>
+                    <a:lstStyle/>
+                    <a:p>
+                      <a:pPr marL="0" marR="0" lvl="0" indent="0" algn="ctr" defTabSz="914400" rtl="0" eaLnBrk="1" fontAlgn="base" latinLnBrk="0" hangingPunct="1">
+                        <a:lnSpc>
+                          <a:spcPct val="100000"/>
+                        </a:lnSpc>
+                        <a:spcBef>
+                          <a:spcPct val="20000"/>
+                        </a:spcBef>
+                        <a:spcAft>
+                          <a:spcPct val="0"/>
+                        </a:spcAft>
+                        <a:buClr>
+                          <a:schemeClr val="folHlink"/>
+                        </a:buClr>
+                        <a:buSzPct val="60000"/>
+                        <a:buFont typeface="Wingdings" pitchFamily="2" charset="2"/>
+                        <a:buNone/>
+                        <a:tabLst/>
+                      </a:pPr>
+                      <a:r>
+                        <a:rPr kumimoji="0" lang="en-US" sz="1600" b="1" i="0" u="none" strike="noStrike" cap="none" normalizeH="0" baseline="0" dirty="0" smtClean="0">
+                          <a:ln>
+                            <a:noFill/>
+                          </a:ln>
+                          <a:solidFill>
+                            <a:srgbClr val="1E3272"/>
+                          </a:solidFill>
+                          <a:effectLst/>
+                          <a:latin typeface="Arial" charset="0"/>
+                        </a:rPr>
+                        <a:t>IF</a:t>
+                      </a:r>
+                      <a:endParaRPr kumimoji="0" lang="en-AU" sz="1600" b="1" i="0" u="none" strike="noStrike" cap="none" normalizeH="0" baseline="0" dirty="0" smtClean="0">
+                        <a:ln>
+                          <a:noFill/>
+                        </a:ln>
+                        <a:solidFill>
+                          <a:srgbClr val="1E3272"/>
+                        </a:solidFill>
+                        <a:effectLst/>
+                        <a:latin typeface="Arial" charset="0"/>
+                      </a:endParaRPr>
+                    </a:p>
+                  </a:txBody>
+                  <a:tcPr horzOverflow="overflow">
+                    <a:lnL w="12700" cap="flat" cmpd="sng" algn="ctr">
+                      <a:solidFill>
+                        <a:schemeClr val="tx1"/>
+                      </a:solidFill>
+                      <a:prstDash val="solid"/>
+                      <a:round/>
+                      <a:headEnd type="none" w="med" len="med"/>
+                      <a:tailEnd type="none" w="med" len="med"/>
+                    </a:lnL>
+                    <a:lnR w="12700" cap="flat" cmpd="sng" algn="ctr">
+                      <a:solidFill>
+                        <a:schemeClr val="tx1"/>
+                      </a:solidFill>
+                      <a:prstDash val="solid"/>
+                      <a:round/>
+                      <a:headEnd type="none" w="med" len="med"/>
+                      <a:tailEnd type="none" w="med" len="med"/>
+                    </a:lnR>
+                    <a:lnT w="12700" cap="flat" cmpd="sng" algn="ctr">
+                      <a:solidFill>
+                        <a:schemeClr val="tx1"/>
+                      </a:solidFill>
+                      <a:prstDash val="solid"/>
+                      <a:round/>
+                      <a:headEnd type="none" w="med" len="med"/>
+                      <a:tailEnd type="none" w="med" len="med"/>
+                    </a:lnT>
+                    <a:lnB w="12700" cap="flat" cmpd="sng" algn="ctr">
+                      <a:solidFill>
+                        <a:schemeClr val="tx1"/>
+                      </a:solidFill>
+                      <a:prstDash val="solid"/>
+                      <a:round/>
+                      <a:headEnd type="none" w="med" len="med"/>
+                      <a:tailEnd type="none" w="med" len="med"/>
+                    </a:lnB>
+                    <a:lnTlToBr>
+                      <a:noFill/>
+                    </a:lnTlToBr>
+                    <a:lnBlToTr>
+                      <a:noFill/>
+                    </a:lnBlToTr>
+                    <a:noFill/>
+                  </a:tcPr>
+                </a:tc>
+                <a:tc>
+                  <a:txBody>
+                    <a:bodyPr/>
+                    <a:lstStyle/>
+                    <a:p>
+                      <a:pPr marL="0" marR="0" lvl="0" indent="0" algn="ctr" defTabSz="914400" rtl="0" eaLnBrk="1" fontAlgn="base" latinLnBrk="0" hangingPunct="1">
+                        <a:lnSpc>
+                          <a:spcPct val="100000"/>
+                        </a:lnSpc>
+                        <a:spcBef>
+                          <a:spcPct val="20000"/>
+                        </a:spcBef>
+                        <a:spcAft>
+                          <a:spcPct val="0"/>
+                        </a:spcAft>
+                        <a:buClr>
+                          <a:schemeClr val="folHlink"/>
+                        </a:buClr>
+                        <a:buSzPct val="60000"/>
+                        <a:buFont typeface="Wingdings" pitchFamily="2" charset="2"/>
+                        <a:buNone/>
+                        <a:tabLst/>
+                      </a:pPr>
+                      <a:r>
+                        <a:rPr kumimoji="0" lang="en-US" sz="1600" b="1" i="0" u="none" strike="noStrike" cap="none" normalizeH="0" baseline="0" dirty="0" smtClean="0">
+                          <a:ln>
+                            <a:noFill/>
+                          </a:ln>
+                          <a:solidFill>
+                            <a:srgbClr val="1E3272"/>
+                          </a:solidFill>
+                          <a:effectLst/>
+                          <a:latin typeface="Arial" charset="0"/>
+                        </a:rPr>
+                        <a:t>ID</a:t>
+                      </a:r>
+                      <a:endParaRPr kumimoji="0" lang="en-AU" sz="1600" b="1" i="0" u="none" strike="noStrike" cap="none" normalizeH="0" baseline="0" dirty="0" smtClean="0">
+                        <a:ln>
+                          <a:noFill/>
+                        </a:ln>
+                        <a:solidFill>
+                          <a:srgbClr val="1E3272"/>
+                        </a:solidFill>
+                        <a:effectLst/>
+                        <a:latin typeface="Arial" charset="0"/>
+                      </a:endParaRPr>
+                    </a:p>
+                  </a:txBody>
+                  <a:tcPr horzOverflow="overflow">
+                    <a:lnL w="12700" cap="flat" cmpd="sng" algn="ctr">
+                      <a:solidFill>
+                        <a:schemeClr val="tx1"/>
+                      </a:solidFill>
+                      <a:prstDash val="solid"/>
+                      <a:round/>
+                      <a:headEnd type="none" w="med" len="med"/>
+                      <a:tailEnd type="none" w="med" len="med"/>
+                    </a:lnL>
+                    <a:lnR w="12700" cap="flat" cmpd="sng" algn="ctr">
+                      <a:solidFill>
+                        <a:schemeClr val="tx1"/>
+                      </a:solidFill>
+                      <a:prstDash val="solid"/>
+                      <a:round/>
+                      <a:headEnd type="none" w="med" len="med"/>
+                      <a:tailEnd type="none" w="med" len="med"/>
+                    </a:lnR>
+                    <a:lnT w="12700" cap="flat" cmpd="sng" algn="ctr">
+                      <a:solidFill>
+                        <a:schemeClr val="tx1"/>
+                      </a:solidFill>
+                      <a:prstDash val="solid"/>
+                      <a:round/>
+                      <a:headEnd type="none" w="med" len="med"/>
+                      <a:tailEnd type="none" w="med" len="med"/>
+                    </a:lnT>
+                    <a:lnB w="12700" cap="flat" cmpd="sng" algn="ctr">
+                      <a:solidFill>
+                        <a:schemeClr val="tx1"/>
+                      </a:solidFill>
+                      <a:prstDash val="solid"/>
+                      <a:round/>
+                      <a:headEnd type="none" w="med" len="med"/>
+                      <a:tailEnd type="none" w="med" len="med"/>
+                    </a:lnB>
+                    <a:lnTlToBr>
+                      <a:noFill/>
+                    </a:lnTlToBr>
+                    <a:lnBlToTr>
+                      <a:noFill/>
+                    </a:lnBlToTr>
+                    <a:noFill/>
+                  </a:tcPr>
+                </a:tc>
+                <a:tc>
+                  <a:txBody>
+                    <a:bodyPr/>
+                    <a:lstStyle/>
+                    <a:p>
+                      <a:pPr marL="0" marR="0" lvl="0" indent="0" algn="ctr" defTabSz="914400" rtl="0" eaLnBrk="1" fontAlgn="base" latinLnBrk="0" hangingPunct="1">
+                        <a:lnSpc>
+                          <a:spcPct val="100000"/>
+                        </a:lnSpc>
+                        <a:spcBef>
+                          <a:spcPct val="20000"/>
+                        </a:spcBef>
+                        <a:spcAft>
+                          <a:spcPct val="0"/>
+                        </a:spcAft>
+                        <a:buClr>
+                          <a:schemeClr val="folHlink"/>
+                        </a:buClr>
+                        <a:buSzPct val="60000"/>
+                        <a:buFont typeface="Wingdings" pitchFamily="2" charset="2"/>
+                        <a:buNone/>
+                        <a:tabLst/>
+                      </a:pPr>
+                      <a:r>
+                        <a:rPr kumimoji="0" lang="en-US" sz="1600" b="1" i="0" u="none" strike="noStrike" cap="none" normalizeH="0" baseline="0" dirty="0" smtClean="0">
+                          <a:ln>
+                            <a:noFill/>
+                          </a:ln>
+                          <a:solidFill>
+                            <a:srgbClr val="1E3272"/>
+                          </a:solidFill>
+                          <a:effectLst/>
+                          <a:latin typeface="Arial" charset="0"/>
+                        </a:rPr>
+                        <a:t>EX</a:t>
+                      </a:r>
+                      <a:endParaRPr kumimoji="0" lang="en-AU" sz="1600" b="1" i="0" u="none" strike="noStrike" cap="none" normalizeH="0" baseline="0" dirty="0" smtClean="0">
+                        <a:ln>
+                          <a:noFill/>
+                        </a:ln>
+                        <a:solidFill>
+                          <a:srgbClr val="1E3272"/>
+                        </a:solidFill>
+                        <a:effectLst/>
+                        <a:latin typeface="Arial" charset="0"/>
+                      </a:endParaRPr>
+                    </a:p>
+                  </a:txBody>
+                  <a:tcPr horzOverflow="overflow">
+                    <a:lnL w="12700" cap="flat" cmpd="sng" algn="ctr">
+                      <a:solidFill>
+                        <a:schemeClr val="tx1"/>
+                      </a:solidFill>
+                      <a:prstDash val="solid"/>
+                      <a:round/>
+                      <a:headEnd type="none" w="med" len="med"/>
+                      <a:tailEnd type="none" w="med" len="med"/>
+                    </a:lnL>
+                    <a:lnR w="12700" cap="flat" cmpd="sng" algn="ctr">
+                      <a:solidFill>
+                        <a:schemeClr val="tx1"/>
+                      </a:solidFill>
+                      <a:prstDash val="solid"/>
+                      <a:round/>
+                      <a:headEnd type="none" w="med" len="med"/>
+                      <a:tailEnd type="none" w="med" len="med"/>
+                    </a:lnR>
+                    <a:lnT w="12700" cap="flat" cmpd="sng" algn="ctr">
+                      <a:solidFill>
+                        <a:schemeClr val="tx1"/>
+                      </a:solidFill>
+                      <a:prstDash val="solid"/>
+                      <a:round/>
+                      <a:headEnd type="none" w="med" len="med"/>
+                      <a:tailEnd type="none" w="med" len="med"/>
+                    </a:lnT>
+                    <a:lnB w="12700" cap="flat" cmpd="sng" algn="ctr">
+                      <a:solidFill>
+                        <a:schemeClr val="tx1"/>
+                      </a:solidFill>
+                      <a:prstDash val="solid"/>
+                      <a:round/>
+                      <a:headEnd type="none" w="med" len="med"/>
+                      <a:tailEnd type="none" w="med" len="med"/>
+                    </a:lnB>
+                    <a:lnTlToBr>
+                      <a:noFill/>
+                    </a:lnTlToBr>
+                    <a:lnBlToTr>
+                      <a:noFill/>
+                    </a:lnBlToTr>
+                    <a:noFill/>
+                  </a:tcPr>
+                </a:tc>
+                <a:tc>
+                  <a:txBody>
+                    <a:bodyPr/>
+                    <a:lstStyle/>
+                    <a:p>
+                      <a:pPr marL="0" marR="0" lvl="0" indent="0" algn="ctr" defTabSz="914400" rtl="0" eaLnBrk="1" fontAlgn="base" latinLnBrk="0" hangingPunct="1">
+                        <a:lnSpc>
+                          <a:spcPct val="100000"/>
+                        </a:lnSpc>
+                        <a:spcBef>
+                          <a:spcPct val="20000"/>
+                        </a:spcBef>
+                        <a:spcAft>
+                          <a:spcPct val="0"/>
+                        </a:spcAft>
+                        <a:buClr>
+                          <a:schemeClr val="folHlink"/>
+                        </a:buClr>
+                        <a:buSzPct val="60000"/>
+                        <a:buFont typeface="Wingdings" pitchFamily="2" charset="2"/>
+                        <a:buNone/>
+                        <a:tabLst/>
+                      </a:pPr>
+                      <a:r>
+                        <a:rPr kumimoji="0" lang="en-US" sz="1600" b="1" i="0" u="none" strike="noStrike" cap="none" normalizeH="0" baseline="0" smtClean="0">
+                          <a:ln>
+                            <a:noFill/>
+                          </a:ln>
+                          <a:solidFill>
+                            <a:srgbClr val="1E3272"/>
+                          </a:solidFill>
+                          <a:effectLst/>
+                          <a:latin typeface="Arial" charset="0"/>
+                        </a:rPr>
+                        <a:t>MEM</a:t>
+                      </a:r>
+                      <a:endParaRPr kumimoji="0" lang="en-AU" sz="1600" b="1" i="0" u="none" strike="noStrike" cap="none" normalizeH="0" baseline="0" smtClean="0">
+                        <a:ln>
+                          <a:noFill/>
+                        </a:ln>
+                        <a:solidFill>
+                          <a:srgbClr val="1E3272"/>
+                        </a:solidFill>
+                        <a:effectLst/>
+                        <a:latin typeface="Arial" charset="0"/>
+                      </a:endParaRPr>
+                    </a:p>
+                  </a:txBody>
+                  <a:tcPr horzOverflow="overflow">
+                    <a:lnL w="12700" cap="flat" cmpd="sng" algn="ctr">
+                      <a:solidFill>
+                        <a:schemeClr val="tx1"/>
+                      </a:solidFill>
+                      <a:prstDash val="solid"/>
+                      <a:round/>
+                      <a:headEnd type="none" w="med" len="med"/>
+                      <a:tailEnd type="none" w="med" len="med"/>
+                    </a:lnL>
+                    <a:lnR w="12700" cap="flat" cmpd="sng" algn="ctr">
+                      <a:solidFill>
+                        <a:schemeClr val="tx1"/>
+                      </a:solidFill>
+                      <a:prstDash val="solid"/>
+                      <a:round/>
+                      <a:headEnd type="none" w="med" len="med"/>
+                      <a:tailEnd type="none" w="med" len="med"/>
+                    </a:lnR>
+                    <a:lnT w="12700" cap="flat" cmpd="sng" algn="ctr">
+                      <a:solidFill>
+                        <a:schemeClr val="tx1"/>
+                      </a:solidFill>
+                      <a:prstDash val="solid"/>
+                      <a:round/>
+                      <a:headEnd type="none" w="med" len="med"/>
+                      <a:tailEnd type="none" w="med" len="med"/>
+                    </a:lnT>
+                    <a:lnB w="12700" cap="flat" cmpd="sng" algn="ctr">
+                      <a:solidFill>
+                        <a:schemeClr val="tx1"/>
+                      </a:solidFill>
+                      <a:prstDash val="solid"/>
+                      <a:round/>
+                      <a:headEnd type="none" w="med" len="med"/>
+                      <a:tailEnd type="none" w="med" len="med"/>
+                    </a:lnB>
+                    <a:lnTlToBr>
+                      <a:noFill/>
+                    </a:lnTlToBr>
+                    <a:lnBlToTr>
+                      <a:noFill/>
+                    </a:lnBlToTr>
+                    <a:noFill/>
+                  </a:tcPr>
+                </a:tc>
+                <a:tc>
+                  <a:txBody>
+                    <a:bodyPr/>
+                    <a:lstStyle/>
+                    <a:p>
+                      <a:pPr marL="0" marR="0" lvl="0" indent="0" algn="ctr" defTabSz="914400" rtl="0" eaLnBrk="1" fontAlgn="base" latinLnBrk="0" hangingPunct="1">
+                        <a:lnSpc>
+                          <a:spcPct val="100000"/>
+                        </a:lnSpc>
+                        <a:spcBef>
+                          <a:spcPct val="20000"/>
+                        </a:spcBef>
+                        <a:spcAft>
+                          <a:spcPct val="0"/>
+                        </a:spcAft>
+                        <a:buClr>
+                          <a:schemeClr val="folHlink"/>
+                        </a:buClr>
+                        <a:buSzPct val="60000"/>
+                        <a:buFont typeface="Wingdings" pitchFamily="2" charset="2"/>
+                        <a:buNone/>
+                        <a:tabLst/>
+                      </a:pPr>
+                      <a:r>
+                        <a:rPr kumimoji="0" lang="en-US" sz="1600" b="1" i="0" u="none" strike="noStrike" cap="none" normalizeH="0" baseline="0" smtClean="0">
+                          <a:ln>
+                            <a:noFill/>
+                          </a:ln>
+                          <a:solidFill>
+                            <a:srgbClr val="1E3272"/>
+                          </a:solidFill>
+                          <a:effectLst/>
+                          <a:latin typeface="Arial" charset="0"/>
+                        </a:rPr>
+                        <a:t>WB</a:t>
+                      </a:r>
+                      <a:endParaRPr kumimoji="0" lang="en-AU" sz="1600" b="1" i="0" u="none" strike="noStrike" cap="none" normalizeH="0" baseline="0" smtClean="0">
+                        <a:ln>
+                          <a:noFill/>
+                        </a:ln>
+                        <a:solidFill>
+                          <a:srgbClr val="1E3272"/>
+                        </a:solidFill>
+                        <a:effectLst/>
+                        <a:latin typeface="Arial" charset="0"/>
+                      </a:endParaRPr>
+                    </a:p>
+                  </a:txBody>
+                  <a:tcPr horzOverflow="overflow">
+                    <a:lnL w="12700" cap="flat" cmpd="sng" algn="ctr">
+                      <a:solidFill>
+                        <a:schemeClr val="tx1"/>
+                      </a:solidFill>
+                      <a:prstDash val="solid"/>
+                      <a:round/>
+                      <a:headEnd type="none" w="med" len="med"/>
+                      <a:tailEnd type="none" w="med" len="med"/>
+                    </a:lnL>
+                    <a:lnR w="12700" cap="flat" cmpd="sng" algn="ctr">
+                      <a:solidFill>
+                        <a:schemeClr val="tx1"/>
+                      </a:solidFill>
+                      <a:prstDash val="solid"/>
+                      <a:round/>
+                      <a:headEnd type="none" w="med" len="med"/>
+                      <a:tailEnd type="none" w="med" len="med"/>
+                    </a:lnR>
+                    <a:lnT w="12700" cap="flat" cmpd="sng" algn="ctr">
+                      <a:solidFill>
+                        <a:schemeClr val="tx1"/>
+                      </a:solidFill>
+                      <a:prstDash val="solid"/>
+                      <a:round/>
+                      <a:headEnd type="none" w="med" len="med"/>
+                      <a:tailEnd type="none" w="med" len="med"/>
+                    </a:lnT>
+                    <a:lnB w="12700" cap="flat" cmpd="sng" algn="ctr">
+                      <a:solidFill>
+                        <a:schemeClr val="tx1"/>
+                      </a:solidFill>
+                      <a:prstDash val="solid"/>
+                      <a:round/>
+                      <a:headEnd type="none" w="med" len="med"/>
+                      <a:tailEnd type="none" w="med" len="med"/>
+                    </a:lnB>
+                    <a:lnTlToBr>
+                      <a:noFill/>
+                    </a:lnTlToBr>
+                    <a:lnBlToTr>
+                      <a:noFill/>
+                    </a:lnBlToTr>
+                    <a:noFill/>
+                  </a:tcPr>
+                </a:tc>
+                <a:tc>
+                  <a:txBody>
+                    <a:bodyPr/>
+                    <a:lstStyle/>
+                    <a:p>
+                      <a:pPr marL="0" marR="0" lvl="0" indent="0" algn="ctr" defTabSz="914400" rtl="0" eaLnBrk="1" fontAlgn="base" latinLnBrk="0" hangingPunct="1">
+                        <a:lnSpc>
+                          <a:spcPct val="100000"/>
+                        </a:lnSpc>
+                        <a:spcBef>
+                          <a:spcPct val="20000"/>
+                        </a:spcBef>
+                        <a:spcAft>
+                          <a:spcPct val="0"/>
+                        </a:spcAft>
+                        <a:buClr>
+                          <a:schemeClr val="folHlink"/>
+                        </a:buClr>
+                        <a:buSzPct val="60000"/>
+                        <a:buFont typeface="Wingdings" pitchFamily="2" charset="2"/>
+                        <a:buNone/>
+                        <a:tabLst/>
+                      </a:pPr>
+                      <a:endParaRPr kumimoji="0" lang="en-US" sz="1600" b="1" i="0" u="none" strike="noStrike" cap="none" normalizeH="0" baseline="0" smtClean="0">
+                        <a:ln>
+                          <a:noFill/>
+                        </a:ln>
+                        <a:solidFill>
+                          <a:srgbClr val="1E3272"/>
+                        </a:solidFill>
+                        <a:effectLst/>
+                        <a:latin typeface="Arial" charset="0"/>
+                      </a:endParaRPr>
+                    </a:p>
+                  </a:txBody>
+                  <a:tcPr horzOverflow="overflow">
+                    <a:lnL w="12700" cap="flat" cmpd="sng" algn="ctr">
+                      <a:solidFill>
+                        <a:schemeClr val="tx1"/>
+                      </a:solidFill>
+                      <a:prstDash val="solid"/>
+                      <a:round/>
+                      <a:headEnd type="none" w="med" len="med"/>
+                      <a:tailEnd type="none" w="med" len="med"/>
+                    </a:lnL>
+                    <a:lnR w="28575" cap="flat" cmpd="sng" algn="ctr">
+                      <a:solidFill>
+                        <a:schemeClr val="tx1"/>
+                      </a:solidFill>
+                      <a:prstDash val="solid"/>
+                      <a:round/>
+                      <a:headEnd type="none" w="med" len="med"/>
+                      <a:tailEnd type="none" w="med" len="med"/>
+                    </a:lnR>
+                    <a:lnT w="12700" cap="flat" cmpd="sng" algn="ctr">
+                      <a:solidFill>
+                        <a:schemeClr val="tx1"/>
+                      </a:solidFill>
+                      <a:prstDash val="solid"/>
+                      <a:round/>
+                      <a:headEnd type="none" w="med" len="med"/>
+                      <a:tailEnd type="none" w="med" len="med"/>
+                    </a:lnT>
+                    <a:lnB w="12700" cap="flat" cmpd="sng" algn="ctr">
+                      <a:solidFill>
+                        <a:schemeClr val="tx1"/>
+                      </a:solidFill>
+                      <a:prstDash val="solid"/>
+                      <a:round/>
+                      <a:headEnd type="none" w="med" len="med"/>
+                      <a:tailEnd type="none" w="med" len="med"/>
+                    </a:lnB>
+                    <a:lnTlToBr>
+                      <a:noFill/>
+                    </a:lnTlToBr>
+                    <a:lnBlToTr>
+                      <a:noFill/>
+                    </a:lnBlToTr>
+                    <a:noFill/>
+                  </a:tcPr>
+                </a:tc>
+              </a:tr>
+              <a:tr h="378344">
+                <a:tc>
+                  <a:txBody>
+                    <a:bodyPr/>
+                    <a:lstStyle/>
+                    <a:p>
+                      <a:pPr marL="0" marR="0" lvl="0" indent="0" algn="l" defTabSz="914400" rtl="0" eaLnBrk="1" fontAlgn="base" latinLnBrk="0" hangingPunct="1">
+                        <a:lnSpc>
+                          <a:spcPct val="100000"/>
+                        </a:lnSpc>
+                        <a:spcBef>
+                          <a:spcPct val="20000"/>
+                        </a:spcBef>
+                        <a:spcAft>
+                          <a:spcPct val="0"/>
+                        </a:spcAft>
+                        <a:buClr>
+                          <a:schemeClr val="folHlink"/>
+                        </a:buClr>
+                        <a:buSzPct val="60000"/>
+                        <a:buFont typeface="Wingdings" pitchFamily="2" charset="2"/>
+                        <a:buNone/>
+                        <a:tabLst/>
+                      </a:pPr>
+                      <a:r>
+                        <a:rPr kumimoji="0" lang="en-US" sz="1600" b="1" i="0" u="none" strike="noStrike" cap="none" normalizeH="0" baseline="0" smtClean="0">
+                          <a:ln>
+                            <a:noFill/>
+                          </a:ln>
+                          <a:solidFill>
+                            <a:srgbClr val="1E3272"/>
+                          </a:solidFill>
+                          <a:effectLst/>
+                          <a:latin typeface="Arial" charset="0"/>
+                        </a:rPr>
+                        <a:t>n + 16</a:t>
+                      </a:r>
+                      <a:endParaRPr kumimoji="0" lang="en-AU" sz="1600" b="1" i="0" u="none" strike="noStrike" cap="none" normalizeH="0" baseline="0" smtClean="0">
+                        <a:ln>
+                          <a:noFill/>
+                        </a:ln>
+                        <a:solidFill>
+                          <a:srgbClr val="1E3272"/>
+                        </a:solidFill>
+                        <a:effectLst/>
+                        <a:latin typeface="Arial" charset="0"/>
+                      </a:endParaRPr>
+                    </a:p>
+                  </a:txBody>
+                  <a:tcPr horzOverflow="overflow">
+                    <a:lnL w="28575" cap="flat" cmpd="sng" algn="ctr">
+                      <a:solidFill>
+                        <a:schemeClr val="tx1"/>
+                      </a:solidFill>
+                      <a:prstDash val="solid"/>
+                      <a:round/>
+                      <a:headEnd type="none" w="med" len="med"/>
+                      <a:tailEnd type="none" w="med" len="med"/>
+                    </a:lnL>
+                    <a:lnR w="12700" cap="flat" cmpd="sng" algn="ctr">
+                      <a:solidFill>
+                        <a:schemeClr val="tx1"/>
+                      </a:solidFill>
+                      <a:prstDash val="solid"/>
+                      <a:round/>
+                      <a:headEnd type="none" w="med" len="med"/>
+                      <a:tailEnd type="none" w="med" len="med"/>
+                    </a:lnR>
+                    <a:lnT w="12700" cap="flat" cmpd="sng" algn="ctr">
+                      <a:solidFill>
+                        <a:schemeClr val="tx1"/>
+                      </a:solidFill>
+                      <a:prstDash val="solid"/>
+                      <a:round/>
+                      <a:headEnd type="none" w="med" len="med"/>
+                      <a:tailEnd type="none" w="med" len="med"/>
+                    </a:lnT>
+                    <a:lnB w="12700" cap="flat" cmpd="sng" algn="ctr">
+                      <a:solidFill>
+                        <a:schemeClr val="tx1"/>
+                      </a:solidFill>
+                      <a:prstDash val="solid"/>
+                      <a:round/>
+                      <a:headEnd type="none" w="med" len="med"/>
+                      <a:tailEnd type="none" w="med" len="med"/>
+                    </a:lnB>
+                    <a:lnTlToBr>
+                      <a:noFill/>
+                    </a:lnTlToBr>
+                    <a:lnBlToTr>
+                      <a:noFill/>
+                    </a:lnBlToTr>
+                    <a:noFill/>
+                  </a:tcPr>
+                </a:tc>
+                <a:tc>
+                  <a:txBody>
+                    <a:bodyPr/>
+                    <a:lstStyle/>
+                    <a:p>
+                      <a:pPr marL="0" marR="0" lvl="0" indent="0" algn="l" defTabSz="914400" rtl="0" eaLnBrk="1" fontAlgn="base" latinLnBrk="0" hangingPunct="1">
+                        <a:lnSpc>
+                          <a:spcPct val="100000"/>
+                        </a:lnSpc>
+                        <a:spcBef>
+                          <a:spcPct val="20000"/>
+                        </a:spcBef>
+                        <a:spcAft>
+                          <a:spcPct val="0"/>
+                        </a:spcAft>
+                        <a:buClr>
+                          <a:schemeClr val="folHlink"/>
+                        </a:buClr>
+                        <a:buSzPct val="60000"/>
+                        <a:buFont typeface="Wingdings" pitchFamily="2" charset="2"/>
+                        <a:buNone/>
+                        <a:tabLst/>
+                      </a:pPr>
+                      <a:r>
+                        <a:rPr kumimoji="0" lang="en-US" sz="1600" b="1" i="0" u="none" strike="noStrike" cap="none" normalizeH="0" baseline="0" smtClean="0">
+                          <a:ln>
+                            <a:noFill/>
+                          </a:ln>
+                          <a:solidFill>
+                            <a:srgbClr val="1E3272"/>
+                          </a:solidFill>
+                          <a:effectLst/>
+                          <a:latin typeface="Arial" charset="0"/>
+                        </a:rPr>
+                        <a:t>ALU/branch</a:t>
+                      </a:r>
+                      <a:endParaRPr kumimoji="0" lang="en-AU" sz="1600" b="1" i="0" u="none" strike="noStrike" cap="none" normalizeH="0" baseline="0" smtClean="0">
+                        <a:ln>
+                          <a:noFill/>
+                        </a:ln>
+                        <a:solidFill>
+                          <a:srgbClr val="1E3272"/>
+                        </a:solidFill>
+                        <a:effectLst/>
+                        <a:latin typeface="Arial" charset="0"/>
+                      </a:endParaRPr>
+                    </a:p>
+                  </a:txBody>
+                  <a:tcPr horzOverflow="overflow">
+                    <a:lnL w="12700" cap="flat" cmpd="sng" algn="ctr">
+                      <a:solidFill>
+                        <a:schemeClr val="tx1"/>
+                      </a:solidFill>
+                      <a:prstDash val="solid"/>
+                      <a:round/>
+                      <a:headEnd type="none" w="med" len="med"/>
+                      <a:tailEnd type="none" w="med" len="med"/>
+                    </a:lnL>
+                    <a:lnR w="12700" cap="flat" cmpd="sng" algn="ctr">
+                      <a:solidFill>
+                        <a:schemeClr val="tx1"/>
+                      </a:solidFill>
+                      <a:prstDash val="solid"/>
+                      <a:round/>
+                      <a:headEnd type="none" w="med" len="med"/>
+                      <a:tailEnd type="none" w="med" len="med"/>
+                    </a:lnR>
+                    <a:lnT w="12700" cap="flat" cmpd="sng" algn="ctr">
+                      <a:solidFill>
+                        <a:schemeClr val="tx1"/>
+                      </a:solidFill>
+                      <a:prstDash val="solid"/>
+                      <a:round/>
+                      <a:headEnd type="none" w="med" len="med"/>
+                      <a:tailEnd type="none" w="med" len="med"/>
+                    </a:lnT>
+                    <a:lnB w="12700" cap="flat" cmpd="sng" algn="ctr">
+                      <a:solidFill>
+                        <a:schemeClr val="tx1"/>
+                      </a:solidFill>
+                      <a:prstDash val="solid"/>
+                      <a:round/>
+                      <a:headEnd type="none" w="med" len="med"/>
+                      <a:tailEnd type="none" w="med" len="med"/>
+                    </a:lnB>
+                    <a:lnTlToBr>
+                      <a:noFill/>
+                    </a:lnTlToBr>
+                    <a:lnBlToTr>
+                      <a:noFill/>
+                    </a:lnBlToTr>
+                    <a:noFill/>
+                  </a:tcPr>
+                </a:tc>
+                <a:tc>
+                  <a:txBody>
+                    <a:bodyPr/>
+                    <a:lstStyle/>
+                    <a:p>
+                      <a:pPr marL="0" marR="0" lvl="0" indent="0" algn="ctr" defTabSz="914400" rtl="0" eaLnBrk="1" fontAlgn="base" latinLnBrk="0" hangingPunct="1">
+                        <a:lnSpc>
+                          <a:spcPct val="100000"/>
+                        </a:lnSpc>
+                        <a:spcBef>
+                          <a:spcPct val="20000"/>
+                        </a:spcBef>
+                        <a:spcAft>
+                          <a:spcPct val="0"/>
+                        </a:spcAft>
+                        <a:buClr>
+                          <a:schemeClr val="folHlink"/>
+                        </a:buClr>
+                        <a:buSzPct val="60000"/>
+                        <a:buFont typeface="Wingdings" pitchFamily="2" charset="2"/>
+                        <a:buNone/>
+                        <a:tabLst/>
+                      </a:pPr>
+                      <a:endParaRPr kumimoji="0" lang="en-US" sz="1600" b="1" i="0" u="none" strike="noStrike" cap="none" normalizeH="0" baseline="0" smtClean="0">
+                        <a:ln>
+                          <a:noFill/>
+                        </a:ln>
+                        <a:solidFill>
+                          <a:srgbClr val="1E3272"/>
+                        </a:solidFill>
+                        <a:effectLst/>
+                        <a:latin typeface="Arial" charset="0"/>
+                      </a:endParaRPr>
+                    </a:p>
+                  </a:txBody>
+                  <a:tcPr horzOverflow="overflow">
+                    <a:lnL w="12700" cap="flat" cmpd="sng" algn="ctr">
+                      <a:solidFill>
+                        <a:schemeClr val="tx1"/>
+                      </a:solidFill>
+                      <a:prstDash val="solid"/>
+                      <a:round/>
+                      <a:headEnd type="none" w="med" len="med"/>
+                      <a:tailEnd type="none" w="med" len="med"/>
+                    </a:lnL>
+                    <a:lnR w="12700" cap="flat" cmpd="sng" algn="ctr">
+                      <a:solidFill>
+                        <a:schemeClr val="tx1"/>
+                      </a:solidFill>
+                      <a:prstDash val="solid"/>
+                      <a:round/>
+                      <a:headEnd type="none" w="med" len="med"/>
+                      <a:tailEnd type="none" w="med" len="med"/>
+                    </a:lnR>
+                    <a:lnT w="12700" cap="flat" cmpd="sng" algn="ctr">
+                      <a:solidFill>
+                        <a:schemeClr val="tx1"/>
+                      </a:solidFill>
+                      <a:prstDash val="solid"/>
+                      <a:round/>
+                      <a:headEnd type="none" w="med" len="med"/>
+                      <a:tailEnd type="none" w="med" len="med"/>
+                    </a:lnT>
+                    <a:lnB w="12700" cap="flat" cmpd="sng" algn="ctr">
+                      <a:solidFill>
+                        <a:schemeClr val="tx1"/>
+                      </a:solidFill>
+                      <a:prstDash val="solid"/>
+                      <a:round/>
+                      <a:headEnd type="none" w="med" len="med"/>
+                      <a:tailEnd type="none" w="med" len="med"/>
+                    </a:lnB>
+                    <a:lnTlToBr>
+                      <a:noFill/>
+                    </a:lnTlToBr>
+                    <a:lnBlToTr>
+                      <a:noFill/>
+                    </a:lnBlToTr>
+                    <a:noFill/>
+                  </a:tcPr>
+                </a:tc>
+                <a:tc>
+                  <a:txBody>
+                    <a:bodyPr/>
+                    <a:lstStyle/>
+                    <a:p>
+                      <a:pPr marL="0" marR="0" lvl="0" indent="0" algn="ctr" defTabSz="914400" rtl="0" eaLnBrk="1" fontAlgn="base" latinLnBrk="0" hangingPunct="1">
+                        <a:lnSpc>
+                          <a:spcPct val="100000"/>
+                        </a:lnSpc>
+                        <a:spcBef>
+                          <a:spcPct val="20000"/>
+                        </a:spcBef>
+                        <a:spcAft>
+                          <a:spcPct val="0"/>
+                        </a:spcAft>
+                        <a:buClr>
+                          <a:schemeClr val="folHlink"/>
+                        </a:buClr>
+                        <a:buSzPct val="60000"/>
+                        <a:buFont typeface="Wingdings" pitchFamily="2" charset="2"/>
+                        <a:buNone/>
+                        <a:tabLst/>
+                      </a:pPr>
+                      <a:endParaRPr kumimoji="0" lang="en-US" sz="1600" b="1" i="0" u="none" strike="noStrike" cap="none" normalizeH="0" baseline="0" smtClean="0">
+                        <a:ln>
+                          <a:noFill/>
+                        </a:ln>
+                        <a:solidFill>
+                          <a:srgbClr val="1E3272"/>
+                        </a:solidFill>
+                        <a:effectLst/>
+                        <a:latin typeface="Arial" charset="0"/>
+                      </a:endParaRPr>
+                    </a:p>
+                  </a:txBody>
+                  <a:tcPr horzOverflow="overflow">
+                    <a:lnL w="12700" cap="flat" cmpd="sng" algn="ctr">
+                      <a:solidFill>
+                        <a:schemeClr val="tx1"/>
+                      </a:solidFill>
+                      <a:prstDash val="solid"/>
+                      <a:round/>
+                      <a:headEnd type="none" w="med" len="med"/>
+                      <a:tailEnd type="none" w="med" len="med"/>
+                    </a:lnL>
+                    <a:lnR w="12700" cap="flat" cmpd="sng" algn="ctr">
+                      <a:solidFill>
+                        <a:schemeClr val="tx1"/>
+                      </a:solidFill>
+                      <a:prstDash val="solid"/>
+                      <a:round/>
+                      <a:headEnd type="none" w="med" len="med"/>
+                      <a:tailEnd type="none" w="med" len="med"/>
+                    </a:lnR>
+                    <a:lnT w="12700" cap="flat" cmpd="sng" algn="ctr">
+                      <a:solidFill>
+                        <a:schemeClr val="tx1"/>
+                      </a:solidFill>
+                      <a:prstDash val="solid"/>
+                      <a:round/>
+                      <a:headEnd type="none" w="med" len="med"/>
+                      <a:tailEnd type="none" w="med" len="med"/>
+                    </a:lnT>
+                    <a:lnB w="12700" cap="flat" cmpd="sng" algn="ctr">
+                      <a:solidFill>
+                        <a:schemeClr val="tx1"/>
+                      </a:solidFill>
+                      <a:prstDash val="solid"/>
+                      <a:round/>
+                      <a:headEnd type="none" w="med" len="med"/>
+                      <a:tailEnd type="none" w="med" len="med"/>
+                    </a:lnB>
+                    <a:lnTlToBr>
+                      <a:noFill/>
+                    </a:lnTlToBr>
+                    <a:lnBlToTr>
+                      <a:noFill/>
+                    </a:lnBlToTr>
+                    <a:noFill/>
+                  </a:tcPr>
+                </a:tc>
+                <a:tc>
+                  <a:txBody>
+                    <a:bodyPr/>
+                    <a:lstStyle/>
+                    <a:p>
+                      <a:pPr marL="0" marR="0" lvl="0" indent="0" algn="ctr" defTabSz="914400" rtl="0" eaLnBrk="1" fontAlgn="base" latinLnBrk="0" hangingPunct="1">
+                        <a:lnSpc>
+                          <a:spcPct val="100000"/>
+                        </a:lnSpc>
+                        <a:spcBef>
+                          <a:spcPct val="20000"/>
+                        </a:spcBef>
+                        <a:spcAft>
+                          <a:spcPct val="0"/>
+                        </a:spcAft>
+                        <a:buClr>
+                          <a:schemeClr val="folHlink"/>
+                        </a:buClr>
+                        <a:buSzPct val="60000"/>
+                        <a:buFont typeface="Wingdings" pitchFamily="2" charset="2"/>
+                        <a:buNone/>
+                        <a:tabLst/>
+                      </a:pPr>
+                      <a:r>
+                        <a:rPr kumimoji="0" lang="en-US" sz="1600" b="1" i="0" u="none" strike="noStrike" cap="none" normalizeH="0" baseline="0" smtClean="0">
+                          <a:ln>
+                            <a:noFill/>
+                          </a:ln>
+                          <a:solidFill>
+                            <a:srgbClr val="1E3272"/>
+                          </a:solidFill>
+                          <a:effectLst/>
+                          <a:latin typeface="Arial" charset="0"/>
+                        </a:rPr>
+                        <a:t>IF</a:t>
+                      </a:r>
+                      <a:endParaRPr kumimoji="0" lang="en-AU" sz="1600" b="1" i="0" u="none" strike="noStrike" cap="none" normalizeH="0" baseline="0" smtClean="0">
+                        <a:ln>
+                          <a:noFill/>
+                        </a:ln>
+                        <a:solidFill>
+                          <a:srgbClr val="1E3272"/>
+                        </a:solidFill>
+                        <a:effectLst/>
+                        <a:latin typeface="Arial" charset="0"/>
+                      </a:endParaRPr>
+                    </a:p>
+                  </a:txBody>
+                  <a:tcPr horzOverflow="overflow">
+                    <a:lnL w="12700" cap="flat" cmpd="sng" algn="ctr">
+                      <a:solidFill>
+                        <a:schemeClr val="tx1"/>
+                      </a:solidFill>
+                      <a:prstDash val="solid"/>
+                      <a:round/>
+                      <a:headEnd type="none" w="med" len="med"/>
+                      <a:tailEnd type="none" w="med" len="med"/>
+                    </a:lnL>
+                    <a:lnR w="12700" cap="flat" cmpd="sng" algn="ctr">
+                      <a:solidFill>
+                        <a:schemeClr val="tx1"/>
+                      </a:solidFill>
+                      <a:prstDash val="solid"/>
+                      <a:round/>
+                      <a:headEnd type="none" w="med" len="med"/>
+                      <a:tailEnd type="none" w="med" len="med"/>
+                    </a:lnR>
+                    <a:lnT w="12700" cap="flat" cmpd="sng" algn="ctr">
+                      <a:solidFill>
+                        <a:schemeClr val="tx1"/>
+                      </a:solidFill>
+                      <a:prstDash val="solid"/>
+                      <a:round/>
+                      <a:headEnd type="none" w="med" len="med"/>
+                      <a:tailEnd type="none" w="med" len="med"/>
+                    </a:lnT>
+                    <a:lnB w="12700" cap="flat" cmpd="sng" algn="ctr">
+                      <a:solidFill>
+                        <a:schemeClr val="tx1"/>
+                      </a:solidFill>
+                      <a:prstDash val="solid"/>
+                      <a:round/>
+                      <a:headEnd type="none" w="med" len="med"/>
+                      <a:tailEnd type="none" w="med" len="med"/>
+                    </a:lnB>
+                    <a:lnTlToBr>
+                      <a:noFill/>
+                    </a:lnTlToBr>
+                    <a:lnBlToTr>
+                      <a:noFill/>
+                    </a:lnBlToTr>
+                    <a:noFill/>
+                  </a:tcPr>
+                </a:tc>
+                <a:tc>
+                  <a:txBody>
+                    <a:bodyPr/>
+                    <a:lstStyle/>
+                    <a:p>
+                      <a:pPr marL="0" marR="0" lvl="0" indent="0" algn="ctr" defTabSz="914400" rtl="0" eaLnBrk="1" fontAlgn="base" latinLnBrk="0" hangingPunct="1">
+                        <a:lnSpc>
+                          <a:spcPct val="100000"/>
+                        </a:lnSpc>
+                        <a:spcBef>
+                          <a:spcPct val="20000"/>
+                        </a:spcBef>
+                        <a:spcAft>
+                          <a:spcPct val="0"/>
+                        </a:spcAft>
+                        <a:buClr>
+                          <a:schemeClr val="folHlink"/>
+                        </a:buClr>
+                        <a:buSzPct val="60000"/>
+                        <a:buFont typeface="Wingdings" pitchFamily="2" charset="2"/>
+                        <a:buNone/>
+                        <a:tabLst/>
+                      </a:pPr>
+                      <a:r>
+                        <a:rPr kumimoji="0" lang="en-US" sz="1600" b="1" i="0" u="none" strike="noStrike" cap="none" normalizeH="0" baseline="0" dirty="0" smtClean="0">
+                          <a:ln>
+                            <a:noFill/>
+                          </a:ln>
+                          <a:solidFill>
+                            <a:srgbClr val="1E3272"/>
+                          </a:solidFill>
+                          <a:effectLst/>
+                          <a:latin typeface="Arial" charset="0"/>
+                        </a:rPr>
+                        <a:t>ID</a:t>
+                      </a:r>
+                      <a:endParaRPr kumimoji="0" lang="en-AU" sz="1600" b="1" i="0" u="none" strike="noStrike" cap="none" normalizeH="0" baseline="0" dirty="0" smtClean="0">
+                        <a:ln>
+                          <a:noFill/>
+                        </a:ln>
+                        <a:solidFill>
+                          <a:srgbClr val="1E3272"/>
+                        </a:solidFill>
+                        <a:effectLst/>
+                        <a:latin typeface="Arial" charset="0"/>
+                      </a:endParaRPr>
+                    </a:p>
+                  </a:txBody>
+                  <a:tcPr horzOverflow="overflow">
+                    <a:lnL w="12700" cap="flat" cmpd="sng" algn="ctr">
+                      <a:solidFill>
+                        <a:schemeClr val="tx1"/>
+                      </a:solidFill>
+                      <a:prstDash val="solid"/>
+                      <a:round/>
+                      <a:headEnd type="none" w="med" len="med"/>
+                      <a:tailEnd type="none" w="med" len="med"/>
+                    </a:lnL>
+                    <a:lnR w="12700" cap="flat" cmpd="sng" algn="ctr">
+                      <a:solidFill>
+                        <a:schemeClr val="tx1"/>
+                      </a:solidFill>
+                      <a:prstDash val="solid"/>
+                      <a:round/>
+                      <a:headEnd type="none" w="med" len="med"/>
+                      <a:tailEnd type="none" w="med" len="med"/>
+                    </a:lnR>
+                    <a:lnT w="12700" cap="flat" cmpd="sng" algn="ctr">
+                      <a:solidFill>
+                        <a:schemeClr val="tx1"/>
+                      </a:solidFill>
+                      <a:prstDash val="solid"/>
+                      <a:round/>
+                      <a:headEnd type="none" w="med" len="med"/>
+                      <a:tailEnd type="none" w="med" len="med"/>
+                    </a:lnT>
+                    <a:lnB w="12700" cap="flat" cmpd="sng" algn="ctr">
+                      <a:solidFill>
+                        <a:schemeClr val="tx1"/>
+                      </a:solidFill>
+                      <a:prstDash val="solid"/>
+                      <a:round/>
+                      <a:headEnd type="none" w="med" len="med"/>
+                      <a:tailEnd type="none" w="med" len="med"/>
+                    </a:lnB>
+                    <a:lnTlToBr>
+                      <a:noFill/>
+                    </a:lnTlToBr>
+                    <a:lnBlToTr>
+                      <a:noFill/>
+                    </a:lnBlToTr>
+                    <a:noFill/>
+                  </a:tcPr>
+                </a:tc>
+                <a:tc>
+                  <a:txBody>
+                    <a:bodyPr/>
+                    <a:lstStyle/>
+                    <a:p>
+                      <a:pPr marL="0" marR="0" lvl="0" indent="0" algn="ctr" defTabSz="914400" rtl="0" eaLnBrk="1" fontAlgn="base" latinLnBrk="0" hangingPunct="1">
+                        <a:lnSpc>
+                          <a:spcPct val="100000"/>
+                        </a:lnSpc>
+                        <a:spcBef>
+                          <a:spcPct val="20000"/>
+                        </a:spcBef>
+                        <a:spcAft>
+                          <a:spcPct val="0"/>
+                        </a:spcAft>
+                        <a:buClr>
+                          <a:schemeClr val="folHlink"/>
+                        </a:buClr>
+                        <a:buSzPct val="60000"/>
+                        <a:buFont typeface="Wingdings" pitchFamily="2" charset="2"/>
+                        <a:buNone/>
+                        <a:tabLst/>
+                      </a:pPr>
+                      <a:r>
+                        <a:rPr kumimoji="0" lang="en-US" sz="1600" b="1" i="0" u="none" strike="noStrike" cap="none" normalizeH="0" baseline="0" dirty="0" smtClean="0">
+                          <a:ln>
+                            <a:noFill/>
+                          </a:ln>
+                          <a:solidFill>
+                            <a:srgbClr val="1E3272"/>
+                          </a:solidFill>
+                          <a:effectLst/>
+                          <a:latin typeface="Arial" charset="0"/>
+                        </a:rPr>
+                        <a:t>EX</a:t>
+                      </a:r>
+                      <a:endParaRPr kumimoji="0" lang="en-AU" sz="1600" b="1" i="0" u="none" strike="noStrike" cap="none" normalizeH="0" baseline="0" dirty="0" smtClean="0">
+                        <a:ln>
+                          <a:noFill/>
+                        </a:ln>
+                        <a:solidFill>
+                          <a:srgbClr val="1E3272"/>
+                        </a:solidFill>
+                        <a:effectLst/>
+                        <a:latin typeface="Arial" charset="0"/>
+                      </a:endParaRPr>
+                    </a:p>
+                  </a:txBody>
+                  <a:tcPr horzOverflow="overflow">
+                    <a:lnL w="12700" cap="flat" cmpd="sng" algn="ctr">
+                      <a:solidFill>
+                        <a:schemeClr val="tx1"/>
+                      </a:solidFill>
+                      <a:prstDash val="solid"/>
+                      <a:round/>
+                      <a:headEnd type="none" w="med" len="med"/>
+                      <a:tailEnd type="none" w="med" len="med"/>
+                    </a:lnL>
+                    <a:lnR w="12700" cap="flat" cmpd="sng" algn="ctr">
+                      <a:solidFill>
+                        <a:schemeClr val="tx1"/>
+                      </a:solidFill>
+                      <a:prstDash val="solid"/>
+                      <a:round/>
+                      <a:headEnd type="none" w="med" len="med"/>
+                      <a:tailEnd type="none" w="med" len="med"/>
+                    </a:lnR>
+                    <a:lnT w="12700" cap="flat" cmpd="sng" algn="ctr">
+                      <a:solidFill>
+                        <a:schemeClr val="tx1"/>
+                      </a:solidFill>
+                      <a:prstDash val="solid"/>
+                      <a:round/>
+                      <a:headEnd type="none" w="med" len="med"/>
+                      <a:tailEnd type="none" w="med" len="med"/>
+                    </a:lnT>
+                    <a:lnB w="12700" cap="flat" cmpd="sng" algn="ctr">
+                      <a:solidFill>
+                        <a:schemeClr val="tx1"/>
+                      </a:solidFill>
+                      <a:prstDash val="solid"/>
+                      <a:round/>
+                      <a:headEnd type="none" w="med" len="med"/>
+                      <a:tailEnd type="none" w="med" len="med"/>
+                    </a:lnB>
+                    <a:lnTlToBr>
+                      <a:noFill/>
+                    </a:lnTlToBr>
+                    <a:lnBlToTr>
+                      <a:noFill/>
+                    </a:lnBlToTr>
+                    <a:noFill/>
+                  </a:tcPr>
+                </a:tc>
+                <a:tc>
+                  <a:txBody>
+                    <a:bodyPr/>
+                    <a:lstStyle/>
+                    <a:p>
+                      <a:pPr marL="0" marR="0" lvl="0" indent="0" algn="ctr" defTabSz="914400" rtl="0" eaLnBrk="1" fontAlgn="base" latinLnBrk="0" hangingPunct="1">
+                        <a:lnSpc>
+                          <a:spcPct val="100000"/>
+                        </a:lnSpc>
+                        <a:spcBef>
+                          <a:spcPct val="20000"/>
+                        </a:spcBef>
+                        <a:spcAft>
+                          <a:spcPct val="0"/>
+                        </a:spcAft>
+                        <a:buClr>
+                          <a:schemeClr val="folHlink"/>
+                        </a:buClr>
+                        <a:buSzPct val="60000"/>
+                        <a:buFont typeface="Wingdings" pitchFamily="2" charset="2"/>
+                        <a:buNone/>
+                        <a:tabLst/>
+                      </a:pPr>
+                      <a:r>
+                        <a:rPr kumimoji="0" lang="en-US" sz="1600" b="1" i="0" u="none" strike="noStrike" cap="none" normalizeH="0" baseline="0" dirty="0" smtClean="0">
+                          <a:ln>
+                            <a:noFill/>
+                          </a:ln>
+                          <a:solidFill>
+                            <a:srgbClr val="1E3272"/>
+                          </a:solidFill>
+                          <a:effectLst/>
+                          <a:latin typeface="Arial" charset="0"/>
+                        </a:rPr>
+                        <a:t>MEM</a:t>
+                      </a:r>
+                      <a:endParaRPr kumimoji="0" lang="en-AU" sz="1600" b="1" i="0" u="none" strike="noStrike" cap="none" normalizeH="0" baseline="0" dirty="0" smtClean="0">
+                        <a:ln>
+                          <a:noFill/>
+                        </a:ln>
+                        <a:solidFill>
+                          <a:srgbClr val="1E3272"/>
+                        </a:solidFill>
+                        <a:effectLst/>
+                        <a:latin typeface="Arial" charset="0"/>
+                      </a:endParaRPr>
+                    </a:p>
+                  </a:txBody>
+                  <a:tcPr horzOverflow="overflow">
+                    <a:lnL w="12700" cap="flat" cmpd="sng" algn="ctr">
+                      <a:solidFill>
+                        <a:schemeClr val="tx1"/>
+                      </a:solidFill>
+                      <a:prstDash val="solid"/>
+                      <a:round/>
+                      <a:headEnd type="none" w="med" len="med"/>
+                      <a:tailEnd type="none" w="med" len="med"/>
+                    </a:lnL>
+                    <a:lnR w="12700" cap="flat" cmpd="sng" algn="ctr">
+                      <a:solidFill>
+                        <a:schemeClr val="tx1"/>
+                      </a:solidFill>
+                      <a:prstDash val="solid"/>
+                      <a:round/>
+                      <a:headEnd type="none" w="med" len="med"/>
+                      <a:tailEnd type="none" w="med" len="med"/>
+                    </a:lnR>
+                    <a:lnT w="12700" cap="flat" cmpd="sng" algn="ctr">
+                      <a:solidFill>
+                        <a:schemeClr val="tx1"/>
+                      </a:solidFill>
+                      <a:prstDash val="solid"/>
+                      <a:round/>
+                      <a:headEnd type="none" w="med" len="med"/>
+                      <a:tailEnd type="none" w="med" len="med"/>
+                    </a:lnT>
+                    <a:lnB w="12700" cap="flat" cmpd="sng" algn="ctr">
+                      <a:solidFill>
+                        <a:schemeClr val="tx1"/>
+                      </a:solidFill>
+                      <a:prstDash val="solid"/>
+                      <a:round/>
+                      <a:headEnd type="none" w="med" len="med"/>
+                      <a:tailEnd type="none" w="med" len="med"/>
+                    </a:lnB>
+                    <a:lnTlToBr>
+                      <a:noFill/>
+                    </a:lnTlToBr>
+                    <a:lnBlToTr>
+                      <a:noFill/>
+                    </a:lnBlToTr>
+                    <a:noFill/>
+                  </a:tcPr>
+                </a:tc>
+                <a:tc>
+                  <a:txBody>
+                    <a:bodyPr/>
+                    <a:lstStyle/>
+                    <a:p>
+                      <a:pPr marL="0" marR="0" lvl="0" indent="0" algn="ctr" defTabSz="914400" rtl="0" eaLnBrk="1" fontAlgn="base" latinLnBrk="0" hangingPunct="1">
+                        <a:lnSpc>
+                          <a:spcPct val="100000"/>
+                        </a:lnSpc>
+                        <a:spcBef>
+                          <a:spcPct val="20000"/>
+                        </a:spcBef>
+                        <a:spcAft>
+                          <a:spcPct val="0"/>
+                        </a:spcAft>
+                        <a:buClr>
+                          <a:schemeClr val="folHlink"/>
+                        </a:buClr>
+                        <a:buSzPct val="60000"/>
+                        <a:buFont typeface="Wingdings" pitchFamily="2" charset="2"/>
+                        <a:buNone/>
+                        <a:tabLst/>
+                      </a:pPr>
+                      <a:r>
+                        <a:rPr kumimoji="0" lang="en-US" sz="1600" b="1" i="0" u="none" strike="noStrike" cap="none" normalizeH="0" baseline="0" smtClean="0">
+                          <a:ln>
+                            <a:noFill/>
+                          </a:ln>
+                          <a:solidFill>
+                            <a:srgbClr val="1E3272"/>
+                          </a:solidFill>
+                          <a:effectLst/>
+                          <a:latin typeface="Arial" charset="0"/>
+                        </a:rPr>
+                        <a:t>WB</a:t>
+                      </a:r>
+                      <a:endParaRPr kumimoji="0" lang="en-AU" sz="1600" b="1" i="0" u="none" strike="noStrike" cap="none" normalizeH="0" baseline="0" smtClean="0">
+                        <a:ln>
+                          <a:noFill/>
+                        </a:ln>
+                        <a:solidFill>
+                          <a:srgbClr val="1E3272"/>
+                        </a:solidFill>
+                        <a:effectLst/>
+                        <a:latin typeface="Arial" charset="0"/>
+                      </a:endParaRPr>
+                    </a:p>
+                  </a:txBody>
+                  <a:tcPr horzOverflow="overflow">
+                    <a:lnL w="12700" cap="flat" cmpd="sng" algn="ctr">
+                      <a:solidFill>
+                        <a:schemeClr val="tx1"/>
+                      </a:solidFill>
+                      <a:prstDash val="solid"/>
+                      <a:round/>
+                      <a:headEnd type="none" w="med" len="med"/>
+                      <a:tailEnd type="none" w="med" len="med"/>
+                    </a:lnL>
+                    <a:lnR w="28575" cap="flat" cmpd="sng" algn="ctr">
+                      <a:solidFill>
+                        <a:schemeClr val="tx1"/>
+                      </a:solidFill>
+                      <a:prstDash val="solid"/>
+                      <a:round/>
+                      <a:headEnd type="none" w="med" len="med"/>
+                      <a:tailEnd type="none" w="med" len="med"/>
+                    </a:lnR>
+                    <a:lnT w="12700" cap="flat" cmpd="sng" algn="ctr">
+                      <a:solidFill>
+                        <a:schemeClr val="tx1"/>
+                      </a:solidFill>
+                      <a:prstDash val="solid"/>
+                      <a:round/>
+                      <a:headEnd type="none" w="med" len="med"/>
+                      <a:tailEnd type="none" w="med" len="med"/>
+                    </a:lnT>
+                    <a:lnB w="12700" cap="flat" cmpd="sng" algn="ctr">
+                      <a:solidFill>
+                        <a:schemeClr val="tx1"/>
+                      </a:solidFill>
+                      <a:prstDash val="solid"/>
+                      <a:round/>
+                      <a:headEnd type="none" w="med" len="med"/>
+                      <a:tailEnd type="none" w="med" len="med"/>
+                    </a:lnB>
+                    <a:lnTlToBr>
+                      <a:noFill/>
+                    </a:lnTlToBr>
+                    <a:lnBlToTr>
+                      <a:noFill/>
+                    </a:lnBlToTr>
+                    <a:noFill/>
+                  </a:tcPr>
+                </a:tc>
+              </a:tr>
+              <a:tr h="378344">
+                <a:tc>
+                  <a:txBody>
+                    <a:bodyPr/>
+                    <a:lstStyle/>
+                    <a:p>
+                      <a:pPr marL="0" marR="0" lvl="0" indent="0" algn="l" defTabSz="914400" rtl="0" eaLnBrk="1" fontAlgn="base" latinLnBrk="0" hangingPunct="1">
+                        <a:lnSpc>
+                          <a:spcPct val="100000"/>
+                        </a:lnSpc>
+                        <a:spcBef>
+                          <a:spcPct val="20000"/>
+                        </a:spcBef>
+                        <a:spcAft>
+                          <a:spcPct val="0"/>
+                        </a:spcAft>
+                        <a:buClr>
+                          <a:schemeClr val="folHlink"/>
+                        </a:buClr>
+                        <a:buSzPct val="60000"/>
+                        <a:buFont typeface="Wingdings" pitchFamily="2" charset="2"/>
+                        <a:buNone/>
+                        <a:tabLst/>
+                      </a:pPr>
+                      <a:r>
+                        <a:rPr kumimoji="0" lang="en-US" sz="1600" b="1" i="0" u="none" strike="noStrike" cap="none" normalizeH="0" baseline="0" smtClean="0">
+                          <a:ln>
+                            <a:noFill/>
+                          </a:ln>
+                          <a:solidFill>
+                            <a:srgbClr val="1E3272"/>
+                          </a:solidFill>
+                          <a:effectLst/>
+                          <a:latin typeface="Arial" charset="0"/>
+                        </a:rPr>
+                        <a:t>n + 20</a:t>
+                      </a:r>
+                      <a:endParaRPr kumimoji="0" lang="en-AU" sz="1600" b="1" i="0" u="none" strike="noStrike" cap="none" normalizeH="0" baseline="0" smtClean="0">
+                        <a:ln>
+                          <a:noFill/>
+                        </a:ln>
+                        <a:solidFill>
+                          <a:srgbClr val="1E3272"/>
+                        </a:solidFill>
+                        <a:effectLst/>
+                        <a:latin typeface="Arial" charset="0"/>
+                      </a:endParaRPr>
+                    </a:p>
+                  </a:txBody>
+                  <a:tcPr horzOverflow="overflow">
+                    <a:lnL w="28575" cap="flat" cmpd="sng" algn="ctr">
+                      <a:solidFill>
+                        <a:schemeClr val="tx1"/>
+                      </a:solidFill>
+                      <a:prstDash val="solid"/>
+                      <a:round/>
+                      <a:headEnd type="none" w="med" len="med"/>
+                      <a:tailEnd type="none" w="med" len="med"/>
+                    </a:lnL>
+                    <a:lnR w="12700" cap="flat" cmpd="sng" algn="ctr">
+                      <a:solidFill>
+                        <a:schemeClr val="tx1"/>
+                      </a:solidFill>
+                      <a:prstDash val="solid"/>
+                      <a:round/>
+                      <a:headEnd type="none" w="med" len="med"/>
+                      <a:tailEnd type="none" w="med" len="med"/>
+                    </a:lnR>
+                    <a:lnT w="12700" cap="flat" cmpd="sng" algn="ctr">
+                      <a:solidFill>
+                        <a:schemeClr val="tx1"/>
+                      </a:solidFill>
+                      <a:prstDash val="solid"/>
+                      <a:round/>
+                      <a:headEnd type="none" w="med" len="med"/>
+                      <a:tailEnd type="none" w="med" len="med"/>
+                    </a:lnT>
+                    <a:lnB w="28575" cap="flat" cmpd="sng" algn="ctr">
+                      <a:solidFill>
+                        <a:schemeClr val="tx1"/>
+                      </a:solidFill>
+                      <a:prstDash val="solid"/>
+                      <a:round/>
+                      <a:headEnd type="none" w="med" len="med"/>
+                      <a:tailEnd type="none" w="med" len="med"/>
+                    </a:lnB>
+                    <a:lnTlToBr>
+                      <a:noFill/>
+                    </a:lnTlToBr>
+                    <a:lnBlToTr>
+                      <a:noFill/>
+                    </a:lnBlToTr>
+                    <a:noFill/>
+                  </a:tcPr>
+                </a:tc>
+                <a:tc>
+                  <a:txBody>
+                    <a:bodyPr/>
+                    <a:lstStyle/>
+                    <a:p>
+                      <a:pPr marL="0" marR="0" lvl="0" indent="0" algn="l" defTabSz="914400" rtl="0" eaLnBrk="1" fontAlgn="base" latinLnBrk="0" hangingPunct="1">
+                        <a:lnSpc>
+                          <a:spcPct val="100000"/>
+                        </a:lnSpc>
+                        <a:spcBef>
+                          <a:spcPct val="20000"/>
+                        </a:spcBef>
+                        <a:spcAft>
+                          <a:spcPct val="0"/>
+                        </a:spcAft>
+                        <a:buClr>
+                          <a:schemeClr val="folHlink"/>
+                        </a:buClr>
+                        <a:buSzPct val="60000"/>
+                        <a:buFont typeface="Wingdings" pitchFamily="2" charset="2"/>
+                        <a:buNone/>
+                        <a:tabLst/>
+                      </a:pPr>
+                      <a:r>
+                        <a:rPr kumimoji="0" lang="en-US" sz="1600" b="1" i="0" u="none" strike="noStrike" cap="none" normalizeH="0" baseline="0" smtClean="0">
+                          <a:ln>
+                            <a:noFill/>
+                          </a:ln>
+                          <a:solidFill>
+                            <a:srgbClr val="1E3272"/>
+                          </a:solidFill>
+                          <a:effectLst/>
+                          <a:latin typeface="Arial" charset="0"/>
+                        </a:rPr>
+                        <a:t>Load/store</a:t>
+                      </a:r>
+                      <a:endParaRPr kumimoji="0" lang="en-AU" sz="1600" b="1" i="0" u="none" strike="noStrike" cap="none" normalizeH="0" baseline="0" smtClean="0">
+                        <a:ln>
+                          <a:noFill/>
+                        </a:ln>
+                        <a:solidFill>
+                          <a:srgbClr val="1E3272"/>
+                        </a:solidFill>
+                        <a:effectLst/>
+                        <a:latin typeface="Arial" charset="0"/>
+                      </a:endParaRPr>
+                    </a:p>
+                  </a:txBody>
+                  <a:tcPr horzOverflow="overflow">
+                    <a:lnL w="12700" cap="flat" cmpd="sng" algn="ctr">
+                      <a:solidFill>
+                        <a:schemeClr val="tx1"/>
+                      </a:solidFill>
+                      <a:prstDash val="solid"/>
+                      <a:round/>
+                      <a:headEnd type="none" w="med" len="med"/>
+                      <a:tailEnd type="none" w="med" len="med"/>
+                    </a:lnL>
+                    <a:lnR w="12700" cap="flat" cmpd="sng" algn="ctr">
+                      <a:solidFill>
+                        <a:schemeClr val="tx1"/>
+                      </a:solidFill>
+                      <a:prstDash val="solid"/>
+                      <a:round/>
+                      <a:headEnd type="none" w="med" len="med"/>
+                      <a:tailEnd type="none" w="med" len="med"/>
+                    </a:lnR>
+                    <a:lnT w="12700" cap="flat" cmpd="sng" algn="ctr">
+                      <a:solidFill>
+                        <a:schemeClr val="tx1"/>
+                      </a:solidFill>
+                      <a:prstDash val="solid"/>
+                      <a:round/>
+                      <a:headEnd type="none" w="med" len="med"/>
+                      <a:tailEnd type="none" w="med" len="med"/>
+                    </a:lnT>
+                    <a:lnB w="28575" cap="flat" cmpd="sng" algn="ctr">
+                      <a:solidFill>
+                        <a:schemeClr val="tx1"/>
+                      </a:solidFill>
+                      <a:prstDash val="solid"/>
+                      <a:round/>
+                      <a:headEnd type="none" w="med" len="med"/>
+                      <a:tailEnd type="none" w="med" len="med"/>
+                    </a:lnB>
+                    <a:lnTlToBr>
+                      <a:noFill/>
+                    </a:lnTlToBr>
+                    <a:lnBlToTr>
+                      <a:noFill/>
+                    </a:lnBlToTr>
+                    <a:noFill/>
+                  </a:tcPr>
+                </a:tc>
+                <a:tc>
+                  <a:txBody>
+                    <a:bodyPr/>
+                    <a:lstStyle/>
+                    <a:p>
+                      <a:pPr marL="0" marR="0" lvl="0" indent="0" algn="ctr" defTabSz="914400" rtl="0" eaLnBrk="1" fontAlgn="base" latinLnBrk="0" hangingPunct="1">
+                        <a:lnSpc>
+                          <a:spcPct val="100000"/>
+                        </a:lnSpc>
+                        <a:spcBef>
+                          <a:spcPct val="20000"/>
+                        </a:spcBef>
+                        <a:spcAft>
+                          <a:spcPct val="0"/>
+                        </a:spcAft>
+                        <a:buClr>
+                          <a:schemeClr val="folHlink"/>
+                        </a:buClr>
+                        <a:buSzPct val="60000"/>
+                        <a:buFont typeface="Wingdings" pitchFamily="2" charset="2"/>
+                        <a:buNone/>
+                        <a:tabLst/>
+                      </a:pPr>
+                      <a:endParaRPr kumimoji="0" lang="en-US" sz="1600" b="1" i="0" u="none" strike="noStrike" cap="none" normalizeH="0" baseline="0" smtClean="0">
+                        <a:ln>
+                          <a:noFill/>
+                        </a:ln>
+                        <a:solidFill>
+                          <a:srgbClr val="1E3272"/>
+                        </a:solidFill>
+                        <a:effectLst/>
+                        <a:latin typeface="Arial" charset="0"/>
+                      </a:endParaRPr>
+                    </a:p>
+                  </a:txBody>
+                  <a:tcPr horzOverflow="overflow">
+                    <a:lnL w="12700" cap="flat" cmpd="sng" algn="ctr">
+                      <a:solidFill>
+                        <a:schemeClr val="tx1"/>
+                      </a:solidFill>
+                      <a:prstDash val="solid"/>
+                      <a:round/>
+                      <a:headEnd type="none" w="med" len="med"/>
+                      <a:tailEnd type="none" w="med" len="med"/>
+                    </a:lnL>
+                    <a:lnR w="12700" cap="flat" cmpd="sng" algn="ctr">
+                      <a:solidFill>
+                        <a:schemeClr val="tx1"/>
+                      </a:solidFill>
+                      <a:prstDash val="solid"/>
+                      <a:round/>
+                      <a:headEnd type="none" w="med" len="med"/>
+                      <a:tailEnd type="none" w="med" len="med"/>
+                    </a:lnR>
+                    <a:lnT w="12700" cap="flat" cmpd="sng" algn="ctr">
+                      <a:solidFill>
+                        <a:schemeClr val="tx1"/>
+                      </a:solidFill>
+                      <a:prstDash val="solid"/>
+                      <a:round/>
+                      <a:headEnd type="none" w="med" len="med"/>
+                      <a:tailEnd type="none" w="med" len="med"/>
+                    </a:lnT>
+                    <a:lnB w="28575" cap="flat" cmpd="sng" algn="ctr">
+                      <a:solidFill>
+                        <a:schemeClr val="tx1"/>
+                      </a:solidFill>
+                      <a:prstDash val="solid"/>
+                      <a:round/>
+                      <a:headEnd type="none" w="med" len="med"/>
+                      <a:tailEnd type="none" w="med" len="med"/>
+                    </a:lnB>
+                    <a:lnTlToBr>
+                      <a:noFill/>
+                    </a:lnTlToBr>
+                    <a:lnBlToTr>
+                      <a:noFill/>
+                    </a:lnBlToTr>
+                    <a:noFill/>
+                  </a:tcPr>
+                </a:tc>
+                <a:tc>
+                  <a:txBody>
+                    <a:bodyPr/>
+                    <a:lstStyle/>
+                    <a:p>
+                      <a:pPr marL="0" marR="0" lvl="0" indent="0" algn="ctr" defTabSz="914400" rtl="0" eaLnBrk="1" fontAlgn="base" latinLnBrk="0" hangingPunct="1">
+                        <a:lnSpc>
+                          <a:spcPct val="100000"/>
+                        </a:lnSpc>
+                        <a:spcBef>
+                          <a:spcPct val="20000"/>
+                        </a:spcBef>
+                        <a:spcAft>
+                          <a:spcPct val="0"/>
+                        </a:spcAft>
+                        <a:buClr>
+                          <a:schemeClr val="folHlink"/>
+                        </a:buClr>
+                        <a:buSzPct val="60000"/>
+                        <a:buFont typeface="Wingdings" pitchFamily="2" charset="2"/>
+                        <a:buNone/>
+                        <a:tabLst/>
+                      </a:pPr>
+                      <a:endParaRPr kumimoji="0" lang="en-US" sz="1600" b="1" i="0" u="none" strike="noStrike" cap="none" normalizeH="0" baseline="0" smtClean="0">
+                        <a:ln>
+                          <a:noFill/>
+                        </a:ln>
+                        <a:solidFill>
+                          <a:srgbClr val="1E3272"/>
+                        </a:solidFill>
+                        <a:effectLst/>
+                        <a:latin typeface="Arial" charset="0"/>
+                      </a:endParaRPr>
+                    </a:p>
+                  </a:txBody>
+                  <a:tcPr horzOverflow="overflow">
+                    <a:lnL w="12700" cap="flat" cmpd="sng" algn="ctr">
+                      <a:solidFill>
+                        <a:schemeClr val="tx1"/>
+                      </a:solidFill>
+                      <a:prstDash val="solid"/>
+                      <a:round/>
+                      <a:headEnd type="none" w="med" len="med"/>
+                      <a:tailEnd type="none" w="med" len="med"/>
+                    </a:lnL>
+                    <a:lnR w="12700" cap="flat" cmpd="sng" algn="ctr">
+                      <a:solidFill>
+                        <a:schemeClr val="tx1"/>
+                      </a:solidFill>
+                      <a:prstDash val="solid"/>
+                      <a:round/>
+                      <a:headEnd type="none" w="med" len="med"/>
+                      <a:tailEnd type="none" w="med" len="med"/>
+                    </a:lnR>
+                    <a:lnT w="12700" cap="flat" cmpd="sng" algn="ctr">
+                      <a:solidFill>
+                        <a:schemeClr val="tx1"/>
+                      </a:solidFill>
+                      <a:prstDash val="solid"/>
+                      <a:round/>
+                      <a:headEnd type="none" w="med" len="med"/>
+                      <a:tailEnd type="none" w="med" len="med"/>
+                    </a:lnT>
+                    <a:lnB w="28575" cap="flat" cmpd="sng" algn="ctr">
+                      <a:solidFill>
+                        <a:schemeClr val="tx1"/>
+                      </a:solidFill>
+                      <a:prstDash val="solid"/>
+                      <a:round/>
+                      <a:headEnd type="none" w="med" len="med"/>
+                      <a:tailEnd type="none" w="med" len="med"/>
+                    </a:lnB>
+                    <a:lnTlToBr>
+                      <a:noFill/>
+                    </a:lnTlToBr>
+                    <a:lnBlToTr>
+                      <a:noFill/>
+                    </a:lnBlToTr>
+                    <a:noFill/>
+                  </a:tcPr>
+                </a:tc>
+                <a:tc>
+                  <a:txBody>
+                    <a:bodyPr/>
+                    <a:lstStyle/>
+                    <a:p>
+                      <a:pPr marL="0" marR="0" lvl="0" indent="0" algn="ctr" defTabSz="914400" rtl="0" eaLnBrk="1" fontAlgn="base" latinLnBrk="0" hangingPunct="1">
+                        <a:lnSpc>
+                          <a:spcPct val="100000"/>
+                        </a:lnSpc>
+                        <a:spcBef>
+                          <a:spcPct val="20000"/>
+                        </a:spcBef>
+                        <a:spcAft>
+                          <a:spcPct val="0"/>
+                        </a:spcAft>
+                        <a:buClr>
+                          <a:schemeClr val="folHlink"/>
+                        </a:buClr>
+                        <a:buSzPct val="60000"/>
+                        <a:buFont typeface="Wingdings" pitchFamily="2" charset="2"/>
+                        <a:buNone/>
+                        <a:tabLst/>
+                      </a:pPr>
+                      <a:r>
+                        <a:rPr kumimoji="0" lang="en-US" sz="1600" b="1" i="0" u="none" strike="noStrike" cap="none" normalizeH="0" baseline="0" smtClean="0">
+                          <a:ln>
+                            <a:noFill/>
+                          </a:ln>
+                          <a:solidFill>
+                            <a:srgbClr val="1E3272"/>
+                          </a:solidFill>
+                          <a:effectLst/>
+                          <a:latin typeface="Arial" charset="0"/>
+                        </a:rPr>
+                        <a:t>IF</a:t>
+                      </a:r>
+                      <a:endParaRPr kumimoji="0" lang="en-AU" sz="1600" b="1" i="0" u="none" strike="noStrike" cap="none" normalizeH="0" baseline="0" smtClean="0">
+                        <a:ln>
+                          <a:noFill/>
+                        </a:ln>
+                        <a:solidFill>
+                          <a:srgbClr val="1E3272"/>
+                        </a:solidFill>
+                        <a:effectLst/>
+                        <a:latin typeface="Arial" charset="0"/>
+                      </a:endParaRPr>
+                    </a:p>
+                  </a:txBody>
+                  <a:tcPr horzOverflow="overflow">
+                    <a:lnL w="12700" cap="flat" cmpd="sng" algn="ctr">
+                      <a:solidFill>
+                        <a:schemeClr val="tx1"/>
+                      </a:solidFill>
+                      <a:prstDash val="solid"/>
+                      <a:round/>
+                      <a:headEnd type="none" w="med" len="med"/>
+                      <a:tailEnd type="none" w="med" len="med"/>
+                    </a:lnL>
+                    <a:lnR w="12700" cap="flat" cmpd="sng" algn="ctr">
+                      <a:solidFill>
+                        <a:schemeClr val="tx1"/>
+                      </a:solidFill>
+                      <a:prstDash val="solid"/>
+                      <a:round/>
+                      <a:headEnd type="none" w="med" len="med"/>
+                      <a:tailEnd type="none" w="med" len="med"/>
+                    </a:lnR>
+                    <a:lnT w="12700" cap="flat" cmpd="sng" algn="ctr">
+                      <a:solidFill>
+                        <a:schemeClr val="tx1"/>
+                      </a:solidFill>
+                      <a:prstDash val="solid"/>
+                      <a:round/>
+                      <a:headEnd type="none" w="med" len="med"/>
+                      <a:tailEnd type="none" w="med" len="med"/>
+                    </a:lnT>
+                    <a:lnB w="28575" cap="flat" cmpd="sng" algn="ctr">
+                      <a:solidFill>
+                        <a:schemeClr val="tx1"/>
+                      </a:solidFill>
+                      <a:prstDash val="solid"/>
+                      <a:round/>
+                      <a:headEnd type="none" w="med" len="med"/>
+                      <a:tailEnd type="none" w="med" len="med"/>
+                    </a:lnB>
+                    <a:lnTlToBr>
+                      <a:noFill/>
+                    </a:lnTlToBr>
+                    <a:lnBlToTr>
+                      <a:noFill/>
+                    </a:lnBlToTr>
+                    <a:noFill/>
+                  </a:tcPr>
+                </a:tc>
+                <a:tc>
+                  <a:txBody>
+                    <a:bodyPr/>
+                    <a:lstStyle/>
+                    <a:p>
+                      <a:pPr marL="0" marR="0" lvl="0" indent="0" algn="ctr" defTabSz="914400" rtl="0" eaLnBrk="1" fontAlgn="base" latinLnBrk="0" hangingPunct="1">
+                        <a:lnSpc>
+                          <a:spcPct val="100000"/>
+                        </a:lnSpc>
+                        <a:spcBef>
+                          <a:spcPct val="20000"/>
+                        </a:spcBef>
+                        <a:spcAft>
+                          <a:spcPct val="0"/>
+                        </a:spcAft>
+                        <a:buClr>
+                          <a:schemeClr val="folHlink"/>
+                        </a:buClr>
+                        <a:buSzPct val="60000"/>
+                        <a:buFont typeface="Wingdings" pitchFamily="2" charset="2"/>
+                        <a:buNone/>
+                        <a:tabLst/>
+                      </a:pPr>
+                      <a:r>
+                        <a:rPr kumimoji="0" lang="en-US" sz="1600" b="1" i="0" u="none" strike="noStrike" cap="none" normalizeH="0" baseline="0" smtClean="0">
+                          <a:ln>
+                            <a:noFill/>
+                          </a:ln>
+                          <a:solidFill>
+                            <a:srgbClr val="1E3272"/>
+                          </a:solidFill>
+                          <a:effectLst/>
+                          <a:latin typeface="Arial" charset="0"/>
+                        </a:rPr>
+                        <a:t>ID</a:t>
+                      </a:r>
+                      <a:endParaRPr kumimoji="0" lang="en-AU" sz="1600" b="1" i="0" u="none" strike="noStrike" cap="none" normalizeH="0" baseline="0" smtClean="0">
+                        <a:ln>
+                          <a:noFill/>
+                        </a:ln>
+                        <a:solidFill>
+                          <a:srgbClr val="1E3272"/>
+                        </a:solidFill>
+                        <a:effectLst/>
+                        <a:latin typeface="Arial" charset="0"/>
+                      </a:endParaRPr>
+                    </a:p>
+                  </a:txBody>
+                  <a:tcPr horzOverflow="overflow">
+                    <a:lnL w="12700" cap="flat" cmpd="sng" algn="ctr">
+                      <a:solidFill>
+                        <a:schemeClr val="tx1"/>
+                      </a:solidFill>
+                      <a:prstDash val="solid"/>
+                      <a:round/>
+                      <a:headEnd type="none" w="med" len="med"/>
+                      <a:tailEnd type="none" w="med" len="med"/>
+                    </a:lnL>
+                    <a:lnR w="12700" cap="flat" cmpd="sng" algn="ctr">
+                      <a:solidFill>
+                        <a:schemeClr val="tx1"/>
+                      </a:solidFill>
+                      <a:prstDash val="solid"/>
+                      <a:round/>
+                      <a:headEnd type="none" w="med" len="med"/>
+                      <a:tailEnd type="none" w="med" len="med"/>
+                    </a:lnR>
+                    <a:lnT w="12700" cap="flat" cmpd="sng" algn="ctr">
+                      <a:solidFill>
+                        <a:schemeClr val="tx1"/>
+                      </a:solidFill>
+                      <a:prstDash val="solid"/>
+                      <a:round/>
+                      <a:headEnd type="none" w="med" len="med"/>
+                      <a:tailEnd type="none" w="med" len="med"/>
+                    </a:lnT>
+                    <a:lnB w="28575" cap="flat" cmpd="sng" algn="ctr">
+                      <a:solidFill>
+                        <a:schemeClr val="tx1"/>
+                      </a:solidFill>
+                      <a:prstDash val="solid"/>
+                      <a:round/>
+                      <a:headEnd type="none" w="med" len="med"/>
+                      <a:tailEnd type="none" w="med" len="med"/>
+                    </a:lnB>
+                    <a:lnTlToBr>
+                      <a:noFill/>
+                    </a:lnTlToBr>
+                    <a:lnBlToTr>
+                      <a:noFill/>
+                    </a:lnBlToTr>
+                    <a:noFill/>
+                  </a:tcPr>
+                </a:tc>
+                <a:tc>
+                  <a:txBody>
+                    <a:bodyPr/>
+                    <a:lstStyle/>
+                    <a:p>
+                      <a:pPr marL="0" marR="0" lvl="0" indent="0" algn="ctr" defTabSz="914400" rtl="0" eaLnBrk="1" fontAlgn="base" latinLnBrk="0" hangingPunct="1">
+                        <a:lnSpc>
+                          <a:spcPct val="100000"/>
+                        </a:lnSpc>
+                        <a:spcBef>
+                          <a:spcPct val="20000"/>
+                        </a:spcBef>
+                        <a:spcAft>
+                          <a:spcPct val="0"/>
+                        </a:spcAft>
+                        <a:buClr>
+                          <a:schemeClr val="folHlink"/>
+                        </a:buClr>
+                        <a:buSzPct val="60000"/>
+                        <a:buFont typeface="Wingdings" pitchFamily="2" charset="2"/>
+                        <a:buNone/>
+                        <a:tabLst/>
+                      </a:pPr>
+                      <a:r>
+                        <a:rPr kumimoji="0" lang="en-US" sz="1600" b="1" i="0" u="none" strike="noStrike" cap="none" normalizeH="0" baseline="0" smtClean="0">
+                          <a:ln>
+                            <a:noFill/>
+                          </a:ln>
+                          <a:solidFill>
+                            <a:srgbClr val="1E3272"/>
+                          </a:solidFill>
+                          <a:effectLst/>
+                          <a:latin typeface="Arial" charset="0"/>
+                        </a:rPr>
+                        <a:t>EX</a:t>
+                      </a:r>
+                      <a:endParaRPr kumimoji="0" lang="en-AU" sz="1600" b="1" i="0" u="none" strike="noStrike" cap="none" normalizeH="0" baseline="0" smtClean="0">
+                        <a:ln>
+                          <a:noFill/>
+                        </a:ln>
+                        <a:solidFill>
+                          <a:srgbClr val="1E3272"/>
+                        </a:solidFill>
+                        <a:effectLst/>
+                        <a:latin typeface="Arial" charset="0"/>
+                      </a:endParaRPr>
+                    </a:p>
+                  </a:txBody>
+                  <a:tcPr horzOverflow="overflow">
+                    <a:lnL w="12700" cap="flat" cmpd="sng" algn="ctr">
+                      <a:solidFill>
+                        <a:schemeClr val="tx1"/>
+                      </a:solidFill>
+                      <a:prstDash val="solid"/>
+                      <a:round/>
+                      <a:headEnd type="none" w="med" len="med"/>
+                      <a:tailEnd type="none" w="med" len="med"/>
+                    </a:lnL>
+                    <a:lnR w="12700" cap="flat" cmpd="sng" algn="ctr">
+                      <a:solidFill>
+                        <a:schemeClr val="tx1"/>
+                      </a:solidFill>
+                      <a:prstDash val="solid"/>
+                      <a:round/>
+                      <a:headEnd type="none" w="med" len="med"/>
+                      <a:tailEnd type="none" w="med" len="med"/>
+                    </a:lnR>
+                    <a:lnT w="12700" cap="flat" cmpd="sng" algn="ctr">
+                      <a:solidFill>
+                        <a:schemeClr val="tx1"/>
+                      </a:solidFill>
+                      <a:prstDash val="solid"/>
+                      <a:round/>
+                      <a:headEnd type="none" w="med" len="med"/>
+                      <a:tailEnd type="none" w="med" len="med"/>
+                    </a:lnT>
+                    <a:lnB w="28575" cap="flat" cmpd="sng" algn="ctr">
+                      <a:solidFill>
+                        <a:schemeClr val="tx1"/>
+                      </a:solidFill>
+                      <a:prstDash val="solid"/>
+                      <a:round/>
+                      <a:headEnd type="none" w="med" len="med"/>
+                      <a:tailEnd type="none" w="med" len="med"/>
+                    </a:lnB>
+                    <a:lnTlToBr>
+                      <a:noFill/>
+                    </a:lnTlToBr>
+                    <a:lnBlToTr>
+                      <a:noFill/>
+                    </a:lnBlToTr>
+                    <a:noFill/>
+                  </a:tcPr>
+                </a:tc>
+                <a:tc>
+                  <a:txBody>
+                    <a:bodyPr/>
+                    <a:lstStyle/>
+                    <a:p>
+                      <a:pPr marL="0" marR="0" lvl="0" indent="0" algn="ctr" defTabSz="914400" rtl="0" eaLnBrk="1" fontAlgn="base" latinLnBrk="0" hangingPunct="1">
+                        <a:lnSpc>
+                          <a:spcPct val="100000"/>
+                        </a:lnSpc>
+                        <a:spcBef>
+                          <a:spcPct val="20000"/>
+                        </a:spcBef>
+                        <a:spcAft>
+                          <a:spcPct val="0"/>
+                        </a:spcAft>
+                        <a:buClr>
+                          <a:schemeClr val="folHlink"/>
+                        </a:buClr>
+                        <a:buSzPct val="60000"/>
+                        <a:buFont typeface="Wingdings" pitchFamily="2" charset="2"/>
+                        <a:buNone/>
+                        <a:tabLst/>
+                      </a:pPr>
+                      <a:r>
+                        <a:rPr kumimoji="0" lang="en-US" sz="1600" b="1" i="0" u="none" strike="noStrike" cap="none" normalizeH="0" baseline="0" dirty="0" smtClean="0">
+                          <a:ln>
+                            <a:noFill/>
+                          </a:ln>
+                          <a:solidFill>
+                            <a:srgbClr val="1E3272"/>
+                          </a:solidFill>
+                          <a:effectLst/>
+                          <a:latin typeface="Arial" charset="0"/>
+                        </a:rPr>
+                        <a:t>MEM</a:t>
+                      </a:r>
+                      <a:endParaRPr kumimoji="0" lang="en-AU" sz="1600" b="1" i="0" u="none" strike="noStrike" cap="none" normalizeH="0" baseline="0" dirty="0" smtClean="0">
+                        <a:ln>
+                          <a:noFill/>
+                        </a:ln>
+                        <a:solidFill>
+                          <a:srgbClr val="1E3272"/>
+                        </a:solidFill>
+                        <a:effectLst/>
+                        <a:latin typeface="Arial" charset="0"/>
+                      </a:endParaRPr>
+                    </a:p>
+                  </a:txBody>
+                  <a:tcPr horzOverflow="overflow">
+                    <a:lnL w="12700" cap="flat" cmpd="sng" algn="ctr">
+                      <a:solidFill>
+                        <a:schemeClr val="tx1"/>
+                      </a:solidFill>
+                      <a:prstDash val="solid"/>
+                      <a:round/>
+                      <a:headEnd type="none" w="med" len="med"/>
+                      <a:tailEnd type="none" w="med" len="med"/>
+                    </a:lnL>
+                    <a:lnR w="12700" cap="flat" cmpd="sng" algn="ctr">
+                      <a:solidFill>
+                        <a:schemeClr val="tx1"/>
+                      </a:solidFill>
+                      <a:prstDash val="solid"/>
+                      <a:round/>
+                      <a:headEnd type="none" w="med" len="med"/>
+                      <a:tailEnd type="none" w="med" len="med"/>
+                    </a:lnR>
+                    <a:lnT w="12700" cap="flat" cmpd="sng" algn="ctr">
+                      <a:solidFill>
+                        <a:schemeClr val="tx1"/>
+                      </a:solidFill>
+                      <a:prstDash val="solid"/>
+                      <a:round/>
+                      <a:headEnd type="none" w="med" len="med"/>
+                      <a:tailEnd type="none" w="med" len="med"/>
+                    </a:lnT>
+                    <a:lnB w="28575" cap="flat" cmpd="sng" algn="ctr">
+                      <a:solidFill>
+                        <a:schemeClr val="tx1"/>
+                      </a:solidFill>
+                      <a:prstDash val="solid"/>
+                      <a:round/>
+                      <a:headEnd type="none" w="med" len="med"/>
+                      <a:tailEnd type="none" w="med" len="med"/>
+                    </a:lnB>
+                    <a:lnTlToBr>
+                      <a:noFill/>
+                    </a:lnTlToBr>
+                    <a:lnBlToTr>
+                      <a:noFill/>
+                    </a:lnBlToTr>
+                    <a:noFill/>
+                  </a:tcPr>
+                </a:tc>
+                <a:tc>
+                  <a:txBody>
+                    <a:bodyPr/>
+                    <a:lstStyle/>
+                    <a:p>
+                      <a:pPr marL="0" marR="0" lvl="0" indent="0" algn="ctr" defTabSz="914400" rtl="0" eaLnBrk="1" fontAlgn="base" latinLnBrk="0" hangingPunct="1">
+                        <a:lnSpc>
+                          <a:spcPct val="100000"/>
+                        </a:lnSpc>
+                        <a:spcBef>
+                          <a:spcPct val="20000"/>
+                        </a:spcBef>
+                        <a:spcAft>
+                          <a:spcPct val="0"/>
+                        </a:spcAft>
+                        <a:buClr>
+                          <a:schemeClr val="folHlink"/>
+                        </a:buClr>
+                        <a:buSzPct val="60000"/>
+                        <a:buFont typeface="Wingdings" pitchFamily="2" charset="2"/>
+                        <a:buNone/>
+                        <a:tabLst/>
+                      </a:pPr>
+                      <a:r>
+                        <a:rPr kumimoji="0" lang="en-US" sz="1600" b="1" i="0" u="none" strike="noStrike" cap="none" normalizeH="0" baseline="0" dirty="0" smtClean="0">
+                          <a:ln>
+                            <a:noFill/>
+                          </a:ln>
+                          <a:solidFill>
+                            <a:srgbClr val="1E3272"/>
+                          </a:solidFill>
+                          <a:effectLst/>
+                          <a:latin typeface="Arial" charset="0"/>
+                        </a:rPr>
+                        <a:t>WB</a:t>
+                      </a:r>
+                      <a:endParaRPr kumimoji="0" lang="en-AU" sz="1600" b="1" i="0" u="none" strike="noStrike" cap="none" normalizeH="0" baseline="0" dirty="0" smtClean="0">
+                        <a:ln>
+                          <a:noFill/>
+                        </a:ln>
+                        <a:solidFill>
+                          <a:srgbClr val="1E3272"/>
+                        </a:solidFill>
+                        <a:effectLst/>
+                        <a:latin typeface="Arial" charset="0"/>
+                      </a:endParaRPr>
+                    </a:p>
+                  </a:txBody>
+                  <a:tcPr horzOverflow="overflow">
+                    <a:lnL w="12700" cap="flat" cmpd="sng" algn="ctr">
+                      <a:solidFill>
+                        <a:schemeClr val="tx1"/>
+                      </a:solidFill>
+                      <a:prstDash val="solid"/>
+                      <a:round/>
+                      <a:headEnd type="none" w="med" len="med"/>
+                      <a:tailEnd type="none" w="med" len="med"/>
+                    </a:lnL>
+                    <a:lnR w="28575" cap="flat" cmpd="sng" algn="ctr">
+                      <a:solidFill>
+                        <a:schemeClr val="tx1"/>
+                      </a:solidFill>
+                      <a:prstDash val="solid"/>
+                      <a:round/>
+                      <a:headEnd type="none" w="med" len="med"/>
+                      <a:tailEnd type="none" w="med" len="med"/>
+                    </a:lnR>
+                    <a:lnT w="12700" cap="flat" cmpd="sng" algn="ctr">
+                      <a:solidFill>
+                        <a:schemeClr val="tx1"/>
+                      </a:solidFill>
+                      <a:prstDash val="solid"/>
+                      <a:round/>
+                      <a:headEnd type="none" w="med" len="med"/>
+                      <a:tailEnd type="none" w="med" len="med"/>
+                    </a:lnT>
+                    <a:lnB w="28575" cap="flat" cmpd="sng" algn="ctr">
+                      <a:solidFill>
+                        <a:schemeClr val="tx1"/>
+                      </a:solidFill>
+                      <a:prstDash val="solid"/>
+                      <a:round/>
+                      <a:headEnd type="none" w="med" len="med"/>
+                      <a:tailEnd type="none" w="med" len="med"/>
+                    </a:lnB>
+                    <a:lnTlToBr>
+                      <a:noFill/>
+                    </a:lnTlToBr>
+                    <a:lnBlToTr>
+                      <a:noFill/>
+                    </a:lnBlToTr>
+                    <a:noFill/>
+                  </a:tcPr>
+                </a:tc>
+              </a:tr>
+            </a:tbl>
+          </a:graphicData>
+        </a:graphic>
+      </p:graphicFrame>
     </p:spTree>
     <p:extLst>
       <p:ext uri="{BB962C8B-B14F-4D97-AF65-F5344CB8AC3E}">
-        <p14:creationId xmlns:p14="http://schemas.microsoft.com/office/powerpoint/2010/main" val="1046010497"/>
+        <p14:creationId xmlns:p14="http://schemas.microsoft.com/office/powerpoint/2010/main" val="3101194229"/>
       </p:ext>
     </p:extLst>
   </p:cSld>
@@ -25145,99 +30447,106 @@
             <p:ph idx="1"/>
           </p:nvPr>
         </p:nvSpPr>
-        <p:spPr>
-          <a:xfrm>
-            <a:off x="838200" y="1004317"/>
-            <a:ext cx="10515600" cy="5666040"/>
-          </a:xfrm>
-        </p:spPr>
+        <p:spPr/>
         <p:txBody>
-          <a:bodyPr>
-            <a:normAutofit/>
-          </a:bodyPr>
+          <a:bodyPr/>
           <a:lstStyle/>
           <a:p>
+            <a:pPr>
+              <a:lnSpc>
+                <a:spcPct val="100000"/>
+              </a:lnSpc>
+              <a:spcBef>
+                <a:spcPts val="600"/>
+              </a:spcBef>
+            </a:pPr>
             <a:r>
               <a:rPr lang="en-US" altLang="en-US" dirty="0"/>
-              <a:t>ISA influences design of </a:t>
-            </a:r>
-            <a:r>
-              <a:rPr lang="en-US" altLang="en-US" dirty="0" err="1"/>
-              <a:t>datapath</a:t>
+              <a:t>“</a:t>
+            </a:r>
+            <a:r>
+              <a:rPr lang="en-US" altLang="en-US" dirty="0" smtClean="0"/>
+              <a:t>Superscalar” </a:t>
             </a:r>
             <a:r>
               <a:rPr lang="en-US" altLang="en-US" dirty="0"/>
-              <a:t> and control</a:t>
-            </a:r>
-          </a:p>
-          <a:p>
-            <a:r>
-              <a:rPr lang="en-US" altLang="en-US" dirty="0" err="1"/>
-              <a:t>Datapath</a:t>
-            </a:r>
+              <a:t>processors</a:t>
+            </a:r>
+          </a:p>
+          <a:p>
+            <a:pPr>
+              <a:lnSpc>
+                <a:spcPct val="100000"/>
+              </a:lnSpc>
+              <a:spcBef>
+                <a:spcPts val="600"/>
+              </a:spcBef>
+            </a:pPr>
             <a:r>
               <a:rPr lang="en-US" altLang="en-US" dirty="0"/>
-              <a:t> and control influence design of ISA</a:t>
-            </a:r>
-          </a:p>
-          <a:p>
+              <a:t>CPU decides whether to issue 0, 1, 2, … each cycle</a:t>
+            </a:r>
+          </a:p>
+          <a:p>
+            <a:pPr lvl="1">
+              <a:lnSpc>
+                <a:spcPct val="100000"/>
+              </a:lnSpc>
+              <a:spcBef>
+                <a:spcPts val="600"/>
+              </a:spcBef>
+            </a:pPr>
             <a:r>
               <a:rPr lang="en-US" altLang="en-US" dirty="0"/>
-              <a:t>Pipelining improves instruction throughput</a:t>
-            </a:r>
-            <a:br>
+              <a:t>Avoiding structural and data hazards</a:t>
+            </a:r>
+          </a:p>
+          <a:p>
+            <a:pPr>
+              <a:lnSpc>
+                <a:spcPct val="100000"/>
+              </a:lnSpc>
+              <a:spcBef>
+                <a:spcPts val="600"/>
+              </a:spcBef>
+            </a:pPr>
+            <a:r>
               <a:rPr lang="en-US" altLang="en-US" dirty="0"/>
-            </a:br>
+              <a:t>Avoids the need for compiler scheduling</a:t>
+            </a:r>
+          </a:p>
+          <a:p>
+            <a:pPr lvl="1">
+              <a:lnSpc>
+                <a:spcPct val="100000"/>
+              </a:lnSpc>
+              <a:spcBef>
+                <a:spcPts val="600"/>
+              </a:spcBef>
+            </a:pPr>
             <a:r>
               <a:rPr lang="en-US" altLang="en-US" dirty="0"/>
-              <a:t>using parallelism</a:t>
-            </a:r>
-          </a:p>
-          <a:p>
-            <a:pPr lvl="1"/>
+              <a:t>Though it may still help</a:t>
+            </a:r>
+          </a:p>
+          <a:p>
+            <a:pPr lvl="1">
+              <a:lnSpc>
+                <a:spcPct val="100000"/>
+              </a:lnSpc>
+              <a:spcBef>
+                <a:spcPts val="600"/>
+              </a:spcBef>
+            </a:pPr>
             <a:r>
               <a:rPr lang="en-US" altLang="en-US" dirty="0"/>
-              <a:t>More instructions completed per second</a:t>
-            </a:r>
-          </a:p>
-          <a:p>
-            <a:pPr lvl="1"/>
-            <a:r>
-              <a:rPr lang="en-US" altLang="en-US" dirty="0"/>
-              <a:t>Latency for each instruction not reduced</a:t>
-            </a:r>
-          </a:p>
-          <a:p>
-            <a:r>
-              <a:rPr lang="en-US" altLang="en-US" dirty="0"/>
-              <a:t>Hazards: structural, data, control</a:t>
-            </a:r>
-          </a:p>
-          <a:p>
-            <a:r>
-              <a:rPr lang="en-US" altLang="en-US" dirty="0"/>
-              <a:t>Multiple issue and dynamic scheduling (ILP)</a:t>
-            </a:r>
-          </a:p>
-          <a:p>
-            <a:pPr lvl="1"/>
-            <a:r>
-              <a:rPr lang="en-US" altLang="en-US" dirty="0"/>
-              <a:t>Dependencies limit achievable parallelism</a:t>
-            </a:r>
-          </a:p>
-          <a:p>
-            <a:pPr lvl="1"/>
-            <a:r>
-              <a:rPr lang="en-US" altLang="en-US" dirty="0"/>
-              <a:t>Complexity leads to the power wall</a:t>
-            </a:r>
-          </a:p>
-          <a:p>
-            <a:pPr marL="0" indent="0">
-              <a:buNone/>
-            </a:pPr>
-            <a:endParaRPr lang="en-US" dirty="0"/>
+              <a:t>Code semantics ensured by the </a:t>
+            </a:r>
+            <a:r>
+              <a:rPr lang="en-US" altLang="en-US" dirty="0" smtClean="0"/>
+              <a:t>CPU</a:t>
+            </a:r>
+            <a:endParaRPr lang="en-AU" altLang="en-US" dirty="0"/>
           </a:p>
         </p:txBody>
       </p:sp>
@@ -25282,8 +30591,8 @@
           <a:lstStyle/>
           <a:p>
             <a:r>
-              <a:rPr lang="en-US" dirty="0" smtClean="0"/>
-              <a:t>Conclusion</a:t>
+              <a:rPr lang="en-US" altLang="en-US" dirty="0"/>
+              <a:t>Dynamic Multiple Issue</a:t>
             </a:r>
             <a:endParaRPr lang="en-US" dirty="0"/>
           </a:p>
@@ -25292,7 +30601,7 @@
     </p:spTree>
     <p:extLst>
       <p:ext uri="{BB962C8B-B14F-4D97-AF65-F5344CB8AC3E}">
-        <p14:creationId xmlns:p14="http://schemas.microsoft.com/office/powerpoint/2010/main" val="837550269"/>
+        <p14:creationId xmlns:p14="http://schemas.microsoft.com/office/powerpoint/2010/main" val="3972697766"/>
       </p:ext>
     </p:extLst>
   </p:cSld>
@@ -25321,470 +30630,179 @@
       </p:grpSpPr>
       <p:sp>
         <p:nvSpPr>
-          <p:cNvPr id="4" name="Прямоугольник 3"/>
-          <p:cNvSpPr/>
-          <p:nvPr/>
+          <p:cNvPr id="2" name="Content Placeholder 1"/>
+          <p:cNvSpPr>
+            <a:spLocks noGrp="1"/>
+          </p:cNvSpPr>
+          <p:nvPr>
+            <p:ph idx="1"/>
+          </p:nvPr>
         </p:nvSpPr>
-        <p:spPr>
-          <a:xfrm>
-            <a:off x="2664999" y="472120"/>
-            <a:ext cx="7524751" cy="5262979"/>
-          </a:xfrm>
-          <a:prstGeom prst="rect">
-            <a:avLst/>
-          </a:prstGeom>
-          <a:noFill/>
-          <a:ln>
-            <a:noFill/>
-          </a:ln>
-          <a:scene3d>
-            <a:camera prst="perspectiveRelaxed"/>
-            <a:lightRig rig="threePt" dir="t"/>
-          </a:scene3d>
-        </p:spPr>
+        <p:spPr/>
         <p:txBody>
-          <a:bodyPr wrap="square" lIns="91440" tIns="45720" rIns="91440" bIns="45720">
-            <a:spAutoFit/>
-          </a:bodyPr>
+          <a:bodyPr/>
           <a:lstStyle/>
           <a:p>
             <a:r>
-              <a:rPr lang="en-US" sz="2400" dirty="0" smtClean="0">
-                <a:ln w="0"/>
+              <a:rPr lang="en-US" altLang="en-US" dirty="0"/>
+              <a:t>Allow the CPU to execute instructions out of order to avoid stalls</a:t>
+            </a:r>
+          </a:p>
+          <a:p>
+            <a:pPr lvl="1"/>
+            <a:r>
+              <a:rPr lang="en-US" altLang="en-US" dirty="0"/>
+              <a:t>But commit result to registers in order</a:t>
+            </a:r>
+          </a:p>
+          <a:p>
+            <a:r>
+              <a:rPr lang="en-US" altLang="en-US" dirty="0"/>
+              <a:t>Example</a:t>
+            </a:r>
+          </a:p>
+          <a:p>
+            <a:pPr lvl="1">
+              <a:buNone/>
+            </a:pPr>
+            <a:r>
+              <a:rPr lang="en-US" altLang="en-US" dirty="0"/>
+              <a:t>	</a:t>
+            </a:r>
+            <a:r>
+              <a:rPr lang="fr-FR" altLang="en-US" dirty="0" err="1">
+                <a:latin typeface="Lucida Console" panose="020B0609040504020204" pitchFamily="49" charset="0"/>
+              </a:rPr>
+              <a:t>ld</a:t>
+            </a:r>
+            <a:r>
+              <a:rPr lang="fr-FR" altLang="en-US" dirty="0">
+                <a:latin typeface="Lucida Console" panose="020B0609040504020204" pitchFamily="49" charset="0"/>
+              </a:rPr>
+              <a:t>   </a:t>
+            </a:r>
+            <a:r>
+              <a:rPr lang="fr-FR" altLang="en-US" dirty="0">
                 <a:solidFill>
-                  <a:srgbClr val="273272"/>
+                  <a:schemeClr val="hlink"/>
                 </a:solidFill>
-                <a:effectLst>
-                  <a:reflection blurRad="6350" stA="53000" endA="300" endPos="35500" dir="5400000" sy="-90000" algn="bl" rotWithShape="0"/>
-                </a:effectLst>
-                <a:latin typeface="Courier New" pitchFamily="49" charset="0"/>
-                <a:cs typeface="Courier New" pitchFamily="49" charset="0"/>
+                <a:latin typeface="Lucida Console" panose="020B0609040504020204" pitchFamily="49" charset="0"/>
               </a:rPr>
-              <a:t>		</a:t>
-            </a:r>
-          </a:p>
-          <a:p>
-            <a:r>
-              <a:rPr lang="en-US" sz="2400" dirty="0" smtClean="0">
-                <a:ln w="0"/>
+              <a:t>x31</a:t>
+            </a:r>
+            <a:r>
+              <a:rPr lang="fr-FR" altLang="en-US" dirty="0">
+                <a:latin typeface="Lucida Console" panose="020B0609040504020204" pitchFamily="49" charset="0"/>
+              </a:rPr>
+              <a:t>,20(x21)</a:t>
+            </a:r>
+            <a:br>
+              <a:rPr lang="fr-FR" altLang="en-US" dirty="0">
+                <a:latin typeface="Lucida Console" panose="020B0609040504020204" pitchFamily="49" charset="0"/>
+              </a:rPr>
+            </a:br>
+            <a:r>
+              <a:rPr lang="fr-FR" altLang="en-US" dirty="0" err="1">
+                <a:latin typeface="Lucida Console" panose="020B0609040504020204" pitchFamily="49" charset="0"/>
+              </a:rPr>
+              <a:t>add</a:t>
+            </a:r>
+            <a:r>
+              <a:rPr lang="fr-FR" altLang="en-US" dirty="0">
+                <a:latin typeface="Lucida Console" panose="020B0609040504020204" pitchFamily="49" charset="0"/>
+              </a:rPr>
+              <a:t>  x1,</a:t>
+            </a:r>
+            <a:r>
+              <a:rPr lang="fr-FR" altLang="en-US" dirty="0">
                 <a:solidFill>
-                  <a:srgbClr val="273272"/>
+                  <a:schemeClr val="hlink"/>
                 </a:solidFill>
-                <a:effectLst>
-                  <a:reflection blurRad="6350" stA="53000" endA="300" endPos="35500" dir="5400000" sy="-90000" algn="bl" rotWithShape="0"/>
-                </a:effectLst>
-                <a:latin typeface="Courier New" pitchFamily="49" charset="0"/>
-                <a:cs typeface="Courier New" pitchFamily="49" charset="0"/>
+                <a:latin typeface="Lucida Console" panose="020B0609040504020204" pitchFamily="49" charset="0"/>
               </a:rPr>
-              <a:t>		.text</a:t>
-            </a:r>
-          </a:p>
-          <a:p>
-            <a:r>
-              <a:rPr lang="en-US" sz="2400" dirty="0" smtClean="0">
-                <a:ln w="0"/>
-                <a:solidFill>
-                  <a:srgbClr val="273272"/>
-                </a:solidFill>
-                <a:effectLst>
-                  <a:reflection blurRad="6350" stA="53000" endA="300" endPos="35500" dir="5400000" sy="-90000" algn="bl" rotWithShape="0"/>
-                </a:effectLst>
-                <a:latin typeface="Courier New" pitchFamily="49" charset="0"/>
-                <a:cs typeface="Courier New" pitchFamily="49" charset="0"/>
+              <a:t>x31</a:t>
+            </a:r>
+            <a:r>
+              <a:rPr lang="fr-FR" altLang="en-US" dirty="0">
+                <a:latin typeface="Lucida Console" panose="020B0609040504020204" pitchFamily="49" charset="0"/>
               </a:rPr>
-              <a:t>__start:	addi t1, zero, 0x18</a:t>
-            </a:r>
-          </a:p>
-          <a:p>
-            <a:r>
-              <a:rPr lang="en-US" sz="2400" dirty="0" smtClean="0">
-                <a:ln w="0"/>
-                <a:solidFill>
-                  <a:srgbClr val="273272"/>
-                </a:solidFill>
-                <a:effectLst>
-                  <a:reflection blurRad="6350" stA="53000" endA="300" endPos="35500" dir="5400000" sy="-90000" algn="bl" rotWithShape="0"/>
-                </a:effectLst>
-                <a:latin typeface="Courier New" pitchFamily="49" charset="0"/>
-                <a:cs typeface="Courier New" pitchFamily="49" charset="0"/>
+              <a:t>,x2</a:t>
+            </a:r>
+            <a:br>
+              <a:rPr lang="fr-FR" altLang="en-US" dirty="0">
+                <a:latin typeface="Lucida Console" panose="020B0609040504020204" pitchFamily="49" charset="0"/>
               </a:rPr>
-              <a:t>		addi t2, zero, 0x21</a:t>
-            </a:r>
-          </a:p>
-          <a:p>
-            <a:r>
-              <a:rPr lang="en-US" sz="2400" dirty="0" smtClean="0">
-                <a:ln w="0"/>
-                <a:solidFill>
-                  <a:srgbClr val="273272"/>
-                </a:solidFill>
-                <a:effectLst>
-                  <a:reflection blurRad="6350" stA="53000" endA="300" endPos="35500" dir="5400000" sy="-90000" algn="bl" rotWithShape="0"/>
-                </a:effectLst>
-                <a:latin typeface="Courier New" pitchFamily="49" charset="0"/>
-                <a:cs typeface="Courier New" pitchFamily="49" charset="0"/>
+            </a:br>
+            <a:r>
+              <a:rPr lang="fr-FR" altLang="en-US" dirty="0" err="1">
+                <a:latin typeface="Lucida Console" panose="020B0609040504020204" pitchFamily="49" charset="0"/>
               </a:rPr>
-              <a:t>cycle:	</a:t>
-            </a:r>
-            <a:r>
-              <a:rPr lang="en-US" sz="2400" dirty="0" err="1" smtClean="0">
-                <a:ln w="0"/>
-                <a:solidFill>
-                  <a:srgbClr val="273272"/>
-                </a:solidFill>
-                <a:effectLst>
-                  <a:reflection blurRad="6350" stA="53000" endA="300" endPos="35500" dir="5400000" sy="-90000" algn="bl" rotWithShape="0"/>
-                </a:effectLst>
-                <a:latin typeface="Courier New" pitchFamily="49" charset="0"/>
-                <a:cs typeface="Courier New" pitchFamily="49" charset="0"/>
+              <a:t>sub</a:t>
+            </a:r>
+            <a:r>
+              <a:rPr lang="fr-FR" altLang="en-US" dirty="0">
+                <a:latin typeface="Lucida Console" panose="020B0609040504020204" pitchFamily="49" charset="0"/>
               </a:rPr>
-              <a:t>beq</a:t>
-            </a:r>
-            <a:r>
-              <a:rPr lang="en-US" sz="2400" dirty="0" smtClean="0">
-                <a:ln w="0"/>
-                <a:solidFill>
-                  <a:srgbClr val="273272"/>
-                </a:solidFill>
-                <a:effectLst>
-                  <a:reflection blurRad="6350" stA="53000" endA="300" endPos="35500" dir="5400000" sy="-90000" algn="bl" rotWithShape="0"/>
-                </a:effectLst>
-                <a:latin typeface="Courier New" pitchFamily="49" charset="0"/>
-                <a:cs typeface="Courier New" pitchFamily="49" charset="0"/>
+              <a:t>  x23,x23,x3</a:t>
+            </a:r>
+            <a:br>
+              <a:rPr lang="fr-FR" altLang="en-US" dirty="0">
+                <a:latin typeface="Lucida Console" panose="020B0609040504020204" pitchFamily="49" charset="0"/>
               </a:rPr>
-              <a:t> t1, t2, done</a:t>
-            </a:r>
-          </a:p>
-          <a:p>
-            <a:r>
-              <a:rPr lang="en-US" sz="2400" dirty="0" smtClean="0">
-                <a:ln w="0"/>
-                <a:solidFill>
-                  <a:srgbClr val="273272"/>
-                </a:solidFill>
-                <a:effectLst>
-                  <a:reflection blurRad="6350" stA="53000" endA="300" endPos="35500" dir="5400000" sy="-90000" algn="bl" rotWithShape="0"/>
-                </a:effectLst>
-                <a:latin typeface="Courier New" pitchFamily="49" charset="0"/>
-                <a:cs typeface="Courier New" pitchFamily="49" charset="0"/>
+            </a:br>
+            <a:r>
+              <a:rPr lang="fr-FR" altLang="en-US" dirty="0" err="1">
+                <a:latin typeface="Lucida Console" panose="020B0609040504020204" pitchFamily="49" charset="0"/>
               </a:rPr>
-              <a:t>		</a:t>
-            </a:r>
-            <a:r>
-              <a:rPr lang="en-US" sz="2400" dirty="0" err="1" smtClean="0">
-                <a:ln w="0"/>
-                <a:solidFill>
-                  <a:srgbClr val="273272"/>
-                </a:solidFill>
-                <a:effectLst>
-                  <a:reflection blurRad="6350" stA="53000" endA="300" endPos="35500" dir="5400000" sy="-90000" algn="bl" rotWithShape="0"/>
-                </a:effectLst>
-                <a:latin typeface="Courier New" pitchFamily="49" charset="0"/>
-                <a:cs typeface="Courier New" pitchFamily="49" charset="0"/>
+              <a:t>andi</a:t>
+            </a:r>
+            <a:r>
+              <a:rPr lang="fr-FR" altLang="en-US" dirty="0">
+                <a:latin typeface="Lucida Console" panose="020B0609040504020204" pitchFamily="49" charset="0"/>
               </a:rPr>
-              <a:t>slt</a:t>
-            </a:r>
-            <a:r>
-              <a:rPr lang="en-US" sz="2400" dirty="0" smtClean="0">
-                <a:ln w="0"/>
-                <a:solidFill>
-                  <a:srgbClr val="273272"/>
-                </a:solidFill>
-                <a:effectLst>
-                  <a:reflection blurRad="6350" stA="53000" endA="300" endPos="35500" dir="5400000" sy="-90000" algn="bl" rotWithShape="0"/>
-                </a:effectLst>
-                <a:latin typeface="Courier New" pitchFamily="49" charset="0"/>
-                <a:cs typeface="Courier New" pitchFamily="49" charset="0"/>
+              <a:t> x5,x23,20</a:t>
+            </a:r>
+          </a:p>
+          <a:p>
+            <a:pPr lvl="1"/>
+            <a:r>
+              <a:rPr lang="en-US" altLang="en-US" dirty="0"/>
+              <a:t>Can start </a:t>
+            </a:r>
+            <a:r>
+              <a:rPr lang="en-US" altLang="en-US" dirty="0">
+                <a:latin typeface="Lucida Console" panose="020B0609040504020204" pitchFamily="49" charset="0"/>
               </a:rPr>
-              <a:t> t0, t1, t2</a:t>
-            </a:r>
-          </a:p>
-          <a:p>
-            <a:r>
-              <a:rPr lang="en-US" sz="2400" dirty="0" smtClean="0">
-                <a:ln w="0"/>
-                <a:solidFill>
-                  <a:srgbClr val="273272"/>
-                </a:solidFill>
-                <a:effectLst>
-                  <a:reflection blurRad="6350" stA="53000" endA="300" endPos="35500" dir="5400000" sy="-90000" algn="bl" rotWithShape="0"/>
-                </a:effectLst>
-                <a:latin typeface="Courier New" pitchFamily="49" charset="0"/>
-                <a:cs typeface="Courier New" pitchFamily="49" charset="0"/>
+              <a:t>sub</a:t>
+            </a:r>
+            <a:r>
+              <a:rPr lang="en-US" altLang="en-US" dirty="0"/>
+              <a:t> while </a:t>
+            </a:r>
+            <a:r>
+              <a:rPr lang="en-US" altLang="en-US" dirty="0">
+                <a:latin typeface="Lucida Console" panose="020B0609040504020204" pitchFamily="49" charset="0"/>
               </a:rPr>
-              <a:t>		</a:t>
-            </a:r>
-            <a:r>
-              <a:rPr lang="en-US" sz="2400" dirty="0" err="1" smtClean="0">
-                <a:ln w="0"/>
-                <a:solidFill>
-                  <a:srgbClr val="273272"/>
-                </a:solidFill>
-                <a:effectLst>
-                  <a:reflection blurRad="6350" stA="53000" endA="300" endPos="35500" dir="5400000" sy="-90000" algn="bl" rotWithShape="0"/>
-                </a:effectLst>
-                <a:latin typeface="Courier New" pitchFamily="49" charset="0"/>
-                <a:cs typeface="Courier New" pitchFamily="49" charset="0"/>
-              </a:rPr>
-              <a:t>bne</a:t>
-            </a:r>
-            <a:r>
-              <a:rPr lang="en-US" sz="2400" dirty="0" smtClean="0">
-                <a:ln w="0"/>
-                <a:solidFill>
-                  <a:srgbClr val="273272"/>
-                </a:solidFill>
-                <a:effectLst>
-                  <a:reflection blurRad="6350" stA="53000" endA="300" endPos="35500" dir="5400000" sy="-90000" algn="bl" rotWithShape="0"/>
-                </a:effectLst>
-                <a:latin typeface="Courier New" pitchFamily="49" charset="0"/>
-                <a:cs typeface="Courier New" pitchFamily="49" charset="0"/>
-              </a:rPr>
-              <a:t> t0, zero, </a:t>
-            </a:r>
-            <a:r>
-              <a:rPr lang="en-US" sz="2400" dirty="0" err="1" smtClean="0">
-                <a:ln w="0"/>
-                <a:solidFill>
-                  <a:srgbClr val="273272"/>
-                </a:solidFill>
-                <a:effectLst>
-                  <a:reflection blurRad="6350" stA="53000" endA="300" endPos="35500" dir="5400000" sy="-90000" algn="bl" rotWithShape="0"/>
-                </a:effectLst>
-                <a:latin typeface="Courier New" pitchFamily="49" charset="0"/>
-                <a:cs typeface="Courier New" pitchFamily="49" charset="0"/>
-              </a:rPr>
-              <a:t>if_less</a:t>
-            </a:r>
-            <a:endParaRPr lang="en-US" sz="2400" dirty="0" smtClean="0">
-              <a:ln w="0"/>
-              <a:solidFill>
-                <a:srgbClr val="273272"/>
-              </a:solidFill>
-              <a:effectLst>
-                <a:reflection blurRad="6350" stA="53000" endA="300" endPos="35500" dir="5400000" sy="-90000" algn="bl" rotWithShape="0"/>
-              </a:effectLst>
-              <a:latin typeface="Courier New" pitchFamily="49" charset="0"/>
-              <a:cs typeface="Courier New" pitchFamily="49" charset="0"/>
-            </a:endParaRPr>
-          </a:p>
-          <a:p>
-            <a:r>
-              <a:rPr lang="en-US" sz="2400" dirty="0" smtClean="0">
-                <a:ln w="0"/>
-                <a:solidFill>
-                  <a:srgbClr val="273272"/>
-                </a:solidFill>
-                <a:effectLst>
-                  <a:reflection blurRad="6350" stA="53000" endA="300" endPos="35500" dir="5400000" sy="-90000" algn="bl" rotWithShape="0"/>
-                </a:effectLst>
-                <a:latin typeface="Courier New" pitchFamily="49" charset="0"/>
-                <a:cs typeface="Courier New" pitchFamily="49" charset="0"/>
-              </a:rPr>
-              <a:t>		</a:t>
-            </a:r>
-            <a:r>
-              <a:rPr lang="en-US" sz="2400" dirty="0" err="1" smtClean="0">
-                <a:ln w="0"/>
-                <a:solidFill>
-                  <a:srgbClr val="273272"/>
-                </a:solidFill>
-                <a:effectLst>
-                  <a:reflection blurRad="6350" stA="53000" endA="300" endPos="35500" dir="5400000" sy="-90000" algn="bl" rotWithShape="0"/>
-                </a:effectLst>
-                <a:latin typeface="Courier New" pitchFamily="49" charset="0"/>
-                <a:cs typeface="Courier New" pitchFamily="49" charset="0"/>
-              </a:rPr>
-              <a:t>nop</a:t>
-            </a:r>
-            <a:endParaRPr lang="en-US" sz="2400" dirty="0" smtClean="0">
-              <a:ln w="0"/>
-              <a:solidFill>
-                <a:srgbClr val="273272"/>
-              </a:solidFill>
-              <a:effectLst>
-                <a:reflection blurRad="6350" stA="53000" endA="300" endPos="35500" dir="5400000" sy="-90000" algn="bl" rotWithShape="0"/>
-              </a:effectLst>
-              <a:latin typeface="Courier New" pitchFamily="49" charset="0"/>
-              <a:cs typeface="Courier New" pitchFamily="49" charset="0"/>
-            </a:endParaRPr>
-          </a:p>
-          <a:p>
-            <a:r>
-              <a:rPr lang="en-US" sz="2400" dirty="0" smtClean="0">
-                <a:ln w="0"/>
-                <a:solidFill>
-                  <a:srgbClr val="273272"/>
-                </a:solidFill>
-                <a:effectLst>
-                  <a:reflection blurRad="6350" stA="53000" endA="300" endPos="35500" dir="5400000" sy="-90000" algn="bl" rotWithShape="0"/>
-                </a:effectLst>
-                <a:latin typeface="Courier New" pitchFamily="49" charset="0"/>
-                <a:cs typeface="Courier New" pitchFamily="49" charset="0"/>
-              </a:rPr>
-              <a:t>		sub t1, t1, t2</a:t>
-            </a:r>
-          </a:p>
-          <a:p>
-            <a:r>
-              <a:rPr lang="en-US" sz="2400" dirty="0" smtClean="0">
-                <a:ln w="0"/>
-                <a:solidFill>
-                  <a:srgbClr val="273272"/>
-                </a:solidFill>
-                <a:effectLst>
-                  <a:reflection blurRad="6350" stA="53000" endA="300" endPos="35500" dir="5400000" sy="-90000" algn="bl" rotWithShape="0"/>
-                </a:effectLst>
-                <a:latin typeface="Courier New" pitchFamily="49" charset="0"/>
-                <a:cs typeface="Courier New" pitchFamily="49" charset="0"/>
-              </a:rPr>
-              <a:t>		j cycle</a:t>
-            </a:r>
-          </a:p>
-          <a:p>
-            <a:r>
-              <a:rPr lang="en-US" sz="2400" dirty="0" smtClean="0">
-                <a:ln w="0"/>
-                <a:solidFill>
-                  <a:srgbClr val="273272"/>
-                </a:solidFill>
-                <a:effectLst>
-                  <a:reflection blurRad="6350" stA="53000" endA="300" endPos="35500" dir="5400000" sy="-90000" algn="bl" rotWithShape="0"/>
-                </a:effectLst>
-                <a:latin typeface="Courier New" pitchFamily="49" charset="0"/>
-                <a:cs typeface="Courier New" pitchFamily="49" charset="0"/>
-              </a:rPr>
-              <a:t>		</a:t>
-            </a:r>
-            <a:r>
-              <a:rPr lang="en-US" sz="2400" dirty="0" err="1" smtClean="0">
-                <a:ln w="0"/>
-                <a:solidFill>
-                  <a:srgbClr val="273272"/>
-                </a:solidFill>
-                <a:effectLst>
-                  <a:reflection blurRad="6350" stA="53000" endA="300" endPos="35500" dir="5400000" sy="-90000" algn="bl" rotWithShape="0"/>
-                </a:effectLst>
-                <a:latin typeface="Courier New" pitchFamily="49" charset="0"/>
-                <a:cs typeface="Courier New" pitchFamily="49" charset="0"/>
-              </a:rPr>
-              <a:t>nop</a:t>
-            </a:r>
-            <a:endParaRPr lang="en-US" sz="2400" dirty="0" smtClean="0">
-              <a:ln w="0"/>
-              <a:solidFill>
-                <a:srgbClr val="273272"/>
-              </a:solidFill>
-              <a:effectLst>
-                <a:reflection blurRad="6350" stA="53000" endA="300" endPos="35500" dir="5400000" sy="-90000" algn="bl" rotWithShape="0"/>
-              </a:effectLst>
-              <a:latin typeface="Courier New" pitchFamily="49" charset="0"/>
-              <a:cs typeface="Courier New" pitchFamily="49" charset="0"/>
-            </a:endParaRPr>
-          </a:p>
-          <a:p>
-            <a:r>
-              <a:rPr lang="en-US" sz="2400" dirty="0" err="1" smtClean="0">
-                <a:ln w="0"/>
-                <a:solidFill>
-                  <a:srgbClr val="273272"/>
-                </a:solidFill>
-                <a:effectLst>
-                  <a:reflection blurRad="6350" stA="53000" endA="300" endPos="35500" dir="5400000" sy="-90000" algn="bl" rotWithShape="0"/>
-                </a:effectLst>
-                <a:latin typeface="Courier New" pitchFamily="49" charset="0"/>
-                <a:cs typeface="Courier New" pitchFamily="49" charset="0"/>
-              </a:rPr>
-              <a:t>if_less</a:t>
-            </a:r>
-            <a:r>
-              <a:rPr lang="en-US" sz="2400" dirty="0" smtClean="0">
-                <a:ln w="0"/>
-                <a:solidFill>
-                  <a:srgbClr val="273272"/>
-                </a:solidFill>
-                <a:effectLst>
-                  <a:reflection blurRad="6350" stA="53000" endA="300" endPos="35500" dir="5400000" sy="-90000" algn="bl" rotWithShape="0"/>
-                </a:effectLst>
-                <a:latin typeface="Courier New" pitchFamily="49" charset="0"/>
-                <a:cs typeface="Courier New" pitchFamily="49" charset="0"/>
-              </a:rPr>
-              <a:t>:	sub t2, t2, t1</a:t>
-            </a:r>
-          </a:p>
-          <a:p>
-            <a:r>
-              <a:rPr lang="en-US" sz="2400" dirty="0" smtClean="0">
-                <a:ln w="0"/>
-                <a:solidFill>
-                  <a:srgbClr val="273272"/>
-                </a:solidFill>
-                <a:effectLst>
-                  <a:reflection blurRad="6350" stA="53000" endA="300" endPos="35500" dir="5400000" sy="-90000" algn="bl" rotWithShape="0"/>
-                </a:effectLst>
-                <a:latin typeface="Courier New" pitchFamily="49" charset="0"/>
-                <a:cs typeface="Courier New" pitchFamily="49" charset="0"/>
-              </a:rPr>
-              <a:t>		j cycle</a:t>
-            </a:r>
-          </a:p>
-          <a:p>
-            <a:r>
-              <a:rPr lang="en-US" sz="2400" dirty="0" smtClean="0">
-                <a:ln w="0"/>
-                <a:solidFill>
-                  <a:srgbClr val="273272"/>
-                </a:solidFill>
-                <a:effectLst>
-                  <a:reflection blurRad="6350" stA="53000" endA="300" endPos="35500" dir="5400000" sy="-90000" algn="bl" rotWithShape="0"/>
-                </a:effectLst>
-                <a:latin typeface="Courier New" pitchFamily="49" charset="0"/>
-                <a:cs typeface="Courier New" pitchFamily="49" charset="0"/>
-              </a:rPr>
-              <a:t>done:		add t3, t1, zero</a:t>
-            </a:r>
-            <a:endParaRPr lang="ru-RU" sz="2400" b="0" cap="none" spc="0" dirty="0">
-              <a:ln w="0"/>
-              <a:solidFill>
-                <a:srgbClr val="273272"/>
-              </a:solidFill>
-              <a:effectLst>
-                <a:reflection blurRad="6350" stA="53000" endA="300" endPos="35500" dir="5400000" sy="-90000" algn="bl" rotWithShape="0"/>
-              </a:effectLst>
-              <a:latin typeface="Courier New" pitchFamily="49" charset="0"/>
-              <a:cs typeface="Courier New" pitchFamily="49" charset="0"/>
-            </a:endParaRPr>
+              <a:t>add </a:t>
+            </a:r>
+            <a:r>
+              <a:rPr lang="en-US" altLang="en-US" dirty="0"/>
+              <a:t>is waiting for </a:t>
+            </a:r>
+            <a:r>
+              <a:rPr lang="en-US" altLang="en-US" dirty="0" err="1"/>
+              <a:t>ld</a:t>
+            </a:r>
+            <a:endParaRPr lang="en-US" altLang="en-US" dirty="0"/>
+          </a:p>
+          <a:p>
+            <a:endParaRPr lang="en-US" dirty="0"/>
           </a:p>
         </p:txBody>
       </p:sp>
       <p:sp>
         <p:nvSpPr>
-          <p:cNvPr id="2" name="Заголовок 1"/>
-          <p:cNvSpPr>
-            <a:spLocks noGrp="1"/>
-          </p:cNvSpPr>
-          <p:nvPr>
-            <p:ph type="title"/>
-          </p:nvPr>
-        </p:nvSpPr>
-        <p:spPr/>
-        <p:txBody>
-          <a:bodyPr>
-            <a:normAutofit/>
-          </a:bodyPr>
-          <a:lstStyle/>
-          <a:p>
-            <a:r>
-              <a:rPr lang="en-US" dirty="0" smtClean="0"/>
-              <a:t>Any Questions?</a:t>
-            </a:r>
-            <a:endParaRPr lang="ru-RU" sz="4000" dirty="0"/>
-          </a:p>
-        </p:txBody>
-      </p:sp>
-      <p:sp>
-        <p:nvSpPr>
-          <p:cNvPr id="6" name="Номер слайда 5"/>
+          <p:cNvPr id="3" name="Slide Number Placeholder 2"/>
           <p:cNvSpPr>
             <a:spLocks noGrp="1"/>
           </p:cNvSpPr>
@@ -25807,23 +30825,222 @@
           </a:p>
         </p:txBody>
       </p:sp>
+      <p:sp>
+        <p:nvSpPr>
+          <p:cNvPr id="4" name="Title 3"/>
+          <p:cNvSpPr>
+            <a:spLocks noGrp="1"/>
+          </p:cNvSpPr>
+          <p:nvPr>
+            <p:ph type="title"/>
+          </p:nvPr>
+        </p:nvSpPr>
+        <p:spPr/>
+        <p:txBody>
+          <a:bodyPr/>
+          <a:lstStyle/>
+          <a:p>
+            <a:r>
+              <a:rPr lang="en-US" altLang="en-US" dirty="0"/>
+              <a:t>Dynamic Pipeline Scheduling</a:t>
+            </a:r>
+            <a:endParaRPr lang="en-US" dirty="0"/>
+          </a:p>
+        </p:txBody>
+      </p:sp>
     </p:spTree>
     <p:extLst>
       <p:ext uri="{BB962C8B-B14F-4D97-AF65-F5344CB8AC3E}">
-        <p14:creationId xmlns:p14="http://schemas.microsoft.com/office/powerpoint/2010/main" val="2830349836"/>
+        <p14:creationId xmlns:p14="http://schemas.microsoft.com/office/powerpoint/2010/main" val="3030685176"/>
       </p:ext>
     </p:extLst>
   </p:cSld>
   <p:clrMapOvr>
     <a:masterClrMapping/>
   </p:clrMapOvr>
-  <p:timing>
-    <p:tnLst>
-      <p:par>
-        <p:cTn id="1" dur="indefinite" restart="never" nodeType="tmRoot"/>
-      </p:par>
-    </p:tnLst>
-  </p:timing>
+</p:sld>
+</file>
+
+<file path=ppt/slides/slide39.xml><?xml version="1.0" encoding="utf-8"?>
+<p:sld xmlns:a="http://schemas.openxmlformats.org/drawingml/2006/main" xmlns:r="http://schemas.openxmlformats.org/officeDocument/2006/relationships" xmlns:p="http://schemas.openxmlformats.org/presentationml/2006/main">
+  <p:cSld>
+    <p:spTree>
+      <p:nvGrpSpPr>
+        <p:cNvPr id="1" name=""/>
+        <p:cNvGrpSpPr/>
+        <p:nvPr/>
+      </p:nvGrpSpPr>
+      <p:grpSpPr>
+        <a:xfrm>
+          <a:off x="0" y="0"/>
+          <a:ext cx="0" cy="0"/>
+          <a:chOff x="0" y="0"/>
+          <a:chExt cx="0" cy="0"/>
+        </a:xfrm>
+      </p:grpSpPr>
+      <p:sp>
+        <p:nvSpPr>
+          <p:cNvPr id="2" name="Content Placeholder 1"/>
+          <p:cNvSpPr>
+            <a:spLocks noGrp="1"/>
+          </p:cNvSpPr>
+          <p:nvPr>
+            <p:ph idx="1"/>
+          </p:nvPr>
+        </p:nvSpPr>
+        <p:spPr/>
+        <p:txBody>
+          <a:bodyPr/>
+          <a:lstStyle/>
+          <a:p>
+            <a:pPr>
+              <a:lnSpc>
+                <a:spcPct val="100000"/>
+              </a:lnSpc>
+              <a:spcBef>
+                <a:spcPts val="600"/>
+              </a:spcBef>
+            </a:pPr>
+            <a:r>
+              <a:rPr lang="en-US" altLang="en-US" dirty="0"/>
+              <a:t>Why not just let the compiler schedule code?</a:t>
+            </a:r>
+          </a:p>
+          <a:p>
+            <a:pPr>
+              <a:lnSpc>
+                <a:spcPct val="100000"/>
+              </a:lnSpc>
+              <a:spcBef>
+                <a:spcPts val="600"/>
+              </a:spcBef>
+            </a:pPr>
+            <a:r>
+              <a:rPr lang="en-US" altLang="en-US" dirty="0"/>
+              <a:t>Not all stalls are predicable</a:t>
+            </a:r>
+          </a:p>
+          <a:p>
+            <a:pPr lvl="1">
+              <a:lnSpc>
+                <a:spcPct val="100000"/>
+              </a:lnSpc>
+              <a:spcBef>
+                <a:spcPts val="600"/>
+              </a:spcBef>
+            </a:pPr>
+            <a:r>
+              <a:rPr lang="en-US" altLang="en-US" dirty="0"/>
+              <a:t>e.g., cache misses</a:t>
+            </a:r>
+          </a:p>
+          <a:p>
+            <a:pPr>
+              <a:lnSpc>
+                <a:spcPct val="100000"/>
+              </a:lnSpc>
+              <a:spcBef>
+                <a:spcPts val="600"/>
+              </a:spcBef>
+            </a:pPr>
+            <a:r>
+              <a:rPr lang="en-US" altLang="en-US" dirty="0"/>
+              <a:t>Can’t always schedule around branches</a:t>
+            </a:r>
+          </a:p>
+          <a:p>
+            <a:pPr lvl="1">
+              <a:lnSpc>
+                <a:spcPct val="100000"/>
+              </a:lnSpc>
+              <a:spcBef>
+                <a:spcPts val="600"/>
+              </a:spcBef>
+            </a:pPr>
+            <a:r>
+              <a:rPr lang="en-US" altLang="en-US" dirty="0"/>
+              <a:t>Branch outcome is dynamically determined</a:t>
+            </a:r>
+          </a:p>
+          <a:p>
+            <a:pPr>
+              <a:lnSpc>
+                <a:spcPct val="100000"/>
+              </a:lnSpc>
+              <a:spcBef>
+                <a:spcPts val="600"/>
+              </a:spcBef>
+            </a:pPr>
+            <a:r>
+              <a:rPr lang="en-US" altLang="en-US" dirty="0"/>
+              <a:t>Different implementations of an ISA have different latencies and </a:t>
+            </a:r>
+            <a:r>
+              <a:rPr lang="en-US" altLang="en-US" dirty="0" smtClean="0"/>
+              <a:t>hazards</a:t>
+            </a:r>
+            <a:endParaRPr lang="en-US" altLang="en-US" dirty="0"/>
+          </a:p>
+        </p:txBody>
+      </p:sp>
+      <p:sp>
+        <p:nvSpPr>
+          <p:cNvPr id="3" name="Slide Number Placeholder 2"/>
+          <p:cNvSpPr>
+            <a:spLocks noGrp="1"/>
+          </p:cNvSpPr>
+          <p:nvPr>
+            <p:ph type="sldNum" sz="quarter" idx="12"/>
+          </p:nvPr>
+        </p:nvSpPr>
+        <p:spPr/>
+        <p:txBody>
+          <a:bodyPr/>
+          <a:lstStyle/>
+          <a:p>
+            <a:pPr algn="ctr"/>
+            <a:fld id="{1397BFD8-F312-4EF2-A268-44FB4BDDBBB0}" type="slidenum">
+              <a:rPr lang="ru-RU" smtClean="0"/>
+              <a:pPr algn="ctr"/>
+              <a:t>39</a:t>
+            </a:fld>
+            <a:endParaRPr lang="ru-RU" dirty="0"/>
+          </a:p>
+        </p:txBody>
+      </p:sp>
+      <p:sp>
+        <p:nvSpPr>
+          <p:cNvPr id="4" name="Title 3"/>
+          <p:cNvSpPr>
+            <a:spLocks noGrp="1"/>
+          </p:cNvSpPr>
+          <p:nvPr>
+            <p:ph type="title"/>
+          </p:nvPr>
+        </p:nvSpPr>
+        <p:spPr/>
+        <p:txBody>
+          <a:bodyPr/>
+          <a:lstStyle/>
+          <a:p>
+            <a:r>
+              <a:rPr lang="en-US" altLang="en-US" dirty="0"/>
+              <a:t>Why Do Dynamic Scheduling?</a:t>
+            </a:r>
+            <a:endParaRPr lang="en-US" dirty="0"/>
+          </a:p>
+        </p:txBody>
+      </p:sp>
+    </p:spTree>
+    <p:extLst>
+      <p:ext uri="{BB962C8B-B14F-4D97-AF65-F5344CB8AC3E}">
+        <p14:creationId xmlns:p14="http://schemas.microsoft.com/office/powerpoint/2010/main" val="3589277410"/>
+      </p:ext>
+    </p:extLst>
+  </p:cSld>
+  <p:clrMapOvr>
+    <a:masterClrMapping/>
+  </p:clrMapOvr>
 </p:sld>
 </file>
 
@@ -25956,6 +31173,2521 @@
   <p:clrMapOvr>
     <a:masterClrMapping/>
   </p:clrMapOvr>
+</p:sld>
+</file>
+
+<file path=ppt/slides/slide40.xml><?xml version="1.0" encoding="utf-8"?>
+<p:sld xmlns:a="http://schemas.openxmlformats.org/drawingml/2006/main" xmlns:r="http://schemas.openxmlformats.org/officeDocument/2006/relationships" xmlns:p="http://schemas.openxmlformats.org/presentationml/2006/main">
+  <p:cSld>
+    <p:spTree>
+      <p:nvGrpSpPr>
+        <p:cNvPr id="1" name=""/>
+        <p:cNvGrpSpPr/>
+        <p:nvPr/>
+      </p:nvGrpSpPr>
+      <p:grpSpPr>
+        <a:xfrm>
+          <a:off x="0" y="0"/>
+          <a:ext cx="0" cy="0"/>
+          <a:chOff x="0" y="0"/>
+          <a:chExt cx="0" cy="0"/>
+        </a:xfrm>
+      </p:grpSpPr>
+      <p:sp>
+        <p:nvSpPr>
+          <p:cNvPr id="3" name="Slide Number Placeholder 2"/>
+          <p:cNvSpPr>
+            <a:spLocks noGrp="1"/>
+          </p:cNvSpPr>
+          <p:nvPr>
+            <p:ph type="sldNum" sz="quarter" idx="12"/>
+          </p:nvPr>
+        </p:nvSpPr>
+        <p:spPr/>
+        <p:txBody>
+          <a:bodyPr/>
+          <a:lstStyle/>
+          <a:p>
+            <a:pPr algn="ctr"/>
+            <a:fld id="{1397BFD8-F312-4EF2-A268-44FB4BDDBBB0}" type="slidenum">
+              <a:rPr lang="ru-RU" smtClean="0"/>
+              <a:pPr algn="ctr"/>
+              <a:t>40</a:t>
+            </a:fld>
+            <a:endParaRPr lang="ru-RU" dirty="0"/>
+          </a:p>
+        </p:txBody>
+      </p:sp>
+      <p:sp>
+        <p:nvSpPr>
+          <p:cNvPr id="4" name="Title 3"/>
+          <p:cNvSpPr>
+            <a:spLocks noGrp="1"/>
+          </p:cNvSpPr>
+          <p:nvPr>
+            <p:ph type="title"/>
+          </p:nvPr>
+        </p:nvSpPr>
+        <p:spPr/>
+        <p:txBody>
+          <a:bodyPr/>
+          <a:lstStyle/>
+          <a:p>
+            <a:r>
+              <a:rPr lang="en-US" altLang="en-US" dirty="0"/>
+              <a:t>Dynamically Scheduled CPU</a:t>
+            </a:r>
+            <a:endParaRPr lang="en-US" dirty="0"/>
+          </a:p>
+        </p:txBody>
+      </p:sp>
+      <p:sp>
+        <p:nvSpPr>
+          <p:cNvPr id="5" name="Freeform 9"/>
+          <p:cNvSpPr>
+            <a:spLocks/>
+          </p:cNvSpPr>
+          <p:nvPr/>
+        </p:nvSpPr>
+        <p:spPr bwMode="auto">
+          <a:xfrm>
+            <a:off x="7015370" y="3363015"/>
+            <a:ext cx="1065213" cy="1362075"/>
+          </a:xfrm>
+          <a:custGeom>
+            <a:avLst/>
+            <a:gdLst>
+              <a:gd name="T0" fmla="*/ 0 w 671"/>
+              <a:gd name="T1" fmla="*/ 2147483646 h 858"/>
+              <a:gd name="T2" fmla="*/ 2147483646 w 671"/>
+              <a:gd name="T3" fmla="*/ 2147483646 h 858"/>
+              <a:gd name="T4" fmla="*/ 2147483646 w 671"/>
+              <a:gd name="T5" fmla="*/ 2147483646 h 858"/>
+              <a:gd name="T6" fmla="*/ 2147483646 w 671"/>
+              <a:gd name="T7" fmla="*/ 0 h 858"/>
+              <a:gd name="T8" fmla="*/ 0 60000 65536"/>
+              <a:gd name="T9" fmla="*/ 0 60000 65536"/>
+              <a:gd name="T10" fmla="*/ 0 60000 65536"/>
+              <a:gd name="T11" fmla="*/ 0 60000 65536"/>
+              <a:gd name="T12" fmla="*/ 0 w 671"/>
+              <a:gd name="T13" fmla="*/ 0 h 858"/>
+              <a:gd name="T14" fmla="*/ 671 w 671"/>
+              <a:gd name="T15" fmla="*/ 858 h 858"/>
+            </a:gdLst>
+            <a:ahLst/>
+            <a:cxnLst>
+              <a:cxn ang="T8">
+                <a:pos x="T0" y="T1"/>
+              </a:cxn>
+              <a:cxn ang="T9">
+                <a:pos x="T2" y="T3"/>
+              </a:cxn>
+              <a:cxn ang="T10">
+                <a:pos x="T4" y="T5"/>
+              </a:cxn>
+              <a:cxn ang="T11">
+                <a:pos x="T6" y="T7"/>
+              </a:cxn>
+            </a:cxnLst>
+            <a:rect l="T12" t="T13" r="T14" b="T15"/>
+            <a:pathLst>
+              <a:path w="671" h="858">
+                <a:moveTo>
+                  <a:pt x="0" y="858"/>
+                </a:moveTo>
+                <a:cubicBezTo>
+                  <a:pt x="95" y="838"/>
+                  <a:pt x="469" y="850"/>
+                  <a:pt x="570" y="738"/>
+                </a:cubicBezTo>
+                <a:cubicBezTo>
+                  <a:pt x="671" y="626"/>
+                  <a:pt x="652" y="309"/>
+                  <a:pt x="606" y="186"/>
+                </a:cubicBezTo>
+                <a:cubicBezTo>
+                  <a:pt x="560" y="63"/>
+                  <a:pt x="359" y="39"/>
+                  <a:pt x="294" y="0"/>
+                </a:cubicBezTo>
+              </a:path>
+            </a:pathLst>
+          </a:custGeom>
+          <a:noFill/>
+          <a:ln w="28575" cmpd="sng">
+            <a:solidFill>
+              <a:schemeClr val="hlink"/>
+            </a:solidFill>
+            <a:round/>
+            <a:headEnd type="none" w="med" len="med"/>
+            <a:tailEnd type="triangle" w="med" len="med"/>
+          </a:ln>
+          <a:extLst>
+            <a:ext uri="{909E8E84-426E-40DD-AFC4-6F175D3DCCD1}">
+              <a14:hiddenFill xmlns:a14="http://schemas.microsoft.com/office/drawing/2010/main">
+                <a:solidFill>
+                  <a:srgbClr val="FFFFFF"/>
+                </a:solidFill>
+              </a14:hiddenFill>
+            </a:ext>
+          </a:extLst>
+        </p:spPr>
+        <p:txBody>
+          <a:bodyPr/>
+          <a:lstStyle/>
+          <a:p>
+            <a:endParaRPr lang="en-US"/>
+          </a:p>
+        </p:txBody>
+      </p:sp>
+      <p:sp>
+        <p:nvSpPr>
+          <p:cNvPr id="6" name="Freeform 13"/>
+          <p:cNvSpPr>
+            <a:spLocks/>
+          </p:cNvSpPr>
+          <p:nvPr/>
+        </p:nvSpPr>
+        <p:spPr bwMode="auto">
+          <a:xfrm>
+            <a:off x="5977145" y="3210615"/>
+            <a:ext cx="2459038" cy="2152650"/>
+          </a:xfrm>
+          <a:custGeom>
+            <a:avLst/>
+            <a:gdLst>
+              <a:gd name="T0" fmla="*/ 0 w 1549"/>
+              <a:gd name="T1" fmla="*/ 2147483646 h 1356"/>
+              <a:gd name="T2" fmla="*/ 2147483646 w 1549"/>
+              <a:gd name="T3" fmla="*/ 2147483646 h 1356"/>
+              <a:gd name="T4" fmla="*/ 2147483646 w 1549"/>
+              <a:gd name="T5" fmla="*/ 2147483646 h 1356"/>
+              <a:gd name="T6" fmla="*/ 2147483646 w 1549"/>
+              <a:gd name="T7" fmla="*/ 0 h 1356"/>
+              <a:gd name="T8" fmla="*/ 0 60000 65536"/>
+              <a:gd name="T9" fmla="*/ 0 60000 65536"/>
+              <a:gd name="T10" fmla="*/ 0 60000 65536"/>
+              <a:gd name="T11" fmla="*/ 0 60000 65536"/>
+              <a:gd name="T12" fmla="*/ 0 w 1549"/>
+              <a:gd name="T13" fmla="*/ 0 h 1356"/>
+              <a:gd name="T14" fmla="*/ 1549 w 1549"/>
+              <a:gd name="T15" fmla="*/ 1356 h 1356"/>
+            </a:gdLst>
+            <a:ahLst/>
+            <a:cxnLst>
+              <a:cxn ang="T8">
+                <a:pos x="T0" y="T1"/>
+              </a:cxn>
+              <a:cxn ang="T9">
+                <a:pos x="T2" y="T3"/>
+              </a:cxn>
+              <a:cxn ang="T10">
+                <a:pos x="T4" y="T5"/>
+              </a:cxn>
+              <a:cxn ang="T11">
+                <a:pos x="T6" y="T7"/>
+              </a:cxn>
+            </a:cxnLst>
+            <a:rect l="T12" t="T13" r="T14" b="T15"/>
+            <a:pathLst>
+              <a:path w="1549" h="1356">
+                <a:moveTo>
+                  <a:pt x="0" y="1356"/>
+                </a:moveTo>
+                <a:cubicBezTo>
+                  <a:pt x="219" y="1298"/>
+                  <a:pt x="1079" y="1198"/>
+                  <a:pt x="1314" y="1008"/>
+                </a:cubicBezTo>
+                <a:cubicBezTo>
+                  <a:pt x="1549" y="818"/>
+                  <a:pt x="1466" y="384"/>
+                  <a:pt x="1410" y="216"/>
+                </a:cubicBezTo>
+                <a:cubicBezTo>
+                  <a:pt x="1354" y="48"/>
+                  <a:pt x="1068" y="45"/>
+                  <a:pt x="978" y="0"/>
+                </a:cubicBezTo>
+              </a:path>
+            </a:pathLst>
+          </a:custGeom>
+          <a:noFill/>
+          <a:ln w="28575" cmpd="sng">
+            <a:solidFill>
+              <a:schemeClr val="hlink"/>
+            </a:solidFill>
+            <a:round/>
+            <a:headEnd type="none" w="med" len="med"/>
+            <a:tailEnd type="triangle" w="med" len="med"/>
+          </a:ln>
+          <a:extLst>
+            <a:ext uri="{909E8E84-426E-40DD-AFC4-6F175D3DCCD1}">
+              <a14:hiddenFill xmlns:a14="http://schemas.microsoft.com/office/drawing/2010/main">
+                <a:solidFill>
+                  <a:srgbClr val="FFFFFF"/>
+                </a:solidFill>
+              </a14:hiddenFill>
+            </a:ext>
+          </a:extLst>
+        </p:spPr>
+        <p:txBody>
+          <a:bodyPr/>
+          <a:lstStyle/>
+          <a:p>
+            <a:endParaRPr lang="en-US"/>
+          </a:p>
+        </p:txBody>
+      </p:sp>
+      <p:sp>
+        <p:nvSpPr>
+          <p:cNvPr id="7" name="Rectangle 14"/>
+          <p:cNvSpPr>
+            <a:spLocks noChangeArrowheads="1"/>
+          </p:cNvSpPr>
+          <p:nvPr/>
+        </p:nvSpPr>
+        <p:spPr bwMode="auto">
+          <a:xfrm>
+            <a:off x="7299533" y="3886890"/>
+            <a:ext cx="1512887" cy="287338"/>
+          </a:xfrm>
+          <a:prstGeom prst="rect">
+            <a:avLst/>
+          </a:prstGeom>
+          <a:solidFill>
+            <a:schemeClr val="bg1"/>
+          </a:solidFill>
+          <a:ln>
+            <a:noFill/>
+          </a:ln>
+          <a:extLst>
+            <a:ext uri="{91240B29-F687-4F45-9708-019B960494DF}">
+              <a14:hiddenLine xmlns:a14="http://schemas.microsoft.com/office/drawing/2010/main" w="9525" algn="ctr">
+                <a:solidFill>
+                  <a:srgbClr val="000000"/>
+                </a:solidFill>
+                <a:miter lim="800000"/>
+                <a:headEnd/>
+                <a:tailEnd/>
+              </a14:hiddenLine>
+            </a:ext>
+          </a:extLst>
+        </p:spPr>
+        <p:txBody>
+          <a:bodyPr wrap="none" anchor="ctr"/>
+          <a:lstStyle>
+            <a:lvl1pPr>
+              <a:spcBef>
+                <a:spcPct val="20000"/>
+              </a:spcBef>
+              <a:buClr>
+                <a:schemeClr val="folHlink"/>
+              </a:buClr>
+              <a:buSzPct val="60000"/>
+              <a:buFont typeface="Wingdings" panose="05000000000000000000" pitchFamily="2" charset="2"/>
+              <a:buChar char="n"/>
+              <a:defRPr sz="3200">
+                <a:solidFill>
+                  <a:schemeClr val="tx1"/>
+                </a:solidFill>
+                <a:latin typeface="Arial" panose="020B0604020202020204" pitchFamily="34" charset="0"/>
+              </a:defRPr>
+            </a:lvl1pPr>
+            <a:lvl2pPr marL="742950" indent="-285750">
+              <a:spcBef>
+                <a:spcPct val="20000"/>
+              </a:spcBef>
+              <a:buClr>
+                <a:schemeClr val="hlink"/>
+              </a:buClr>
+              <a:buSzPct val="55000"/>
+              <a:buFont typeface="Wingdings" panose="05000000000000000000" pitchFamily="2" charset="2"/>
+              <a:buChar char="n"/>
+              <a:defRPr sz="2800">
+                <a:solidFill>
+                  <a:schemeClr val="tx1"/>
+                </a:solidFill>
+                <a:latin typeface="Arial" panose="020B0604020202020204" pitchFamily="34" charset="0"/>
+              </a:defRPr>
+            </a:lvl2pPr>
+            <a:lvl3pPr marL="1143000" indent="-228600">
+              <a:spcBef>
+                <a:spcPct val="20000"/>
+              </a:spcBef>
+              <a:buClr>
+                <a:schemeClr val="folHlink"/>
+              </a:buClr>
+              <a:buSzPct val="50000"/>
+              <a:buFont typeface="Wingdings" panose="05000000000000000000" pitchFamily="2" charset="2"/>
+              <a:buChar char="n"/>
+              <a:defRPr sz="2400">
+                <a:solidFill>
+                  <a:schemeClr val="tx1"/>
+                </a:solidFill>
+                <a:latin typeface="Arial" panose="020B0604020202020204" pitchFamily="34" charset="0"/>
+              </a:defRPr>
+            </a:lvl3pPr>
+            <a:lvl4pPr marL="1600200" indent="-228600">
+              <a:spcBef>
+                <a:spcPct val="20000"/>
+              </a:spcBef>
+              <a:buClr>
+                <a:schemeClr val="accent2"/>
+              </a:buClr>
+              <a:buSzPct val="55000"/>
+              <a:buFont typeface="Wingdings" panose="05000000000000000000" pitchFamily="2" charset="2"/>
+              <a:buChar char="n"/>
+              <a:defRPr sz="2000">
+                <a:solidFill>
+                  <a:schemeClr val="tx1"/>
+                </a:solidFill>
+                <a:latin typeface="Arial" panose="020B0604020202020204" pitchFamily="34" charset="0"/>
+              </a:defRPr>
+            </a:lvl4pPr>
+            <a:lvl5pPr marL="2057400" indent="-228600">
+              <a:spcBef>
+                <a:spcPct val="20000"/>
+              </a:spcBef>
+              <a:buClr>
+                <a:schemeClr val="accent1"/>
+              </a:buClr>
+              <a:buSzPct val="50000"/>
+              <a:buFont typeface="Wingdings" panose="05000000000000000000" pitchFamily="2" charset="2"/>
+              <a:buChar char="n"/>
+              <a:defRPr sz="2000">
+                <a:solidFill>
+                  <a:schemeClr val="tx1"/>
+                </a:solidFill>
+                <a:latin typeface="Arial" panose="020B0604020202020204" pitchFamily="34" charset="0"/>
+              </a:defRPr>
+            </a:lvl5pPr>
+            <a:lvl6pPr marL="2514600" indent="-228600" eaLnBrk="0" fontAlgn="base" hangingPunct="0">
+              <a:spcBef>
+                <a:spcPct val="20000"/>
+              </a:spcBef>
+              <a:spcAft>
+                <a:spcPct val="0"/>
+              </a:spcAft>
+              <a:buClr>
+                <a:schemeClr val="accent1"/>
+              </a:buClr>
+              <a:buSzPct val="50000"/>
+              <a:buFont typeface="Wingdings" panose="05000000000000000000" pitchFamily="2" charset="2"/>
+              <a:buChar char="n"/>
+              <a:defRPr sz="2000">
+                <a:solidFill>
+                  <a:schemeClr val="tx1"/>
+                </a:solidFill>
+                <a:latin typeface="Arial" panose="020B0604020202020204" pitchFamily="34" charset="0"/>
+              </a:defRPr>
+            </a:lvl6pPr>
+            <a:lvl7pPr marL="2971800" indent="-228600" eaLnBrk="0" fontAlgn="base" hangingPunct="0">
+              <a:spcBef>
+                <a:spcPct val="20000"/>
+              </a:spcBef>
+              <a:spcAft>
+                <a:spcPct val="0"/>
+              </a:spcAft>
+              <a:buClr>
+                <a:schemeClr val="accent1"/>
+              </a:buClr>
+              <a:buSzPct val="50000"/>
+              <a:buFont typeface="Wingdings" panose="05000000000000000000" pitchFamily="2" charset="2"/>
+              <a:buChar char="n"/>
+              <a:defRPr sz="2000">
+                <a:solidFill>
+                  <a:schemeClr val="tx1"/>
+                </a:solidFill>
+                <a:latin typeface="Arial" panose="020B0604020202020204" pitchFamily="34" charset="0"/>
+              </a:defRPr>
+            </a:lvl7pPr>
+            <a:lvl8pPr marL="3429000" indent="-228600" eaLnBrk="0" fontAlgn="base" hangingPunct="0">
+              <a:spcBef>
+                <a:spcPct val="20000"/>
+              </a:spcBef>
+              <a:spcAft>
+                <a:spcPct val="0"/>
+              </a:spcAft>
+              <a:buClr>
+                <a:schemeClr val="accent1"/>
+              </a:buClr>
+              <a:buSzPct val="50000"/>
+              <a:buFont typeface="Wingdings" panose="05000000000000000000" pitchFamily="2" charset="2"/>
+              <a:buChar char="n"/>
+              <a:defRPr sz="2000">
+                <a:solidFill>
+                  <a:schemeClr val="tx1"/>
+                </a:solidFill>
+                <a:latin typeface="Arial" panose="020B0604020202020204" pitchFamily="34" charset="0"/>
+              </a:defRPr>
+            </a:lvl8pPr>
+            <a:lvl9pPr marL="3886200" indent="-228600" eaLnBrk="0" fontAlgn="base" hangingPunct="0">
+              <a:spcBef>
+                <a:spcPct val="20000"/>
+              </a:spcBef>
+              <a:spcAft>
+                <a:spcPct val="0"/>
+              </a:spcAft>
+              <a:buClr>
+                <a:schemeClr val="accent1"/>
+              </a:buClr>
+              <a:buSzPct val="50000"/>
+              <a:buFont typeface="Wingdings" panose="05000000000000000000" pitchFamily="2" charset="2"/>
+              <a:buChar char="n"/>
+              <a:defRPr sz="2000">
+                <a:solidFill>
+                  <a:schemeClr val="tx1"/>
+                </a:solidFill>
+                <a:latin typeface="Arial" panose="020B0604020202020204" pitchFamily="34" charset="0"/>
+              </a:defRPr>
+            </a:lvl9pPr>
+          </a:lstStyle>
+          <a:p>
+            <a:pPr algn="ctr">
+              <a:spcBef>
+                <a:spcPct val="0"/>
+              </a:spcBef>
+              <a:buClrTx/>
+              <a:buSzTx/>
+              <a:buFontTx/>
+              <a:buNone/>
+            </a:pPr>
+            <a:endParaRPr lang="en-US" altLang="en-US" sz="1600"/>
+          </a:p>
+        </p:txBody>
+      </p:sp>
+      <p:pic>
+        <p:nvPicPr>
+          <p:cNvPr id="8" name="Picture 4" descr="f04-72-P374493"/>
+          <p:cNvPicPr>
+            <a:picLocks noChangeAspect="1" noChangeArrowheads="1"/>
+          </p:cNvPicPr>
+          <p:nvPr/>
+        </p:nvPicPr>
+        <p:blipFill>
+          <a:blip r:embed="rId2">
+            <a:extLst>
+              <a:ext uri="{28A0092B-C50C-407E-A947-70E740481C1C}">
+                <a14:useLocalDpi xmlns:a14="http://schemas.microsoft.com/office/drawing/2010/main" val="0"/>
+              </a:ext>
+            </a:extLst>
+          </a:blip>
+          <a:srcRect/>
+          <a:stretch>
+            <a:fillRect/>
+          </a:stretch>
+        </p:blipFill>
+        <p:spPr bwMode="auto">
+          <a:xfrm>
+            <a:off x="2187783" y="1581840"/>
+            <a:ext cx="6550025" cy="4268788"/>
+          </a:xfrm>
+          <a:prstGeom prst="rect">
+            <a:avLst/>
+          </a:prstGeom>
+          <a:noFill/>
+          <a:ln>
+            <a:noFill/>
+          </a:ln>
+          <a:extLst>
+            <a:ext uri="{909E8E84-426E-40DD-AFC4-6F175D3DCCD1}">
+              <a14:hiddenFill xmlns:a14="http://schemas.microsoft.com/office/drawing/2010/main">
+                <a:solidFill>
+                  <a:srgbClr val="FFFFFF"/>
+                </a:solidFill>
+              </a14:hiddenFill>
+            </a:ext>
+            <a:ext uri="{91240B29-F687-4F45-9708-019B960494DF}">
+              <a14:hiddenLine xmlns:a14="http://schemas.microsoft.com/office/drawing/2010/main" w="9525">
+                <a:solidFill>
+                  <a:srgbClr val="000000"/>
+                </a:solidFill>
+                <a:miter lim="800000"/>
+                <a:headEnd/>
+                <a:tailEnd/>
+              </a14:hiddenLine>
+            </a:ext>
+          </a:extLst>
+        </p:spPr>
+      </p:pic>
+      <p:sp>
+        <p:nvSpPr>
+          <p:cNvPr id="9" name="AutoShape 11"/>
+          <p:cNvSpPr>
+            <a:spLocks/>
+          </p:cNvSpPr>
+          <p:nvPr/>
+        </p:nvSpPr>
+        <p:spPr bwMode="auto">
+          <a:xfrm>
+            <a:off x="9253463" y="4461565"/>
+            <a:ext cx="2206349" cy="1064592"/>
+          </a:xfrm>
+          <a:prstGeom prst="borderCallout1">
+            <a:avLst>
+              <a:gd name="adj1" fmla="val 12204"/>
+              <a:gd name="adj2" fmla="val -4412"/>
+              <a:gd name="adj3" fmla="val 6273"/>
+              <a:gd name="adj4" fmla="val -55148"/>
+            </a:avLst>
+          </a:prstGeom>
+          <a:solidFill>
+            <a:schemeClr val="accent1"/>
+          </a:solidFill>
+          <a:ln w="9525" algn="ctr">
+            <a:solidFill>
+              <a:schemeClr val="tx1"/>
+            </a:solidFill>
+            <a:miter lim="800000"/>
+            <a:headEnd/>
+            <a:tailEnd type="triangle" w="med" len="med"/>
+          </a:ln>
+        </p:spPr>
+        <p:txBody>
+          <a:bodyPr anchor="ctr"/>
+          <a:lstStyle>
+            <a:lvl1pPr>
+              <a:spcBef>
+                <a:spcPct val="20000"/>
+              </a:spcBef>
+              <a:buClr>
+                <a:schemeClr val="folHlink"/>
+              </a:buClr>
+              <a:buSzPct val="60000"/>
+              <a:buFont typeface="Wingdings" panose="05000000000000000000" pitchFamily="2" charset="2"/>
+              <a:buChar char="n"/>
+              <a:defRPr sz="3200">
+                <a:solidFill>
+                  <a:schemeClr val="tx1"/>
+                </a:solidFill>
+                <a:latin typeface="Arial" panose="020B0604020202020204" pitchFamily="34" charset="0"/>
+              </a:defRPr>
+            </a:lvl1pPr>
+            <a:lvl2pPr marL="742950" indent="-285750">
+              <a:spcBef>
+                <a:spcPct val="20000"/>
+              </a:spcBef>
+              <a:buClr>
+                <a:schemeClr val="hlink"/>
+              </a:buClr>
+              <a:buSzPct val="55000"/>
+              <a:buFont typeface="Wingdings" panose="05000000000000000000" pitchFamily="2" charset="2"/>
+              <a:buChar char="n"/>
+              <a:defRPr sz="2800">
+                <a:solidFill>
+                  <a:schemeClr val="tx1"/>
+                </a:solidFill>
+                <a:latin typeface="Arial" panose="020B0604020202020204" pitchFamily="34" charset="0"/>
+              </a:defRPr>
+            </a:lvl2pPr>
+            <a:lvl3pPr marL="1143000" indent="-228600">
+              <a:spcBef>
+                <a:spcPct val="20000"/>
+              </a:spcBef>
+              <a:buClr>
+                <a:schemeClr val="folHlink"/>
+              </a:buClr>
+              <a:buSzPct val="50000"/>
+              <a:buFont typeface="Wingdings" panose="05000000000000000000" pitchFamily="2" charset="2"/>
+              <a:buChar char="n"/>
+              <a:defRPr sz="2400">
+                <a:solidFill>
+                  <a:schemeClr val="tx1"/>
+                </a:solidFill>
+                <a:latin typeface="Arial" panose="020B0604020202020204" pitchFamily="34" charset="0"/>
+              </a:defRPr>
+            </a:lvl3pPr>
+            <a:lvl4pPr marL="1600200" indent="-228600">
+              <a:spcBef>
+                <a:spcPct val="20000"/>
+              </a:spcBef>
+              <a:buClr>
+                <a:schemeClr val="accent2"/>
+              </a:buClr>
+              <a:buSzPct val="55000"/>
+              <a:buFont typeface="Wingdings" panose="05000000000000000000" pitchFamily="2" charset="2"/>
+              <a:buChar char="n"/>
+              <a:defRPr sz="2000">
+                <a:solidFill>
+                  <a:schemeClr val="tx1"/>
+                </a:solidFill>
+                <a:latin typeface="Arial" panose="020B0604020202020204" pitchFamily="34" charset="0"/>
+              </a:defRPr>
+            </a:lvl4pPr>
+            <a:lvl5pPr marL="2057400" indent="-228600">
+              <a:spcBef>
+                <a:spcPct val="20000"/>
+              </a:spcBef>
+              <a:buClr>
+                <a:schemeClr val="accent1"/>
+              </a:buClr>
+              <a:buSzPct val="50000"/>
+              <a:buFont typeface="Wingdings" panose="05000000000000000000" pitchFamily="2" charset="2"/>
+              <a:buChar char="n"/>
+              <a:defRPr sz="2000">
+                <a:solidFill>
+                  <a:schemeClr val="tx1"/>
+                </a:solidFill>
+                <a:latin typeface="Arial" panose="020B0604020202020204" pitchFamily="34" charset="0"/>
+              </a:defRPr>
+            </a:lvl5pPr>
+            <a:lvl6pPr marL="2514600" indent="-228600" eaLnBrk="0" fontAlgn="base" hangingPunct="0">
+              <a:spcBef>
+                <a:spcPct val="20000"/>
+              </a:spcBef>
+              <a:spcAft>
+                <a:spcPct val="0"/>
+              </a:spcAft>
+              <a:buClr>
+                <a:schemeClr val="accent1"/>
+              </a:buClr>
+              <a:buSzPct val="50000"/>
+              <a:buFont typeface="Wingdings" panose="05000000000000000000" pitchFamily="2" charset="2"/>
+              <a:buChar char="n"/>
+              <a:defRPr sz="2000">
+                <a:solidFill>
+                  <a:schemeClr val="tx1"/>
+                </a:solidFill>
+                <a:latin typeface="Arial" panose="020B0604020202020204" pitchFamily="34" charset="0"/>
+              </a:defRPr>
+            </a:lvl6pPr>
+            <a:lvl7pPr marL="2971800" indent="-228600" eaLnBrk="0" fontAlgn="base" hangingPunct="0">
+              <a:spcBef>
+                <a:spcPct val="20000"/>
+              </a:spcBef>
+              <a:spcAft>
+                <a:spcPct val="0"/>
+              </a:spcAft>
+              <a:buClr>
+                <a:schemeClr val="accent1"/>
+              </a:buClr>
+              <a:buSzPct val="50000"/>
+              <a:buFont typeface="Wingdings" panose="05000000000000000000" pitchFamily="2" charset="2"/>
+              <a:buChar char="n"/>
+              <a:defRPr sz="2000">
+                <a:solidFill>
+                  <a:schemeClr val="tx1"/>
+                </a:solidFill>
+                <a:latin typeface="Arial" panose="020B0604020202020204" pitchFamily="34" charset="0"/>
+              </a:defRPr>
+            </a:lvl7pPr>
+            <a:lvl8pPr marL="3429000" indent="-228600" eaLnBrk="0" fontAlgn="base" hangingPunct="0">
+              <a:spcBef>
+                <a:spcPct val="20000"/>
+              </a:spcBef>
+              <a:spcAft>
+                <a:spcPct val="0"/>
+              </a:spcAft>
+              <a:buClr>
+                <a:schemeClr val="accent1"/>
+              </a:buClr>
+              <a:buSzPct val="50000"/>
+              <a:buFont typeface="Wingdings" panose="05000000000000000000" pitchFamily="2" charset="2"/>
+              <a:buChar char="n"/>
+              <a:defRPr sz="2000">
+                <a:solidFill>
+                  <a:schemeClr val="tx1"/>
+                </a:solidFill>
+                <a:latin typeface="Arial" panose="020B0604020202020204" pitchFamily="34" charset="0"/>
+              </a:defRPr>
+            </a:lvl8pPr>
+            <a:lvl9pPr marL="3886200" indent="-228600" eaLnBrk="0" fontAlgn="base" hangingPunct="0">
+              <a:spcBef>
+                <a:spcPct val="20000"/>
+              </a:spcBef>
+              <a:spcAft>
+                <a:spcPct val="0"/>
+              </a:spcAft>
+              <a:buClr>
+                <a:schemeClr val="accent1"/>
+              </a:buClr>
+              <a:buSzPct val="50000"/>
+              <a:buFont typeface="Wingdings" panose="05000000000000000000" pitchFamily="2" charset="2"/>
+              <a:buChar char="n"/>
+              <a:defRPr sz="2000">
+                <a:solidFill>
+                  <a:schemeClr val="tx1"/>
+                </a:solidFill>
+                <a:latin typeface="Arial" panose="020B0604020202020204" pitchFamily="34" charset="0"/>
+              </a:defRPr>
+            </a:lvl9pPr>
+          </a:lstStyle>
+          <a:p>
+            <a:pPr algn="ctr">
+              <a:spcBef>
+                <a:spcPct val="0"/>
+              </a:spcBef>
+              <a:buClrTx/>
+              <a:buSzTx/>
+              <a:buFontTx/>
+              <a:buNone/>
+            </a:pPr>
+            <a:r>
+              <a:rPr lang="en-AU" altLang="en-US" sz="1800" dirty="0"/>
+              <a:t>Results also sent to any waiting reservation stations</a:t>
+            </a:r>
+          </a:p>
+        </p:txBody>
+      </p:sp>
+      <p:sp>
+        <p:nvSpPr>
+          <p:cNvPr id="10" name="AutoShape 12"/>
+          <p:cNvSpPr>
+            <a:spLocks/>
+          </p:cNvSpPr>
+          <p:nvPr/>
+        </p:nvSpPr>
+        <p:spPr bwMode="auto">
+          <a:xfrm>
+            <a:off x="2043320" y="5398190"/>
+            <a:ext cx="1692275" cy="863462"/>
+          </a:xfrm>
+          <a:prstGeom prst="borderCallout1">
+            <a:avLst>
+              <a:gd name="adj1" fmla="val 17602"/>
+              <a:gd name="adj2" fmla="val 104505"/>
+              <a:gd name="adj3" fmla="val 12958"/>
+              <a:gd name="adj4" fmla="val 131894"/>
+            </a:avLst>
+          </a:prstGeom>
+          <a:solidFill>
+            <a:schemeClr val="accent1"/>
+          </a:solidFill>
+          <a:ln w="9525" algn="ctr">
+            <a:solidFill>
+              <a:schemeClr val="tx1"/>
+            </a:solidFill>
+            <a:miter lim="800000"/>
+            <a:headEnd/>
+            <a:tailEnd type="triangle" w="med" len="med"/>
+          </a:ln>
+        </p:spPr>
+        <p:txBody>
+          <a:bodyPr anchor="ctr"/>
+          <a:lstStyle>
+            <a:lvl1pPr>
+              <a:spcBef>
+                <a:spcPct val="20000"/>
+              </a:spcBef>
+              <a:buClr>
+                <a:schemeClr val="folHlink"/>
+              </a:buClr>
+              <a:buSzPct val="60000"/>
+              <a:buFont typeface="Wingdings" panose="05000000000000000000" pitchFamily="2" charset="2"/>
+              <a:buChar char="n"/>
+              <a:defRPr sz="3200">
+                <a:solidFill>
+                  <a:schemeClr val="tx1"/>
+                </a:solidFill>
+                <a:latin typeface="Arial" panose="020B0604020202020204" pitchFamily="34" charset="0"/>
+              </a:defRPr>
+            </a:lvl1pPr>
+            <a:lvl2pPr marL="742950" indent="-285750">
+              <a:spcBef>
+                <a:spcPct val="20000"/>
+              </a:spcBef>
+              <a:buClr>
+                <a:schemeClr val="hlink"/>
+              </a:buClr>
+              <a:buSzPct val="55000"/>
+              <a:buFont typeface="Wingdings" panose="05000000000000000000" pitchFamily="2" charset="2"/>
+              <a:buChar char="n"/>
+              <a:defRPr sz="2800">
+                <a:solidFill>
+                  <a:schemeClr val="tx1"/>
+                </a:solidFill>
+                <a:latin typeface="Arial" panose="020B0604020202020204" pitchFamily="34" charset="0"/>
+              </a:defRPr>
+            </a:lvl2pPr>
+            <a:lvl3pPr marL="1143000" indent="-228600">
+              <a:spcBef>
+                <a:spcPct val="20000"/>
+              </a:spcBef>
+              <a:buClr>
+                <a:schemeClr val="folHlink"/>
+              </a:buClr>
+              <a:buSzPct val="50000"/>
+              <a:buFont typeface="Wingdings" panose="05000000000000000000" pitchFamily="2" charset="2"/>
+              <a:buChar char="n"/>
+              <a:defRPr sz="2400">
+                <a:solidFill>
+                  <a:schemeClr val="tx1"/>
+                </a:solidFill>
+                <a:latin typeface="Arial" panose="020B0604020202020204" pitchFamily="34" charset="0"/>
+              </a:defRPr>
+            </a:lvl3pPr>
+            <a:lvl4pPr marL="1600200" indent="-228600">
+              <a:spcBef>
+                <a:spcPct val="20000"/>
+              </a:spcBef>
+              <a:buClr>
+                <a:schemeClr val="accent2"/>
+              </a:buClr>
+              <a:buSzPct val="55000"/>
+              <a:buFont typeface="Wingdings" panose="05000000000000000000" pitchFamily="2" charset="2"/>
+              <a:buChar char="n"/>
+              <a:defRPr sz="2000">
+                <a:solidFill>
+                  <a:schemeClr val="tx1"/>
+                </a:solidFill>
+                <a:latin typeface="Arial" panose="020B0604020202020204" pitchFamily="34" charset="0"/>
+              </a:defRPr>
+            </a:lvl4pPr>
+            <a:lvl5pPr marL="2057400" indent="-228600">
+              <a:spcBef>
+                <a:spcPct val="20000"/>
+              </a:spcBef>
+              <a:buClr>
+                <a:schemeClr val="accent1"/>
+              </a:buClr>
+              <a:buSzPct val="50000"/>
+              <a:buFont typeface="Wingdings" panose="05000000000000000000" pitchFamily="2" charset="2"/>
+              <a:buChar char="n"/>
+              <a:defRPr sz="2000">
+                <a:solidFill>
+                  <a:schemeClr val="tx1"/>
+                </a:solidFill>
+                <a:latin typeface="Arial" panose="020B0604020202020204" pitchFamily="34" charset="0"/>
+              </a:defRPr>
+            </a:lvl5pPr>
+            <a:lvl6pPr marL="2514600" indent="-228600" eaLnBrk="0" fontAlgn="base" hangingPunct="0">
+              <a:spcBef>
+                <a:spcPct val="20000"/>
+              </a:spcBef>
+              <a:spcAft>
+                <a:spcPct val="0"/>
+              </a:spcAft>
+              <a:buClr>
+                <a:schemeClr val="accent1"/>
+              </a:buClr>
+              <a:buSzPct val="50000"/>
+              <a:buFont typeface="Wingdings" panose="05000000000000000000" pitchFamily="2" charset="2"/>
+              <a:buChar char="n"/>
+              <a:defRPr sz="2000">
+                <a:solidFill>
+                  <a:schemeClr val="tx1"/>
+                </a:solidFill>
+                <a:latin typeface="Arial" panose="020B0604020202020204" pitchFamily="34" charset="0"/>
+              </a:defRPr>
+            </a:lvl6pPr>
+            <a:lvl7pPr marL="2971800" indent="-228600" eaLnBrk="0" fontAlgn="base" hangingPunct="0">
+              <a:spcBef>
+                <a:spcPct val="20000"/>
+              </a:spcBef>
+              <a:spcAft>
+                <a:spcPct val="0"/>
+              </a:spcAft>
+              <a:buClr>
+                <a:schemeClr val="accent1"/>
+              </a:buClr>
+              <a:buSzPct val="50000"/>
+              <a:buFont typeface="Wingdings" panose="05000000000000000000" pitchFamily="2" charset="2"/>
+              <a:buChar char="n"/>
+              <a:defRPr sz="2000">
+                <a:solidFill>
+                  <a:schemeClr val="tx1"/>
+                </a:solidFill>
+                <a:latin typeface="Arial" panose="020B0604020202020204" pitchFamily="34" charset="0"/>
+              </a:defRPr>
+            </a:lvl7pPr>
+            <a:lvl8pPr marL="3429000" indent="-228600" eaLnBrk="0" fontAlgn="base" hangingPunct="0">
+              <a:spcBef>
+                <a:spcPct val="20000"/>
+              </a:spcBef>
+              <a:spcAft>
+                <a:spcPct val="0"/>
+              </a:spcAft>
+              <a:buClr>
+                <a:schemeClr val="accent1"/>
+              </a:buClr>
+              <a:buSzPct val="50000"/>
+              <a:buFont typeface="Wingdings" panose="05000000000000000000" pitchFamily="2" charset="2"/>
+              <a:buChar char="n"/>
+              <a:defRPr sz="2000">
+                <a:solidFill>
+                  <a:schemeClr val="tx1"/>
+                </a:solidFill>
+                <a:latin typeface="Arial" panose="020B0604020202020204" pitchFamily="34" charset="0"/>
+              </a:defRPr>
+            </a:lvl8pPr>
+            <a:lvl9pPr marL="3886200" indent="-228600" eaLnBrk="0" fontAlgn="base" hangingPunct="0">
+              <a:spcBef>
+                <a:spcPct val="20000"/>
+              </a:spcBef>
+              <a:spcAft>
+                <a:spcPct val="0"/>
+              </a:spcAft>
+              <a:buClr>
+                <a:schemeClr val="accent1"/>
+              </a:buClr>
+              <a:buSzPct val="50000"/>
+              <a:buFont typeface="Wingdings" panose="05000000000000000000" pitchFamily="2" charset="2"/>
+              <a:buChar char="n"/>
+              <a:defRPr sz="2000">
+                <a:solidFill>
+                  <a:schemeClr val="tx1"/>
+                </a:solidFill>
+                <a:latin typeface="Arial" panose="020B0604020202020204" pitchFamily="34" charset="0"/>
+              </a:defRPr>
+            </a:lvl9pPr>
+          </a:lstStyle>
+          <a:p>
+            <a:pPr algn="ctr">
+              <a:spcBef>
+                <a:spcPct val="0"/>
+              </a:spcBef>
+              <a:buClrTx/>
+              <a:buSzTx/>
+              <a:buFontTx/>
+              <a:buNone/>
+            </a:pPr>
+            <a:r>
+              <a:rPr lang="en-AU" altLang="en-US" sz="1800" dirty="0"/>
+              <a:t>Reorders buffer for register writes</a:t>
+            </a:r>
+          </a:p>
+        </p:txBody>
+      </p:sp>
+      <p:sp>
+        <p:nvSpPr>
+          <p:cNvPr id="11" name="AutoShape 15"/>
+          <p:cNvSpPr>
+            <a:spLocks/>
+          </p:cNvSpPr>
+          <p:nvPr/>
+        </p:nvSpPr>
+        <p:spPr bwMode="auto">
+          <a:xfrm>
+            <a:off x="6757402" y="5850628"/>
+            <a:ext cx="2089150" cy="885409"/>
+          </a:xfrm>
+          <a:prstGeom prst="borderCallout1">
+            <a:avLst>
+              <a:gd name="adj1" fmla="val 14431"/>
+              <a:gd name="adj2" fmla="val -4505"/>
+              <a:gd name="adj3" fmla="val -45292"/>
+              <a:gd name="adj4" fmla="val -36208"/>
+            </a:avLst>
+          </a:prstGeom>
+          <a:solidFill>
+            <a:schemeClr val="accent1"/>
+          </a:solidFill>
+          <a:ln w="9525" algn="ctr">
+            <a:solidFill>
+              <a:schemeClr val="tx1"/>
+            </a:solidFill>
+            <a:miter lim="800000"/>
+            <a:headEnd/>
+            <a:tailEnd type="triangle" w="med" len="med"/>
+          </a:ln>
+        </p:spPr>
+        <p:txBody>
+          <a:bodyPr anchor="ctr"/>
+          <a:lstStyle>
+            <a:lvl1pPr>
+              <a:spcBef>
+                <a:spcPct val="20000"/>
+              </a:spcBef>
+              <a:buClr>
+                <a:schemeClr val="folHlink"/>
+              </a:buClr>
+              <a:buSzPct val="60000"/>
+              <a:buFont typeface="Wingdings" panose="05000000000000000000" pitchFamily="2" charset="2"/>
+              <a:buChar char="n"/>
+              <a:defRPr sz="3200">
+                <a:solidFill>
+                  <a:schemeClr val="tx1"/>
+                </a:solidFill>
+                <a:latin typeface="Arial" panose="020B0604020202020204" pitchFamily="34" charset="0"/>
+              </a:defRPr>
+            </a:lvl1pPr>
+            <a:lvl2pPr marL="742950" indent="-285750">
+              <a:spcBef>
+                <a:spcPct val="20000"/>
+              </a:spcBef>
+              <a:buClr>
+                <a:schemeClr val="hlink"/>
+              </a:buClr>
+              <a:buSzPct val="55000"/>
+              <a:buFont typeface="Wingdings" panose="05000000000000000000" pitchFamily="2" charset="2"/>
+              <a:buChar char="n"/>
+              <a:defRPr sz="2800">
+                <a:solidFill>
+                  <a:schemeClr val="tx1"/>
+                </a:solidFill>
+                <a:latin typeface="Arial" panose="020B0604020202020204" pitchFamily="34" charset="0"/>
+              </a:defRPr>
+            </a:lvl2pPr>
+            <a:lvl3pPr marL="1143000" indent="-228600">
+              <a:spcBef>
+                <a:spcPct val="20000"/>
+              </a:spcBef>
+              <a:buClr>
+                <a:schemeClr val="folHlink"/>
+              </a:buClr>
+              <a:buSzPct val="50000"/>
+              <a:buFont typeface="Wingdings" panose="05000000000000000000" pitchFamily="2" charset="2"/>
+              <a:buChar char="n"/>
+              <a:defRPr sz="2400">
+                <a:solidFill>
+                  <a:schemeClr val="tx1"/>
+                </a:solidFill>
+                <a:latin typeface="Arial" panose="020B0604020202020204" pitchFamily="34" charset="0"/>
+              </a:defRPr>
+            </a:lvl3pPr>
+            <a:lvl4pPr marL="1600200" indent="-228600">
+              <a:spcBef>
+                <a:spcPct val="20000"/>
+              </a:spcBef>
+              <a:buClr>
+                <a:schemeClr val="accent2"/>
+              </a:buClr>
+              <a:buSzPct val="55000"/>
+              <a:buFont typeface="Wingdings" panose="05000000000000000000" pitchFamily="2" charset="2"/>
+              <a:buChar char="n"/>
+              <a:defRPr sz="2000">
+                <a:solidFill>
+                  <a:schemeClr val="tx1"/>
+                </a:solidFill>
+                <a:latin typeface="Arial" panose="020B0604020202020204" pitchFamily="34" charset="0"/>
+              </a:defRPr>
+            </a:lvl4pPr>
+            <a:lvl5pPr marL="2057400" indent="-228600">
+              <a:spcBef>
+                <a:spcPct val="20000"/>
+              </a:spcBef>
+              <a:buClr>
+                <a:schemeClr val="accent1"/>
+              </a:buClr>
+              <a:buSzPct val="50000"/>
+              <a:buFont typeface="Wingdings" panose="05000000000000000000" pitchFamily="2" charset="2"/>
+              <a:buChar char="n"/>
+              <a:defRPr sz="2000">
+                <a:solidFill>
+                  <a:schemeClr val="tx1"/>
+                </a:solidFill>
+                <a:latin typeface="Arial" panose="020B0604020202020204" pitchFamily="34" charset="0"/>
+              </a:defRPr>
+            </a:lvl5pPr>
+            <a:lvl6pPr marL="2514600" indent="-228600" eaLnBrk="0" fontAlgn="base" hangingPunct="0">
+              <a:spcBef>
+                <a:spcPct val="20000"/>
+              </a:spcBef>
+              <a:spcAft>
+                <a:spcPct val="0"/>
+              </a:spcAft>
+              <a:buClr>
+                <a:schemeClr val="accent1"/>
+              </a:buClr>
+              <a:buSzPct val="50000"/>
+              <a:buFont typeface="Wingdings" panose="05000000000000000000" pitchFamily="2" charset="2"/>
+              <a:buChar char="n"/>
+              <a:defRPr sz="2000">
+                <a:solidFill>
+                  <a:schemeClr val="tx1"/>
+                </a:solidFill>
+                <a:latin typeface="Arial" panose="020B0604020202020204" pitchFamily="34" charset="0"/>
+              </a:defRPr>
+            </a:lvl6pPr>
+            <a:lvl7pPr marL="2971800" indent="-228600" eaLnBrk="0" fontAlgn="base" hangingPunct="0">
+              <a:spcBef>
+                <a:spcPct val="20000"/>
+              </a:spcBef>
+              <a:spcAft>
+                <a:spcPct val="0"/>
+              </a:spcAft>
+              <a:buClr>
+                <a:schemeClr val="accent1"/>
+              </a:buClr>
+              <a:buSzPct val="50000"/>
+              <a:buFont typeface="Wingdings" panose="05000000000000000000" pitchFamily="2" charset="2"/>
+              <a:buChar char="n"/>
+              <a:defRPr sz="2000">
+                <a:solidFill>
+                  <a:schemeClr val="tx1"/>
+                </a:solidFill>
+                <a:latin typeface="Arial" panose="020B0604020202020204" pitchFamily="34" charset="0"/>
+              </a:defRPr>
+            </a:lvl7pPr>
+            <a:lvl8pPr marL="3429000" indent="-228600" eaLnBrk="0" fontAlgn="base" hangingPunct="0">
+              <a:spcBef>
+                <a:spcPct val="20000"/>
+              </a:spcBef>
+              <a:spcAft>
+                <a:spcPct val="0"/>
+              </a:spcAft>
+              <a:buClr>
+                <a:schemeClr val="accent1"/>
+              </a:buClr>
+              <a:buSzPct val="50000"/>
+              <a:buFont typeface="Wingdings" panose="05000000000000000000" pitchFamily="2" charset="2"/>
+              <a:buChar char="n"/>
+              <a:defRPr sz="2000">
+                <a:solidFill>
+                  <a:schemeClr val="tx1"/>
+                </a:solidFill>
+                <a:latin typeface="Arial" panose="020B0604020202020204" pitchFamily="34" charset="0"/>
+              </a:defRPr>
+            </a:lvl8pPr>
+            <a:lvl9pPr marL="3886200" indent="-228600" eaLnBrk="0" fontAlgn="base" hangingPunct="0">
+              <a:spcBef>
+                <a:spcPct val="20000"/>
+              </a:spcBef>
+              <a:spcAft>
+                <a:spcPct val="0"/>
+              </a:spcAft>
+              <a:buClr>
+                <a:schemeClr val="accent1"/>
+              </a:buClr>
+              <a:buSzPct val="50000"/>
+              <a:buFont typeface="Wingdings" panose="05000000000000000000" pitchFamily="2" charset="2"/>
+              <a:buChar char="n"/>
+              <a:defRPr sz="2000">
+                <a:solidFill>
+                  <a:schemeClr val="tx1"/>
+                </a:solidFill>
+                <a:latin typeface="Arial" panose="020B0604020202020204" pitchFamily="34" charset="0"/>
+              </a:defRPr>
+            </a:lvl9pPr>
+          </a:lstStyle>
+          <a:p>
+            <a:pPr algn="ctr">
+              <a:spcBef>
+                <a:spcPct val="0"/>
+              </a:spcBef>
+              <a:buClrTx/>
+              <a:buSzTx/>
+              <a:buFontTx/>
+              <a:buNone/>
+            </a:pPr>
+            <a:r>
+              <a:rPr lang="en-AU" altLang="en-US" sz="1800" dirty="0"/>
+              <a:t>Can supply operands for issued instructions</a:t>
+            </a:r>
+          </a:p>
+        </p:txBody>
+      </p:sp>
+      <p:sp>
+        <p:nvSpPr>
+          <p:cNvPr id="12" name="AutoShape 16"/>
+          <p:cNvSpPr>
+            <a:spLocks/>
+          </p:cNvSpPr>
+          <p:nvPr/>
+        </p:nvSpPr>
+        <p:spPr bwMode="auto">
+          <a:xfrm>
+            <a:off x="9154077" y="1437378"/>
+            <a:ext cx="1717261" cy="739292"/>
+          </a:xfrm>
+          <a:prstGeom prst="borderCallout1">
+            <a:avLst>
+              <a:gd name="adj1" fmla="val 17602"/>
+              <a:gd name="adj2" fmla="val -5426"/>
+              <a:gd name="adj3" fmla="val 65769"/>
+              <a:gd name="adj4" fmla="val -45875"/>
+            </a:avLst>
+          </a:prstGeom>
+          <a:solidFill>
+            <a:schemeClr val="accent1"/>
+          </a:solidFill>
+          <a:ln w="9525" algn="ctr">
+            <a:solidFill>
+              <a:schemeClr val="tx1"/>
+            </a:solidFill>
+            <a:miter lim="800000"/>
+            <a:headEnd/>
+            <a:tailEnd type="triangle" w="med" len="med"/>
+          </a:ln>
+        </p:spPr>
+        <p:txBody>
+          <a:bodyPr anchor="ctr"/>
+          <a:lstStyle>
+            <a:lvl1pPr>
+              <a:spcBef>
+                <a:spcPct val="20000"/>
+              </a:spcBef>
+              <a:buClr>
+                <a:schemeClr val="folHlink"/>
+              </a:buClr>
+              <a:buSzPct val="60000"/>
+              <a:buFont typeface="Wingdings" panose="05000000000000000000" pitchFamily="2" charset="2"/>
+              <a:buChar char="n"/>
+              <a:defRPr sz="3200">
+                <a:solidFill>
+                  <a:schemeClr val="tx1"/>
+                </a:solidFill>
+                <a:latin typeface="Arial" panose="020B0604020202020204" pitchFamily="34" charset="0"/>
+              </a:defRPr>
+            </a:lvl1pPr>
+            <a:lvl2pPr marL="742950" indent="-285750">
+              <a:spcBef>
+                <a:spcPct val="20000"/>
+              </a:spcBef>
+              <a:buClr>
+                <a:schemeClr val="hlink"/>
+              </a:buClr>
+              <a:buSzPct val="55000"/>
+              <a:buFont typeface="Wingdings" panose="05000000000000000000" pitchFamily="2" charset="2"/>
+              <a:buChar char="n"/>
+              <a:defRPr sz="2800">
+                <a:solidFill>
+                  <a:schemeClr val="tx1"/>
+                </a:solidFill>
+                <a:latin typeface="Arial" panose="020B0604020202020204" pitchFamily="34" charset="0"/>
+              </a:defRPr>
+            </a:lvl2pPr>
+            <a:lvl3pPr marL="1143000" indent="-228600">
+              <a:spcBef>
+                <a:spcPct val="20000"/>
+              </a:spcBef>
+              <a:buClr>
+                <a:schemeClr val="folHlink"/>
+              </a:buClr>
+              <a:buSzPct val="50000"/>
+              <a:buFont typeface="Wingdings" panose="05000000000000000000" pitchFamily="2" charset="2"/>
+              <a:buChar char="n"/>
+              <a:defRPr sz="2400">
+                <a:solidFill>
+                  <a:schemeClr val="tx1"/>
+                </a:solidFill>
+                <a:latin typeface="Arial" panose="020B0604020202020204" pitchFamily="34" charset="0"/>
+              </a:defRPr>
+            </a:lvl3pPr>
+            <a:lvl4pPr marL="1600200" indent="-228600">
+              <a:spcBef>
+                <a:spcPct val="20000"/>
+              </a:spcBef>
+              <a:buClr>
+                <a:schemeClr val="accent2"/>
+              </a:buClr>
+              <a:buSzPct val="55000"/>
+              <a:buFont typeface="Wingdings" panose="05000000000000000000" pitchFamily="2" charset="2"/>
+              <a:buChar char="n"/>
+              <a:defRPr sz="2000">
+                <a:solidFill>
+                  <a:schemeClr val="tx1"/>
+                </a:solidFill>
+                <a:latin typeface="Arial" panose="020B0604020202020204" pitchFamily="34" charset="0"/>
+              </a:defRPr>
+            </a:lvl4pPr>
+            <a:lvl5pPr marL="2057400" indent="-228600">
+              <a:spcBef>
+                <a:spcPct val="20000"/>
+              </a:spcBef>
+              <a:buClr>
+                <a:schemeClr val="accent1"/>
+              </a:buClr>
+              <a:buSzPct val="50000"/>
+              <a:buFont typeface="Wingdings" panose="05000000000000000000" pitchFamily="2" charset="2"/>
+              <a:buChar char="n"/>
+              <a:defRPr sz="2000">
+                <a:solidFill>
+                  <a:schemeClr val="tx1"/>
+                </a:solidFill>
+                <a:latin typeface="Arial" panose="020B0604020202020204" pitchFamily="34" charset="0"/>
+              </a:defRPr>
+            </a:lvl5pPr>
+            <a:lvl6pPr marL="2514600" indent="-228600" eaLnBrk="0" fontAlgn="base" hangingPunct="0">
+              <a:spcBef>
+                <a:spcPct val="20000"/>
+              </a:spcBef>
+              <a:spcAft>
+                <a:spcPct val="0"/>
+              </a:spcAft>
+              <a:buClr>
+                <a:schemeClr val="accent1"/>
+              </a:buClr>
+              <a:buSzPct val="50000"/>
+              <a:buFont typeface="Wingdings" panose="05000000000000000000" pitchFamily="2" charset="2"/>
+              <a:buChar char="n"/>
+              <a:defRPr sz="2000">
+                <a:solidFill>
+                  <a:schemeClr val="tx1"/>
+                </a:solidFill>
+                <a:latin typeface="Arial" panose="020B0604020202020204" pitchFamily="34" charset="0"/>
+              </a:defRPr>
+            </a:lvl6pPr>
+            <a:lvl7pPr marL="2971800" indent="-228600" eaLnBrk="0" fontAlgn="base" hangingPunct="0">
+              <a:spcBef>
+                <a:spcPct val="20000"/>
+              </a:spcBef>
+              <a:spcAft>
+                <a:spcPct val="0"/>
+              </a:spcAft>
+              <a:buClr>
+                <a:schemeClr val="accent1"/>
+              </a:buClr>
+              <a:buSzPct val="50000"/>
+              <a:buFont typeface="Wingdings" panose="05000000000000000000" pitchFamily="2" charset="2"/>
+              <a:buChar char="n"/>
+              <a:defRPr sz="2000">
+                <a:solidFill>
+                  <a:schemeClr val="tx1"/>
+                </a:solidFill>
+                <a:latin typeface="Arial" panose="020B0604020202020204" pitchFamily="34" charset="0"/>
+              </a:defRPr>
+            </a:lvl7pPr>
+            <a:lvl8pPr marL="3429000" indent="-228600" eaLnBrk="0" fontAlgn="base" hangingPunct="0">
+              <a:spcBef>
+                <a:spcPct val="20000"/>
+              </a:spcBef>
+              <a:spcAft>
+                <a:spcPct val="0"/>
+              </a:spcAft>
+              <a:buClr>
+                <a:schemeClr val="accent1"/>
+              </a:buClr>
+              <a:buSzPct val="50000"/>
+              <a:buFont typeface="Wingdings" panose="05000000000000000000" pitchFamily="2" charset="2"/>
+              <a:buChar char="n"/>
+              <a:defRPr sz="2000">
+                <a:solidFill>
+                  <a:schemeClr val="tx1"/>
+                </a:solidFill>
+                <a:latin typeface="Arial" panose="020B0604020202020204" pitchFamily="34" charset="0"/>
+              </a:defRPr>
+            </a:lvl8pPr>
+            <a:lvl9pPr marL="3886200" indent="-228600" eaLnBrk="0" fontAlgn="base" hangingPunct="0">
+              <a:spcBef>
+                <a:spcPct val="20000"/>
+              </a:spcBef>
+              <a:spcAft>
+                <a:spcPct val="0"/>
+              </a:spcAft>
+              <a:buClr>
+                <a:schemeClr val="accent1"/>
+              </a:buClr>
+              <a:buSzPct val="50000"/>
+              <a:buFont typeface="Wingdings" panose="05000000000000000000" pitchFamily="2" charset="2"/>
+              <a:buChar char="n"/>
+              <a:defRPr sz="2000">
+                <a:solidFill>
+                  <a:schemeClr val="tx1"/>
+                </a:solidFill>
+                <a:latin typeface="Arial" panose="020B0604020202020204" pitchFamily="34" charset="0"/>
+              </a:defRPr>
+            </a:lvl9pPr>
+          </a:lstStyle>
+          <a:p>
+            <a:pPr algn="ctr">
+              <a:spcBef>
+                <a:spcPct val="0"/>
+              </a:spcBef>
+              <a:buClrTx/>
+              <a:buSzTx/>
+              <a:buFontTx/>
+              <a:buNone/>
+            </a:pPr>
+            <a:r>
+              <a:rPr lang="en-AU" altLang="en-US" sz="1800" dirty="0"/>
+              <a:t>Preserves dependencies</a:t>
+            </a:r>
+          </a:p>
+        </p:txBody>
+      </p:sp>
+      <p:sp>
+        <p:nvSpPr>
+          <p:cNvPr id="13" name="AutoShape 17"/>
+          <p:cNvSpPr>
+            <a:spLocks/>
+          </p:cNvSpPr>
+          <p:nvPr/>
+        </p:nvSpPr>
+        <p:spPr bwMode="auto">
+          <a:xfrm>
+            <a:off x="9154075" y="2734365"/>
+            <a:ext cx="1610001" cy="649288"/>
+          </a:xfrm>
+          <a:prstGeom prst="borderCallout1">
+            <a:avLst>
+              <a:gd name="adj1" fmla="val 17602"/>
+              <a:gd name="adj2" fmla="val -5426"/>
+              <a:gd name="adj3" fmla="val 22736"/>
+              <a:gd name="adj4" fmla="val -100676"/>
+            </a:avLst>
+          </a:prstGeom>
+          <a:solidFill>
+            <a:schemeClr val="accent1"/>
+          </a:solidFill>
+          <a:ln w="9525" algn="ctr">
+            <a:solidFill>
+              <a:schemeClr val="tx1"/>
+            </a:solidFill>
+            <a:miter lim="800000"/>
+            <a:headEnd/>
+            <a:tailEnd type="triangle" w="med" len="med"/>
+          </a:ln>
+        </p:spPr>
+        <p:txBody>
+          <a:bodyPr anchor="ctr"/>
+          <a:lstStyle>
+            <a:lvl1pPr>
+              <a:spcBef>
+                <a:spcPct val="20000"/>
+              </a:spcBef>
+              <a:buClr>
+                <a:schemeClr val="folHlink"/>
+              </a:buClr>
+              <a:buSzPct val="60000"/>
+              <a:buFont typeface="Wingdings" panose="05000000000000000000" pitchFamily="2" charset="2"/>
+              <a:buChar char="n"/>
+              <a:defRPr sz="3200">
+                <a:solidFill>
+                  <a:schemeClr val="tx1"/>
+                </a:solidFill>
+                <a:latin typeface="Arial" panose="020B0604020202020204" pitchFamily="34" charset="0"/>
+              </a:defRPr>
+            </a:lvl1pPr>
+            <a:lvl2pPr marL="742950" indent="-285750">
+              <a:spcBef>
+                <a:spcPct val="20000"/>
+              </a:spcBef>
+              <a:buClr>
+                <a:schemeClr val="hlink"/>
+              </a:buClr>
+              <a:buSzPct val="55000"/>
+              <a:buFont typeface="Wingdings" panose="05000000000000000000" pitchFamily="2" charset="2"/>
+              <a:buChar char="n"/>
+              <a:defRPr sz="2800">
+                <a:solidFill>
+                  <a:schemeClr val="tx1"/>
+                </a:solidFill>
+                <a:latin typeface="Arial" panose="020B0604020202020204" pitchFamily="34" charset="0"/>
+              </a:defRPr>
+            </a:lvl2pPr>
+            <a:lvl3pPr marL="1143000" indent="-228600">
+              <a:spcBef>
+                <a:spcPct val="20000"/>
+              </a:spcBef>
+              <a:buClr>
+                <a:schemeClr val="folHlink"/>
+              </a:buClr>
+              <a:buSzPct val="50000"/>
+              <a:buFont typeface="Wingdings" panose="05000000000000000000" pitchFamily="2" charset="2"/>
+              <a:buChar char="n"/>
+              <a:defRPr sz="2400">
+                <a:solidFill>
+                  <a:schemeClr val="tx1"/>
+                </a:solidFill>
+                <a:latin typeface="Arial" panose="020B0604020202020204" pitchFamily="34" charset="0"/>
+              </a:defRPr>
+            </a:lvl3pPr>
+            <a:lvl4pPr marL="1600200" indent="-228600">
+              <a:spcBef>
+                <a:spcPct val="20000"/>
+              </a:spcBef>
+              <a:buClr>
+                <a:schemeClr val="accent2"/>
+              </a:buClr>
+              <a:buSzPct val="55000"/>
+              <a:buFont typeface="Wingdings" panose="05000000000000000000" pitchFamily="2" charset="2"/>
+              <a:buChar char="n"/>
+              <a:defRPr sz="2000">
+                <a:solidFill>
+                  <a:schemeClr val="tx1"/>
+                </a:solidFill>
+                <a:latin typeface="Arial" panose="020B0604020202020204" pitchFamily="34" charset="0"/>
+              </a:defRPr>
+            </a:lvl4pPr>
+            <a:lvl5pPr marL="2057400" indent="-228600">
+              <a:spcBef>
+                <a:spcPct val="20000"/>
+              </a:spcBef>
+              <a:buClr>
+                <a:schemeClr val="accent1"/>
+              </a:buClr>
+              <a:buSzPct val="50000"/>
+              <a:buFont typeface="Wingdings" panose="05000000000000000000" pitchFamily="2" charset="2"/>
+              <a:buChar char="n"/>
+              <a:defRPr sz="2000">
+                <a:solidFill>
+                  <a:schemeClr val="tx1"/>
+                </a:solidFill>
+                <a:latin typeface="Arial" panose="020B0604020202020204" pitchFamily="34" charset="0"/>
+              </a:defRPr>
+            </a:lvl5pPr>
+            <a:lvl6pPr marL="2514600" indent="-228600" eaLnBrk="0" fontAlgn="base" hangingPunct="0">
+              <a:spcBef>
+                <a:spcPct val="20000"/>
+              </a:spcBef>
+              <a:spcAft>
+                <a:spcPct val="0"/>
+              </a:spcAft>
+              <a:buClr>
+                <a:schemeClr val="accent1"/>
+              </a:buClr>
+              <a:buSzPct val="50000"/>
+              <a:buFont typeface="Wingdings" panose="05000000000000000000" pitchFamily="2" charset="2"/>
+              <a:buChar char="n"/>
+              <a:defRPr sz="2000">
+                <a:solidFill>
+                  <a:schemeClr val="tx1"/>
+                </a:solidFill>
+                <a:latin typeface="Arial" panose="020B0604020202020204" pitchFamily="34" charset="0"/>
+              </a:defRPr>
+            </a:lvl6pPr>
+            <a:lvl7pPr marL="2971800" indent="-228600" eaLnBrk="0" fontAlgn="base" hangingPunct="0">
+              <a:spcBef>
+                <a:spcPct val="20000"/>
+              </a:spcBef>
+              <a:spcAft>
+                <a:spcPct val="0"/>
+              </a:spcAft>
+              <a:buClr>
+                <a:schemeClr val="accent1"/>
+              </a:buClr>
+              <a:buSzPct val="50000"/>
+              <a:buFont typeface="Wingdings" panose="05000000000000000000" pitchFamily="2" charset="2"/>
+              <a:buChar char="n"/>
+              <a:defRPr sz="2000">
+                <a:solidFill>
+                  <a:schemeClr val="tx1"/>
+                </a:solidFill>
+                <a:latin typeface="Arial" panose="020B0604020202020204" pitchFamily="34" charset="0"/>
+              </a:defRPr>
+            </a:lvl7pPr>
+            <a:lvl8pPr marL="3429000" indent="-228600" eaLnBrk="0" fontAlgn="base" hangingPunct="0">
+              <a:spcBef>
+                <a:spcPct val="20000"/>
+              </a:spcBef>
+              <a:spcAft>
+                <a:spcPct val="0"/>
+              </a:spcAft>
+              <a:buClr>
+                <a:schemeClr val="accent1"/>
+              </a:buClr>
+              <a:buSzPct val="50000"/>
+              <a:buFont typeface="Wingdings" panose="05000000000000000000" pitchFamily="2" charset="2"/>
+              <a:buChar char="n"/>
+              <a:defRPr sz="2000">
+                <a:solidFill>
+                  <a:schemeClr val="tx1"/>
+                </a:solidFill>
+                <a:latin typeface="Arial" panose="020B0604020202020204" pitchFamily="34" charset="0"/>
+              </a:defRPr>
+            </a:lvl8pPr>
+            <a:lvl9pPr marL="3886200" indent="-228600" eaLnBrk="0" fontAlgn="base" hangingPunct="0">
+              <a:spcBef>
+                <a:spcPct val="20000"/>
+              </a:spcBef>
+              <a:spcAft>
+                <a:spcPct val="0"/>
+              </a:spcAft>
+              <a:buClr>
+                <a:schemeClr val="accent1"/>
+              </a:buClr>
+              <a:buSzPct val="50000"/>
+              <a:buFont typeface="Wingdings" panose="05000000000000000000" pitchFamily="2" charset="2"/>
+              <a:buChar char="n"/>
+              <a:defRPr sz="2000">
+                <a:solidFill>
+                  <a:schemeClr val="tx1"/>
+                </a:solidFill>
+                <a:latin typeface="Arial" panose="020B0604020202020204" pitchFamily="34" charset="0"/>
+              </a:defRPr>
+            </a:lvl9pPr>
+          </a:lstStyle>
+          <a:p>
+            <a:pPr algn="ctr">
+              <a:spcBef>
+                <a:spcPct val="0"/>
+              </a:spcBef>
+              <a:buClrTx/>
+              <a:buSzTx/>
+              <a:buFontTx/>
+              <a:buNone/>
+            </a:pPr>
+            <a:r>
+              <a:rPr lang="en-AU" altLang="en-US" sz="1800" dirty="0"/>
+              <a:t>Hold pending operands</a:t>
+            </a:r>
+          </a:p>
+        </p:txBody>
+      </p:sp>
+    </p:spTree>
+    <p:extLst>
+      <p:ext uri="{BB962C8B-B14F-4D97-AF65-F5344CB8AC3E}">
+        <p14:creationId xmlns:p14="http://schemas.microsoft.com/office/powerpoint/2010/main" val="3876482859"/>
+      </p:ext>
+    </p:extLst>
+  </p:cSld>
+  <p:clrMapOvr>
+    <a:masterClrMapping/>
+  </p:clrMapOvr>
+</p:sld>
+</file>
+
+<file path=ppt/slides/slide41.xml><?xml version="1.0" encoding="utf-8"?>
+<p:sld xmlns:a="http://schemas.openxmlformats.org/drawingml/2006/main" xmlns:r="http://schemas.openxmlformats.org/officeDocument/2006/relationships" xmlns:p="http://schemas.openxmlformats.org/presentationml/2006/main">
+  <p:cSld>
+    <p:spTree>
+      <p:nvGrpSpPr>
+        <p:cNvPr id="1" name=""/>
+        <p:cNvGrpSpPr/>
+        <p:nvPr/>
+      </p:nvGrpSpPr>
+      <p:grpSpPr>
+        <a:xfrm>
+          <a:off x="0" y="0"/>
+          <a:ext cx="0" cy="0"/>
+          <a:chOff x="0" y="0"/>
+          <a:chExt cx="0" cy="0"/>
+        </a:xfrm>
+      </p:grpSpPr>
+      <p:sp>
+        <p:nvSpPr>
+          <p:cNvPr id="2" name="Content Placeholder 1"/>
+          <p:cNvSpPr>
+            <a:spLocks noGrp="1"/>
+          </p:cNvSpPr>
+          <p:nvPr>
+            <p:ph idx="1"/>
+          </p:nvPr>
+        </p:nvSpPr>
+        <p:spPr>
+          <a:xfrm>
+            <a:off x="838200" y="1178053"/>
+            <a:ext cx="10515600" cy="5492304"/>
+          </a:xfrm>
+        </p:spPr>
+        <p:txBody>
+          <a:bodyPr>
+            <a:noAutofit/>
+          </a:bodyPr>
+          <a:lstStyle/>
+          <a:p>
+            <a:r>
+              <a:rPr lang="en-US" altLang="en-US" dirty="0"/>
+              <a:t>Yes, but not as much as we’d like</a:t>
+            </a:r>
+          </a:p>
+          <a:p>
+            <a:r>
+              <a:rPr lang="en-US" altLang="en-US" dirty="0"/>
+              <a:t>Programs have real dependencies that limit ILP</a:t>
+            </a:r>
+          </a:p>
+          <a:p>
+            <a:r>
+              <a:rPr lang="en-US" altLang="en-US" dirty="0"/>
+              <a:t>Some dependencies are hard to eliminate</a:t>
+            </a:r>
+          </a:p>
+          <a:p>
+            <a:pPr lvl="1"/>
+            <a:r>
+              <a:rPr lang="en-US" altLang="en-US" dirty="0"/>
+              <a:t>e.g., pointer aliasing</a:t>
+            </a:r>
+          </a:p>
+          <a:p>
+            <a:r>
+              <a:rPr lang="en-US" altLang="en-US" dirty="0"/>
+              <a:t>Some parallelism is hard to expose</a:t>
+            </a:r>
+          </a:p>
+          <a:p>
+            <a:pPr lvl="1"/>
+            <a:r>
+              <a:rPr lang="en-US" altLang="en-US" dirty="0"/>
+              <a:t>Limited window size during instruction issue</a:t>
+            </a:r>
+          </a:p>
+          <a:p>
+            <a:r>
+              <a:rPr lang="en-US" altLang="en-US" dirty="0"/>
+              <a:t>Memory delays and limited bandwidth</a:t>
+            </a:r>
+          </a:p>
+          <a:p>
+            <a:pPr lvl="1"/>
+            <a:r>
+              <a:rPr lang="en-US" altLang="en-US" dirty="0"/>
+              <a:t>Hard to keep pipelines full</a:t>
+            </a:r>
+          </a:p>
+          <a:p>
+            <a:r>
+              <a:rPr lang="en-AU" altLang="en-US" dirty="0"/>
+              <a:t>Speculation can help if done </a:t>
+            </a:r>
+            <a:r>
+              <a:rPr lang="en-AU" altLang="en-US" dirty="0" smtClean="0"/>
+              <a:t>well</a:t>
+            </a:r>
+            <a:endParaRPr lang="en-AU" altLang="en-US" dirty="0"/>
+          </a:p>
+        </p:txBody>
+      </p:sp>
+      <p:sp>
+        <p:nvSpPr>
+          <p:cNvPr id="3" name="Slide Number Placeholder 2"/>
+          <p:cNvSpPr>
+            <a:spLocks noGrp="1"/>
+          </p:cNvSpPr>
+          <p:nvPr>
+            <p:ph type="sldNum" sz="quarter" idx="12"/>
+          </p:nvPr>
+        </p:nvSpPr>
+        <p:spPr/>
+        <p:txBody>
+          <a:bodyPr/>
+          <a:lstStyle/>
+          <a:p>
+            <a:pPr algn="ctr"/>
+            <a:fld id="{1397BFD8-F312-4EF2-A268-44FB4BDDBBB0}" type="slidenum">
+              <a:rPr lang="ru-RU" smtClean="0"/>
+              <a:pPr algn="ctr"/>
+              <a:t>41</a:t>
+            </a:fld>
+            <a:endParaRPr lang="ru-RU" dirty="0"/>
+          </a:p>
+        </p:txBody>
+      </p:sp>
+      <p:sp>
+        <p:nvSpPr>
+          <p:cNvPr id="4" name="Title 3"/>
+          <p:cNvSpPr>
+            <a:spLocks noGrp="1"/>
+          </p:cNvSpPr>
+          <p:nvPr>
+            <p:ph type="title"/>
+          </p:nvPr>
+        </p:nvSpPr>
+        <p:spPr/>
+        <p:txBody>
+          <a:bodyPr/>
+          <a:lstStyle/>
+          <a:p>
+            <a:r>
+              <a:rPr lang="en-US" altLang="en-US" dirty="0"/>
+              <a:t>Does Multiple Issue Work?</a:t>
+            </a:r>
+            <a:endParaRPr lang="en-US" dirty="0"/>
+          </a:p>
+        </p:txBody>
+      </p:sp>
+    </p:spTree>
+    <p:extLst>
+      <p:ext uri="{BB962C8B-B14F-4D97-AF65-F5344CB8AC3E}">
+        <p14:creationId xmlns:p14="http://schemas.microsoft.com/office/powerpoint/2010/main" val="1046010497"/>
+      </p:ext>
+    </p:extLst>
+  </p:cSld>
+  <p:clrMapOvr>
+    <a:masterClrMapping/>
+  </p:clrMapOvr>
+</p:sld>
+</file>
+
+<file path=ppt/slides/slide42.xml><?xml version="1.0" encoding="utf-8"?>
+<p:sld xmlns:a="http://schemas.openxmlformats.org/drawingml/2006/main" xmlns:r="http://schemas.openxmlformats.org/officeDocument/2006/relationships" xmlns:p="http://schemas.openxmlformats.org/presentationml/2006/main">
+  <p:cSld>
+    <p:spTree>
+      <p:nvGrpSpPr>
+        <p:cNvPr id="1" name=""/>
+        <p:cNvGrpSpPr/>
+        <p:nvPr/>
+      </p:nvGrpSpPr>
+      <p:grpSpPr>
+        <a:xfrm>
+          <a:off x="0" y="0"/>
+          <a:ext cx="0" cy="0"/>
+          <a:chOff x="0" y="0"/>
+          <a:chExt cx="0" cy="0"/>
+        </a:xfrm>
+      </p:grpSpPr>
+      <p:sp>
+        <p:nvSpPr>
+          <p:cNvPr id="2" name="Content Placeholder 1"/>
+          <p:cNvSpPr>
+            <a:spLocks noGrp="1"/>
+          </p:cNvSpPr>
+          <p:nvPr>
+            <p:ph idx="1"/>
+          </p:nvPr>
+        </p:nvSpPr>
+        <p:spPr>
+          <a:xfrm>
+            <a:off x="838200" y="1004317"/>
+            <a:ext cx="10515600" cy="5666040"/>
+          </a:xfrm>
+        </p:spPr>
+        <p:txBody>
+          <a:bodyPr>
+            <a:normAutofit/>
+          </a:bodyPr>
+          <a:lstStyle/>
+          <a:p>
+            <a:r>
+              <a:rPr lang="en-US" altLang="en-US" dirty="0"/>
+              <a:t>ISA influences design of </a:t>
+            </a:r>
+            <a:r>
+              <a:rPr lang="en-US" altLang="en-US" dirty="0" err="1"/>
+              <a:t>datapath</a:t>
+            </a:r>
+            <a:r>
+              <a:rPr lang="en-US" altLang="en-US" dirty="0"/>
+              <a:t> and control</a:t>
+            </a:r>
+          </a:p>
+          <a:p>
+            <a:r>
+              <a:rPr lang="en-US" altLang="en-US" dirty="0" err="1"/>
+              <a:t>Datapath</a:t>
+            </a:r>
+            <a:r>
+              <a:rPr lang="en-US" altLang="en-US" dirty="0"/>
+              <a:t> and control influence design of ISA</a:t>
+            </a:r>
+          </a:p>
+          <a:p>
+            <a:r>
+              <a:rPr lang="en-US" altLang="en-US" dirty="0"/>
+              <a:t>Pipelining improves instruction throughput</a:t>
+            </a:r>
+            <a:br>
+              <a:rPr lang="en-US" altLang="en-US" dirty="0"/>
+            </a:br>
+            <a:r>
+              <a:rPr lang="en-US" altLang="en-US" dirty="0"/>
+              <a:t>using parallelism</a:t>
+            </a:r>
+          </a:p>
+          <a:p>
+            <a:pPr lvl="1"/>
+            <a:r>
+              <a:rPr lang="en-US" altLang="en-US" dirty="0"/>
+              <a:t>More instructions completed per second</a:t>
+            </a:r>
+          </a:p>
+          <a:p>
+            <a:pPr lvl="1"/>
+            <a:r>
+              <a:rPr lang="en-US" altLang="en-US" dirty="0"/>
+              <a:t>Latency for each instruction not reduced</a:t>
+            </a:r>
+          </a:p>
+          <a:p>
+            <a:r>
+              <a:rPr lang="en-US" altLang="en-US" dirty="0"/>
+              <a:t>Hazards: structural, data, control</a:t>
+            </a:r>
+          </a:p>
+          <a:p>
+            <a:r>
+              <a:rPr lang="en-US" altLang="en-US" dirty="0"/>
+              <a:t>Multiple issue and dynamic scheduling (ILP)</a:t>
+            </a:r>
+          </a:p>
+          <a:p>
+            <a:pPr lvl="1"/>
+            <a:r>
+              <a:rPr lang="en-US" altLang="en-US" dirty="0"/>
+              <a:t>Dependencies limit achievable parallelism</a:t>
+            </a:r>
+          </a:p>
+          <a:p>
+            <a:pPr lvl="1"/>
+            <a:r>
+              <a:rPr lang="en-US" altLang="en-US" dirty="0"/>
+              <a:t>Complexity leads to the power wall</a:t>
+            </a:r>
+          </a:p>
+          <a:p>
+            <a:pPr marL="0" indent="0">
+              <a:buNone/>
+            </a:pPr>
+            <a:endParaRPr lang="en-US" dirty="0"/>
+          </a:p>
+        </p:txBody>
+      </p:sp>
+      <p:sp>
+        <p:nvSpPr>
+          <p:cNvPr id="3" name="Slide Number Placeholder 2"/>
+          <p:cNvSpPr>
+            <a:spLocks noGrp="1"/>
+          </p:cNvSpPr>
+          <p:nvPr>
+            <p:ph type="sldNum" sz="quarter" idx="12"/>
+          </p:nvPr>
+        </p:nvSpPr>
+        <p:spPr/>
+        <p:txBody>
+          <a:bodyPr/>
+          <a:lstStyle/>
+          <a:p>
+            <a:pPr algn="ctr"/>
+            <a:fld id="{1397BFD8-F312-4EF2-A268-44FB4BDDBBB0}" type="slidenum">
+              <a:rPr lang="ru-RU" smtClean="0"/>
+              <a:pPr algn="ctr"/>
+              <a:t>42</a:t>
+            </a:fld>
+            <a:endParaRPr lang="ru-RU" dirty="0"/>
+          </a:p>
+        </p:txBody>
+      </p:sp>
+      <p:sp>
+        <p:nvSpPr>
+          <p:cNvPr id="4" name="Title 3"/>
+          <p:cNvSpPr>
+            <a:spLocks noGrp="1"/>
+          </p:cNvSpPr>
+          <p:nvPr>
+            <p:ph type="title"/>
+          </p:nvPr>
+        </p:nvSpPr>
+        <p:spPr/>
+        <p:txBody>
+          <a:bodyPr/>
+          <a:lstStyle/>
+          <a:p>
+            <a:r>
+              <a:rPr lang="en-US" dirty="0" smtClean="0"/>
+              <a:t>Conclusion</a:t>
+            </a:r>
+            <a:endParaRPr lang="en-US" dirty="0"/>
+          </a:p>
+        </p:txBody>
+      </p:sp>
+    </p:spTree>
+    <p:extLst>
+      <p:ext uri="{BB962C8B-B14F-4D97-AF65-F5344CB8AC3E}">
+        <p14:creationId xmlns:p14="http://schemas.microsoft.com/office/powerpoint/2010/main" val="837550269"/>
+      </p:ext>
+    </p:extLst>
+  </p:cSld>
+  <p:clrMapOvr>
+    <a:masterClrMapping/>
+  </p:clrMapOvr>
+</p:sld>
+</file>
+
+<file path=ppt/slides/slide43.xml><?xml version="1.0" encoding="utf-8"?>
+<p:sld xmlns:a="http://schemas.openxmlformats.org/drawingml/2006/main" xmlns:r="http://schemas.openxmlformats.org/officeDocument/2006/relationships" xmlns:p="http://schemas.openxmlformats.org/presentationml/2006/main">
+  <p:cSld>
+    <p:spTree>
+      <p:nvGrpSpPr>
+        <p:cNvPr id="1" name=""/>
+        <p:cNvGrpSpPr/>
+        <p:nvPr/>
+      </p:nvGrpSpPr>
+      <p:grpSpPr>
+        <a:xfrm>
+          <a:off x="0" y="0"/>
+          <a:ext cx="0" cy="0"/>
+          <a:chOff x="0" y="0"/>
+          <a:chExt cx="0" cy="0"/>
+        </a:xfrm>
+      </p:grpSpPr>
+      <p:sp>
+        <p:nvSpPr>
+          <p:cNvPr id="4" name="Прямоугольник 3"/>
+          <p:cNvSpPr/>
+          <p:nvPr/>
+        </p:nvSpPr>
+        <p:spPr>
+          <a:xfrm>
+            <a:off x="2664999" y="472120"/>
+            <a:ext cx="7524751" cy="5262979"/>
+          </a:xfrm>
+          <a:prstGeom prst="rect">
+            <a:avLst/>
+          </a:prstGeom>
+          <a:noFill/>
+          <a:ln>
+            <a:noFill/>
+          </a:ln>
+          <a:scene3d>
+            <a:camera prst="perspectiveRelaxed"/>
+            <a:lightRig rig="threePt" dir="t"/>
+          </a:scene3d>
+        </p:spPr>
+        <p:txBody>
+          <a:bodyPr wrap="square" lIns="91440" tIns="45720" rIns="91440" bIns="45720">
+            <a:spAutoFit/>
+          </a:bodyPr>
+          <a:lstStyle/>
+          <a:p>
+            <a:r>
+              <a:rPr lang="en-US" sz="2400" dirty="0" smtClean="0">
+                <a:ln w="0"/>
+                <a:solidFill>
+                  <a:srgbClr val="273272"/>
+                </a:solidFill>
+                <a:effectLst>
+                  <a:reflection blurRad="6350" stA="53000" endA="300" endPos="35500" dir="5400000" sy="-90000" algn="bl" rotWithShape="0"/>
+                </a:effectLst>
+                <a:latin typeface="Courier New" pitchFamily="49" charset="0"/>
+                <a:cs typeface="Courier New" pitchFamily="49" charset="0"/>
+              </a:rPr>
+              <a:t>		</a:t>
+            </a:r>
+          </a:p>
+          <a:p>
+            <a:r>
+              <a:rPr lang="en-US" sz="2400" dirty="0" smtClean="0">
+                <a:ln w="0"/>
+                <a:solidFill>
+                  <a:srgbClr val="273272"/>
+                </a:solidFill>
+                <a:effectLst>
+                  <a:reflection blurRad="6350" stA="53000" endA="300" endPos="35500" dir="5400000" sy="-90000" algn="bl" rotWithShape="0"/>
+                </a:effectLst>
+                <a:latin typeface="Courier New" pitchFamily="49" charset="0"/>
+                <a:cs typeface="Courier New" pitchFamily="49" charset="0"/>
+              </a:rPr>
+              <a:t>		.text</a:t>
+            </a:r>
+          </a:p>
+          <a:p>
+            <a:r>
+              <a:rPr lang="en-US" sz="2400" dirty="0" smtClean="0">
+                <a:ln w="0"/>
+                <a:solidFill>
+                  <a:srgbClr val="273272"/>
+                </a:solidFill>
+                <a:effectLst>
+                  <a:reflection blurRad="6350" stA="53000" endA="300" endPos="35500" dir="5400000" sy="-90000" algn="bl" rotWithShape="0"/>
+                </a:effectLst>
+                <a:latin typeface="Courier New" pitchFamily="49" charset="0"/>
+                <a:cs typeface="Courier New" pitchFamily="49" charset="0"/>
+              </a:rPr>
+              <a:t>__start:	addi t1, zero, 0x18</a:t>
+            </a:r>
+          </a:p>
+          <a:p>
+            <a:r>
+              <a:rPr lang="en-US" sz="2400" dirty="0" smtClean="0">
+                <a:ln w="0"/>
+                <a:solidFill>
+                  <a:srgbClr val="273272"/>
+                </a:solidFill>
+                <a:effectLst>
+                  <a:reflection blurRad="6350" stA="53000" endA="300" endPos="35500" dir="5400000" sy="-90000" algn="bl" rotWithShape="0"/>
+                </a:effectLst>
+                <a:latin typeface="Courier New" pitchFamily="49" charset="0"/>
+                <a:cs typeface="Courier New" pitchFamily="49" charset="0"/>
+              </a:rPr>
+              <a:t>		addi t2, zero, 0x21</a:t>
+            </a:r>
+          </a:p>
+          <a:p>
+            <a:r>
+              <a:rPr lang="en-US" sz="2400" dirty="0" smtClean="0">
+                <a:ln w="0"/>
+                <a:solidFill>
+                  <a:srgbClr val="273272"/>
+                </a:solidFill>
+                <a:effectLst>
+                  <a:reflection blurRad="6350" stA="53000" endA="300" endPos="35500" dir="5400000" sy="-90000" algn="bl" rotWithShape="0"/>
+                </a:effectLst>
+                <a:latin typeface="Courier New" pitchFamily="49" charset="0"/>
+                <a:cs typeface="Courier New" pitchFamily="49" charset="0"/>
+              </a:rPr>
+              <a:t>cycle:	</a:t>
+            </a:r>
+            <a:r>
+              <a:rPr lang="en-US" sz="2400" dirty="0" err="1" smtClean="0">
+                <a:ln w="0"/>
+                <a:solidFill>
+                  <a:srgbClr val="273272"/>
+                </a:solidFill>
+                <a:effectLst>
+                  <a:reflection blurRad="6350" stA="53000" endA="300" endPos="35500" dir="5400000" sy="-90000" algn="bl" rotWithShape="0"/>
+                </a:effectLst>
+                <a:latin typeface="Courier New" pitchFamily="49" charset="0"/>
+                <a:cs typeface="Courier New" pitchFamily="49" charset="0"/>
+              </a:rPr>
+              <a:t>beq</a:t>
+            </a:r>
+            <a:r>
+              <a:rPr lang="en-US" sz="2400" dirty="0" smtClean="0">
+                <a:ln w="0"/>
+                <a:solidFill>
+                  <a:srgbClr val="273272"/>
+                </a:solidFill>
+                <a:effectLst>
+                  <a:reflection blurRad="6350" stA="53000" endA="300" endPos="35500" dir="5400000" sy="-90000" algn="bl" rotWithShape="0"/>
+                </a:effectLst>
+                <a:latin typeface="Courier New" pitchFamily="49" charset="0"/>
+                <a:cs typeface="Courier New" pitchFamily="49" charset="0"/>
+              </a:rPr>
+              <a:t> t1, t2, done</a:t>
+            </a:r>
+          </a:p>
+          <a:p>
+            <a:r>
+              <a:rPr lang="en-US" sz="2400" dirty="0" smtClean="0">
+                <a:ln w="0"/>
+                <a:solidFill>
+                  <a:srgbClr val="273272"/>
+                </a:solidFill>
+                <a:effectLst>
+                  <a:reflection blurRad="6350" stA="53000" endA="300" endPos="35500" dir="5400000" sy="-90000" algn="bl" rotWithShape="0"/>
+                </a:effectLst>
+                <a:latin typeface="Courier New" pitchFamily="49" charset="0"/>
+                <a:cs typeface="Courier New" pitchFamily="49" charset="0"/>
+              </a:rPr>
+              <a:t>		</a:t>
+            </a:r>
+            <a:r>
+              <a:rPr lang="en-US" sz="2400" dirty="0" err="1" smtClean="0">
+                <a:ln w="0"/>
+                <a:solidFill>
+                  <a:srgbClr val="273272"/>
+                </a:solidFill>
+                <a:effectLst>
+                  <a:reflection blurRad="6350" stA="53000" endA="300" endPos="35500" dir="5400000" sy="-90000" algn="bl" rotWithShape="0"/>
+                </a:effectLst>
+                <a:latin typeface="Courier New" pitchFamily="49" charset="0"/>
+                <a:cs typeface="Courier New" pitchFamily="49" charset="0"/>
+              </a:rPr>
+              <a:t>slt</a:t>
+            </a:r>
+            <a:r>
+              <a:rPr lang="en-US" sz="2400" dirty="0" smtClean="0">
+                <a:ln w="0"/>
+                <a:solidFill>
+                  <a:srgbClr val="273272"/>
+                </a:solidFill>
+                <a:effectLst>
+                  <a:reflection blurRad="6350" stA="53000" endA="300" endPos="35500" dir="5400000" sy="-90000" algn="bl" rotWithShape="0"/>
+                </a:effectLst>
+                <a:latin typeface="Courier New" pitchFamily="49" charset="0"/>
+                <a:cs typeface="Courier New" pitchFamily="49" charset="0"/>
+              </a:rPr>
+              <a:t> t0, t1, t2</a:t>
+            </a:r>
+          </a:p>
+          <a:p>
+            <a:r>
+              <a:rPr lang="en-US" sz="2400" dirty="0" smtClean="0">
+                <a:ln w="0"/>
+                <a:solidFill>
+                  <a:srgbClr val="273272"/>
+                </a:solidFill>
+                <a:effectLst>
+                  <a:reflection blurRad="6350" stA="53000" endA="300" endPos="35500" dir="5400000" sy="-90000" algn="bl" rotWithShape="0"/>
+                </a:effectLst>
+                <a:latin typeface="Courier New" pitchFamily="49" charset="0"/>
+                <a:cs typeface="Courier New" pitchFamily="49" charset="0"/>
+              </a:rPr>
+              <a:t>		</a:t>
+            </a:r>
+            <a:r>
+              <a:rPr lang="en-US" sz="2400" dirty="0" err="1" smtClean="0">
+                <a:ln w="0"/>
+                <a:solidFill>
+                  <a:srgbClr val="273272"/>
+                </a:solidFill>
+                <a:effectLst>
+                  <a:reflection blurRad="6350" stA="53000" endA="300" endPos="35500" dir="5400000" sy="-90000" algn="bl" rotWithShape="0"/>
+                </a:effectLst>
+                <a:latin typeface="Courier New" pitchFamily="49" charset="0"/>
+                <a:cs typeface="Courier New" pitchFamily="49" charset="0"/>
+              </a:rPr>
+              <a:t>bne</a:t>
+            </a:r>
+            <a:r>
+              <a:rPr lang="en-US" sz="2400" dirty="0" smtClean="0">
+                <a:ln w="0"/>
+                <a:solidFill>
+                  <a:srgbClr val="273272"/>
+                </a:solidFill>
+                <a:effectLst>
+                  <a:reflection blurRad="6350" stA="53000" endA="300" endPos="35500" dir="5400000" sy="-90000" algn="bl" rotWithShape="0"/>
+                </a:effectLst>
+                <a:latin typeface="Courier New" pitchFamily="49" charset="0"/>
+                <a:cs typeface="Courier New" pitchFamily="49" charset="0"/>
+              </a:rPr>
+              <a:t> t0, zero, </a:t>
+            </a:r>
+            <a:r>
+              <a:rPr lang="en-US" sz="2400" dirty="0" err="1" smtClean="0">
+                <a:ln w="0"/>
+                <a:solidFill>
+                  <a:srgbClr val="273272"/>
+                </a:solidFill>
+                <a:effectLst>
+                  <a:reflection blurRad="6350" stA="53000" endA="300" endPos="35500" dir="5400000" sy="-90000" algn="bl" rotWithShape="0"/>
+                </a:effectLst>
+                <a:latin typeface="Courier New" pitchFamily="49" charset="0"/>
+                <a:cs typeface="Courier New" pitchFamily="49" charset="0"/>
+              </a:rPr>
+              <a:t>if_less</a:t>
+            </a:r>
+            <a:endParaRPr lang="en-US" sz="2400" dirty="0" smtClean="0">
+              <a:ln w="0"/>
+              <a:solidFill>
+                <a:srgbClr val="273272"/>
+              </a:solidFill>
+              <a:effectLst>
+                <a:reflection blurRad="6350" stA="53000" endA="300" endPos="35500" dir="5400000" sy="-90000" algn="bl" rotWithShape="0"/>
+              </a:effectLst>
+              <a:latin typeface="Courier New" pitchFamily="49" charset="0"/>
+              <a:cs typeface="Courier New" pitchFamily="49" charset="0"/>
+            </a:endParaRPr>
+          </a:p>
+          <a:p>
+            <a:r>
+              <a:rPr lang="en-US" sz="2400" dirty="0" smtClean="0">
+                <a:ln w="0"/>
+                <a:solidFill>
+                  <a:srgbClr val="273272"/>
+                </a:solidFill>
+                <a:effectLst>
+                  <a:reflection blurRad="6350" stA="53000" endA="300" endPos="35500" dir="5400000" sy="-90000" algn="bl" rotWithShape="0"/>
+                </a:effectLst>
+                <a:latin typeface="Courier New" pitchFamily="49" charset="0"/>
+                <a:cs typeface="Courier New" pitchFamily="49" charset="0"/>
+              </a:rPr>
+              <a:t>		</a:t>
+            </a:r>
+            <a:r>
+              <a:rPr lang="en-US" sz="2400" dirty="0" err="1" smtClean="0">
+                <a:ln w="0"/>
+                <a:solidFill>
+                  <a:srgbClr val="273272"/>
+                </a:solidFill>
+                <a:effectLst>
+                  <a:reflection blurRad="6350" stA="53000" endA="300" endPos="35500" dir="5400000" sy="-90000" algn="bl" rotWithShape="0"/>
+                </a:effectLst>
+                <a:latin typeface="Courier New" pitchFamily="49" charset="0"/>
+                <a:cs typeface="Courier New" pitchFamily="49" charset="0"/>
+              </a:rPr>
+              <a:t>nop</a:t>
+            </a:r>
+            <a:endParaRPr lang="en-US" sz="2400" dirty="0" smtClean="0">
+              <a:ln w="0"/>
+              <a:solidFill>
+                <a:srgbClr val="273272"/>
+              </a:solidFill>
+              <a:effectLst>
+                <a:reflection blurRad="6350" stA="53000" endA="300" endPos="35500" dir="5400000" sy="-90000" algn="bl" rotWithShape="0"/>
+              </a:effectLst>
+              <a:latin typeface="Courier New" pitchFamily="49" charset="0"/>
+              <a:cs typeface="Courier New" pitchFamily="49" charset="0"/>
+            </a:endParaRPr>
+          </a:p>
+          <a:p>
+            <a:r>
+              <a:rPr lang="en-US" sz="2400" dirty="0" smtClean="0">
+                <a:ln w="0"/>
+                <a:solidFill>
+                  <a:srgbClr val="273272"/>
+                </a:solidFill>
+                <a:effectLst>
+                  <a:reflection blurRad="6350" stA="53000" endA="300" endPos="35500" dir="5400000" sy="-90000" algn="bl" rotWithShape="0"/>
+                </a:effectLst>
+                <a:latin typeface="Courier New" pitchFamily="49" charset="0"/>
+                <a:cs typeface="Courier New" pitchFamily="49" charset="0"/>
+              </a:rPr>
+              <a:t>		sub t1, t1, t2</a:t>
+            </a:r>
+          </a:p>
+          <a:p>
+            <a:r>
+              <a:rPr lang="en-US" sz="2400" dirty="0" smtClean="0">
+                <a:ln w="0"/>
+                <a:solidFill>
+                  <a:srgbClr val="273272"/>
+                </a:solidFill>
+                <a:effectLst>
+                  <a:reflection blurRad="6350" stA="53000" endA="300" endPos="35500" dir="5400000" sy="-90000" algn="bl" rotWithShape="0"/>
+                </a:effectLst>
+                <a:latin typeface="Courier New" pitchFamily="49" charset="0"/>
+                <a:cs typeface="Courier New" pitchFamily="49" charset="0"/>
+              </a:rPr>
+              <a:t>		j cycle</a:t>
+            </a:r>
+          </a:p>
+          <a:p>
+            <a:r>
+              <a:rPr lang="en-US" sz="2400" dirty="0" smtClean="0">
+                <a:ln w="0"/>
+                <a:solidFill>
+                  <a:srgbClr val="273272"/>
+                </a:solidFill>
+                <a:effectLst>
+                  <a:reflection blurRad="6350" stA="53000" endA="300" endPos="35500" dir="5400000" sy="-90000" algn="bl" rotWithShape="0"/>
+                </a:effectLst>
+                <a:latin typeface="Courier New" pitchFamily="49" charset="0"/>
+                <a:cs typeface="Courier New" pitchFamily="49" charset="0"/>
+              </a:rPr>
+              <a:t>		</a:t>
+            </a:r>
+            <a:r>
+              <a:rPr lang="en-US" sz="2400" dirty="0" err="1" smtClean="0">
+                <a:ln w="0"/>
+                <a:solidFill>
+                  <a:srgbClr val="273272"/>
+                </a:solidFill>
+                <a:effectLst>
+                  <a:reflection blurRad="6350" stA="53000" endA="300" endPos="35500" dir="5400000" sy="-90000" algn="bl" rotWithShape="0"/>
+                </a:effectLst>
+                <a:latin typeface="Courier New" pitchFamily="49" charset="0"/>
+                <a:cs typeface="Courier New" pitchFamily="49" charset="0"/>
+              </a:rPr>
+              <a:t>nop</a:t>
+            </a:r>
+            <a:endParaRPr lang="en-US" sz="2400" dirty="0" smtClean="0">
+              <a:ln w="0"/>
+              <a:solidFill>
+                <a:srgbClr val="273272"/>
+              </a:solidFill>
+              <a:effectLst>
+                <a:reflection blurRad="6350" stA="53000" endA="300" endPos="35500" dir="5400000" sy="-90000" algn="bl" rotWithShape="0"/>
+              </a:effectLst>
+              <a:latin typeface="Courier New" pitchFamily="49" charset="0"/>
+              <a:cs typeface="Courier New" pitchFamily="49" charset="0"/>
+            </a:endParaRPr>
+          </a:p>
+          <a:p>
+            <a:r>
+              <a:rPr lang="en-US" sz="2400" dirty="0" err="1" smtClean="0">
+                <a:ln w="0"/>
+                <a:solidFill>
+                  <a:srgbClr val="273272"/>
+                </a:solidFill>
+                <a:effectLst>
+                  <a:reflection blurRad="6350" stA="53000" endA="300" endPos="35500" dir="5400000" sy="-90000" algn="bl" rotWithShape="0"/>
+                </a:effectLst>
+                <a:latin typeface="Courier New" pitchFamily="49" charset="0"/>
+                <a:cs typeface="Courier New" pitchFamily="49" charset="0"/>
+              </a:rPr>
+              <a:t>if_less</a:t>
+            </a:r>
+            <a:r>
+              <a:rPr lang="en-US" sz="2400" dirty="0" smtClean="0">
+                <a:ln w="0"/>
+                <a:solidFill>
+                  <a:srgbClr val="273272"/>
+                </a:solidFill>
+                <a:effectLst>
+                  <a:reflection blurRad="6350" stA="53000" endA="300" endPos="35500" dir="5400000" sy="-90000" algn="bl" rotWithShape="0"/>
+                </a:effectLst>
+                <a:latin typeface="Courier New" pitchFamily="49" charset="0"/>
+                <a:cs typeface="Courier New" pitchFamily="49" charset="0"/>
+              </a:rPr>
+              <a:t>:	sub t2, t2, t1</a:t>
+            </a:r>
+          </a:p>
+          <a:p>
+            <a:r>
+              <a:rPr lang="en-US" sz="2400" dirty="0" smtClean="0">
+                <a:ln w="0"/>
+                <a:solidFill>
+                  <a:srgbClr val="273272"/>
+                </a:solidFill>
+                <a:effectLst>
+                  <a:reflection blurRad="6350" stA="53000" endA="300" endPos="35500" dir="5400000" sy="-90000" algn="bl" rotWithShape="0"/>
+                </a:effectLst>
+                <a:latin typeface="Courier New" pitchFamily="49" charset="0"/>
+                <a:cs typeface="Courier New" pitchFamily="49" charset="0"/>
+              </a:rPr>
+              <a:t>		j cycle</a:t>
+            </a:r>
+          </a:p>
+          <a:p>
+            <a:r>
+              <a:rPr lang="en-US" sz="2400" dirty="0" smtClean="0">
+                <a:ln w="0"/>
+                <a:solidFill>
+                  <a:srgbClr val="273272"/>
+                </a:solidFill>
+                <a:effectLst>
+                  <a:reflection blurRad="6350" stA="53000" endA="300" endPos="35500" dir="5400000" sy="-90000" algn="bl" rotWithShape="0"/>
+                </a:effectLst>
+                <a:latin typeface="Courier New" pitchFamily="49" charset="0"/>
+                <a:cs typeface="Courier New" pitchFamily="49" charset="0"/>
+              </a:rPr>
+              <a:t>done:		add t3, t1, zero</a:t>
+            </a:r>
+            <a:endParaRPr lang="ru-RU" sz="2400" b="0" cap="none" spc="0" dirty="0">
+              <a:ln w="0"/>
+              <a:solidFill>
+                <a:srgbClr val="273272"/>
+              </a:solidFill>
+              <a:effectLst>
+                <a:reflection blurRad="6350" stA="53000" endA="300" endPos="35500" dir="5400000" sy="-90000" algn="bl" rotWithShape="0"/>
+              </a:effectLst>
+              <a:latin typeface="Courier New" pitchFamily="49" charset="0"/>
+              <a:cs typeface="Courier New" pitchFamily="49" charset="0"/>
+            </a:endParaRPr>
+          </a:p>
+        </p:txBody>
+      </p:sp>
+      <p:sp>
+        <p:nvSpPr>
+          <p:cNvPr id="2" name="Заголовок 1"/>
+          <p:cNvSpPr>
+            <a:spLocks noGrp="1"/>
+          </p:cNvSpPr>
+          <p:nvPr>
+            <p:ph type="title"/>
+          </p:nvPr>
+        </p:nvSpPr>
+        <p:spPr/>
+        <p:txBody>
+          <a:bodyPr>
+            <a:normAutofit/>
+          </a:bodyPr>
+          <a:lstStyle/>
+          <a:p>
+            <a:r>
+              <a:rPr lang="en-US" dirty="0" smtClean="0"/>
+              <a:t>Any Questions?</a:t>
+            </a:r>
+            <a:endParaRPr lang="ru-RU" sz="4000" dirty="0"/>
+          </a:p>
+        </p:txBody>
+      </p:sp>
+      <p:sp>
+        <p:nvSpPr>
+          <p:cNvPr id="6" name="Номер слайда 5"/>
+          <p:cNvSpPr>
+            <a:spLocks noGrp="1"/>
+          </p:cNvSpPr>
+          <p:nvPr>
+            <p:ph type="sldNum" sz="quarter" idx="12"/>
+          </p:nvPr>
+        </p:nvSpPr>
+        <p:spPr/>
+        <p:txBody>
+          <a:bodyPr/>
+          <a:lstStyle/>
+          <a:p>
+            <a:pPr algn="ctr"/>
+            <a:fld id="{1397BFD8-F312-4EF2-A268-44FB4BDDBBB0}" type="slidenum">
+              <a:rPr lang="ru-RU" smtClean="0"/>
+              <a:pPr algn="ctr"/>
+              <a:t>43</a:t>
+            </a:fld>
+            <a:endParaRPr lang="ru-RU" dirty="0"/>
+          </a:p>
+        </p:txBody>
+      </p:sp>
+    </p:spTree>
+    <p:extLst>
+      <p:ext uri="{BB962C8B-B14F-4D97-AF65-F5344CB8AC3E}">
+        <p14:creationId xmlns:p14="http://schemas.microsoft.com/office/powerpoint/2010/main" val="2830349836"/>
+      </p:ext>
+    </p:extLst>
+  </p:cSld>
+  <p:clrMapOvr>
+    <a:masterClrMapping/>
+  </p:clrMapOvr>
+  <p:timing>
+    <p:tnLst>
+      <p:par>
+        <p:cTn id="1" dur="indefinite" restart="never" nodeType="tmRoot"/>
+      </p:par>
+    </p:tnLst>
+  </p:timing>
 </p:sld>
 </file>
 
@@ -28229,7 +35961,6 @@
               <a:rPr lang="en-US" altLang="en-US" dirty="0"/>
               <a:t>Y = A + B</a:t>
             </a:r>
-            <a:endParaRPr lang="en-US" altLang="en-US" dirty="0"/>
           </a:p>
         </p:txBody>
       </p:sp>
@@ -28433,7 +36164,6 @@
               <a:rPr lang="en-US" altLang="en-US" dirty="0"/>
               <a:t>Y = F(A, B)</a:t>
             </a:r>
-            <a:endParaRPr lang="en-US" altLang="en-US" dirty="0"/>
           </a:p>
         </p:txBody>
       </p:sp>

--- a/docs/part1ca/09_Pipeline/CA_Lecture_09.pptx
+++ b/docs/part1ca/09_Pipeline/CA_Lecture_09.pptx
@@ -5,10 +5,10 @@
     <p:sldMasterId id="2147483648" r:id="rId1"/>
   </p:sldMasterIdLst>
   <p:notesMasterIdLst>
-    <p:notesMasterId r:id="rId50"/>
+    <p:notesMasterId r:id="rId51"/>
   </p:notesMasterIdLst>
   <p:handoutMasterIdLst>
-    <p:handoutMasterId r:id="rId51"/>
+    <p:handoutMasterId r:id="rId52"/>
   </p:handoutMasterIdLst>
   <p:sldIdLst>
     <p:sldId id="256" r:id="rId2"/>
@@ -28,37 +28,38 @@
     <p:sldId id="418" r:id="rId16"/>
     <p:sldId id="419" r:id="rId17"/>
     <p:sldId id="396" r:id="rId18"/>
-    <p:sldId id="378" r:id="rId19"/>
-    <p:sldId id="379" r:id="rId20"/>
-    <p:sldId id="381" r:id="rId21"/>
-    <p:sldId id="382" r:id="rId22"/>
-    <p:sldId id="383" r:id="rId23"/>
-    <p:sldId id="384" r:id="rId24"/>
-    <p:sldId id="385" r:id="rId25"/>
-    <p:sldId id="386" r:id="rId26"/>
-    <p:sldId id="387" r:id="rId27"/>
-    <p:sldId id="388" r:id="rId28"/>
-    <p:sldId id="389" r:id="rId29"/>
-    <p:sldId id="390" r:id="rId30"/>
-    <p:sldId id="391" r:id="rId31"/>
-    <p:sldId id="392" r:id="rId32"/>
-    <p:sldId id="393" r:id="rId33"/>
-    <p:sldId id="394" r:id="rId34"/>
-    <p:sldId id="395" r:id="rId35"/>
-    <p:sldId id="397" r:id="rId36"/>
-    <p:sldId id="398" r:id="rId37"/>
-    <p:sldId id="399" r:id="rId38"/>
-    <p:sldId id="401" r:id="rId39"/>
-    <p:sldId id="400" r:id="rId40"/>
-    <p:sldId id="402" r:id="rId41"/>
-    <p:sldId id="410" r:id="rId42"/>
-    <p:sldId id="411" r:id="rId43"/>
-    <p:sldId id="412" r:id="rId44"/>
-    <p:sldId id="414" r:id="rId45"/>
-    <p:sldId id="413" r:id="rId46"/>
-    <p:sldId id="403" r:id="rId47"/>
-    <p:sldId id="404" r:id="rId48"/>
-    <p:sldId id="380" r:id="rId49"/>
+    <p:sldId id="420" r:id="rId19"/>
+    <p:sldId id="378" r:id="rId20"/>
+    <p:sldId id="379" r:id="rId21"/>
+    <p:sldId id="381" r:id="rId22"/>
+    <p:sldId id="382" r:id="rId23"/>
+    <p:sldId id="383" r:id="rId24"/>
+    <p:sldId id="384" r:id="rId25"/>
+    <p:sldId id="385" r:id="rId26"/>
+    <p:sldId id="386" r:id="rId27"/>
+    <p:sldId id="387" r:id="rId28"/>
+    <p:sldId id="388" r:id="rId29"/>
+    <p:sldId id="389" r:id="rId30"/>
+    <p:sldId id="390" r:id="rId31"/>
+    <p:sldId id="391" r:id="rId32"/>
+    <p:sldId id="392" r:id="rId33"/>
+    <p:sldId id="393" r:id="rId34"/>
+    <p:sldId id="394" r:id="rId35"/>
+    <p:sldId id="395" r:id="rId36"/>
+    <p:sldId id="397" r:id="rId37"/>
+    <p:sldId id="398" r:id="rId38"/>
+    <p:sldId id="399" r:id="rId39"/>
+    <p:sldId id="401" r:id="rId40"/>
+    <p:sldId id="400" r:id="rId41"/>
+    <p:sldId id="402" r:id="rId42"/>
+    <p:sldId id="410" r:id="rId43"/>
+    <p:sldId id="411" r:id="rId44"/>
+    <p:sldId id="412" r:id="rId45"/>
+    <p:sldId id="414" r:id="rId46"/>
+    <p:sldId id="413" r:id="rId47"/>
+    <p:sldId id="403" r:id="rId48"/>
+    <p:sldId id="404" r:id="rId49"/>
+    <p:sldId id="380" r:id="rId50"/>
   </p:sldIdLst>
   <p:sldSz cx="12192000" cy="6858000"/>
   <p:notesSz cx="6858000" cy="9144000"/>
@@ -946,7 +947,7 @@
             <a:fld id="{5583B3A5-99BF-45D9-956B-DC57CC23AD97}" type="slidenum">
               <a:rPr lang="ru-RU" smtClean="0"/>
               <a:pPr/>
-              <a:t>48</a:t>
+              <a:t>49</a:t>
             </a:fld>
             <a:endParaRPr lang="ru-RU"/>
           </a:p>
@@ -9825,29 +9826,72 @@
         </p:nvSpPr>
         <p:spPr>
           <a:xfrm>
-            <a:off x="838200" y="979272"/>
-            <a:ext cx="10515600" cy="1018495"/>
+            <a:off x="838200" y="1911097"/>
+            <a:ext cx="10515600" cy="3200400"/>
           </a:xfrm>
         </p:spPr>
         <p:txBody>
-          <a:bodyPr>
-            <a:noAutofit/>
-          </a:bodyPr>
+          <a:bodyPr/>
           <a:lstStyle/>
           <a:p>
+            <a:pPr>
+              <a:lnSpc>
+                <a:spcPct val="100000"/>
+              </a:lnSpc>
+              <a:spcBef>
+                <a:spcPts val="1200"/>
+              </a:spcBef>
+            </a:pPr>
             <a:r>
               <a:rPr lang="en-US" altLang="en-US" dirty="0"/>
-              <a:t>Pipelined laundry: overlapping execution</a:t>
-            </a:r>
-          </a:p>
-          <a:p>
-            <a:pPr lvl="1"/>
-            <a:r>
-              <a:rPr lang="en-US" altLang="en-US" sz="3600" dirty="0"/>
-              <a:t>Parallelism improves performance</a:t>
-            </a:r>
-          </a:p>
-          <a:p>
+              <a:t>Response time</a:t>
+            </a:r>
+          </a:p>
+          <a:p>
+            <a:pPr lvl="1">
+              <a:lnSpc>
+                <a:spcPct val="100000"/>
+              </a:lnSpc>
+              <a:spcBef>
+                <a:spcPts val="1200"/>
+              </a:spcBef>
+            </a:pPr>
+            <a:r>
+              <a:rPr lang="en-US" altLang="en-US" dirty="0"/>
+              <a:t>How long it takes to do a task</a:t>
+            </a:r>
+          </a:p>
+          <a:p>
+            <a:pPr>
+              <a:lnSpc>
+                <a:spcPct val="100000"/>
+              </a:lnSpc>
+              <a:spcBef>
+                <a:spcPts val="1200"/>
+              </a:spcBef>
+            </a:pPr>
+            <a:r>
+              <a:rPr lang="en-US" altLang="en-US" dirty="0"/>
+              <a:t>Throughput</a:t>
+            </a:r>
+          </a:p>
+          <a:p>
+            <a:pPr lvl="1">
+              <a:lnSpc>
+                <a:spcPct val="100000"/>
+              </a:lnSpc>
+              <a:spcBef>
+                <a:spcPts val="1200"/>
+              </a:spcBef>
+            </a:pPr>
+            <a:r>
+              <a:rPr lang="en-US" altLang="en-US" dirty="0"/>
+              <a:t>Total work done per unit </a:t>
+            </a:r>
+            <a:r>
+              <a:rPr lang="en-US" altLang="en-US" dirty="0" smtClean="0"/>
+              <a:t>time</a:t>
+            </a:r>
             <a:endParaRPr lang="en-US" dirty="0"/>
           </a:p>
         </p:txBody>
@@ -9872,6 +9916,123 @@
               <a:rPr lang="ru-RU" smtClean="0"/>
               <a:pPr algn="ctr"/>
               <a:t>18</a:t>
+            </a:fld>
+            <a:endParaRPr lang="ru-RU" dirty="0"/>
+          </a:p>
+        </p:txBody>
+      </p:sp>
+      <p:sp>
+        <p:nvSpPr>
+          <p:cNvPr id="4" name="Title 3"/>
+          <p:cNvSpPr>
+            <a:spLocks noGrp="1"/>
+          </p:cNvSpPr>
+          <p:nvPr>
+            <p:ph type="title"/>
+          </p:nvPr>
+        </p:nvSpPr>
+        <p:spPr/>
+        <p:txBody>
+          <a:bodyPr/>
+          <a:lstStyle/>
+          <a:p>
+            <a:r>
+              <a:rPr lang="en-US" altLang="en-US" dirty="0"/>
+              <a:t>Response Time and Throughput</a:t>
+            </a:r>
+            <a:endParaRPr lang="en-US" dirty="0"/>
+          </a:p>
+        </p:txBody>
+      </p:sp>
+    </p:spTree>
+    <p:extLst>
+      <p:ext uri="{BB962C8B-B14F-4D97-AF65-F5344CB8AC3E}">
+        <p14:creationId xmlns:p14="http://schemas.microsoft.com/office/powerpoint/2010/main" val="546749851"/>
+      </p:ext>
+    </p:extLst>
+  </p:cSld>
+  <p:clrMapOvr>
+    <a:masterClrMapping/>
+  </p:clrMapOvr>
+</p:sld>
+</file>
+
+<file path=ppt/slides/slide19.xml><?xml version="1.0" encoding="utf-8"?>
+<p:sld xmlns:a="http://schemas.openxmlformats.org/drawingml/2006/main" xmlns:r="http://schemas.openxmlformats.org/officeDocument/2006/relationships" xmlns:p="http://schemas.openxmlformats.org/presentationml/2006/main">
+  <p:cSld>
+    <p:spTree>
+      <p:nvGrpSpPr>
+        <p:cNvPr id="1" name=""/>
+        <p:cNvGrpSpPr/>
+        <p:nvPr/>
+      </p:nvGrpSpPr>
+      <p:grpSpPr>
+        <a:xfrm>
+          <a:off x="0" y="0"/>
+          <a:ext cx="0" cy="0"/>
+          <a:chOff x="0" y="0"/>
+          <a:chExt cx="0" cy="0"/>
+        </a:xfrm>
+      </p:grpSpPr>
+      <p:sp>
+        <p:nvSpPr>
+          <p:cNvPr id="2" name="Content Placeholder 1"/>
+          <p:cNvSpPr>
+            <a:spLocks noGrp="1"/>
+          </p:cNvSpPr>
+          <p:nvPr>
+            <p:ph idx="1"/>
+          </p:nvPr>
+        </p:nvSpPr>
+        <p:spPr>
+          <a:xfrm>
+            <a:off x="838200" y="979272"/>
+            <a:ext cx="10515600" cy="1018495"/>
+          </a:xfrm>
+        </p:spPr>
+        <p:txBody>
+          <a:bodyPr>
+            <a:noAutofit/>
+          </a:bodyPr>
+          <a:lstStyle/>
+          <a:p>
+            <a:r>
+              <a:rPr lang="en-US" altLang="en-US" dirty="0"/>
+              <a:t>Pipelined laundry: overlapping execution</a:t>
+            </a:r>
+          </a:p>
+          <a:p>
+            <a:pPr lvl="1"/>
+            <a:r>
+              <a:rPr lang="en-US" altLang="en-US" sz="3600" dirty="0"/>
+              <a:t>Parallelism improves performance</a:t>
+            </a:r>
+          </a:p>
+          <a:p>
+            <a:endParaRPr lang="en-US" dirty="0"/>
+          </a:p>
+        </p:txBody>
+      </p:sp>
+      <p:sp>
+        <p:nvSpPr>
+          <p:cNvPr id="3" name="Slide Number Placeholder 2"/>
+          <p:cNvSpPr>
+            <a:spLocks noGrp="1"/>
+          </p:cNvSpPr>
+          <p:nvPr>
+            <p:ph type="sldNum" sz="quarter" idx="12"/>
+          </p:nvPr>
+        </p:nvSpPr>
+        <p:spPr/>
+        <p:txBody>
+          <a:bodyPr/>
+          <a:lstStyle/>
+          <a:p>
+            <a:pPr algn="ctr"/>
+            <a:fld id="{1397BFD8-F312-4EF2-A268-44FB4BDDBBB0}" type="slidenum">
+              <a:rPr lang="ru-RU" smtClean="0"/>
+              <a:pPr algn="ctr"/>
+              <a:t>19</a:t>
             </a:fld>
             <a:endParaRPr lang="ru-RU" dirty="0"/>
           </a:p>
@@ -10204,224 +10365,6 @@
 </p:sld>
 </file>
 
-<file path=ppt/slides/slide19.xml><?xml version="1.0" encoding="utf-8"?>
-<p:sld xmlns:a="http://schemas.openxmlformats.org/drawingml/2006/main" xmlns:r="http://schemas.openxmlformats.org/officeDocument/2006/relationships" xmlns:p="http://schemas.openxmlformats.org/presentationml/2006/main">
-  <p:cSld>
-    <p:spTree>
-      <p:nvGrpSpPr>
-        <p:cNvPr id="1" name=""/>
-        <p:cNvGrpSpPr/>
-        <p:nvPr/>
-      </p:nvGrpSpPr>
-      <p:grpSpPr>
-        <a:xfrm>
-          <a:off x="0" y="0"/>
-          <a:ext cx="0" cy="0"/>
-          <a:chOff x="0" y="0"/>
-          <a:chExt cx="0" cy="0"/>
-        </a:xfrm>
-      </p:grpSpPr>
-      <p:sp>
-        <p:nvSpPr>
-          <p:cNvPr id="2" name="Content Placeholder 1"/>
-          <p:cNvSpPr>
-            <a:spLocks noGrp="1"/>
-          </p:cNvSpPr>
-          <p:nvPr>
-            <p:ph idx="1"/>
-          </p:nvPr>
-        </p:nvSpPr>
-        <p:spPr>
-          <a:xfrm>
-            <a:off x="838200" y="1356957"/>
-            <a:ext cx="10515600" cy="4997896"/>
-          </a:xfrm>
-        </p:spPr>
-        <p:txBody>
-          <a:bodyPr/>
-          <a:lstStyle/>
-          <a:p>
-            <a:pPr marL="609600" indent="-609600">
-              <a:lnSpc>
-                <a:spcPct val="100000"/>
-              </a:lnSpc>
-              <a:spcBef>
-                <a:spcPts val="1200"/>
-              </a:spcBef>
-            </a:pPr>
-            <a:r>
-              <a:rPr lang="en-US" altLang="en-US" dirty="0"/>
-              <a:t>Five stages, one step per stage</a:t>
-            </a:r>
-          </a:p>
-          <a:p>
-            <a:pPr marL="990600" lvl="1" indent="-533400">
-              <a:lnSpc>
-                <a:spcPct val="100000"/>
-              </a:lnSpc>
-              <a:spcBef>
-                <a:spcPts val="1200"/>
-              </a:spcBef>
-              <a:buFont typeface="Wingdings" panose="05000000000000000000" pitchFamily="2" charset="2"/>
-              <a:buAutoNum type="arabicPeriod"/>
-            </a:pPr>
-            <a:r>
-              <a:rPr lang="en-US" altLang="en-US" sz="3600" b="1" dirty="0"/>
-              <a:t>IF</a:t>
-            </a:r>
-            <a:r>
-              <a:rPr lang="en-US" altLang="en-US" sz="3600" dirty="0"/>
-              <a:t>: Instruction fetch from memory</a:t>
-            </a:r>
-          </a:p>
-          <a:p>
-            <a:pPr marL="990600" lvl="1" indent="-533400">
-              <a:lnSpc>
-                <a:spcPct val="100000"/>
-              </a:lnSpc>
-              <a:spcBef>
-                <a:spcPts val="1200"/>
-              </a:spcBef>
-              <a:buFont typeface="Wingdings" panose="05000000000000000000" pitchFamily="2" charset="2"/>
-              <a:buAutoNum type="arabicPeriod"/>
-            </a:pPr>
-            <a:r>
-              <a:rPr lang="en-US" altLang="en-US" sz="3600" b="1" dirty="0"/>
-              <a:t>ID</a:t>
-            </a:r>
-            <a:r>
-              <a:rPr lang="en-US" altLang="en-US" sz="3600" dirty="0"/>
-              <a:t>: Instruction decode &amp; register read</a:t>
-            </a:r>
-          </a:p>
-          <a:p>
-            <a:pPr marL="990600" lvl="1" indent="-533400">
-              <a:lnSpc>
-                <a:spcPct val="100000"/>
-              </a:lnSpc>
-              <a:spcBef>
-                <a:spcPts val="1200"/>
-              </a:spcBef>
-              <a:buFont typeface="Wingdings" panose="05000000000000000000" pitchFamily="2" charset="2"/>
-              <a:buAutoNum type="arabicPeriod"/>
-            </a:pPr>
-            <a:r>
-              <a:rPr lang="en-US" altLang="en-US" sz="3600" b="1" dirty="0"/>
-              <a:t>EX</a:t>
-            </a:r>
-            <a:r>
-              <a:rPr lang="en-US" altLang="en-US" sz="3600" dirty="0"/>
-              <a:t>: Execute operation or calculate address</a:t>
-            </a:r>
-          </a:p>
-          <a:p>
-            <a:pPr marL="990600" lvl="1" indent="-533400">
-              <a:lnSpc>
-                <a:spcPct val="100000"/>
-              </a:lnSpc>
-              <a:spcBef>
-                <a:spcPts val="1200"/>
-              </a:spcBef>
-              <a:buFont typeface="Wingdings" panose="05000000000000000000" pitchFamily="2" charset="2"/>
-              <a:buAutoNum type="arabicPeriod"/>
-            </a:pPr>
-            <a:r>
-              <a:rPr lang="en-US" altLang="en-US" sz="3600" b="1" dirty="0"/>
-              <a:t>MEM</a:t>
-            </a:r>
-            <a:r>
-              <a:rPr lang="en-US" altLang="en-US" sz="3600" dirty="0"/>
-              <a:t>: Access memory operand</a:t>
-            </a:r>
-          </a:p>
-          <a:p>
-            <a:pPr marL="990600" lvl="1" indent="-533400">
-              <a:lnSpc>
-                <a:spcPct val="100000"/>
-              </a:lnSpc>
-              <a:spcBef>
-                <a:spcPts val="1200"/>
-              </a:spcBef>
-              <a:buFont typeface="Wingdings" panose="05000000000000000000" pitchFamily="2" charset="2"/>
-              <a:buAutoNum type="arabicPeriod"/>
-            </a:pPr>
-            <a:r>
-              <a:rPr lang="en-US" altLang="en-US" sz="3600" b="1" dirty="0"/>
-              <a:t>WB</a:t>
-            </a:r>
-            <a:r>
-              <a:rPr lang="en-US" altLang="en-US" sz="3600" dirty="0"/>
-              <a:t>: Write result back to </a:t>
-            </a:r>
-            <a:r>
-              <a:rPr lang="en-US" altLang="en-US" sz="3600" dirty="0" smtClean="0"/>
-              <a:t>register</a:t>
-            </a:r>
-            <a:endParaRPr lang="en-US" dirty="0"/>
-          </a:p>
-        </p:txBody>
-      </p:sp>
-      <p:sp>
-        <p:nvSpPr>
-          <p:cNvPr id="3" name="Slide Number Placeholder 2"/>
-          <p:cNvSpPr>
-            <a:spLocks noGrp="1"/>
-          </p:cNvSpPr>
-          <p:nvPr>
-            <p:ph type="sldNum" sz="quarter" idx="12"/>
-          </p:nvPr>
-        </p:nvSpPr>
-        <p:spPr/>
-        <p:txBody>
-          <a:bodyPr/>
-          <a:lstStyle/>
-          <a:p>
-            <a:pPr algn="ctr"/>
-            <a:fld id="{1397BFD8-F312-4EF2-A268-44FB4BDDBBB0}" type="slidenum">
-              <a:rPr lang="ru-RU" smtClean="0"/>
-              <a:pPr algn="ctr"/>
-              <a:t>19</a:t>
-            </a:fld>
-            <a:endParaRPr lang="ru-RU" dirty="0"/>
-          </a:p>
-        </p:txBody>
-      </p:sp>
-      <p:sp>
-        <p:nvSpPr>
-          <p:cNvPr id="4" name="Title 3"/>
-          <p:cNvSpPr>
-            <a:spLocks noGrp="1"/>
-          </p:cNvSpPr>
-          <p:nvPr>
-            <p:ph type="title"/>
-          </p:nvPr>
-        </p:nvSpPr>
-        <p:spPr/>
-        <p:txBody>
-          <a:bodyPr/>
-          <a:lstStyle/>
-          <a:p>
-            <a:r>
-              <a:rPr lang="en-US" altLang="en-US" dirty="0"/>
-              <a:t>RISC-V Pipeline</a:t>
-            </a:r>
-            <a:endParaRPr lang="en-US" dirty="0"/>
-          </a:p>
-        </p:txBody>
-      </p:sp>
-    </p:spTree>
-    <p:extLst>
-      <p:ext uri="{BB962C8B-B14F-4D97-AF65-F5344CB8AC3E}">
-        <p14:creationId xmlns:p14="http://schemas.microsoft.com/office/powerpoint/2010/main" val="785689938"/>
-      </p:ext>
-    </p:extLst>
-  </p:cSld>
-  <p:clrMapOvr>
-    <a:masterClrMapping/>
-  </p:clrMapOvr>
-</p:sld>
-</file>
-
 <file path=ppt/slides/slide2.xml><?xml version="1.0" encoding="utf-8"?>
 <p:sld xmlns:a="http://schemas.openxmlformats.org/drawingml/2006/main" xmlns:r="http://schemas.openxmlformats.org/officeDocument/2006/relationships" xmlns:p="http://schemas.openxmlformats.org/presentationml/2006/main">
   <p:cSld>
@@ -10707,51 +10650,131 @@
         </p:nvSpPr>
         <p:spPr>
           <a:xfrm>
-            <a:off x="805409" y="1053896"/>
-            <a:ext cx="10714044" cy="2464558"/>
+            <a:off x="838200" y="1356957"/>
+            <a:ext cx="10515600" cy="4997896"/>
           </a:xfrm>
         </p:spPr>
         <p:txBody>
           <a:bodyPr/>
           <a:lstStyle/>
           <a:p>
+            <a:pPr marL="609600" indent="-609600">
+              <a:lnSpc>
+                <a:spcPct val="100000"/>
+              </a:lnSpc>
+              <a:spcBef>
+                <a:spcPts val="1200"/>
+              </a:spcBef>
+            </a:pPr>
             <a:r>
               <a:rPr lang="en-US" altLang="en-US" dirty="0"/>
-              <a:t>Assume time for stages is</a:t>
-            </a:r>
-          </a:p>
-          <a:p>
-            <a:pPr lvl="1"/>
-            <a:r>
-              <a:rPr lang="en-US" altLang="en-US" dirty="0"/>
-              <a:t>100ps for register read or write</a:t>
-            </a:r>
-          </a:p>
-          <a:p>
-            <a:pPr lvl="1"/>
-            <a:r>
-              <a:rPr lang="en-US" altLang="en-US" dirty="0"/>
-              <a:t>200ps for other stages</a:t>
-            </a:r>
-          </a:p>
-          <a:p>
-            <a:r>
-              <a:rPr lang="en-US" altLang="en-US" dirty="0"/>
-              <a:t>Compare pipelined </a:t>
-            </a:r>
-            <a:r>
-              <a:rPr lang="en-US" altLang="en-US" dirty="0" err="1"/>
-              <a:t>datapath</a:t>
-            </a:r>
-            <a:r>
-              <a:rPr lang="en-US" altLang="en-US" dirty="0"/>
-              <a:t> with single-cycle </a:t>
-            </a:r>
-            <a:r>
-              <a:rPr lang="en-US" altLang="en-US" dirty="0" err="1" smtClean="0"/>
-              <a:t>datapath</a:t>
-            </a:r>
-            <a:endParaRPr lang="en-US" altLang="en-US" dirty="0"/>
+              <a:t>Five stages, one step per stage</a:t>
+            </a:r>
+          </a:p>
+          <a:p>
+            <a:pPr marL="990600" lvl="1" indent="-533400">
+              <a:lnSpc>
+                <a:spcPct val="100000"/>
+              </a:lnSpc>
+              <a:spcBef>
+                <a:spcPts val="1200"/>
+              </a:spcBef>
+              <a:buFont typeface="Wingdings" panose="05000000000000000000" pitchFamily="2" charset="2"/>
+              <a:buAutoNum type="arabicPeriod"/>
+            </a:pPr>
+            <a:r>
+              <a:rPr lang="en-US" altLang="en-US" sz="3600" b="1" dirty="0"/>
+              <a:t>IF</a:t>
+            </a:r>
+            <a:r>
+              <a:rPr lang="en-US" altLang="en-US" sz="3600" dirty="0"/>
+              <a:t>: Instruction fetch from memory</a:t>
+            </a:r>
+          </a:p>
+          <a:p>
+            <a:pPr marL="990600" lvl="1" indent="-533400">
+              <a:lnSpc>
+                <a:spcPct val="100000"/>
+              </a:lnSpc>
+              <a:spcBef>
+                <a:spcPts val="1200"/>
+              </a:spcBef>
+              <a:buFont typeface="Wingdings" panose="05000000000000000000" pitchFamily="2" charset="2"/>
+              <a:buAutoNum type="arabicPeriod"/>
+            </a:pPr>
+            <a:r>
+              <a:rPr lang="en-US" altLang="en-US" sz="3600" b="1" dirty="0"/>
+              <a:t>ID</a:t>
+            </a:r>
+            <a:r>
+              <a:rPr lang="en-US" altLang="en-US" sz="3600" dirty="0"/>
+              <a:t>: Instruction decode &amp; register read</a:t>
+            </a:r>
+          </a:p>
+          <a:p>
+            <a:pPr marL="990600" lvl="1" indent="-533400">
+              <a:lnSpc>
+                <a:spcPct val="100000"/>
+              </a:lnSpc>
+              <a:spcBef>
+                <a:spcPts val="1200"/>
+              </a:spcBef>
+              <a:buFont typeface="Wingdings" panose="05000000000000000000" pitchFamily="2" charset="2"/>
+              <a:buAutoNum type="arabicPeriod"/>
+            </a:pPr>
+            <a:r>
+              <a:rPr lang="en-US" altLang="en-US" sz="3600" b="1" dirty="0"/>
+              <a:t>EX</a:t>
+            </a:r>
+            <a:r>
+              <a:rPr lang="en-US" altLang="en-US" sz="3600" dirty="0"/>
+              <a:t>: Execute operation or calculate address</a:t>
+            </a:r>
+          </a:p>
+          <a:p>
+            <a:pPr marL="990600" lvl="1" indent="-533400">
+              <a:lnSpc>
+                <a:spcPct val="100000"/>
+              </a:lnSpc>
+              <a:spcBef>
+                <a:spcPts val="1200"/>
+              </a:spcBef>
+              <a:buFont typeface="Wingdings" panose="05000000000000000000" pitchFamily="2" charset="2"/>
+              <a:buAutoNum type="arabicPeriod"/>
+            </a:pPr>
+            <a:r>
+              <a:rPr lang="en-US" altLang="en-US" sz="3600" b="1" dirty="0"/>
+              <a:t>MEM</a:t>
+            </a:r>
+            <a:r>
+              <a:rPr lang="en-US" altLang="en-US" sz="3600" dirty="0"/>
+              <a:t>: Access memory operand</a:t>
+            </a:r>
+          </a:p>
+          <a:p>
+            <a:pPr marL="990600" lvl="1" indent="-533400">
+              <a:lnSpc>
+                <a:spcPct val="100000"/>
+              </a:lnSpc>
+              <a:spcBef>
+                <a:spcPts val="1200"/>
+              </a:spcBef>
+              <a:buFont typeface="Wingdings" panose="05000000000000000000" pitchFamily="2" charset="2"/>
+              <a:buAutoNum type="arabicPeriod"/>
+            </a:pPr>
+            <a:r>
+              <a:rPr lang="en-US" altLang="en-US" sz="3600" b="1" dirty="0"/>
+              <a:t>WB</a:t>
+            </a:r>
+            <a:r>
+              <a:rPr lang="en-US" altLang="en-US" sz="3600" dirty="0"/>
+              <a:t>: Write result back to </a:t>
+            </a:r>
+            <a:r>
+              <a:rPr lang="en-US" altLang="en-US" sz="3600" dirty="0" smtClean="0"/>
+              <a:t>register</a:t>
+            </a:r>
+            <a:endParaRPr lang="en-US" dirty="0"/>
           </a:p>
         </p:txBody>
       </p:sp>
@@ -10775,6 +10798,144 @@
               <a:rPr lang="ru-RU" smtClean="0"/>
               <a:pPr algn="ctr"/>
               <a:t>20</a:t>
+            </a:fld>
+            <a:endParaRPr lang="ru-RU" dirty="0"/>
+          </a:p>
+        </p:txBody>
+      </p:sp>
+      <p:sp>
+        <p:nvSpPr>
+          <p:cNvPr id="4" name="Title 3"/>
+          <p:cNvSpPr>
+            <a:spLocks noGrp="1"/>
+          </p:cNvSpPr>
+          <p:nvPr>
+            <p:ph type="title"/>
+          </p:nvPr>
+        </p:nvSpPr>
+        <p:spPr/>
+        <p:txBody>
+          <a:bodyPr/>
+          <a:lstStyle/>
+          <a:p>
+            <a:r>
+              <a:rPr lang="en-US" altLang="en-US" dirty="0"/>
+              <a:t>RISC-V Pipeline</a:t>
+            </a:r>
+            <a:endParaRPr lang="en-US" dirty="0"/>
+          </a:p>
+        </p:txBody>
+      </p:sp>
+    </p:spTree>
+    <p:extLst>
+      <p:ext uri="{BB962C8B-B14F-4D97-AF65-F5344CB8AC3E}">
+        <p14:creationId xmlns:p14="http://schemas.microsoft.com/office/powerpoint/2010/main" val="785689938"/>
+      </p:ext>
+    </p:extLst>
+  </p:cSld>
+  <p:clrMapOvr>
+    <a:masterClrMapping/>
+  </p:clrMapOvr>
+</p:sld>
+</file>
+
+<file path=ppt/slides/slide21.xml><?xml version="1.0" encoding="utf-8"?>
+<p:sld xmlns:a="http://schemas.openxmlformats.org/drawingml/2006/main" xmlns:r="http://schemas.openxmlformats.org/officeDocument/2006/relationships" xmlns:p="http://schemas.openxmlformats.org/presentationml/2006/main">
+  <p:cSld>
+    <p:spTree>
+      <p:nvGrpSpPr>
+        <p:cNvPr id="1" name=""/>
+        <p:cNvGrpSpPr/>
+        <p:nvPr/>
+      </p:nvGrpSpPr>
+      <p:grpSpPr>
+        <a:xfrm>
+          <a:off x="0" y="0"/>
+          <a:ext cx="0" cy="0"/>
+          <a:chOff x="0" y="0"/>
+          <a:chExt cx="0" cy="0"/>
+        </a:xfrm>
+      </p:grpSpPr>
+      <p:sp>
+        <p:nvSpPr>
+          <p:cNvPr id="2" name="Content Placeholder 1"/>
+          <p:cNvSpPr>
+            <a:spLocks noGrp="1"/>
+          </p:cNvSpPr>
+          <p:nvPr>
+            <p:ph idx="1"/>
+          </p:nvPr>
+        </p:nvSpPr>
+        <p:spPr>
+          <a:xfrm>
+            <a:off x="805409" y="1053896"/>
+            <a:ext cx="10714044" cy="2464558"/>
+          </a:xfrm>
+        </p:spPr>
+        <p:txBody>
+          <a:bodyPr/>
+          <a:lstStyle/>
+          <a:p>
+            <a:r>
+              <a:rPr lang="en-US" altLang="en-US" dirty="0"/>
+              <a:t>Assume time for stages is</a:t>
+            </a:r>
+          </a:p>
+          <a:p>
+            <a:pPr lvl="1"/>
+            <a:r>
+              <a:rPr lang="en-US" altLang="en-US" dirty="0"/>
+              <a:t>100ps for register read or write</a:t>
+            </a:r>
+          </a:p>
+          <a:p>
+            <a:pPr lvl="1"/>
+            <a:r>
+              <a:rPr lang="en-US" altLang="en-US" dirty="0"/>
+              <a:t>200ps for other stages</a:t>
+            </a:r>
+          </a:p>
+          <a:p>
+            <a:r>
+              <a:rPr lang="en-US" altLang="en-US" dirty="0"/>
+              <a:t>Compare pipelined </a:t>
+            </a:r>
+            <a:r>
+              <a:rPr lang="en-US" altLang="en-US" dirty="0" err="1"/>
+              <a:t>datapath</a:t>
+            </a:r>
+            <a:r>
+              <a:rPr lang="en-US" altLang="en-US" dirty="0"/>
+              <a:t> with single-cycle </a:t>
+            </a:r>
+            <a:r>
+              <a:rPr lang="en-US" altLang="en-US" dirty="0" err="1" smtClean="0"/>
+              <a:t>datapath</a:t>
+            </a:r>
+            <a:endParaRPr lang="en-US" altLang="en-US" dirty="0"/>
+          </a:p>
+        </p:txBody>
+      </p:sp>
+      <p:sp>
+        <p:nvSpPr>
+          <p:cNvPr id="3" name="Slide Number Placeholder 2"/>
+          <p:cNvSpPr>
+            <a:spLocks noGrp="1"/>
+          </p:cNvSpPr>
+          <p:nvPr>
+            <p:ph type="sldNum" sz="quarter" idx="12"/>
+          </p:nvPr>
+        </p:nvSpPr>
+        <p:spPr/>
+        <p:txBody>
+          <a:bodyPr/>
+          <a:lstStyle/>
+          <a:p>
+            <a:pPr algn="ctr"/>
+            <a:fld id="{1397BFD8-F312-4EF2-A268-44FB4BDDBBB0}" type="slidenum">
+              <a:rPr lang="ru-RU" smtClean="0"/>
+              <a:pPr algn="ctr"/>
+              <a:t>21</a:t>
             </a:fld>
             <a:endParaRPr lang="ru-RU" dirty="0"/>
           </a:p>
@@ -14166,7 +14327,7 @@
 </p:sld>
 </file>
 
-<file path=ppt/slides/slide21.xml><?xml version="1.0" encoding="utf-8"?>
+<file path=ppt/slides/slide22.xml><?xml version="1.0" encoding="utf-8"?>
 <p:sld xmlns:a="http://schemas.openxmlformats.org/drawingml/2006/main" xmlns:r="http://schemas.openxmlformats.org/officeDocument/2006/relationships" xmlns:p="http://schemas.openxmlformats.org/presentationml/2006/main">
   <p:cSld>
     <p:spTree>
@@ -14202,7 +14363,7 @@
             <a:fld id="{1397BFD8-F312-4EF2-A268-44FB4BDDBBB0}" type="slidenum">
               <a:rPr lang="ru-RU" smtClean="0"/>
               <a:pPr algn="ctr"/>
-              <a:t>21</a:t>
+              <a:t>22</a:t>
             </a:fld>
             <a:endParaRPr lang="ru-RU" dirty="0"/>
           </a:p>
@@ -14752,7 +14913,7 @@
 </p:sld>
 </file>
 
-<file path=ppt/slides/slide22.xml><?xml version="1.0" encoding="utf-8"?>
+<file path=ppt/slides/slide23.xml><?xml version="1.0" encoding="utf-8"?>
 <p:sld xmlns:a="http://schemas.openxmlformats.org/drawingml/2006/main" xmlns:r="http://schemas.openxmlformats.org/officeDocument/2006/relationships" xmlns:p="http://schemas.openxmlformats.org/presentationml/2006/main">
   <p:cSld>
     <p:spTree>
@@ -14890,7 +15051,7 @@
             <a:fld id="{1397BFD8-F312-4EF2-A268-44FB4BDDBBB0}" type="slidenum">
               <a:rPr lang="ru-RU" smtClean="0"/>
               <a:pPr algn="ctr"/>
-              <a:t>22</a:t>
+              <a:t>23</a:t>
             </a:fld>
             <a:endParaRPr lang="ru-RU" dirty="0"/>
           </a:p>
@@ -14964,236 +15125,6 @@
     <p:extLst>
       <p:ext uri="{BB962C8B-B14F-4D97-AF65-F5344CB8AC3E}">
         <p14:creationId xmlns:p14="http://schemas.microsoft.com/office/powerpoint/2010/main" val="2756328467"/>
-      </p:ext>
-    </p:extLst>
-  </p:cSld>
-  <p:clrMapOvr>
-    <a:masterClrMapping/>
-  </p:clrMapOvr>
-</p:sld>
-</file>
-
-<file path=ppt/slides/slide23.xml><?xml version="1.0" encoding="utf-8"?>
-<p:sld xmlns:a="http://schemas.openxmlformats.org/drawingml/2006/main" xmlns:r="http://schemas.openxmlformats.org/officeDocument/2006/relationships" xmlns:p="http://schemas.openxmlformats.org/presentationml/2006/main">
-  <p:cSld>
-    <p:spTree>
-      <p:nvGrpSpPr>
-        <p:cNvPr id="1" name=""/>
-        <p:cNvGrpSpPr/>
-        <p:nvPr/>
-      </p:nvGrpSpPr>
-      <p:grpSpPr>
-        <a:xfrm>
-          <a:off x="0" y="0"/>
-          <a:ext cx="0" cy="0"/>
-          <a:chOff x="0" y="0"/>
-          <a:chExt cx="0" cy="0"/>
-        </a:xfrm>
-      </p:grpSpPr>
-      <p:sp>
-        <p:nvSpPr>
-          <p:cNvPr id="2" name="Content Placeholder 1"/>
-          <p:cNvSpPr>
-            <a:spLocks noGrp="1"/>
-          </p:cNvSpPr>
-          <p:nvPr>
-            <p:ph idx="1"/>
-          </p:nvPr>
-        </p:nvSpPr>
-        <p:spPr>
-          <a:xfrm>
-            <a:off x="838200" y="1178053"/>
-            <a:ext cx="11010900" cy="4997896"/>
-          </a:xfrm>
-        </p:spPr>
-        <p:txBody>
-          <a:bodyPr/>
-          <a:lstStyle/>
-          <a:p>
-            <a:pPr>
-              <a:lnSpc>
-                <a:spcPct val="100000"/>
-              </a:lnSpc>
-              <a:spcBef>
-                <a:spcPts val="600"/>
-              </a:spcBef>
-            </a:pPr>
-            <a:r>
-              <a:rPr lang="en-US" altLang="en-US" dirty="0"/>
-              <a:t>RISC-V ISA designed for pipelining</a:t>
-            </a:r>
-          </a:p>
-          <a:p>
-            <a:pPr lvl="1">
-              <a:lnSpc>
-                <a:spcPct val="100000"/>
-              </a:lnSpc>
-              <a:spcBef>
-                <a:spcPts val="600"/>
-              </a:spcBef>
-            </a:pPr>
-            <a:r>
-              <a:rPr lang="en-US" altLang="en-US" dirty="0"/>
-              <a:t>All instructions are 32-bits</a:t>
-            </a:r>
-          </a:p>
-          <a:p>
-            <a:pPr lvl="2">
-              <a:lnSpc>
-                <a:spcPct val="100000"/>
-              </a:lnSpc>
-              <a:spcBef>
-                <a:spcPts val="600"/>
-              </a:spcBef>
-            </a:pPr>
-            <a:r>
-              <a:rPr lang="en-US" altLang="en-US" sz="2800" dirty="0"/>
-              <a:t>Easier to fetch and decode in one cycle</a:t>
-            </a:r>
-          </a:p>
-          <a:p>
-            <a:pPr lvl="2">
-              <a:lnSpc>
-                <a:spcPct val="100000"/>
-              </a:lnSpc>
-              <a:spcBef>
-                <a:spcPts val="600"/>
-              </a:spcBef>
-            </a:pPr>
-            <a:r>
-              <a:rPr lang="en-US" altLang="en-US" sz="2800" dirty="0"/>
-              <a:t>c.f. x86: 1- to 17-byte instructions</a:t>
-            </a:r>
-          </a:p>
-          <a:p>
-            <a:pPr lvl="1">
-              <a:lnSpc>
-                <a:spcPct val="100000"/>
-              </a:lnSpc>
-              <a:spcBef>
-                <a:spcPts val="600"/>
-              </a:spcBef>
-            </a:pPr>
-            <a:r>
-              <a:rPr lang="en-US" altLang="en-US" dirty="0"/>
-              <a:t>Few and regular instruction formats</a:t>
-            </a:r>
-          </a:p>
-          <a:p>
-            <a:pPr lvl="2">
-              <a:lnSpc>
-                <a:spcPct val="100000"/>
-              </a:lnSpc>
-              <a:spcBef>
-                <a:spcPts val="600"/>
-              </a:spcBef>
-            </a:pPr>
-            <a:r>
-              <a:rPr lang="en-US" altLang="en-US" sz="2800" dirty="0"/>
-              <a:t>Can decode and read registers in one step</a:t>
-            </a:r>
-          </a:p>
-          <a:p>
-            <a:pPr lvl="1">
-              <a:lnSpc>
-                <a:spcPct val="100000"/>
-              </a:lnSpc>
-              <a:spcBef>
-                <a:spcPts val="600"/>
-              </a:spcBef>
-            </a:pPr>
-            <a:r>
-              <a:rPr lang="en-US" altLang="en-US" dirty="0"/>
-              <a:t>Load/store addressing</a:t>
-            </a:r>
-          </a:p>
-          <a:p>
-            <a:pPr lvl="2">
-              <a:lnSpc>
-                <a:spcPct val="100000"/>
-              </a:lnSpc>
-              <a:spcBef>
-                <a:spcPts val="600"/>
-              </a:spcBef>
-            </a:pPr>
-            <a:r>
-              <a:rPr lang="en-US" altLang="en-US" sz="2800" dirty="0"/>
-              <a:t>Can calculate address in 3</a:t>
-            </a:r>
-            <a:r>
-              <a:rPr lang="en-US" altLang="en-US" sz="2800" baseline="30000" dirty="0"/>
-              <a:t>rd</a:t>
-            </a:r>
-            <a:r>
-              <a:rPr lang="en-US" altLang="en-US" sz="2800" dirty="0"/>
-              <a:t> stage, access memory in 4</a:t>
-            </a:r>
-            <a:r>
-              <a:rPr lang="en-US" altLang="en-US" sz="2800" baseline="30000" dirty="0"/>
-              <a:t>th</a:t>
-            </a:r>
-            <a:r>
-              <a:rPr lang="en-US" altLang="en-US" sz="2800" dirty="0"/>
-              <a:t> stage</a:t>
-            </a:r>
-          </a:p>
-          <a:p>
-            <a:endParaRPr lang="en-US" dirty="0"/>
-          </a:p>
-        </p:txBody>
-      </p:sp>
-      <p:sp>
-        <p:nvSpPr>
-          <p:cNvPr id="3" name="Slide Number Placeholder 2"/>
-          <p:cNvSpPr>
-            <a:spLocks noGrp="1"/>
-          </p:cNvSpPr>
-          <p:nvPr>
-            <p:ph type="sldNum" sz="quarter" idx="12"/>
-          </p:nvPr>
-        </p:nvSpPr>
-        <p:spPr/>
-        <p:txBody>
-          <a:bodyPr/>
-          <a:lstStyle/>
-          <a:p>
-            <a:pPr algn="ctr"/>
-            <a:fld id="{1397BFD8-F312-4EF2-A268-44FB4BDDBBB0}" type="slidenum">
-              <a:rPr lang="ru-RU" smtClean="0"/>
-              <a:pPr algn="ctr"/>
-              <a:t>23</a:t>
-            </a:fld>
-            <a:endParaRPr lang="ru-RU" dirty="0"/>
-          </a:p>
-        </p:txBody>
-      </p:sp>
-      <p:sp>
-        <p:nvSpPr>
-          <p:cNvPr id="4" name="Title 3"/>
-          <p:cNvSpPr>
-            <a:spLocks noGrp="1"/>
-          </p:cNvSpPr>
-          <p:nvPr>
-            <p:ph type="title"/>
-          </p:nvPr>
-        </p:nvSpPr>
-        <p:spPr/>
-        <p:txBody>
-          <a:bodyPr/>
-          <a:lstStyle/>
-          <a:p>
-            <a:r>
-              <a:rPr lang="en-US" altLang="en-US" dirty="0"/>
-              <a:t>Pipelining and ISA Design</a:t>
-            </a:r>
-            <a:endParaRPr lang="en-US" dirty="0"/>
-          </a:p>
-        </p:txBody>
-      </p:sp>
-    </p:spTree>
-    <p:extLst>
-      <p:ext uri="{BB962C8B-B14F-4D97-AF65-F5344CB8AC3E}">
-        <p14:creationId xmlns:p14="http://schemas.microsoft.com/office/powerpoint/2010/main" val="919895832"/>
       </p:ext>
     </p:extLst>
   </p:cSld>
@@ -15233,62 +15164,66 @@
         <p:spPr>
           <a:xfrm>
             <a:off x="838200" y="1178053"/>
-            <a:ext cx="10515600" cy="5492304"/>
+            <a:ext cx="11010900" cy="4997896"/>
           </a:xfrm>
         </p:spPr>
         <p:txBody>
-          <a:bodyPr>
-            <a:normAutofit lnSpcReduction="10000"/>
-          </a:bodyPr>
+          <a:bodyPr/>
           <a:lstStyle/>
-          <a:p>
-            <a:pPr marL="0" indent="0" algn="ctr">
-              <a:lnSpc>
-                <a:spcPct val="100000"/>
-              </a:lnSpc>
-              <a:buNone/>
-            </a:pPr>
-            <a:r>
-              <a:rPr lang="en-US" altLang="en-US" sz="4000" dirty="0"/>
-              <a:t>Situations that prevent starting the next instruction in the next cycle</a:t>
-            </a:r>
-          </a:p>
           <a:p>
             <a:pPr>
               <a:lnSpc>
                 <a:spcPct val="100000"/>
               </a:lnSpc>
+              <a:spcBef>
+                <a:spcPts val="600"/>
+              </a:spcBef>
             </a:pPr>
             <a:r>
               <a:rPr lang="en-US" altLang="en-US" dirty="0"/>
-              <a:t>Structure </a:t>
-            </a:r>
-            <a:r>
-              <a:rPr lang="en-US" altLang="en-US" dirty="0" smtClean="0"/>
-              <a:t>hazard</a:t>
-            </a:r>
-            <a:endParaRPr lang="en-US" altLang="en-US" dirty="0"/>
+              <a:t>RISC-V ISA designed for pipelining</a:t>
+            </a:r>
           </a:p>
           <a:p>
             <a:pPr lvl="1">
               <a:lnSpc>
                 <a:spcPct val="100000"/>
               </a:lnSpc>
+              <a:spcBef>
+                <a:spcPts val="600"/>
+              </a:spcBef>
             </a:pPr>
             <a:r>
               <a:rPr lang="en-US" altLang="en-US" dirty="0"/>
-              <a:t>A required resource is busy</a:t>
-            </a:r>
-          </a:p>
-          <a:p>
-            <a:pPr>
+              <a:t>All instructions are 32-bits</a:t>
+            </a:r>
+          </a:p>
+          <a:p>
+            <a:pPr lvl="2">
               <a:lnSpc>
                 <a:spcPct val="100000"/>
               </a:lnSpc>
+              <a:spcBef>
+                <a:spcPts val="600"/>
+              </a:spcBef>
             </a:pPr>
             <a:r>
-              <a:rPr lang="en-US" altLang="en-US" dirty="0"/>
-              <a:t>Data hazard</a:t>
+              <a:rPr lang="en-US" altLang="en-US" sz="2800" dirty="0"/>
+              <a:t>Easier to fetch and decode in one cycle</a:t>
+            </a:r>
+          </a:p>
+          <a:p>
+            <a:pPr lvl="2">
+              <a:lnSpc>
+                <a:spcPct val="100000"/>
+              </a:lnSpc>
+              <a:spcBef>
+                <a:spcPts val="600"/>
+              </a:spcBef>
+            </a:pPr>
+            <a:r>
+              <a:rPr lang="en-US" altLang="en-US" sz="2800" dirty="0"/>
+              <a:t>c.f. x86: 1- to 17-byte instructions</a:t>
             </a:r>
           </a:p>
           <a:p>
@@ -15296,21 +15231,27 @@
               <a:lnSpc>
                 <a:spcPct val="100000"/>
               </a:lnSpc>
+              <a:spcBef>
+                <a:spcPts val="600"/>
+              </a:spcBef>
             </a:pPr>
             <a:r>
               <a:rPr lang="en-US" altLang="en-US" dirty="0"/>
-              <a:t>Need to wait for previous instruction to complete its data read/write</a:t>
-            </a:r>
-          </a:p>
-          <a:p>
-            <a:pPr>
+              <a:t>Few and regular instruction formats</a:t>
+            </a:r>
+          </a:p>
+          <a:p>
+            <a:pPr lvl="2">
               <a:lnSpc>
                 <a:spcPct val="100000"/>
               </a:lnSpc>
+              <a:spcBef>
+                <a:spcPts val="600"/>
+              </a:spcBef>
             </a:pPr>
             <a:r>
-              <a:rPr lang="en-US" altLang="en-US" dirty="0"/>
-              <a:t>Control hazard</a:t>
+              <a:rPr lang="en-US" altLang="en-US" sz="2800" dirty="0"/>
+              <a:t>Can decode and read registers in one step</a:t>
             </a:r>
           </a:p>
           <a:p>
@@ -15318,12 +15259,44 @@
               <a:lnSpc>
                 <a:spcPct val="100000"/>
               </a:lnSpc>
+              <a:spcBef>
+                <a:spcPts val="600"/>
+              </a:spcBef>
             </a:pPr>
             <a:r>
               <a:rPr lang="en-US" altLang="en-US" dirty="0"/>
-              <a:t>Deciding on control action depends on previous instruction</a:t>
-            </a:r>
-            <a:endParaRPr lang="en-AU" altLang="en-US" dirty="0"/>
+              <a:t>Load/store addressing</a:t>
+            </a:r>
+          </a:p>
+          <a:p>
+            <a:pPr lvl="2">
+              <a:lnSpc>
+                <a:spcPct val="100000"/>
+              </a:lnSpc>
+              <a:spcBef>
+                <a:spcPts val="600"/>
+              </a:spcBef>
+            </a:pPr>
+            <a:r>
+              <a:rPr lang="en-US" altLang="en-US" sz="2800" dirty="0"/>
+              <a:t>Can calculate address in 3</a:t>
+            </a:r>
+            <a:r>
+              <a:rPr lang="en-US" altLang="en-US" sz="2800" baseline="30000" dirty="0"/>
+              <a:t>rd</a:t>
+            </a:r>
+            <a:r>
+              <a:rPr lang="en-US" altLang="en-US" sz="2800" dirty="0"/>
+              <a:t> stage, access memory in 4</a:t>
+            </a:r>
+            <a:r>
+              <a:rPr lang="en-US" altLang="en-US" sz="2800" baseline="30000" dirty="0"/>
+              <a:t>th</a:t>
+            </a:r>
+            <a:r>
+              <a:rPr lang="en-US" altLang="en-US" sz="2800" dirty="0"/>
+              <a:t> stage</a:t>
+            </a:r>
           </a:p>
           <a:p>
             <a:endParaRPr lang="en-US" dirty="0"/>
@@ -15372,7 +15345,7 @@
           <a:p>
             <a:r>
               <a:rPr lang="en-US" altLang="en-US" dirty="0"/>
-              <a:t>Hazards</a:t>
+              <a:t>Pipelining and ISA Design</a:t>
             </a:r>
             <a:endParaRPr lang="en-US" dirty="0"/>
           </a:p>
@@ -15381,7 +15354,7 @@
     </p:spTree>
     <p:extLst>
       <p:ext uri="{BB962C8B-B14F-4D97-AF65-F5344CB8AC3E}">
-        <p14:creationId xmlns:p14="http://schemas.microsoft.com/office/powerpoint/2010/main" val="507449944"/>
+        <p14:creationId xmlns:p14="http://schemas.microsoft.com/office/powerpoint/2010/main" val="919895832"/>
       </p:ext>
     </p:extLst>
   </p:cSld>
@@ -15420,25 +15393,52 @@
         </p:nvSpPr>
         <p:spPr>
           <a:xfrm>
-            <a:off x="838200" y="1266953"/>
-            <a:ext cx="10515600" cy="4997896"/>
+            <a:off x="838200" y="1178053"/>
+            <a:ext cx="10515600" cy="5492304"/>
           </a:xfrm>
         </p:spPr>
         <p:txBody>
-          <a:bodyPr/>
+          <a:bodyPr>
+            <a:normAutofit lnSpcReduction="10000"/>
+          </a:bodyPr>
           <a:lstStyle/>
+          <a:p>
+            <a:pPr marL="0" indent="0" algn="ctr">
+              <a:lnSpc>
+                <a:spcPct val="100000"/>
+              </a:lnSpc>
+              <a:buNone/>
+            </a:pPr>
+            <a:r>
+              <a:rPr lang="en-US" altLang="en-US" sz="4000" dirty="0"/>
+              <a:t>Situations that prevent starting the next instruction in the next cycle</a:t>
+            </a:r>
+          </a:p>
           <a:p>
             <a:pPr>
               <a:lnSpc>
                 <a:spcPct val="100000"/>
               </a:lnSpc>
-              <a:spcBef>
-                <a:spcPts val="600"/>
-              </a:spcBef>
             </a:pPr>
             <a:r>
               <a:rPr lang="en-US" altLang="en-US" dirty="0"/>
-              <a:t>Conflict for use of a resource</a:t>
+              <a:t>Structure </a:t>
+            </a:r>
+            <a:r>
+              <a:rPr lang="en-US" altLang="en-US" dirty="0" smtClean="0"/>
+              <a:t>hazard</a:t>
+            </a:r>
+            <a:endParaRPr lang="en-US" altLang="en-US" dirty="0"/>
+          </a:p>
+          <a:p>
+            <a:pPr lvl="1">
+              <a:lnSpc>
+                <a:spcPct val="100000"/>
+              </a:lnSpc>
+            </a:pPr>
+            <a:r>
+              <a:rPr lang="en-US" altLang="en-US" dirty="0"/>
+              <a:t>A required resource is busy</a:t>
             </a:r>
           </a:p>
           <a:p>
@@ -15446,13 +15446,10 @@
               <a:lnSpc>
                 <a:spcPct val="100000"/>
               </a:lnSpc>
-              <a:spcBef>
-                <a:spcPts val="600"/>
-              </a:spcBef>
             </a:pPr>
             <a:r>
               <a:rPr lang="en-US" altLang="en-US" dirty="0"/>
-              <a:t>In RISC-V pipeline with a single memory</a:t>
+              <a:t>Data hazard</a:t>
             </a:r>
           </a:p>
           <a:p>
@@ -15460,13 +15457,21 @@
               <a:lnSpc>
                 <a:spcPct val="100000"/>
               </a:lnSpc>
-              <a:spcBef>
-                <a:spcPts val="600"/>
-              </a:spcBef>
             </a:pPr>
             <a:r>
               <a:rPr lang="en-US" altLang="en-US" dirty="0"/>
-              <a:t>Load/store requires data access</a:t>
+              <a:t>Need to wait for previous instruction to complete its data read/write</a:t>
+            </a:r>
+          </a:p>
+          <a:p>
+            <a:pPr>
+              <a:lnSpc>
+                <a:spcPct val="100000"/>
+              </a:lnSpc>
+            </a:pPr>
+            <a:r>
+              <a:rPr lang="en-US" altLang="en-US" dirty="0"/>
+              <a:t>Control hazard</a:t>
             </a:r>
           </a:p>
           <a:p>
@@ -15474,77 +15479,15 @@
               <a:lnSpc>
                 <a:spcPct val="100000"/>
               </a:lnSpc>
-              <a:spcBef>
-                <a:spcPts val="600"/>
-              </a:spcBef>
             </a:pPr>
             <a:r>
               <a:rPr lang="en-US" altLang="en-US" dirty="0"/>
-              <a:t>Instruction fetch would have to </a:t>
-            </a:r>
-            <a:r>
-              <a:rPr lang="en-US" altLang="en-US" i="1" dirty="0"/>
-              <a:t>stall</a:t>
-            </a:r>
-            <a:r>
-              <a:rPr lang="en-US" altLang="en-US" dirty="0"/>
-              <a:t> for that cycle</a:t>
-            </a:r>
-          </a:p>
-          <a:p>
-            <a:pPr lvl="2">
-              <a:lnSpc>
-                <a:spcPct val="100000"/>
-              </a:lnSpc>
-              <a:spcBef>
-                <a:spcPts val="600"/>
-              </a:spcBef>
-            </a:pPr>
-            <a:r>
-              <a:rPr lang="en-US" altLang="en-US" sz="2800" dirty="0"/>
-              <a:t>Would cause a pipeline “bubble”</a:t>
-            </a:r>
-          </a:p>
-          <a:p>
-            <a:pPr>
-              <a:lnSpc>
-                <a:spcPct val="100000"/>
-              </a:lnSpc>
-              <a:spcBef>
-                <a:spcPts val="600"/>
-              </a:spcBef>
-            </a:pPr>
-            <a:r>
-              <a:rPr lang="en-US" altLang="en-US" dirty="0"/>
-              <a:t>Hence, pipelined </a:t>
-            </a:r>
-            <a:r>
-              <a:rPr lang="en-US" altLang="en-US" dirty="0" err="1"/>
-              <a:t>datapaths</a:t>
-            </a:r>
-            <a:r>
-              <a:rPr lang="en-US" altLang="en-US" dirty="0"/>
-              <a:t> require separate instruction/data memories</a:t>
-            </a:r>
-          </a:p>
-          <a:p>
-            <a:pPr lvl="1">
-              <a:lnSpc>
-                <a:spcPct val="100000"/>
-              </a:lnSpc>
-              <a:spcBef>
-                <a:spcPts val="600"/>
-              </a:spcBef>
-            </a:pPr>
-            <a:r>
-              <a:rPr lang="en-US" altLang="en-US" dirty="0"/>
-              <a:t>Or separate instruction/data </a:t>
-            </a:r>
-            <a:r>
-              <a:rPr lang="en-US" altLang="en-US" dirty="0" smtClean="0"/>
-              <a:t>caches</a:t>
+              <a:t>Deciding on control action depends on previous instruction</a:t>
             </a:r>
             <a:endParaRPr lang="en-AU" altLang="en-US" dirty="0"/>
+          </a:p>
+          <a:p>
+            <a:endParaRPr lang="en-US" dirty="0"/>
           </a:p>
         </p:txBody>
       </p:sp>
@@ -15590,7 +15533,7 @@
           <a:p>
             <a:r>
               <a:rPr lang="en-US" altLang="en-US" dirty="0"/>
-              <a:t>Structure Hazards</a:t>
+              <a:t>Hazards</a:t>
             </a:r>
             <a:endParaRPr lang="en-US" dirty="0"/>
           </a:p>
@@ -15599,7 +15542,7 @@
     </p:spTree>
     <p:extLst>
       <p:ext uri="{BB962C8B-B14F-4D97-AF65-F5344CB8AC3E}">
-        <p14:creationId xmlns:p14="http://schemas.microsoft.com/office/powerpoint/2010/main" val="2593208842"/>
+        <p14:creationId xmlns:p14="http://schemas.microsoft.com/office/powerpoint/2010/main" val="507449944"/>
       </p:ext>
     </p:extLst>
   </p:cSld>
@@ -15638,74 +15581,131 @@
         </p:nvSpPr>
         <p:spPr>
           <a:xfrm>
-            <a:off x="838200" y="1178053"/>
-            <a:ext cx="10515600" cy="2327147"/>
+            <a:off x="838200" y="1266953"/>
+            <a:ext cx="10515600" cy="4997896"/>
           </a:xfrm>
         </p:spPr>
         <p:txBody>
           <a:bodyPr/>
           <a:lstStyle/>
           <a:p>
+            <a:pPr>
+              <a:lnSpc>
+                <a:spcPct val="100000"/>
+              </a:lnSpc>
+              <a:spcBef>
+                <a:spcPts val="600"/>
+              </a:spcBef>
+            </a:pPr>
             <a:r>
               <a:rPr lang="en-US" altLang="en-US" dirty="0"/>
-              <a:t>An instruction depends on completion of data access by a previous instruction</a:t>
-            </a:r>
-          </a:p>
-          <a:p>
-            <a:pPr lvl="1"/>
-            <a:r>
-              <a:rPr lang="en-US" altLang="en-US" dirty="0">
-                <a:latin typeface="Lucida Console" panose="020B0609040504020204" pitchFamily="49" charset="0"/>
-              </a:rPr>
-              <a:t>add	</a:t>
-            </a:r>
-            <a:r>
-              <a:rPr lang="en-US" altLang="en-US" dirty="0">
-                <a:solidFill>
-                  <a:srgbClr val="FF0000"/>
-                </a:solidFill>
-                <a:latin typeface="Lucida Console" panose="020B0609040504020204" pitchFamily="49" charset="0"/>
-              </a:rPr>
-              <a:t>x19</a:t>
-            </a:r>
-            <a:r>
-              <a:rPr lang="en-US" altLang="en-US" dirty="0">
-                <a:latin typeface="Lucida Console" panose="020B0609040504020204" pitchFamily="49" charset="0"/>
-              </a:rPr>
-              <a:t>, x0, x1</a:t>
-            </a:r>
-            <a:br>
-              <a:rPr lang="en-US" altLang="en-US" dirty="0">
-                <a:latin typeface="Lucida Console" panose="020B0609040504020204" pitchFamily="49" charset="0"/>
-              </a:rPr>
-            </a:br>
-            <a:r>
-              <a:rPr lang="en-US" altLang="en-US" dirty="0">
-                <a:latin typeface="Lucida Console" panose="020B0609040504020204" pitchFamily="49" charset="0"/>
-              </a:rPr>
-              <a:t>sub	x2, </a:t>
-            </a:r>
-            <a:r>
-              <a:rPr lang="en-US" altLang="en-US" dirty="0">
-                <a:solidFill>
-                  <a:srgbClr val="FF0000"/>
-                </a:solidFill>
-                <a:latin typeface="Lucida Console" panose="020B0609040504020204" pitchFamily="49" charset="0"/>
-              </a:rPr>
-              <a:t>x19</a:t>
-            </a:r>
-            <a:r>
-              <a:rPr lang="en-US" altLang="en-US" dirty="0">
-                <a:latin typeface="Lucida Console" panose="020B0609040504020204" pitchFamily="49" charset="0"/>
-              </a:rPr>
-              <a:t>, x3</a:t>
-            </a:r>
-          </a:p>
-          <a:p>
-            <a:pPr marL="0" indent="0">
-              <a:buNone/>
+              <a:t>Conflict for use of a resource</a:t>
+            </a:r>
+          </a:p>
+          <a:p>
+            <a:pPr>
+              <a:lnSpc>
+                <a:spcPct val="100000"/>
+              </a:lnSpc>
+              <a:spcBef>
+                <a:spcPts val="600"/>
+              </a:spcBef>
             </a:pPr>
-            <a:endParaRPr lang="en-US" dirty="0"/>
+            <a:r>
+              <a:rPr lang="en-US" altLang="en-US" dirty="0"/>
+              <a:t>In RISC-V pipeline with a single memory</a:t>
+            </a:r>
+          </a:p>
+          <a:p>
+            <a:pPr lvl="1">
+              <a:lnSpc>
+                <a:spcPct val="100000"/>
+              </a:lnSpc>
+              <a:spcBef>
+                <a:spcPts val="600"/>
+              </a:spcBef>
+            </a:pPr>
+            <a:r>
+              <a:rPr lang="en-US" altLang="en-US" dirty="0"/>
+              <a:t>Load/store requires data access</a:t>
+            </a:r>
+          </a:p>
+          <a:p>
+            <a:pPr lvl="1">
+              <a:lnSpc>
+                <a:spcPct val="100000"/>
+              </a:lnSpc>
+              <a:spcBef>
+                <a:spcPts val="600"/>
+              </a:spcBef>
+            </a:pPr>
+            <a:r>
+              <a:rPr lang="en-US" altLang="en-US" dirty="0"/>
+              <a:t>Instruction fetch would have to </a:t>
+            </a:r>
+            <a:r>
+              <a:rPr lang="en-US" altLang="en-US" i="1" dirty="0"/>
+              <a:t>stall</a:t>
+            </a:r>
+            <a:r>
+              <a:rPr lang="en-US" altLang="en-US" dirty="0"/>
+              <a:t> for that cycle</a:t>
+            </a:r>
+          </a:p>
+          <a:p>
+            <a:pPr lvl="2">
+              <a:lnSpc>
+                <a:spcPct val="100000"/>
+              </a:lnSpc>
+              <a:spcBef>
+                <a:spcPts val="600"/>
+              </a:spcBef>
+            </a:pPr>
+            <a:r>
+              <a:rPr lang="en-US" altLang="en-US" sz="2800" dirty="0"/>
+              <a:t>Would cause a pipeline “bubble”</a:t>
+            </a:r>
+          </a:p>
+          <a:p>
+            <a:pPr>
+              <a:lnSpc>
+                <a:spcPct val="100000"/>
+              </a:lnSpc>
+              <a:spcBef>
+                <a:spcPts val="600"/>
+              </a:spcBef>
+            </a:pPr>
+            <a:r>
+              <a:rPr lang="en-US" altLang="en-US" dirty="0"/>
+              <a:t>Hence, pipelined </a:t>
+            </a:r>
+            <a:r>
+              <a:rPr lang="en-US" altLang="en-US" dirty="0" err="1"/>
+              <a:t>datapaths</a:t>
+            </a:r>
+            <a:r>
+              <a:rPr lang="en-US" altLang="en-US" dirty="0"/>
+              <a:t> require separate instruction/data memories</a:t>
+            </a:r>
+          </a:p>
+          <a:p>
+            <a:pPr lvl="1">
+              <a:lnSpc>
+                <a:spcPct val="100000"/>
+              </a:lnSpc>
+              <a:spcBef>
+                <a:spcPts val="600"/>
+              </a:spcBef>
+            </a:pPr>
+            <a:r>
+              <a:rPr lang="en-US" altLang="en-US" dirty="0"/>
+              <a:t>Or separate instruction/data </a:t>
+            </a:r>
+            <a:r>
+              <a:rPr lang="en-US" altLang="en-US" dirty="0" smtClean="0"/>
+              <a:t>caches</a:t>
+            </a:r>
+            <a:endParaRPr lang="en-AU" altLang="en-US" dirty="0"/>
           </a:p>
         </p:txBody>
       </p:sp>
@@ -15729,6 +15729,167 @@
               <a:rPr lang="ru-RU" smtClean="0"/>
               <a:pPr algn="ctr"/>
               <a:t>26</a:t>
+            </a:fld>
+            <a:endParaRPr lang="ru-RU" dirty="0"/>
+          </a:p>
+        </p:txBody>
+      </p:sp>
+      <p:sp>
+        <p:nvSpPr>
+          <p:cNvPr id="4" name="Title 3"/>
+          <p:cNvSpPr>
+            <a:spLocks noGrp="1"/>
+          </p:cNvSpPr>
+          <p:nvPr>
+            <p:ph type="title"/>
+          </p:nvPr>
+        </p:nvSpPr>
+        <p:spPr/>
+        <p:txBody>
+          <a:bodyPr/>
+          <a:lstStyle/>
+          <a:p>
+            <a:r>
+              <a:rPr lang="en-US" altLang="en-US" dirty="0"/>
+              <a:t>Structure Hazards</a:t>
+            </a:r>
+            <a:endParaRPr lang="en-US" dirty="0"/>
+          </a:p>
+        </p:txBody>
+      </p:sp>
+    </p:spTree>
+    <p:extLst>
+      <p:ext uri="{BB962C8B-B14F-4D97-AF65-F5344CB8AC3E}">
+        <p14:creationId xmlns:p14="http://schemas.microsoft.com/office/powerpoint/2010/main" val="2593208842"/>
+      </p:ext>
+    </p:extLst>
+  </p:cSld>
+  <p:clrMapOvr>
+    <a:masterClrMapping/>
+  </p:clrMapOvr>
+</p:sld>
+</file>
+
+<file path=ppt/slides/slide27.xml><?xml version="1.0" encoding="utf-8"?>
+<p:sld xmlns:a="http://schemas.openxmlformats.org/drawingml/2006/main" xmlns:r="http://schemas.openxmlformats.org/officeDocument/2006/relationships" xmlns:p="http://schemas.openxmlformats.org/presentationml/2006/main">
+  <p:cSld>
+    <p:spTree>
+      <p:nvGrpSpPr>
+        <p:cNvPr id="1" name=""/>
+        <p:cNvGrpSpPr/>
+        <p:nvPr/>
+      </p:nvGrpSpPr>
+      <p:grpSpPr>
+        <a:xfrm>
+          <a:off x="0" y="0"/>
+          <a:ext cx="0" cy="0"/>
+          <a:chOff x="0" y="0"/>
+          <a:chExt cx="0" cy="0"/>
+        </a:xfrm>
+      </p:grpSpPr>
+      <p:sp>
+        <p:nvSpPr>
+          <p:cNvPr id="2" name="Content Placeholder 1"/>
+          <p:cNvSpPr>
+            <a:spLocks noGrp="1"/>
+          </p:cNvSpPr>
+          <p:nvPr>
+            <p:ph idx="1"/>
+          </p:nvPr>
+        </p:nvSpPr>
+        <p:spPr>
+          <a:xfrm>
+            <a:off x="838200" y="1178053"/>
+            <a:ext cx="10515600" cy="2327147"/>
+          </a:xfrm>
+        </p:spPr>
+        <p:txBody>
+          <a:bodyPr/>
+          <a:lstStyle/>
+          <a:p>
+            <a:r>
+              <a:rPr lang="en-US" altLang="en-US" dirty="0"/>
+              <a:t>An instruction depends on completion of data access by a previous instruction</a:t>
+            </a:r>
+          </a:p>
+          <a:p>
+            <a:pPr lvl="1"/>
+            <a:r>
+              <a:rPr lang="en-US" altLang="en-US" dirty="0">
+                <a:latin typeface="Lucida Console" panose="020B0609040504020204" pitchFamily="49" charset="0"/>
+              </a:rPr>
+              <a:t>add	</a:t>
+            </a:r>
+            <a:r>
+              <a:rPr lang="en-US" altLang="en-US" dirty="0">
+                <a:solidFill>
+                  <a:srgbClr val="FF0000"/>
+                </a:solidFill>
+                <a:latin typeface="Lucida Console" panose="020B0609040504020204" pitchFamily="49" charset="0"/>
+              </a:rPr>
+              <a:t>x19</a:t>
+            </a:r>
+            <a:r>
+              <a:rPr lang="en-US" altLang="en-US" dirty="0">
+                <a:latin typeface="Lucida Console" panose="020B0609040504020204" pitchFamily="49" charset="0"/>
+              </a:rPr>
+              <a:t>, x0, x1</a:t>
+            </a:r>
+            <a:br>
+              <a:rPr lang="en-US" altLang="en-US" dirty="0">
+                <a:latin typeface="Lucida Console" panose="020B0609040504020204" pitchFamily="49" charset="0"/>
+              </a:rPr>
+            </a:br>
+            <a:r>
+              <a:rPr lang="en-US" altLang="en-US" dirty="0">
+                <a:latin typeface="Lucida Console" panose="020B0609040504020204" pitchFamily="49" charset="0"/>
+              </a:rPr>
+              <a:t>sub	x2, </a:t>
+            </a:r>
+            <a:r>
+              <a:rPr lang="en-US" altLang="en-US" dirty="0">
+                <a:solidFill>
+                  <a:srgbClr val="FF0000"/>
+                </a:solidFill>
+                <a:latin typeface="Lucida Console" panose="020B0609040504020204" pitchFamily="49" charset="0"/>
+              </a:rPr>
+              <a:t>x19</a:t>
+            </a:r>
+            <a:r>
+              <a:rPr lang="en-US" altLang="en-US" dirty="0">
+                <a:latin typeface="Lucida Console" panose="020B0609040504020204" pitchFamily="49" charset="0"/>
+              </a:rPr>
+              <a:t>, x3</a:t>
+            </a:r>
+          </a:p>
+          <a:p>
+            <a:pPr marL="0" indent="0">
+              <a:buNone/>
+            </a:pPr>
+            <a:endParaRPr lang="en-US" dirty="0"/>
+          </a:p>
+        </p:txBody>
+      </p:sp>
+      <p:sp>
+        <p:nvSpPr>
+          <p:cNvPr id="3" name="Slide Number Placeholder 2"/>
+          <p:cNvSpPr>
+            <a:spLocks noGrp="1"/>
+          </p:cNvSpPr>
+          <p:nvPr>
+            <p:ph type="sldNum" sz="quarter" idx="12"/>
+          </p:nvPr>
+        </p:nvSpPr>
+        <p:spPr/>
+        <p:txBody>
+          <a:bodyPr/>
+          <a:lstStyle/>
+          <a:p>
+            <a:pPr algn="ctr"/>
+            <a:fld id="{1397BFD8-F312-4EF2-A268-44FB4BDDBBB0}" type="slidenum">
+              <a:rPr lang="ru-RU" smtClean="0"/>
+              <a:pPr algn="ctr"/>
+              <a:t>27</a:t>
             </a:fld>
             <a:endParaRPr lang="ru-RU" dirty="0"/>
           </a:p>
@@ -15824,7 +15985,7 @@
 </p:sld>
 </file>
 
-<file path=ppt/slides/slide27.xml><?xml version="1.0" encoding="utf-8"?>
+<file path=ppt/slides/slide28.xml><?xml version="1.0" encoding="utf-8"?>
 <p:sld xmlns:a="http://schemas.openxmlformats.org/drawingml/2006/main" xmlns:r="http://schemas.openxmlformats.org/officeDocument/2006/relationships" xmlns:p="http://schemas.openxmlformats.org/presentationml/2006/main">
   <p:cSld>
     <p:spTree>
@@ -15906,7 +16067,7 @@
             <a:fld id="{1397BFD8-F312-4EF2-A268-44FB4BDDBBB0}" type="slidenum">
               <a:rPr lang="ru-RU" smtClean="0"/>
               <a:pPr algn="ctr"/>
-              <a:t>27</a:t>
+              <a:t>28</a:t>
             </a:fld>
             <a:endParaRPr lang="ru-RU" dirty="0"/>
           </a:p>
@@ -16002,7 +16163,7 @@
 </p:sld>
 </file>
 
-<file path=ppt/slides/slide28.xml><?xml version="1.0" encoding="utf-8"?>
+<file path=ppt/slides/slide29.xml><?xml version="1.0" encoding="utf-8"?>
 <p:sld xmlns:a="http://schemas.openxmlformats.org/drawingml/2006/main" xmlns:r="http://schemas.openxmlformats.org/officeDocument/2006/relationships" xmlns:p="http://schemas.openxmlformats.org/presentationml/2006/main">
   <p:cSld>
     <p:spTree>
@@ -16092,7 +16253,7 @@
             <a:fld id="{1397BFD8-F312-4EF2-A268-44FB4BDDBBB0}" type="slidenum">
               <a:rPr lang="ru-RU" smtClean="0"/>
               <a:pPr algn="ctr"/>
-              <a:t>28</a:t>
+              <a:t>29</a:t>
             </a:fld>
             <a:endParaRPr lang="ru-RU" dirty="0"/>
           </a:p>
@@ -16188,7 +16349,276 @@
 </p:sld>
 </file>
 
-<file path=ppt/slides/slide29.xml><?xml version="1.0" encoding="utf-8"?>
+<file path=ppt/slides/slide3.xml><?xml version="1.0" encoding="utf-8"?>
+<p:sld xmlns:a="http://schemas.openxmlformats.org/drawingml/2006/main" xmlns:r="http://schemas.openxmlformats.org/officeDocument/2006/relationships" xmlns:p="http://schemas.openxmlformats.org/presentationml/2006/main">
+  <p:cSld>
+    <p:spTree>
+      <p:nvGrpSpPr>
+        <p:cNvPr id="1" name=""/>
+        <p:cNvGrpSpPr/>
+        <p:nvPr/>
+      </p:nvGrpSpPr>
+      <p:grpSpPr>
+        <a:xfrm>
+          <a:off x="0" y="0"/>
+          <a:ext cx="0" cy="0"/>
+          <a:chOff x="0" y="0"/>
+          <a:chExt cx="0" cy="0"/>
+        </a:xfrm>
+      </p:grpSpPr>
+      <p:sp>
+        <p:nvSpPr>
+          <p:cNvPr id="2" name="Content Placeholder 1"/>
+          <p:cNvSpPr>
+            <a:spLocks noGrp="1"/>
+          </p:cNvSpPr>
+          <p:nvPr>
+            <p:ph idx="1"/>
+          </p:nvPr>
+        </p:nvSpPr>
+        <p:spPr>
+          <a:xfrm>
+            <a:off x="838200" y="1178052"/>
+            <a:ext cx="10515600" cy="5369051"/>
+          </a:xfrm>
+        </p:spPr>
+        <p:txBody>
+          <a:bodyPr>
+            <a:normAutofit/>
+          </a:bodyPr>
+          <a:lstStyle/>
+          <a:p>
+            <a:pPr>
+              <a:lnSpc>
+                <a:spcPct val="100000"/>
+              </a:lnSpc>
+              <a:spcBef>
+                <a:spcPts val="600"/>
+              </a:spcBef>
+            </a:pPr>
+            <a:r>
+              <a:rPr lang="en-US" altLang="en-US" dirty="0"/>
+              <a:t>PC </a:t>
+            </a:r>
+            <a:r>
+              <a:rPr lang="en-US" altLang="en-US" dirty="0">
+                <a:sym typeface="Symbol" panose="05050102010706020507" pitchFamily="18" charset="2"/>
+              </a:rPr>
+              <a:t> instruction memory, fetch instruction</a:t>
+            </a:r>
+          </a:p>
+          <a:p>
+            <a:pPr>
+              <a:lnSpc>
+                <a:spcPct val="100000"/>
+              </a:lnSpc>
+              <a:spcBef>
+                <a:spcPts val="600"/>
+              </a:spcBef>
+            </a:pPr>
+            <a:r>
+              <a:rPr lang="en-US" altLang="en-US" dirty="0">
+                <a:sym typeface="Symbol" panose="05050102010706020507" pitchFamily="18" charset="2"/>
+              </a:rPr>
+              <a:t>Register numbers</a:t>
+            </a:r>
+            <a:r>
+              <a:rPr lang="en-US" altLang="en-US" dirty="0"/>
+              <a:t> </a:t>
+            </a:r>
+            <a:r>
+              <a:rPr lang="en-US" altLang="en-US" dirty="0">
+                <a:sym typeface="Symbol" panose="05050102010706020507" pitchFamily="18" charset="2"/>
+              </a:rPr>
+              <a:t> register file, read registers</a:t>
+            </a:r>
+          </a:p>
+          <a:p>
+            <a:pPr>
+              <a:lnSpc>
+                <a:spcPct val="100000"/>
+              </a:lnSpc>
+              <a:spcBef>
+                <a:spcPts val="600"/>
+              </a:spcBef>
+            </a:pPr>
+            <a:r>
+              <a:rPr lang="en-US" altLang="en-US" dirty="0">
+                <a:sym typeface="Symbol" panose="05050102010706020507" pitchFamily="18" charset="2"/>
+              </a:rPr>
+              <a:t>Depending on instruction class</a:t>
+            </a:r>
+          </a:p>
+          <a:p>
+            <a:pPr lvl="1">
+              <a:lnSpc>
+                <a:spcPct val="100000"/>
+              </a:lnSpc>
+              <a:spcBef>
+                <a:spcPts val="600"/>
+              </a:spcBef>
+            </a:pPr>
+            <a:r>
+              <a:rPr lang="en-US" altLang="en-US" dirty="0">
+                <a:sym typeface="Symbol" panose="05050102010706020507" pitchFamily="18" charset="2"/>
+              </a:rPr>
+              <a:t>Use ALU to calculate</a:t>
+            </a:r>
+          </a:p>
+          <a:p>
+            <a:pPr lvl="2">
+              <a:lnSpc>
+                <a:spcPct val="100000"/>
+              </a:lnSpc>
+              <a:spcBef>
+                <a:spcPts val="600"/>
+              </a:spcBef>
+            </a:pPr>
+            <a:r>
+              <a:rPr lang="en-US" altLang="en-US" sz="2800" dirty="0">
+                <a:sym typeface="Symbol" panose="05050102010706020507" pitchFamily="18" charset="2"/>
+              </a:rPr>
+              <a:t>Arithmetic result</a:t>
+            </a:r>
+          </a:p>
+          <a:p>
+            <a:pPr lvl="2">
+              <a:lnSpc>
+                <a:spcPct val="100000"/>
+              </a:lnSpc>
+              <a:spcBef>
+                <a:spcPts val="600"/>
+              </a:spcBef>
+            </a:pPr>
+            <a:r>
+              <a:rPr lang="en-US" altLang="en-US" sz="2800" dirty="0">
+                <a:sym typeface="Symbol" panose="05050102010706020507" pitchFamily="18" charset="2"/>
+              </a:rPr>
+              <a:t>Memory address for load/store</a:t>
+            </a:r>
+          </a:p>
+          <a:p>
+            <a:pPr lvl="2">
+              <a:lnSpc>
+                <a:spcPct val="100000"/>
+              </a:lnSpc>
+              <a:spcBef>
+                <a:spcPts val="600"/>
+              </a:spcBef>
+            </a:pPr>
+            <a:r>
+              <a:rPr lang="en-US" altLang="en-US" sz="2800" dirty="0">
+                <a:sym typeface="Symbol" panose="05050102010706020507" pitchFamily="18" charset="2"/>
+              </a:rPr>
+              <a:t>Branch comparison</a:t>
+            </a:r>
+          </a:p>
+          <a:p>
+            <a:pPr lvl="1">
+              <a:lnSpc>
+                <a:spcPct val="100000"/>
+              </a:lnSpc>
+              <a:spcBef>
+                <a:spcPts val="600"/>
+              </a:spcBef>
+            </a:pPr>
+            <a:r>
+              <a:rPr lang="en-US" altLang="en-US" dirty="0">
+                <a:sym typeface="Symbol" panose="05050102010706020507" pitchFamily="18" charset="2"/>
+              </a:rPr>
+              <a:t>Access data memory for load/store</a:t>
+            </a:r>
+          </a:p>
+          <a:p>
+            <a:pPr lvl="1">
+              <a:lnSpc>
+                <a:spcPct val="100000"/>
+              </a:lnSpc>
+              <a:spcBef>
+                <a:spcPts val="600"/>
+              </a:spcBef>
+            </a:pPr>
+            <a:r>
+              <a:rPr lang="en-US" altLang="en-US" dirty="0">
+                <a:sym typeface="Symbol" panose="05050102010706020507" pitchFamily="18" charset="2"/>
+              </a:rPr>
+              <a:t>PC  target address or PC + 4</a:t>
+            </a:r>
+          </a:p>
+          <a:p>
+            <a:endParaRPr lang="en-US" dirty="0"/>
+          </a:p>
+        </p:txBody>
+      </p:sp>
+      <p:sp>
+        <p:nvSpPr>
+          <p:cNvPr id="3" name="Slide Number Placeholder 2"/>
+          <p:cNvSpPr>
+            <a:spLocks noGrp="1"/>
+          </p:cNvSpPr>
+          <p:nvPr>
+            <p:ph type="sldNum" sz="quarter" idx="12"/>
+          </p:nvPr>
+        </p:nvSpPr>
+        <p:spPr/>
+        <p:txBody>
+          <a:bodyPr/>
+          <a:lstStyle/>
+          <a:p>
+            <a:pPr algn="ctr"/>
+            <a:fld id="{1397BFD8-F312-4EF2-A268-44FB4BDDBBB0}" type="slidenum">
+              <a:rPr lang="ru-RU" smtClean="0"/>
+              <a:pPr algn="ctr"/>
+              <a:t>3</a:t>
+            </a:fld>
+            <a:endParaRPr lang="ru-RU" dirty="0"/>
+          </a:p>
+        </p:txBody>
+      </p:sp>
+      <p:sp>
+        <p:nvSpPr>
+          <p:cNvPr id="4" name="Title 3"/>
+          <p:cNvSpPr>
+            <a:spLocks noGrp="1"/>
+          </p:cNvSpPr>
+          <p:nvPr>
+            <p:ph type="title"/>
+          </p:nvPr>
+        </p:nvSpPr>
+        <p:spPr/>
+        <p:txBody>
+          <a:bodyPr/>
+          <a:lstStyle/>
+          <a:p>
+            <a:r>
+              <a:rPr lang="en-US" dirty="0" smtClean="0"/>
+              <a:t>Instruction Execution</a:t>
+            </a:r>
+            <a:endParaRPr lang="en-US" dirty="0"/>
+          </a:p>
+        </p:txBody>
+      </p:sp>
+    </p:spTree>
+    <p:extLst>
+      <p:ext uri="{BB962C8B-B14F-4D97-AF65-F5344CB8AC3E}">
+        <p14:creationId xmlns:p14="http://schemas.microsoft.com/office/powerpoint/2010/main" val="345533654"/>
+      </p:ext>
+    </p:extLst>
+  </p:cSld>
+  <p:clrMapOvr>
+    <a:masterClrMapping/>
+  </p:clrMapOvr>
+  <p:timing>
+    <p:tnLst>
+      <p:par>
+        <p:cTn id="1" dur="indefinite" restart="never" nodeType="tmRoot"/>
+      </p:par>
+    </p:tnLst>
+  </p:timing>
+</p:sld>
+</file>
+
+<file path=ppt/slides/slide30.xml><?xml version="1.0" encoding="utf-8"?>
 <p:sld xmlns:a="http://schemas.openxmlformats.org/drawingml/2006/main" xmlns:r="http://schemas.openxmlformats.org/officeDocument/2006/relationships" xmlns:p="http://schemas.openxmlformats.org/presentationml/2006/main">
   <p:cSld>
     <p:spTree>
@@ -16272,7 +16702,7 @@
             <a:fld id="{1397BFD8-F312-4EF2-A268-44FB4BDDBBB0}" type="slidenum">
               <a:rPr lang="ru-RU" smtClean="0"/>
               <a:pPr algn="ctr"/>
-              <a:t>29</a:t>
+              <a:t>30</a:t>
             </a:fld>
             <a:endParaRPr lang="ru-RU" dirty="0"/>
           </a:p>
@@ -19981,276 +20411,7 @@
 </p:sld>
 </file>
 
-<file path=ppt/slides/slide3.xml><?xml version="1.0" encoding="utf-8"?>
-<p:sld xmlns:a="http://schemas.openxmlformats.org/drawingml/2006/main" xmlns:r="http://schemas.openxmlformats.org/officeDocument/2006/relationships" xmlns:p="http://schemas.openxmlformats.org/presentationml/2006/main">
-  <p:cSld>
-    <p:spTree>
-      <p:nvGrpSpPr>
-        <p:cNvPr id="1" name=""/>
-        <p:cNvGrpSpPr/>
-        <p:nvPr/>
-      </p:nvGrpSpPr>
-      <p:grpSpPr>
-        <a:xfrm>
-          <a:off x="0" y="0"/>
-          <a:ext cx="0" cy="0"/>
-          <a:chOff x="0" y="0"/>
-          <a:chExt cx="0" cy="0"/>
-        </a:xfrm>
-      </p:grpSpPr>
-      <p:sp>
-        <p:nvSpPr>
-          <p:cNvPr id="2" name="Content Placeholder 1"/>
-          <p:cNvSpPr>
-            <a:spLocks noGrp="1"/>
-          </p:cNvSpPr>
-          <p:nvPr>
-            <p:ph idx="1"/>
-          </p:nvPr>
-        </p:nvSpPr>
-        <p:spPr>
-          <a:xfrm>
-            <a:off x="838200" y="1178052"/>
-            <a:ext cx="10515600" cy="5369051"/>
-          </a:xfrm>
-        </p:spPr>
-        <p:txBody>
-          <a:bodyPr>
-            <a:normAutofit/>
-          </a:bodyPr>
-          <a:lstStyle/>
-          <a:p>
-            <a:pPr>
-              <a:lnSpc>
-                <a:spcPct val="100000"/>
-              </a:lnSpc>
-              <a:spcBef>
-                <a:spcPts val="600"/>
-              </a:spcBef>
-            </a:pPr>
-            <a:r>
-              <a:rPr lang="en-US" altLang="en-US" dirty="0"/>
-              <a:t>PC </a:t>
-            </a:r>
-            <a:r>
-              <a:rPr lang="en-US" altLang="en-US" dirty="0">
-                <a:sym typeface="Symbol" panose="05050102010706020507" pitchFamily="18" charset="2"/>
-              </a:rPr>
-              <a:t> instruction memory, fetch instruction</a:t>
-            </a:r>
-          </a:p>
-          <a:p>
-            <a:pPr>
-              <a:lnSpc>
-                <a:spcPct val="100000"/>
-              </a:lnSpc>
-              <a:spcBef>
-                <a:spcPts val="600"/>
-              </a:spcBef>
-            </a:pPr>
-            <a:r>
-              <a:rPr lang="en-US" altLang="en-US" dirty="0">
-                <a:sym typeface="Symbol" panose="05050102010706020507" pitchFamily="18" charset="2"/>
-              </a:rPr>
-              <a:t>Register numbers</a:t>
-            </a:r>
-            <a:r>
-              <a:rPr lang="en-US" altLang="en-US" dirty="0"/>
-              <a:t> </a:t>
-            </a:r>
-            <a:r>
-              <a:rPr lang="en-US" altLang="en-US" dirty="0">
-                <a:sym typeface="Symbol" panose="05050102010706020507" pitchFamily="18" charset="2"/>
-              </a:rPr>
-              <a:t> register file, read registers</a:t>
-            </a:r>
-          </a:p>
-          <a:p>
-            <a:pPr>
-              <a:lnSpc>
-                <a:spcPct val="100000"/>
-              </a:lnSpc>
-              <a:spcBef>
-                <a:spcPts val="600"/>
-              </a:spcBef>
-            </a:pPr>
-            <a:r>
-              <a:rPr lang="en-US" altLang="en-US" dirty="0">
-                <a:sym typeface="Symbol" panose="05050102010706020507" pitchFamily="18" charset="2"/>
-              </a:rPr>
-              <a:t>Depending on instruction class</a:t>
-            </a:r>
-          </a:p>
-          <a:p>
-            <a:pPr lvl="1">
-              <a:lnSpc>
-                <a:spcPct val="100000"/>
-              </a:lnSpc>
-              <a:spcBef>
-                <a:spcPts val="600"/>
-              </a:spcBef>
-            </a:pPr>
-            <a:r>
-              <a:rPr lang="en-US" altLang="en-US" dirty="0">
-                <a:sym typeface="Symbol" panose="05050102010706020507" pitchFamily="18" charset="2"/>
-              </a:rPr>
-              <a:t>Use ALU to calculate</a:t>
-            </a:r>
-          </a:p>
-          <a:p>
-            <a:pPr lvl="2">
-              <a:lnSpc>
-                <a:spcPct val="100000"/>
-              </a:lnSpc>
-              <a:spcBef>
-                <a:spcPts val="600"/>
-              </a:spcBef>
-            </a:pPr>
-            <a:r>
-              <a:rPr lang="en-US" altLang="en-US" sz="2800" dirty="0">
-                <a:sym typeface="Symbol" panose="05050102010706020507" pitchFamily="18" charset="2"/>
-              </a:rPr>
-              <a:t>Arithmetic result</a:t>
-            </a:r>
-          </a:p>
-          <a:p>
-            <a:pPr lvl="2">
-              <a:lnSpc>
-                <a:spcPct val="100000"/>
-              </a:lnSpc>
-              <a:spcBef>
-                <a:spcPts val="600"/>
-              </a:spcBef>
-            </a:pPr>
-            <a:r>
-              <a:rPr lang="en-US" altLang="en-US" sz="2800" dirty="0">
-                <a:sym typeface="Symbol" panose="05050102010706020507" pitchFamily="18" charset="2"/>
-              </a:rPr>
-              <a:t>Memory address for load/store</a:t>
-            </a:r>
-          </a:p>
-          <a:p>
-            <a:pPr lvl="2">
-              <a:lnSpc>
-                <a:spcPct val="100000"/>
-              </a:lnSpc>
-              <a:spcBef>
-                <a:spcPts val="600"/>
-              </a:spcBef>
-            </a:pPr>
-            <a:r>
-              <a:rPr lang="en-US" altLang="en-US" sz="2800" dirty="0">
-                <a:sym typeface="Symbol" panose="05050102010706020507" pitchFamily="18" charset="2"/>
-              </a:rPr>
-              <a:t>Branch comparison</a:t>
-            </a:r>
-          </a:p>
-          <a:p>
-            <a:pPr lvl="1">
-              <a:lnSpc>
-                <a:spcPct val="100000"/>
-              </a:lnSpc>
-              <a:spcBef>
-                <a:spcPts val="600"/>
-              </a:spcBef>
-            </a:pPr>
-            <a:r>
-              <a:rPr lang="en-US" altLang="en-US" dirty="0">
-                <a:sym typeface="Symbol" panose="05050102010706020507" pitchFamily="18" charset="2"/>
-              </a:rPr>
-              <a:t>Access data memory for load/store</a:t>
-            </a:r>
-          </a:p>
-          <a:p>
-            <a:pPr lvl="1">
-              <a:lnSpc>
-                <a:spcPct val="100000"/>
-              </a:lnSpc>
-              <a:spcBef>
-                <a:spcPts val="600"/>
-              </a:spcBef>
-            </a:pPr>
-            <a:r>
-              <a:rPr lang="en-US" altLang="en-US" dirty="0">
-                <a:sym typeface="Symbol" panose="05050102010706020507" pitchFamily="18" charset="2"/>
-              </a:rPr>
-              <a:t>PC  target address or PC + 4</a:t>
-            </a:r>
-          </a:p>
-          <a:p>
-            <a:endParaRPr lang="en-US" dirty="0"/>
-          </a:p>
-        </p:txBody>
-      </p:sp>
-      <p:sp>
-        <p:nvSpPr>
-          <p:cNvPr id="3" name="Slide Number Placeholder 2"/>
-          <p:cNvSpPr>
-            <a:spLocks noGrp="1"/>
-          </p:cNvSpPr>
-          <p:nvPr>
-            <p:ph type="sldNum" sz="quarter" idx="12"/>
-          </p:nvPr>
-        </p:nvSpPr>
-        <p:spPr/>
-        <p:txBody>
-          <a:bodyPr/>
-          <a:lstStyle/>
-          <a:p>
-            <a:pPr algn="ctr"/>
-            <a:fld id="{1397BFD8-F312-4EF2-A268-44FB4BDDBBB0}" type="slidenum">
-              <a:rPr lang="ru-RU" smtClean="0"/>
-              <a:pPr algn="ctr"/>
-              <a:t>3</a:t>
-            </a:fld>
-            <a:endParaRPr lang="ru-RU" dirty="0"/>
-          </a:p>
-        </p:txBody>
-      </p:sp>
-      <p:sp>
-        <p:nvSpPr>
-          <p:cNvPr id="4" name="Title 3"/>
-          <p:cNvSpPr>
-            <a:spLocks noGrp="1"/>
-          </p:cNvSpPr>
-          <p:nvPr>
-            <p:ph type="title"/>
-          </p:nvPr>
-        </p:nvSpPr>
-        <p:spPr/>
-        <p:txBody>
-          <a:bodyPr/>
-          <a:lstStyle/>
-          <a:p>
-            <a:r>
-              <a:rPr lang="en-US" dirty="0" smtClean="0"/>
-              <a:t>Instruction Execution</a:t>
-            </a:r>
-            <a:endParaRPr lang="en-US" dirty="0"/>
-          </a:p>
-        </p:txBody>
-      </p:sp>
-    </p:spTree>
-    <p:extLst>
-      <p:ext uri="{BB962C8B-B14F-4D97-AF65-F5344CB8AC3E}">
-        <p14:creationId xmlns:p14="http://schemas.microsoft.com/office/powerpoint/2010/main" val="345533654"/>
-      </p:ext>
-    </p:extLst>
-  </p:cSld>
-  <p:clrMapOvr>
-    <a:masterClrMapping/>
-  </p:clrMapOvr>
-  <p:timing>
-    <p:tnLst>
-      <p:par>
-        <p:cTn id="1" dur="indefinite" restart="never" nodeType="tmRoot"/>
-      </p:par>
-    </p:tnLst>
-  </p:timing>
-</p:sld>
-</file>
-
-<file path=ppt/slides/slide30.xml><?xml version="1.0" encoding="utf-8"?>
+<file path=ppt/slides/slide31.xml><?xml version="1.0" encoding="utf-8"?>
 <p:sld xmlns:a="http://schemas.openxmlformats.org/drawingml/2006/main" xmlns:r="http://schemas.openxmlformats.org/officeDocument/2006/relationships" xmlns:p="http://schemas.openxmlformats.org/presentationml/2006/main">
   <p:cSld>
     <p:spTree>
@@ -20409,7 +20570,7 @@
             <a:fld id="{1397BFD8-F312-4EF2-A268-44FB4BDDBBB0}" type="slidenum">
               <a:rPr lang="ru-RU" smtClean="0"/>
               <a:pPr algn="ctr"/>
-              <a:t>30</a:t>
+              <a:t>31</a:t>
             </a:fld>
             <a:endParaRPr lang="ru-RU" dirty="0"/>
           </a:p>
@@ -20451,7 +20612,7 @@
 </p:sld>
 </file>
 
-<file path=ppt/slides/slide31.xml><?xml version="1.0" encoding="utf-8"?>
+<file path=ppt/slides/slide32.xml><?xml version="1.0" encoding="utf-8"?>
 <p:sld xmlns:a="http://schemas.openxmlformats.org/drawingml/2006/main" xmlns:r="http://schemas.openxmlformats.org/officeDocument/2006/relationships" xmlns:p="http://schemas.openxmlformats.org/presentationml/2006/main">
   <p:cSld>
     <p:spTree>
@@ -20519,7 +20680,7 @@
             <a:fld id="{1397BFD8-F312-4EF2-A268-44FB4BDDBBB0}" type="slidenum">
               <a:rPr lang="ru-RU" smtClean="0"/>
               <a:pPr algn="ctr"/>
-              <a:t>31</a:t>
+              <a:t>32</a:t>
             </a:fld>
             <a:endParaRPr lang="ru-RU" dirty="0"/>
           </a:p>
@@ -20615,7 +20776,7 @@
 </p:sld>
 </file>
 
-<file path=ppt/slides/slide32.xml><?xml version="1.0" encoding="utf-8"?>
+<file path=ppt/slides/slide33.xml><?xml version="1.0" encoding="utf-8"?>
 <p:sld xmlns:a="http://schemas.openxmlformats.org/drawingml/2006/main" xmlns:r="http://schemas.openxmlformats.org/officeDocument/2006/relationships" xmlns:p="http://schemas.openxmlformats.org/presentationml/2006/main">
   <p:cSld>
     <p:spTree>
@@ -20777,7 +20938,7 @@
             <a:fld id="{1397BFD8-F312-4EF2-A268-44FB4BDDBBB0}" type="slidenum">
               <a:rPr lang="ru-RU" smtClean="0"/>
               <a:pPr algn="ctr"/>
-              <a:t>32</a:t>
+              <a:t>33</a:t>
             </a:fld>
             <a:endParaRPr lang="ru-RU" dirty="0"/>
           </a:p>
@@ -20810,178 +20971,6 @@
     <p:extLst>
       <p:ext uri="{BB962C8B-B14F-4D97-AF65-F5344CB8AC3E}">
         <p14:creationId xmlns:p14="http://schemas.microsoft.com/office/powerpoint/2010/main" val="1977233593"/>
-      </p:ext>
-    </p:extLst>
-  </p:cSld>
-  <p:clrMapOvr>
-    <a:masterClrMapping/>
-  </p:clrMapOvr>
-</p:sld>
-</file>
-
-<file path=ppt/slides/slide33.xml><?xml version="1.0" encoding="utf-8"?>
-<p:sld xmlns:a="http://schemas.openxmlformats.org/drawingml/2006/main" xmlns:r="http://schemas.openxmlformats.org/officeDocument/2006/relationships" xmlns:p="http://schemas.openxmlformats.org/presentationml/2006/main">
-  <p:cSld>
-    <p:spTree>
-      <p:nvGrpSpPr>
-        <p:cNvPr id="1" name=""/>
-        <p:cNvGrpSpPr/>
-        <p:nvPr/>
-      </p:nvGrpSpPr>
-      <p:grpSpPr>
-        <a:xfrm>
-          <a:off x="0" y="0"/>
-          <a:ext cx="0" cy="0"/>
-          <a:chOff x="0" y="0"/>
-          <a:chExt cx="0" cy="0"/>
-        </a:xfrm>
-      </p:grpSpPr>
-      <p:sp>
-        <p:nvSpPr>
-          <p:cNvPr id="2" name="Content Placeholder 1"/>
-          <p:cNvSpPr>
-            <a:spLocks noGrp="1"/>
-          </p:cNvSpPr>
-          <p:nvPr>
-            <p:ph idx="1"/>
-          </p:nvPr>
-        </p:nvSpPr>
-        <p:spPr>
-          <a:xfrm>
-            <a:off x="838200" y="1178053"/>
-            <a:ext cx="10515600" cy="5171947"/>
-          </a:xfrm>
-        </p:spPr>
-        <p:txBody>
-          <a:bodyPr/>
-          <a:lstStyle/>
-          <a:p>
-            <a:r>
-              <a:rPr lang="en-US" altLang="en-US" dirty="0"/>
-              <a:t>Static branch prediction</a:t>
-            </a:r>
-          </a:p>
-          <a:p>
-            <a:pPr lvl="1"/>
-            <a:r>
-              <a:rPr lang="en-US" altLang="en-US" dirty="0"/>
-              <a:t>Based on typical branch behavior</a:t>
-            </a:r>
-          </a:p>
-          <a:p>
-            <a:pPr lvl="1"/>
-            <a:r>
-              <a:rPr lang="en-US" altLang="en-US" dirty="0"/>
-              <a:t>Example: loop and if-statement branches</a:t>
-            </a:r>
-          </a:p>
-          <a:p>
-            <a:pPr lvl="2"/>
-            <a:r>
-              <a:rPr lang="en-US" altLang="en-US" sz="2800" dirty="0"/>
-              <a:t>Predict backward branches taken</a:t>
-            </a:r>
-          </a:p>
-          <a:p>
-            <a:pPr lvl="2"/>
-            <a:r>
-              <a:rPr lang="en-US" altLang="en-US" sz="2800" dirty="0"/>
-              <a:t>Predict forward branches not taken</a:t>
-            </a:r>
-          </a:p>
-          <a:p>
-            <a:r>
-              <a:rPr lang="en-US" altLang="en-US" dirty="0"/>
-              <a:t>Dynamic branch prediction</a:t>
-            </a:r>
-          </a:p>
-          <a:p>
-            <a:pPr lvl="1"/>
-            <a:r>
-              <a:rPr lang="en-US" altLang="en-US" dirty="0"/>
-              <a:t>Hardware measures actual branch behavior</a:t>
-            </a:r>
-          </a:p>
-          <a:p>
-            <a:pPr lvl="2"/>
-            <a:r>
-              <a:rPr lang="en-US" altLang="en-US" sz="2800" dirty="0"/>
-              <a:t>e.g., record recent history of each branch</a:t>
-            </a:r>
-          </a:p>
-          <a:p>
-            <a:pPr lvl="1"/>
-            <a:r>
-              <a:rPr lang="en-US" altLang="en-US" dirty="0"/>
-              <a:t>Assume future behavior will continue the trend</a:t>
-            </a:r>
-          </a:p>
-          <a:p>
-            <a:pPr lvl="2"/>
-            <a:r>
-              <a:rPr lang="en-US" altLang="en-US" sz="2800" dirty="0"/>
-              <a:t>When wrong, stall while re-fetching, and update </a:t>
-            </a:r>
-            <a:r>
-              <a:rPr lang="en-US" altLang="en-US" sz="2800" dirty="0" smtClean="0"/>
-              <a:t>history</a:t>
-            </a:r>
-            <a:endParaRPr lang="en-AU" altLang="en-US" sz="2800" dirty="0"/>
-          </a:p>
-        </p:txBody>
-      </p:sp>
-      <p:sp>
-        <p:nvSpPr>
-          <p:cNvPr id="3" name="Slide Number Placeholder 2"/>
-          <p:cNvSpPr>
-            <a:spLocks noGrp="1"/>
-          </p:cNvSpPr>
-          <p:nvPr>
-            <p:ph type="sldNum" sz="quarter" idx="12"/>
-          </p:nvPr>
-        </p:nvSpPr>
-        <p:spPr/>
-        <p:txBody>
-          <a:bodyPr/>
-          <a:lstStyle/>
-          <a:p>
-            <a:pPr algn="ctr"/>
-            <a:fld id="{1397BFD8-F312-4EF2-A268-44FB4BDDBBB0}" type="slidenum">
-              <a:rPr lang="ru-RU" smtClean="0"/>
-              <a:pPr algn="ctr"/>
-              <a:t>33</a:t>
-            </a:fld>
-            <a:endParaRPr lang="ru-RU" dirty="0"/>
-          </a:p>
-        </p:txBody>
-      </p:sp>
-      <p:sp>
-        <p:nvSpPr>
-          <p:cNvPr id="4" name="Title 3"/>
-          <p:cNvSpPr>
-            <a:spLocks noGrp="1"/>
-          </p:cNvSpPr>
-          <p:nvPr>
-            <p:ph type="title"/>
-          </p:nvPr>
-        </p:nvSpPr>
-        <p:spPr/>
-        <p:txBody>
-          <a:bodyPr/>
-          <a:lstStyle/>
-          <a:p>
-            <a:r>
-              <a:rPr lang="en-US" altLang="en-US" dirty="0"/>
-              <a:t>More-Realistic Branch Prediction</a:t>
-            </a:r>
-            <a:endParaRPr lang="en-US" dirty="0"/>
-          </a:p>
-        </p:txBody>
-      </p:sp>
-    </p:spTree>
-    <p:extLst>
-      <p:ext uri="{BB962C8B-B14F-4D97-AF65-F5344CB8AC3E}">
-        <p14:creationId xmlns:p14="http://schemas.microsoft.com/office/powerpoint/2010/main" val="3453929737"/>
       </p:ext>
     </p:extLst>
   </p:cSld>
@@ -21018,98 +21007,87 @@
             <p:ph idx="1"/>
           </p:nvPr>
         </p:nvSpPr>
-        <p:spPr/>
+        <p:spPr>
+          <a:xfrm>
+            <a:off x="838200" y="1178053"/>
+            <a:ext cx="10515600" cy="5171947"/>
+          </a:xfrm>
+        </p:spPr>
         <p:txBody>
           <a:bodyPr/>
           <a:lstStyle/>
           <a:p>
-            <a:pPr>
-              <a:lnSpc>
-                <a:spcPct val="100000"/>
-              </a:lnSpc>
-              <a:spcBef>
-                <a:spcPts val="600"/>
-              </a:spcBef>
-            </a:pPr>
             <a:r>
               <a:rPr lang="en-US" altLang="en-US" dirty="0"/>
-              <a:t>Pipelining improves performance by increasing instruction throughput</a:t>
-            </a:r>
-          </a:p>
-          <a:p>
-            <a:pPr lvl="1">
-              <a:lnSpc>
-                <a:spcPct val="100000"/>
-              </a:lnSpc>
-              <a:spcBef>
-                <a:spcPts val="600"/>
-              </a:spcBef>
-            </a:pPr>
+              <a:t>Static branch prediction</a:t>
+            </a:r>
+          </a:p>
+          <a:p>
+            <a:pPr lvl="1"/>
             <a:r>
               <a:rPr lang="en-US" altLang="en-US" dirty="0"/>
-              <a:t>Executes multiple instructions in parallel</a:t>
-            </a:r>
-          </a:p>
-          <a:p>
-            <a:pPr lvl="1">
-              <a:lnSpc>
-                <a:spcPct val="100000"/>
-              </a:lnSpc>
-              <a:spcBef>
-                <a:spcPts val="600"/>
-              </a:spcBef>
-            </a:pPr>
+              <a:t>Based on typical branch behavior</a:t>
+            </a:r>
+          </a:p>
+          <a:p>
+            <a:pPr lvl="1"/>
             <a:r>
               <a:rPr lang="en-US" altLang="en-US" dirty="0"/>
-              <a:t>Each instruction has the same latency</a:t>
-            </a:r>
-          </a:p>
-          <a:p>
-            <a:pPr>
-              <a:lnSpc>
-                <a:spcPct val="100000"/>
-              </a:lnSpc>
-              <a:spcBef>
-                <a:spcPts val="600"/>
-              </a:spcBef>
-            </a:pPr>
+              <a:t>Example: loop and if-statement branches</a:t>
+            </a:r>
+          </a:p>
+          <a:p>
+            <a:pPr lvl="2"/>
+            <a:r>
+              <a:rPr lang="en-US" altLang="en-US" sz="2800" dirty="0"/>
+              <a:t>Predict backward branches taken</a:t>
+            </a:r>
+          </a:p>
+          <a:p>
+            <a:pPr lvl="2"/>
+            <a:r>
+              <a:rPr lang="en-US" altLang="en-US" sz="2800" dirty="0"/>
+              <a:t>Predict forward branches not taken</a:t>
+            </a:r>
+          </a:p>
+          <a:p>
             <a:r>
               <a:rPr lang="en-US" altLang="en-US" dirty="0"/>
-              <a:t>Subject to hazards</a:t>
-            </a:r>
-          </a:p>
-          <a:p>
-            <a:pPr lvl="1">
-              <a:lnSpc>
-                <a:spcPct val="100000"/>
-              </a:lnSpc>
-              <a:spcBef>
-                <a:spcPts val="600"/>
-              </a:spcBef>
-            </a:pPr>
+              <a:t>Dynamic branch prediction</a:t>
+            </a:r>
+          </a:p>
+          <a:p>
+            <a:pPr lvl="1"/>
             <a:r>
               <a:rPr lang="en-US" altLang="en-US" dirty="0"/>
-              <a:t>Structure, data, control</a:t>
-            </a:r>
-          </a:p>
-          <a:p>
-            <a:pPr>
-              <a:lnSpc>
-                <a:spcPct val="100000"/>
-              </a:lnSpc>
-              <a:spcBef>
-                <a:spcPts val="600"/>
-              </a:spcBef>
-            </a:pPr>
-            <a:r>
-              <a:rPr lang="en-AU" altLang="en-US" dirty="0"/>
-              <a:t>Instruction set design affects complexity of pipeline </a:t>
-            </a:r>
-            <a:r>
-              <a:rPr lang="en-AU" altLang="en-US" dirty="0" smtClean="0"/>
-              <a:t>implementation</a:t>
-            </a:r>
-            <a:endParaRPr lang="en-AU" altLang="en-US" dirty="0"/>
+              <a:t>Hardware measures actual branch behavior</a:t>
+            </a:r>
+          </a:p>
+          <a:p>
+            <a:pPr lvl="2"/>
+            <a:r>
+              <a:rPr lang="en-US" altLang="en-US" sz="2800" dirty="0"/>
+              <a:t>e.g., record recent history of each branch</a:t>
+            </a:r>
+          </a:p>
+          <a:p>
+            <a:pPr lvl="1"/>
+            <a:r>
+              <a:rPr lang="en-US" altLang="en-US" dirty="0"/>
+              <a:t>Assume future behavior will continue the trend</a:t>
+            </a:r>
+          </a:p>
+          <a:p>
+            <a:pPr lvl="2"/>
+            <a:r>
+              <a:rPr lang="en-US" altLang="en-US" sz="2800" dirty="0"/>
+              <a:t>When wrong, stall while re-fetching, and update </a:t>
+            </a:r>
+            <a:r>
+              <a:rPr lang="en-US" altLang="en-US" sz="2800" dirty="0" smtClean="0"/>
+              <a:t>history</a:t>
+            </a:r>
+            <a:endParaRPr lang="en-AU" altLang="en-US" sz="2800" dirty="0"/>
           </a:p>
         </p:txBody>
       </p:sp>
@@ -21155,7 +21133,7 @@
           <a:p>
             <a:r>
               <a:rPr lang="en-US" altLang="en-US" dirty="0"/>
-              <a:t>Pipeline Summary</a:t>
+              <a:t>More-Realistic Branch Prediction</a:t>
             </a:r>
             <a:endParaRPr lang="en-US" dirty="0"/>
           </a:p>
@@ -21164,7 +21142,7 @@
     </p:spTree>
     <p:extLst>
       <p:ext uri="{BB962C8B-B14F-4D97-AF65-F5344CB8AC3E}">
-        <p14:creationId xmlns:p14="http://schemas.microsoft.com/office/powerpoint/2010/main" val="3275465785"/>
+        <p14:creationId xmlns:p14="http://schemas.microsoft.com/office/powerpoint/2010/main" val="3453929737"/>
       </p:ext>
     </p:extLst>
   </p:cSld>
@@ -21201,114 +21179,98 @@
             <p:ph idx="1"/>
           </p:nvPr>
         </p:nvSpPr>
-        <p:spPr>
-          <a:xfrm>
-            <a:off x="838200" y="1178052"/>
-            <a:ext cx="10515600" cy="5492305"/>
-          </a:xfrm>
-        </p:spPr>
+        <p:spPr/>
         <p:txBody>
-          <a:bodyPr>
-            <a:normAutofit/>
-          </a:bodyPr>
+          <a:bodyPr/>
           <a:lstStyle/>
           <a:p>
+            <a:pPr>
+              <a:lnSpc>
+                <a:spcPct val="100000"/>
+              </a:lnSpc>
+              <a:spcBef>
+                <a:spcPts val="600"/>
+              </a:spcBef>
+            </a:pPr>
             <a:r>
               <a:rPr lang="en-US" altLang="en-US" dirty="0"/>
-              <a:t>Pipelining: executing multiple instructions in parallel</a:t>
-            </a:r>
-          </a:p>
-          <a:p>
+              <a:t>Pipelining improves performance by increasing instruction throughput</a:t>
+            </a:r>
+          </a:p>
+          <a:p>
+            <a:pPr lvl="1">
+              <a:lnSpc>
+                <a:spcPct val="100000"/>
+              </a:lnSpc>
+              <a:spcBef>
+                <a:spcPts val="600"/>
+              </a:spcBef>
+            </a:pPr>
             <a:r>
               <a:rPr lang="en-US" altLang="en-US" dirty="0"/>
-              <a:t>To increase ILP</a:t>
-            </a:r>
-          </a:p>
-          <a:p>
-            <a:pPr lvl="1"/>
+              <a:t>Executes multiple instructions in parallel</a:t>
+            </a:r>
+          </a:p>
+          <a:p>
+            <a:pPr lvl="1">
+              <a:lnSpc>
+                <a:spcPct val="100000"/>
+              </a:lnSpc>
+              <a:spcBef>
+                <a:spcPts val="600"/>
+              </a:spcBef>
+            </a:pPr>
             <a:r>
               <a:rPr lang="en-US" altLang="en-US" dirty="0"/>
-              <a:t>Deeper pipeline</a:t>
-            </a:r>
-          </a:p>
-          <a:p>
-            <a:pPr lvl="2"/>
-            <a:r>
-              <a:rPr lang="en-US" altLang="en-US" sz="2800" dirty="0"/>
-              <a:t>Less work per stage </a:t>
-            </a:r>
-            <a:r>
-              <a:rPr lang="en-US" altLang="en-US" sz="2800" dirty="0">
-                <a:sym typeface="Symbol" panose="05050102010706020507" pitchFamily="18" charset="2"/>
-              </a:rPr>
-              <a:t> shorter clock cycle</a:t>
-            </a:r>
-          </a:p>
-          <a:p>
-            <a:pPr lvl="1"/>
-            <a:r>
-              <a:rPr lang="en-US" altLang="en-US" dirty="0">
-                <a:sym typeface="Symbol" panose="05050102010706020507" pitchFamily="18" charset="2"/>
-              </a:rPr>
-              <a:t>Multiple issue</a:t>
-            </a:r>
-          </a:p>
-          <a:p>
-            <a:pPr lvl="2"/>
-            <a:r>
-              <a:rPr lang="en-US" altLang="en-US" sz="2800" dirty="0">
-                <a:sym typeface="Symbol" panose="05050102010706020507" pitchFamily="18" charset="2"/>
-              </a:rPr>
-              <a:t>Replicate pipeline stages  multiple pipelines</a:t>
-            </a:r>
-          </a:p>
-          <a:p>
-            <a:pPr lvl="2"/>
-            <a:r>
-              <a:rPr lang="en-US" altLang="en-US" sz="2800" dirty="0">
-                <a:sym typeface="Symbol" panose="05050102010706020507" pitchFamily="18" charset="2"/>
-              </a:rPr>
-              <a:t>Start multiple instructions per clock cycle</a:t>
-            </a:r>
-          </a:p>
-          <a:p>
-            <a:pPr lvl="2"/>
-            <a:r>
-              <a:rPr lang="en-US" altLang="en-US" sz="2800" dirty="0">
-                <a:sym typeface="Symbol" panose="05050102010706020507" pitchFamily="18" charset="2"/>
-              </a:rPr>
-              <a:t>CPI &lt; 1, so use Instructions Per Cycle (IPC)</a:t>
-            </a:r>
-          </a:p>
-          <a:p>
-            <a:pPr lvl="2"/>
-            <a:r>
-              <a:rPr lang="en-US" altLang="en-US" sz="2800" dirty="0">
-                <a:sym typeface="Symbol" panose="05050102010706020507" pitchFamily="18" charset="2"/>
-              </a:rPr>
-              <a:t>E.g., 4GHz 4-way multiple-issue</a:t>
-            </a:r>
-          </a:p>
-          <a:p>
-            <a:pPr lvl="3"/>
-            <a:r>
-              <a:rPr lang="en-US" altLang="en-US" sz="2400" dirty="0">
-                <a:sym typeface="Symbol" panose="05050102010706020507" pitchFamily="18" charset="2"/>
-              </a:rPr>
-              <a:t>16 BIPS, peak CPI = 0.25, peak IPC = 4</a:t>
-            </a:r>
-          </a:p>
-          <a:p>
-            <a:pPr lvl="2"/>
-            <a:r>
-              <a:rPr lang="en-US" altLang="en-US" sz="2800" dirty="0">
-                <a:sym typeface="Symbol" panose="05050102010706020507" pitchFamily="18" charset="2"/>
-              </a:rPr>
-              <a:t>But dependencies reduce this in practice</a:t>
-            </a:r>
-          </a:p>
-          <a:p>
-            <a:endParaRPr lang="en-US" dirty="0"/>
+              <a:t>Each instruction has the same latency</a:t>
+            </a:r>
+          </a:p>
+          <a:p>
+            <a:pPr>
+              <a:lnSpc>
+                <a:spcPct val="100000"/>
+              </a:lnSpc>
+              <a:spcBef>
+                <a:spcPts val="600"/>
+              </a:spcBef>
+            </a:pPr>
+            <a:r>
+              <a:rPr lang="en-US" altLang="en-US" dirty="0"/>
+              <a:t>Subject to hazards</a:t>
+            </a:r>
+          </a:p>
+          <a:p>
+            <a:pPr lvl="1">
+              <a:lnSpc>
+                <a:spcPct val="100000"/>
+              </a:lnSpc>
+              <a:spcBef>
+                <a:spcPts val="600"/>
+              </a:spcBef>
+            </a:pPr>
+            <a:r>
+              <a:rPr lang="en-US" altLang="en-US" dirty="0"/>
+              <a:t>Structure, data, control</a:t>
+            </a:r>
+          </a:p>
+          <a:p>
+            <a:pPr>
+              <a:lnSpc>
+                <a:spcPct val="100000"/>
+              </a:lnSpc>
+              <a:spcBef>
+                <a:spcPts val="600"/>
+              </a:spcBef>
+            </a:pPr>
+            <a:r>
+              <a:rPr lang="en-AU" altLang="en-US" dirty="0"/>
+              <a:t>Instruction set design affects complexity of pipeline </a:t>
+            </a:r>
+            <a:r>
+              <a:rPr lang="en-AU" altLang="en-US" dirty="0" smtClean="0"/>
+              <a:t>implementation</a:t>
+            </a:r>
+            <a:endParaRPr lang="en-AU" altLang="en-US" dirty="0"/>
           </a:p>
         </p:txBody>
       </p:sp>
@@ -21354,7 +21316,7 @@
           <a:p>
             <a:r>
               <a:rPr lang="en-US" altLang="en-US" dirty="0"/>
-              <a:t>Instruction-Level Parallelism (ILP)</a:t>
+              <a:t>Pipeline Summary</a:t>
             </a:r>
             <a:endParaRPr lang="en-US" dirty="0"/>
           </a:p>
@@ -21363,7 +21325,7 @@
     </p:spTree>
     <p:extLst>
       <p:ext uri="{BB962C8B-B14F-4D97-AF65-F5344CB8AC3E}">
-        <p14:creationId xmlns:p14="http://schemas.microsoft.com/office/powerpoint/2010/main" val="4113388443"/>
+        <p14:creationId xmlns:p14="http://schemas.microsoft.com/office/powerpoint/2010/main" val="3275465785"/>
       </p:ext>
     </p:extLst>
   </p:cSld>
@@ -21402,8 +21364,8 @@
         </p:nvSpPr>
         <p:spPr>
           <a:xfrm>
-            <a:off x="719328" y="1187197"/>
-            <a:ext cx="10838688" cy="4997896"/>
+            <a:off x="838200" y="1178052"/>
+            <a:ext cx="10515600" cy="5492305"/>
           </a:xfrm>
         </p:spPr>
         <p:txBody>
@@ -21414,57 +21376,97 @@
           <a:p>
             <a:r>
               <a:rPr lang="en-US" altLang="en-US" dirty="0"/>
-              <a:t>Static multiple issue</a:t>
+              <a:t>Pipelining: executing multiple instructions in parallel</a:t>
+            </a:r>
+          </a:p>
+          <a:p>
+            <a:r>
+              <a:rPr lang="en-US" altLang="en-US" dirty="0"/>
+              <a:t>To increase ILP</a:t>
             </a:r>
           </a:p>
           <a:p>
             <a:pPr lvl="1"/>
             <a:r>
               <a:rPr lang="en-US" altLang="en-US" dirty="0"/>
-              <a:t>Compiler groups instructions to be issued together</a:t>
+              <a:t>Deeper pipeline</a:t>
+            </a:r>
+          </a:p>
+          <a:p>
+            <a:pPr lvl="2"/>
+            <a:r>
+              <a:rPr lang="en-US" altLang="en-US" sz="2800" dirty="0"/>
+              <a:t>Less work per stage </a:t>
+            </a:r>
+            <a:r>
+              <a:rPr lang="en-US" altLang="en-US" sz="2800" dirty="0">
+                <a:sym typeface="Symbol" panose="05050102010706020507" pitchFamily="18" charset="2"/>
+              </a:rPr>
+              <a:t> shorter clock cycle</a:t>
             </a:r>
           </a:p>
           <a:p>
             <a:pPr lvl="1"/>
             <a:r>
-              <a:rPr lang="en-US" altLang="en-US" dirty="0"/>
-              <a:t>Packages them into “issue slots”</a:t>
-            </a:r>
-          </a:p>
-          <a:p>
-            <a:pPr lvl="1"/>
-            <a:r>
-              <a:rPr lang="en-US" altLang="en-US" dirty="0"/>
-              <a:t>Compiler detects and avoids hazards</a:t>
-            </a:r>
-          </a:p>
-          <a:p>
-            <a:r>
-              <a:rPr lang="en-US" altLang="en-US" dirty="0"/>
-              <a:t>Dynamic multiple issue</a:t>
-            </a:r>
-          </a:p>
-          <a:p>
-            <a:pPr lvl="1"/>
-            <a:r>
-              <a:rPr lang="en-US" altLang="en-US" dirty="0"/>
-              <a:t>CPU examines instruction stream and chooses instructions to issue each cycle</a:t>
-            </a:r>
-          </a:p>
-          <a:p>
-            <a:pPr lvl="1"/>
-            <a:r>
-              <a:rPr lang="en-US" altLang="en-US" dirty="0"/>
-              <a:t>Compiler can help by reordering instructions</a:t>
-            </a:r>
-          </a:p>
-          <a:p>
-            <a:pPr lvl="1"/>
-            <a:r>
-              <a:rPr lang="en-US" altLang="en-US" dirty="0"/>
-              <a:t>CPU resolves hazards using advanced techniques at runtime</a:t>
-            </a:r>
-            <a:endParaRPr lang="en-AU" altLang="en-US" dirty="0"/>
+              <a:rPr lang="en-US" altLang="en-US" dirty="0">
+                <a:sym typeface="Symbol" panose="05050102010706020507" pitchFamily="18" charset="2"/>
+              </a:rPr>
+              <a:t>Multiple issue</a:t>
+            </a:r>
+          </a:p>
+          <a:p>
+            <a:pPr lvl="2"/>
+            <a:r>
+              <a:rPr lang="en-US" altLang="en-US" sz="2800" dirty="0">
+                <a:sym typeface="Symbol" panose="05050102010706020507" pitchFamily="18" charset="2"/>
+              </a:rPr>
+              <a:t>Replicate pipeline stages  multiple pipelines</a:t>
+            </a:r>
+          </a:p>
+          <a:p>
+            <a:pPr lvl="2"/>
+            <a:r>
+              <a:rPr lang="en-US" altLang="en-US" sz="2800" dirty="0">
+                <a:sym typeface="Symbol" panose="05050102010706020507" pitchFamily="18" charset="2"/>
+              </a:rPr>
+              <a:t>Start multiple instructions per clock cycle</a:t>
+            </a:r>
+          </a:p>
+          <a:p>
+            <a:pPr lvl="2"/>
+            <a:r>
+              <a:rPr lang="en-US" altLang="en-US" sz="2800" dirty="0">
+                <a:sym typeface="Symbol" panose="05050102010706020507" pitchFamily="18" charset="2"/>
+              </a:rPr>
+              <a:t>CPI &lt; 1, so use Instructions Per Cycle (IPC)</a:t>
+            </a:r>
+          </a:p>
+          <a:p>
+            <a:pPr lvl="2"/>
+            <a:r>
+              <a:rPr lang="en-US" altLang="en-US" sz="2800" dirty="0">
+                <a:sym typeface="Symbol" panose="05050102010706020507" pitchFamily="18" charset="2"/>
+              </a:rPr>
+              <a:t>E.g., 4GHz 4-way multiple-issue</a:t>
+            </a:r>
+          </a:p>
+          <a:p>
+            <a:pPr lvl="3"/>
+            <a:r>
+              <a:rPr lang="en-US" altLang="en-US" sz="2400" dirty="0">
+                <a:sym typeface="Symbol" panose="05050102010706020507" pitchFamily="18" charset="2"/>
+              </a:rPr>
+              <a:t>16 BIPS, peak CPI = 0.25, peak IPC = 4</a:t>
+            </a:r>
+          </a:p>
+          <a:p>
+            <a:pPr lvl="2"/>
+            <a:r>
+              <a:rPr lang="en-US" altLang="en-US" sz="2800" dirty="0">
+                <a:sym typeface="Symbol" panose="05050102010706020507" pitchFamily="18" charset="2"/>
+              </a:rPr>
+              <a:t>But dependencies reduce this in practice</a:t>
+            </a:r>
           </a:p>
           <a:p>
             <a:endParaRPr lang="en-US" dirty="0"/>
@@ -21513,7 +21515,7 @@
           <a:p>
             <a:r>
               <a:rPr lang="en-US" altLang="en-US" dirty="0"/>
-              <a:t>Multiple Issue</a:t>
+              <a:t>Instruction-Level Parallelism (ILP)</a:t>
             </a:r>
             <a:endParaRPr lang="en-US" dirty="0"/>
           </a:p>
@@ -21522,7 +21524,7 @@
     </p:spTree>
     <p:extLst>
       <p:ext uri="{BB962C8B-B14F-4D97-AF65-F5344CB8AC3E}">
-        <p14:creationId xmlns:p14="http://schemas.microsoft.com/office/powerpoint/2010/main" val="3238654069"/>
+        <p14:creationId xmlns:p14="http://schemas.microsoft.com/office/powerpoint/2010/main" val="4113388443"/>
       </p:ext>
     </p:extLst>
   </p:cSld>
@@ -21561,8 +21563,8 @@
         </p:nvSpPr>
         <p:spPr>
           <a:xfrm>
-            <a:off x="838200" y="1178052"/>
-            <a:ext cx="10515600" cy="5561076"/>
+            <a:off x="719328" y="1187197"/>
+            <a:ext cx="10838688" cy="4997896"/>
           </a:xfrm>
         </p:spPr>
         <p:txBody>
@@ -21571,131 +21573,62 @@
           </a:bodyPr>
           <a:lstStyle/>
           <a:p>
-            <a:pPr>
-              <a:spcBef>
-                <a:spcPts val="300"/>
-              </a:spcBef>
-            </a:pPr>
             <a:r>
               <a:rPr lang="en-US" altLang="en-US" dirty="0"/>
-              <a:t>“Guess” what to do with an instruction</a:t>
-            </a:r>
-          </a:p>
-          <a:p>
-            <a:pPr lvl="1">
-              <a:spcBef>
-                <a:spcPts val="300"/>
-              </a:spcBef>
-            </a:pPr>
+              <a:t>Static multiple issue</a:t>
+            </a:r>
+          </a:p>
+          <a:p>
+            <a:pPr lvl="1"/>
             <a:r>
               <a:rPr lang="en-US" altLang="en-US" dirty="0"/>
-              <a:t>Start operation as soon as possible</a:t>
-            </a:r>
-          </a:p>
-          <a:p>
-            <a:pPr lvl="1">
-              <a:spcBef>
-                <a:spcPts val="300"/>
-              </a:spcBef>
-            </a:pPr>
+              <a:t>Compiler groups instructions to be issued together</a:t>
+            </a:r>
+          </a:p>
+          <a:p>
+            <a:pPr lvl="1"/>
             <a:r>
               <a:rPr lang="en-US" altLang="en-US" dirty="0"/>
-              <a:t>Check whether guess was right</a:t>
-            </a:r>
-          </a:p>
-          <a:p>
-            <a:pPr lvl="2">
-              <a:spcBef>
-                <a:spcPts val="300"/>
-              </a:spcBef>
-            </a:pPr>
-            <a:r>
-              <a:rPr lang="en-US" altLang="en-US" sz="2800" dirty="0"/>
-              <a:t>If so, complete the operation</a:t>
-            </a:r>
-          </a:p>
-          <a:p>
-            <a:pPr lvl="2">
-              <a:spcBef>
-                <a:spcPts val="300"/>
-              </a:spcBef>
-            </a:pPr>
-            <a:r>
-              <a:rPr lang="en-US" altLang="en-US" sz="2800" dirty="0"/>
-              <a:t>If not, roll-back and do the right thing</a:t>
-            </a:r>
-          </a:p>
-          <a:p>
-            <a:pPr>
-              <a:spcBef>
-                <a:spcPts val="300"/>
-              </a:spcBef>
-            </a:pPr>
+              <a:t>Packages them into “issue slots”</a:t>
+            </a:r>
+          </a:p>
+          <a:p>
+            <a:pPr lvl="1"/>
             <a:r>
               <a:rPr lang="en-US" altLang="en-US" dirty="0"/>
-              <a:t>Common to static and dynamic multiple issue</a:t>
-            </a:r>
-          </a:p>
-          <a:p>
-            <a:pPr>
-              <a:spcBef>
-                <a:spcPts val="300"/>
-              </a:spcBef>
-            </a:pPr>
+              <a:t>Compiler detects and avoids hazards</a:t>
+            </a:r>
+          </a:p>
+          <a:p>
             <a:r>
               <a:rPr lang="en-US" altLang="en-US" dirty="0"/>
-              <a:t>Examples</a:t>
-            </a:r>
-          </a:p>
-          <a:p>
-            <a:pPr lvl="1">
-              <a:spcBef>
-                <a:spcPts val="300"/>
-              </a:spcBef>
-            </a:pPr>
+              <a:t>Dynamic multiple issue</a:t>
+            </a:r>
+          </a:p>
+          <a:p>
+            <a:pPr lvl="1"/>
             <a:r>
               <a:rPr lang="en-US" altLang="en-US" dirty="0"/>
-              <a:t>Speculate on branch outcome</a:t>
-            </a:r>
-          </a:p>
-          <a:p>
-            <a:pPr lvl="2">
-              <a:spcBef>
-                <a:spcPts val="300"/>
-              </a:spcBef>
-            </a:pPr>
-            <a:r>
-              <a:rPr lang="en-US" altLang="en-US" sz="2800" dirty="0"/>
-              <a:t>Roll back if path taken is different</a:t>
-            </a:r>
-            <a:endParaRPr lang="en-US" altLang="en-US" sz="2000" dirty="0"/>
-          </a:p>
-          <a:p>
-            <a:pPr lvl="1">
-              <a:spcBef>
-                <a:spcPts val="300"/>
-              </a:spcBef>
-            </a:pPr>
+              <a:t>CPU examines instruction stream and chooses instructions to issue each cycle</a:t>
+            </a:r>
+          </a:p>
+          <a:p>
+            <a:pPr lvl="1"/>
             <a:r>
               <a:rPr lang="en-US" altLang="en-US" dirty="0"/>
-              <a:t>Speculate on load</a:t>
-            </a:r>
-          </a:p>
-          <a:p>
-            <a:pPr lvl="2">
-              <a:spcBef>
-                <a:spcPts val="300"/>
-              </a:spcBef>
-            </a:pPr>
-            <a:r>
-              <a:rPr lang="en-US" altLang="en-US" sz="2800" dirty="0"/>
-              <a:t>Roll back if location is </a:t>
-            </a:r>
-            <a:r>
-              <a:rPr lang="en-US" altLang="en-US" sz="2800" dirty="0" smtClean="0"/>
-              <a:t>updated</a:t>
-            </a:r>
-            <a:endParaRPr lang="en-AU" altLang="en-US" sz="2800" dirty="0"/>
+              <a:t>Compiler can help by reordering instructions</a:t>
+            </a:r>
+          </a:p>
+          <a:p>
+            <a:pPr lvl="1"/>
+            <a:r>
+              <a:rPr lang="en-US" altLang="en-US" dirty="0"/>
+              <a:t>CPU resolves hazards using advanced techniques at runtime</a:t>
+            </a:r>
+            <a:endParaRPr lang="en-AU" altLang="en-US" dirty="0"/>
+          </a:p>
+          <a:p>
+            <a:endParaRPr lang="en-US" dirty="0"/>
           </a:p>
         </p:txBody>
       </p:sp>
@@ -21741,7 +21674,7 @@
           <a:p>
             <a:r>
               <a:rPr lang="en-US" altLang="en-US" dirty="0"/>
-              <a:t>Speculation</a:t>
+              <a:t>Multiple Issue</a:t>
             </a:r>
             <a:endParaRPr lang="en-US" dirty="0"/>
           </a:p>
@@ -21750,7 +21683,7 @@
     </p:spTree>
     <p:extLst>
       <p:ext uri="{BB962C8B-B14F-4D97-AF65-F5344CB8AC3E}">
-        <p14:creationId xmlns:p14="http://schemas.microsoft.com/office/powerpoint/2010/main" val="210899378"/>
+        <p14:creationId xmlns:p14="http://schemas.microsoft.com/office/powerpoint/2010/main" val="3238654069"/>
       </p:ext>
     </p:extLst>
   </p:cSld>
@@ -21787,98 +21720,143 @@
             <p:ph idx="1"/>
           </p:nvPr>
         </p:nvSpPr>
-        <p:spPr/>
+        <p:spPr>
+          <a:xfrm>
+            <a:off x="838200" y="1178052"/>
+            <a:ext cx="10515600" cy="5561076"/>
+          </a:xfrm>
+        </p:spPr>
         <p:txBody>
-          <a:bodyPr/>
+          <a:bodyPr>
+            <a:normAutofit/>
+          </a:bodyPr>
           <a:lstStyle/>
           <a:p>
             <a:pPr>
-              <a:lnSpc>
-                <a:spcPct val="100000"/>
-              </a:lnSpc>
               <a:spcBef>
-                <a:spcPts val="1800"/>
+                <a:spcPts val="300"/>
               </a:spcBef>
             </a:pPr>
             <a:r>
               <a:rPr lang="en-US" altLang="en-US" dirty="0"/>
-              <a:t>Compiler can reorder instructions</a:t>
+              <a:t>“Guess” what to do with an instruction</a:t>
             </a:r>
           </a:p>
           <a:p>
             <a:pPr lvl="1">
-              <a:lnSpc>
-                <a:spcPct val="100000"/>
-              </a:lnSpc>
               <a:spcBef>
-                <a:spcPts val="1800"/>
+                <a:spcPts val="300"/>
               </a:spcBef>
             </a:pPr>
             <a:r>
               <a:rPr lang="en-US" altLang="en-US" dirty="0"/>
-              <a:t>e.g., move load before branch</a:t>
+              <a:t>Start operation as soon as possible</a:t>
             </a:r>
           </a:p>
           <a:p>
             <a:pPr lvl="1">
-              <a:lnSpc>
-                <a:spcPct val="100000"/>
-              </a:lnSpc>
               <a:spcBef>
-                <a:spcPts val="1800"/>
+                <a:spcPts val="300"/>
               </a:spcBef>
             </a:pPr>
             <a:r>
               <a:rPr lang="en-US" altLang="en-US" dirty="0"/>
-              <a:t>Can include “fix-up” instructions to recover from incorrect guess</a:t>
-            </a:r>
-          </a:p>
-          <a:p>
-            <a:pPr>
-              <a:lnSpc>
-                <a:spcPct val="100000"/>
-              </a:lnSpc>
+              <a:t>Check whether guess was right</a:t>
+            </a:r>
+          </a:p>
+          <a:p>
+            <a:pPr lvl="2">
               <a:spcBef>
-                <a:spcPts val="1800"/>
+                <a:spcPts val="300"/>
               </a:spcBef>
             </a:pPr>
             <a:r>
-              <a:rPr lang="en-US" altLang="en-US" dirty="0"/>
-              <a:t>Hardware can look ahead for instructions to execute</a:t>
-            </a:r>
-          </a:p>
-          <a:p>
-            <a:pPr lvl="1">
-              <a:lnSpc>
-                <a:spcPct val="100000"/>
-              </a:lnSpc>
+              <a:rPr lang="en-US" altLang="en-US" sz="2800" dirty="0"/>
+              <a:t>If so, complete the operation</a:t>
+            </a:r>
+          </a:p>
+          <a:p>
+            <a:pPr lvl="2">
               <a:spcBef>
-                <a:spcPts val="1800"/>
+                <a:spcPts val="300"/>
               </a:spcBef>
             </a:pPr>
             <a:r>
-              <a:rPr lang="en-US" altLang="en-US" dirty="0"/>
-              <a:t>Buffer results until it determines they are actually needed</a:t>
-            </a:r>
-          </a:p>
-          <a:p>
-            <a:pPr lvl="1">
-              <a:lnSpc>
-                <a:spcPct val="100000"/>
-              </a:lnSpc>
+              <a:rPr lang="en-US" altLang="en-US" sz="2800" dirty="0"/>
+              <a:t>If not, roll-back and do the right thing</a:t>
+            </a:r>
+          </a:p>
+          <a:p>
+            <a:pPr>
               <a:spcBef>
-                <a:spcPts val="1800"/>
+                <a:spcPts val="300"/>
               </a:spcBef>
             </a:pPr>
             <a:r>
               <a:rPr lang="en-US" altLang="en-US" dirty="0"/>
-              <a:t>Flush buffers on incorrect </a:t>
-            </a:r>
-            <a:r>
-              <a:rPr lang="en-US" altLang="en-US" dirty="0" smtClean="0"/>
-              <a:t>speculation</a:t>
-            </a:r>
-            <a:endParaRPr lang="en-AU" altLang="en-US" dirty="0"/>
+              <a:t>Common to static and dynamic multiple issue</a:t>
+            </a:r>
+          </a:p>
+          <a:p>
+            <a:pPr>
+              <a:spcBef>
+                <a:spcPts val="300"/>
+              </a:spcBef>
+            </a:pPr>
+            <a:r>
+              <a:rPr lang="en-US" altLang="en-US" dirty="0"/>
+              <a:t>Examples</a:t>
+            </a:r>
+          </a:p>
+          <a:p>
+            <a:pPr lvl="1">
+              <a:spcBef>
+                <a:spcPts val="300"/>
+              </a:spcBef>
+            </a:pPr>
+            <a:r>
+              <a:rPr lang="en-US" altLang="en-US" dirty="0"/>
+              <a:t>Speculate on branch outcome</a:t>
+            </a:r>
+          </a:p>
+          <a:p>
+            <a:pPr lvl="2">
+              <a:spcBef>
+                <a:spcPts val="300"/>
+              </a:spcBef>
+            </a:pPr>
+            <a:r>
+              <a:rPr lang="en-US" altLang="en-US" sz="2800" dirty="0"/>
+              <a:t>Roll back if path taken is different</a:t>
+            </a:r>
+            <a:endParaRPr lang="en-US" altLang="en-US" sz="2000" dirty="0"/>
+          </a:p>
+          <a:p>
+            <a:pPr lvl="1">
+              <a:spcBef>
+                <a:spcPts val="300"/>
+              </a:spcBef>
+            </a:pPr>
+            <a:r>
+              <a:rPr lang="en-US" altLang="en-US" dirty="0"/>
+              <a:t>Speculate on load</a:t>
+            </a:r>
+          </a:p>
+          <a:p>
+            <a:pPr lvl="2">
+              <a:spcBef>
+                <a:spcPts val="300"/>
+              </a:spcBef>
+            </a:pPr>
+            <a:r>
+              <a:rPr lang="en-US" altLang="en-US" sz="2800" dirty="0"/>
+              <a:t>Roll back if location is </a:t>
+            </a:r>
+            <a:r>
+              <a:rPr lang="en-US" altLang="en-US" sz="2800" dirty="0" smtClean="0"/>
+              <a:t>updated</a:t>
+            </a:r>
+            <a:endParaRPr lang="en-AU" altLang="en-US" sz="2800" dirty="0"/>
           </a:p>
         </p:txBody>
       </p:sp>
@@ -21924,7 +21902,7 @@
           <a:p>
             <a:r>
               <a:rPr lang="en-US" altLang="en-US" dirty="0"/>
-              <a:t>Compiler/Hardware Speculation</a:t>
+              <a:t>Speculation</a:t>
             </a:r>
             <a:endParaRPr lang="en-US" dirty="0"/>
           </a:p>
@@ -21933,7 +21911,7 @@
     </p:spTree>
     <p:extLst>
       <p:ext uri="{BB962C8B-B14F-4D97-AF65-F5344CB8AC3E}">
-        <p14:creationId xmlns:p14="http://schemas.microsoft.com/office/powerpoint/2010/main" val="2150303579"/>
+        <p14:creationId xmlns:p14="http://schemas.microsoft.com/office/powerpoint/2010/main" val="210899378"/>
       </p:ext>
     </p:extLst>
   </p:cSld>
@@ -21985,7 +21963,7 @@
             </a:pPr>
             <a:r>
               <a:rPr lang="en-US" altLang="en-US" dirty="0"/>
-              <a:t>Compiler groups instructions into “issue packets”</a:t>
+              <a:t>Compiler can reorder instructions</a:t>
             </a:r>
           </a:p>
           <a:p>
@@ -21999,7 +21977,7 @@
             </a:pPr>
             <a:r>
               <a:rPr lang="en-US" altLang="en-US" dirty="0"/>
-              <a:t>Group of instructions that can be issued on a single cycle</a:t>
+              <a:t>e.g., move load before branch</a:t>
             </a:r>
           </a:p>
           <a:p>
@@ -22013,7 +21991,7 @@
             </a:pPr>
             <a:r>
               <a:rPr lang="en-US" altLang="en-US" dirty="0"/>
-              <a:t>Determined by pipeline resources required</a:t>
+              <a:t>Can include “fix-up” instructions to recover from incorrect guess</a:t>
             </a:r>
           </a:p>
           <a:p>
@@ -22027,7 +22005,7 @@
             </a:pPr>
             <a:r>
               <a:rPr lang="en-US" altLang="en-US" dirty="0"/>
-              <a:t>Think of an issue packet as a very long instruction</a:t>
+              <a:t>Hardware can look ahead for instructions to execute</a:t>
             </a:r>
           </a:p>
           <a:p>
@@ -22041,7 +22019,7 @@
             </a:pPr>
             <a:r>
               <a:rPr lang="en-US" altLang="en-US" dirty="0"/>
-              <a:t>Specifies multiple concurrent operations</a:t>
+              <a:t>Buffer results until it determines they are actually needed</a:t>
             </a:r>
           </a:p>
           <a:p>
@@ -22054,20 +22032,14 @@
               </a:spcBef>
             </a:pPr>
             <a:r>
-              <a:rPr lang="en-US" altLang="en-US" dirty="0">
-                <a:sym typeface="Symbol" panose="05050102010706020507" pitchFamily="18" charset="2"/>
-              </a:rPr>
-              <a:t> Very Long Instruction Word (</a:t>
-            </a:r>
-            <a:r>
               <a:rPr lang="en-US" altLang="en-US" dirty="0"/>
-              <a:t>VLIW</a:t>
+              <a:t>Flush buffers on incorrect </a:t>
             </a:r>
             <a:r>
               <a:rPr lang="en-US" altLang="en-US" dirty="0" smtClean="0"/>
-              <a:t>)</a:t>
-            </a:r>
-            <a:endParaRPr lang="en-US" altLang="en-US" dirty="0"/>
+              <a:t>speculation</a:t>
+            </a:r>
+            <a:endParaRPr lang="en-AU" altLang="en-US" dirty="0"/>
           </a:p>
         </p:txBody>
       </p:sp>
@@ -22113,7 +22085,7 @@
           <a:p>
             <a:r>
               <a:rPr lang="en-US" altLang="en-US" dirty="0"/>
-              <a:t>Static Multiple Issue</a:t>
+              <a:t>Compiler/Hardware Speculation</a:t>
             </a:r>
             <a:endParaRPr lang="en-US" dirty="0"/>
           </a:p>
@@ -22122,7 +22094,7 @@
     </p:spTree>
     <p:extLst>
       <p:ext uri="{BB962C8B-B14F-4D97-AF65-F5344CB8AC3E}">
-        <p14:creationId xmlns:p14="http://schemas.microsoft.com/office/powerpoint/2010/main" val="513492954"/>
+        <p14:creationId xmlns:p14="http://schemas.microsoft.com/office/powerpoint/2010/main" val="2150303579"/>
       </p:ext>
     </p:extLst>
   </p:cSld>
@@ -22306,7 +22278,7 @@
             </a:pPr>
             <a:r>
               <a:rPr lang="en-US" altLang="en-US" dirty="0"/>
-              <a:t>Compiler must remove some/all hazards</a:t>
+              <a:t>Compiler groups instructions into “issue packets”</a:t>
             </a:r>
           </a:p>
           <a:p>
@@ -22320,7 +22292,7 @@
             </a:pPr>
             <a:r>
               <a:rPr lang="en-US" altLang="en-US" dirty="0"/>
-              <a:t>Reorder instructions into issue packets</a:t>
+              <a:t>Group of instructions that can be issued on a single cycle</a:t>
             </a:r>
           </a:p>
           <a:p>
@@ -22334,7 +22306,21 @@
             </a:pPr>
             <a:r>
               <a:rPr lang="en-US" altLang="en-US" dirty="0"/>
-              <a:t>No dependencies with a packet</a:t>
+              <a:t>Determined by pipeline resources required</a:t>
+            </a:r>
+          </a:p>
+          <a:p>
+            <a:pPr>
+              <a:lnSpc>
+                <a:spcPct val="100000"/>
+              </a:lnSpc>
+              <a:spcBef>
+                <a:spcPts val="1800"/>
+              </a:spcBef>
+            </a:pPr>
+            <a:r>
+              <a:rPr lang="en-US" altLang="en-US" dirty="0"/>
+              <a:t>Think of an issue packet as a very long instruction</a:t>
             </a:r>
           </a:p>
           <a:p>
@@ -22348,21 +22334,7 @@
             </a:pPr>
             <a:r>
               <a:rPr lang="en-US" altLang="en-US" dirty="0"/>
-              <a:t>Possibly some dependencies between packets</a:t>
-            </a:r>
-          </a:p>
-          <a:p>
-            <a:pPr lvl="2">
-              <a:lnSpc>
-                <a:spcPct val="100000"/>
-              </a:lnSpc>
-              <a:spcBef>
-                <a:spcPts val="1800"/>
-              </a:spcBef>
-            </a:pPr>
-            <a:r>
-              <a:rPr lang="en-US" altLang="en-US" sz="2800" dirty="0"/>
-              <a:t>Varies between ISAs; compiler must know!</a:t>
+              <a:t>Specifies multiple concurrent operations</a:t>
             </a:r>
           </a:p>
           <a:p>
@@ -22375,22 +22347,20 @@
               </a:spcBef>
             </a:pPr>
             <a:r>
+              <a:rPr lang="en-US" altLang="en-US" dirty="0">
+                <a:sym typeface="Symbol" panose="05050102010706020507" pitchFamily="18" charset="2"/>
+              </a:rPr>
+              <a:t> Very Long Instruction Word (</a:t>
+            </a:r>
+            <a:r>
               <a:rPr lang="en-US" altLang="en-US" dirty="0"/>
-              <a:t>Pad with </a:t>
-            </a:r>
-            <a:r>
-              <a:rPr lang="en-US" altLang="en-US" dirty="0" err="1"/>
-              <a:t>nop</a:t>
-            </a:r>
-            <a:r>
-              <a:rPr lang="en-US" altLang="en-US" dirty="0"/>
-              <a:t> if </a:t>
+              <a:t>VLIW</a:t>
             </a:r>
             <a:r>
               <a:rPr lang="en-US" altLang="en-US" dirty="0" smtClean="0"/>
-              <a:t>necessary</a:t>
-            </a:r>
-            <a:endParaRPr lang="en-AU" altLang="en-US" dirty="0"/>
+              <a:t>)</a:t>
+            </a:r>
+            <a:endParaRPr lang="en-US" altLang="en-US" dirty="0"/>
           </a:p>
         </p:txBody>
       </p:sp>
@@ -22436,6 +22406,197 @@
           <a:p>
             <a:r>
               <a:rPr lang="en-US" altLang="en-US" dirty="0"/>
+              <a:t>Static Multiple Issue</a:t>
+            </a:r>
+            <a:endParaRPr lang="en-US" dirty="0"/>
+          </a:p>
+        </p:txBody>
+      </p:sp>
+    </p:spTree>
+    <p:extLst>
+      <p:ext uri="{BB962C8B-B14F-4D97-AF65-F5344CB8AC3E}">
+        <p14:creationId xmlns:p14="http://schemas.microsoft.com/office/powerpoint/2010/main" val="513492954"/>
+      </p:ext>
+    </p:extLst>
+  </p:cSld>
+  <p:clrMapOvr>
+    <a:masterClrMapping/>
+  </p:clrMapOvr>
+</p:sld>
+</file>
+
+<file path=ppt/slides/slide41.xml><?xml version="1.0" encoding="utf-8"?>
+<p:sld xmlns:a="http://schemas.openxmlformats.org/drawingml/2006/main" xmlns:r="http://schemas.openxmlformats.org/officeDocument/2006/relationships" xmlns:p="http://schemas.openxmlformats.org/presentationml/2006/main">
+  <p:cSld>
+    <p:spTree>
+      <p:nvGrpSpPr>
+        <p:cNvPr id="1" name=""/>
+        <p:cNvGrpSpPr/>
+        <p:nvPr/>
+      </p:nvGrpSpPr>
+      <p:grpSpPr>
+        <a:xfrm>
+          <a:off x="0" y="0"/>
+          <a:ext cx="0" cy="0"/>
+          <a:chOff x="0" y="0"/>
+          <a:chExt cx="0" cy="0"/>
+        </a:xfrm>
+      </p:grpSpPr>
+      <p:sp>
+        <p:nvSpPr>
+          <p:cNvPr id="2" name="Content Placeholder 1"/>
+          <p:cNvSpPr>
+            <a:spLocks noGrp="1"/>
+          </p:cNvSpPr>
+          <p:nvPr>
+            <p:ph idx="1"/>
+          </p:nvPr>
+        </p:nvSpPr>
+        <p:spPr/>
+        <p:txBody>
+          <a:bodyPr/>
+          <a:lstStyle/>
+          <a:p>
+            <a:pPr>
+              <a:lnSpc>
+                <a:spcPct val="100000"/>
+              </a:lnSpc>
+              <a:spcBef>
+                <a:spcPts val="1800"/>
+              </a:spcBef>
+            </a:pPr>
+            <a:r>
+              <a:rPr lang="en-US" altLang="en-US" dirty="0"/>
+              <a:t>Compiler must remove some/all hazards</a:t>
+            </a:r>
+          </a:p>
+          <a:p>
+            <a:pPr lvl="1">
+              <a:lnSpc>
+                <a:spcPct val="100000"/>
+              </a:lnSpc>
+              <a:spcBef>
+                <a:spcPts val="1800"/>
+              </a:spcBef>
+            </a:pPr>
+            <a:r>
+              <a:rPr lang="en-US" altLang="en-US" dirty="0"/>
+              <a:t>Reorder instructions into issue packets</a:t>
+            </a:r>
+          </a:p>
+          <a:p>
+            <a:pPr lvl="1">
+              <a:lnSpc>
+                <a:spcPct val="100000"/>
+              </a:lnSpc>
+              <a:spcBef>
+                <a:spcPts val="1800"/>
+              </a:spcBef>
+            </a:pPr>
+            <a:r>
+              <a:rPr lang="en-US" altLang="en-US" dirty="0"/>
+              <a:t>No dependencies with a packet</a:t>
+            </a:r>
+          </a:p>
+          <a:p>
+            <a:pPr lvl="1">
+              <a:lnSpc>
+                <a:spcPct val="100000"/>
+              </a:lnSpc>
+              <a:spcBef>
+                <a:spcPts val="1800"/>
+              </a:spcBef>
+            </a:pPr>
+            <a:r>
+              <a:rPr lang="en-US" altLang="en-US" dirty="0"/>
+              <a:t>Possibly some dependencies between packets</a:t>
+            </a:r>
+          </a:p>
+          <a:p>
+            <a:pPr lvl="2">
+              <a:lnSpc>
+                <a:spcPct val="100000"/>
+              </a:lnSpc>
+              <a:spcBef>
+                <a:spcPts val="1800"/>
+              </a:spcBef>
+            </a:pPr>
+            <a:r>
+              <a:rPr lang="en-US" altLang="en-US" sz="2800" dirty="0"/>
+              <a:t>Varies between ISAs; compiler must know!</a:t>
+            </a:r>
+          </a:p>
+          <a:p>
+            <a:pPr lvl="1">
+              <a:lnSpc>
+                <a:spcPct val="100000"/>
+              </a:lnSpc>
+              <a:spcBef>
+                <a:spcPts val="1800"/>
+              </a:spcBef>
+            </a:pPr>
+            <a:r>
+              <a:rPr lang="en-US" altLang="en-US" dirty="0"/>
+              <a:t>Pad with </a:t>
+            </a:r>
+            <a:r>
+              <a:rPr lang="en-US" altLang="en-US" dirty="0" err="1"/>
+              <a:t>nop</a:t>
+            </a:r>
+            <a:r>
+              <a:rPr lang="en-US" altLang="en-US" dirty="0"/>
+              <a:t> if </a:t>
+            </a:r>
+            <a:r>
+              <a:rPr lang="en-US" altLang="en-US" dirty="0" smtClean="0"/>
+              <a:t>necessary</a:t>
+            </a:r>
+            <a:endParaRPr lang="en-AU" altLang="en-US" dirty="0"/>
+          </a:p>
+        </p:txBody>
+      </p:sp>
+      <p:sp>
+        <p:nvSpPr>
+          <p:cNvPr id="3" name="Slide Number Placeholder 2"/>
+          <p:cNvSpPr>
+            <a:spLocks noGrp="1"/>
+          </p:cNvSpPr>
+          <p:nvPr>
+            <p:ph type="sldNum" sz="quarter" idx="12"/>
+          </p:nvPr>
+        </p:nvSpPr>
+        <p:spPr/>
+        <p:txBody>
+          <a:bodyPr/>
+          <a:lstStyle/>
+          <a:p>
+            <a:pPr algn="ctr"/>
+            <a:fld id="{1397BFD8-F312-4EF2-A268-44FB4BDDBBB0}" type="slidenum">
+              <a:rPr lang="ru-RU" smtClean="0"/>
+              <a:pPr algn="ctr"/>
+              <a:t>41</a:t>
+            </a:fld>
+            <a:endParaRPr lang="ru-RU" dirty="0"/>
+          </a:p>
+        </p:txBody>
+      </p:sp>
+      <p:sp>
+        <p:nvSpPr>
+          <p:cNvPr id="4" name="Title 3"/>
+          <p:cNvSpPr>
+            <a:spLocks noGrp="1"/>
+          </p:cNvSpPr>
+          <p:nvPr>
+            <p:ph type="title"/>
+          </p:nvPr>
+        </p:nvSpPr>
+        <p:spPr/>
+        <p:txBody>
+          <a:bodyPr/>
+          <a:lstStyle/>
+          <a:p>
+            <a:r>
+              <a:rPr lang="en-US" altLang="en-US" dirty="0"/>
               <a:t>Scheduling Static Multiple Issue</a:t>
             </a:r>
             <a:endParaRPr lang="en-US" dirty="0"/>
@@ -22455,7 +22616,7 @@
 </p:sld>
 </file>
 
-<file path=ppt/slides/slide41.xml><?xml version="1.0" encoding="utf-8"?>
+<file path=ppt/slides/slide42.xml><?xml version="1.0" encoding="utf-8"?>
 <p:sld xmlns:a="http://schemas.openxmlformats.org/drawingml/2006/main" xmlns:r="http://schemas.openxmlformats.org/officeDocument/2006/relationships" xmlns:p="http://schemas.openxmlformats.org/presentationml/2006/main">
   <p:cSld>
     <p:spTree>
@@ -22560,7 +22721,7 @@
             <a:fld id="{1397BFD8-F312-4EF2-A268-44FB4BDDBBB0}" type="slidenum">
               <a:rPr lang="ru-RU" smtClean="0"/>
               <a:pPr algn="ctr"/>
-              <a:t>41</a:t>
+              <a:t>42</a:t>
             </a:fld>
             <a:endParaRPr lang="ru-RU" dirty="0"/>
           </a:p>
@@ -27915,197 +28076,6 @@
 </p:sld>
 </file>
 
-<file path=ppt/slides/slide42.xml><?xml version="1.0" encoding="utf-8"?>
-<p:sld xmlns:a="http://schemas.openxmlformats.org/drawingml/2006/main" xmlns:r="http://schemas.openxmlformats.org/officeDocument/2006/relationships" xmlns:p="http://schemas.openxmlformats.org/presentationml/2006/main">
-  <p:cSld>
-    <p:spTree>
-      <p:nvGrpSpPr>
-        <p:cNvPr id="1" name=""/>
-        <p:cNvGrpSpPr/>
-        <p:nvPr/>
-      </p:nvGrpSpPr>
-      <p:grpSpPr>
-        <a:xfrm>
-          <a:off x="0" y="0"/>
-          <a:ext cx="0" cy="0"/>
-          <a:chOff x="0" y="0"/>
-          <a:chExt cx="0" cy="0"/>
-        </a:xfrm>
-      </p:grpSpPr>
-      <p:sp>
-        <p:nvSpPr>
-          <p:cNvPr id="2" name="Content Placeholder 1"/>
-          <p:cNvSpPr>
-            <a:spLocks noGrp="1"/>
-          </p:cNvSpPr>
-          <p:nvPr>
-            <p:ph idx="1"/>
-          </p:nvPr>
-        </p:nvSpPr>
-        <p:spPr/>
-        <p:txBody>
-          <a:bodyPr/>
-          <a:lstStyle/>
-          <a:p>
-            <a:pPr>
-              <a:lnSpc>
-                <a:spcPct val="100000"/>
-              </a:lnSpc>
-              <a:spcBef>
-                <a:spcPts val="600"/>
-              </a:spcBef>
-            </a:pPr>
-            <a:r>
-              <a:rPr lang="en-US" altLang="en-US" dirty="0"/>
-              <a:t>“</a:t>
-            </a:r>
-            <a:r>
-              <a:rPr lang="en-US" altLang="en-US" dirty="0" smtClean="0"/>
-              <a:t>Superscalar” </a:t>
-            </a:r>
-            <a:r>
-              <a:rPr lang="en-US" altLang="en-US" dirty="0"/>
-              <a:t>processors</a:t>
-            </a:r>
-          </a:p>
-          <a:p>
-            <a:pPr>
-              <a:lnSpc>
-                <a:spcPct val="100000"/>
-              </a:lnSpc>
-              <a:spcBef>
-                <a:spcPts val="600"/>
-              </a:spcBef>
-            </a:pPr>
-            <a:r>
-              <a:rPr lang="en-US" altLang="en-US" dirty="0"/>
-              <a:t>CPU decides whether to issue 0, 1, 2, … each cycle</a:t>
-            </a:r>
-          </a:p>
-          <a:p>
-            <a:pPr lvl="1">
-              <a:lnSpc>
-                <a:spcPct val="100000"/>
-              </a:lnSpc>
-              <a:spcBef>
-                <a:spcPts val="600"/>
-              </a:spcBef>
-            </a:pPr>
-            <a:r>
-              <a:rPr lang="en-US" altLang="en-US" dirty="0"/>
-              <a:t>Avoiding structural and data hazards</a:t>
-            </a:r>
-          </a:p>
-          <a:p>
-            <a:pPr>
-              <a:lnSpc>
-                <a:spcPct val="100000"/>
-              </a:lnSpc>
-              <a:spcBef>
-                <a:spcPts val="600"/>
-              </a:spcBef>
-            </a:pPr>
-            <a:r>
-              <a:rPr lang="en-US" altLang="en-US" dirty="0"/>
-              <a:t>Avoids the need for compiler scheduling</a:t>
-            </a:r>
-          </a:p>
-          <a:p>
-            <a:pPr lvl="1">
-              <a:lnSpc>
-                <a:spcPct val="100000"/>
-              </a:lnSpc>
-              <a:spcBef>
-                <a:spcPts val="600"/>
-              </a:spcBef>
-            </a:pPr>
-            <a:r>
-              <a:rPr lang="en-US" altLang="en-US" dirty="0"/>
-              <a:t>Though it may still help</a:t>
-            </a:r>
-          </a:p>
-          <a:p>
-            <a:pPr lvl="1">
-              <a:lnSpc>
-                <a:spcPct val="100000"/>
-              </a:lnSpc>
-              <a:spcBef>
-                <a:spcPts val="600"/>
-              </a:spcBef>
-            </a:pPr>
-            <a:r>
-              <a:rPr lang="en-US" altLang="en-US" dirty="0"/>
-              <a:t>Code semantics ensured by the </a:t>
-            </a:r>
-            <a:r>
-              <a:rPr lang="en-US" altLang="en-US" dirty="0" smtClean="0"/>
-              <a:t>CPU</a:t>
-            </a:r>
-            <a:endParaRPr lang="en-AU" altLang="en-US" dirty="0"/>
-          </a:p>
-        </p:txBody>
-      </p:sp>
-      <p:sp>
-        <p:nvSpPr>
-          <p:cNvPr id="3" name="Slide Number Placeholder 2"/>
-          <p:cNvSpPr>
-            <a:spLocks noGrp="1"/>
-          </p:cNvSpPr>
-          <p:nvPr>
-            <p:ph type="sldNum" sz="quarter" idx="12"/>
-          </p:nvPr>
-        </p:nvSpPr>
-        <p:spPr/>
-        <p:txBody>
-          <a:bodyPr/>
-          <a:lstStyle/>
-          <a:p>
-            <a:pPr algn="ctr"/>
-            <a:fld id="{1397BFD8-F312-4EF2-A268-44FB4BDDBBB0}" type="slidenum">
-              <a:rPr lang="ru-RU" smtClean="0"/>
-              <a:pPr algn="ctr"/>
-              <a:t>42</a:t>
-            </a:fld>
-            <a:endParaRPr lang="ru-RU" dirty="0"/>
-          </a:p>
-        </p:txBody>
-      </p:sp>
-      <p:sp>
-        <p:nvSpPr>
-          <p:cNvPr id="4" name="Title 3"/>
-          <p:cNvSpPr>
-            <a:spLocks noGrp="1"/>
-          </p:cNvSpPr>
-          <p:nvPr>
-            <p:ph type="title"/>
-          </p:nvPr>
-        </p:nvSpPr>
-        <p:spPr/>
-        <p:txBody>
-          <a:bodyPr/>
-          <a:lstStyle/>
-          <a:p>
-            <a:r>
-              <a:rPr lang="en-US" altLang="en-US" dirty="0"/>
-              <a:t>Dynamic Multiple Issue</a:t>
-            </a:r>
-            <a:endParaRPr lang="en-US" dirty="0"/>
-          </a:p>
-        </p:txBody>
-      </p:sp>
-    </p:spTree>
-    <p:extLst>
-      <p:ext uri="{BB962C8B-B14F-4D97-AF65-F5344CB8AC3E}">
-        <p14:creationId xmlns:p14="http://schemas.microsoft.com/office/powerpoint/2010/main" val="3972697766"/>
-      </p:ext>
-    </p:extLst>
-  </p:cSld>
-  <p:clrMapOvr>
-    <a:masterClrMapping/>
-  </p:clrMapOvr>
-</p:sld>
-</file>
-
 <file path=ppt/slides/slide43.xml><?xml version="1.0" encoding="utf-8"?>
 <p:sld xmlns:a="http://schemas.openxmlformats.org/drawingml/2006/main" xmlns:r="http://schemas.openxmlformats.org/officeDocument/2006/relationships" xmlns:p="http://schemas.openxmlformats.org/presentationml/2006/main">
   <p:cSld>
@@ -28138,160 +28108,101 @@
           <a:bodyPr/>
           <a:lstStyle/>
           <a:p>
+            <a:pPr>
+              <a:lnSpc>
+                <a:spcPct val="100000"/>
+              </a:lnSpc>
+              <a:spcBef>
+                <a:spcPts val="600"/>
+              </a:spcBef>
+            </a:pPr>
             <a:r>
               <a:rPr lang="en-US" altLang="en-US" dirty="0"/>
-              <a:t>Allow the CPU to execute instructions out of order to avoid stalls</a:t>
-            </a:r>
-          </a:p>
-          <a:p>
-            <a:pPr lvl="1"/>
+              <a:t>“</a:t>
+            </a:r>
+            <a:r>
+              <a:rPr lang="en-US" altLang="en-US" dirty="0" smtClean="0"/>
+              <a:t>Superscalar” </a:t>
+            </a:r>
             <a:r>
               <a:rPr lang="en-US" altLang="en-US" dirty="0"/>
-              <a:t>But commit result to registers in order</a:t>
-            </a:r>
-          </a:p>
-          <a:p>
+              <a:t>processors</a:t>
+            </a:r>
+          </a:p>
+          <a:p>
+            <a:pPr>
+              <a:lnSpc>
+                <a:spcPct val="100000"/>
+              </a:lnSpc>
+              <a:spcBef>
+                <a:spcPts val="600"/>
+              </a:spcBef>
+            </a:pPr>
             <a:r>
               <a:rPr lang="en-US" altLang="en-US" dirty="0"/>
-              <a:t>Example</a:t>
+              <a:t>CPU decides whether to issue 0, 1, 2, … each cycle</a:t>
             </a:r>
           </a:p>
           <a:p>
             <a:pPr lvl="1">
-              <a:buNone/>
+              <a:lnSpc>
+                <a:spcPct val="100000"/>
+              </a:lnSpc>
+              <a:spcBef>
+                <a:spcPts val="600"/>
+              </a:spcBef>
             </a:pPr>
             <a:r>
               <a:rPr lang="en-US" altLang="en-US" dirty="0"/>
-              <a:t>	</a:t>
-            </a:r>
-            <a:r>
-              <a:rPr lang="fr-FR" altLang="en-US" dirty="0" err="1">
-                <a:latin typeface="Lucida Console" panose="020B0609040504020204" pitchFamily="49" charset="0"/>
-              </a:rPr>
-              <a:t>ld</a:t>
-            </a:r>
-            <a:r>
-              <a:rPr lang="fr-FR" altLang="en-US" dirty="0">
-                <a:latin typeface="Lucida Console" panose="020B0609040504020204" pitchFamily="49" charset="0"/>
-              </a:rPr>
-              <a:t>   </a:t>
-            </a:r>
-            <a:r>
-              <a:rPr lang="fr-FR" altLang="en-US" dirty="0">
-                <a:solidFill>
-                  <a:schemeClr val="hlink"/>
-                </a:solidFill>
-                <a:latin typeface="Lucida Console" panose="020B0609040504020204" pitchFamily="49" charset="0"/>
-              </a:rPr>
-              <a:t>x31</a:t>
-            </a:r>
-            <a:r>
-              <a:rPr lang="fr-FR" altLang="en-US" dirty="0">
-                <a:latin typeface="Lucida Console" panose="020B0609040504020204" pitchFamily="49" charset="0"/>
-              </a:rPr>
-              <a:t>,20(x21)</a:t>
-            </a:r>
-            <a:br>
-              <a:rPr lang="fr-FR" altLang="en-US" dirty="0">
-                <a:latin typeface="Lucida Console" panose="020B0609040504020204" pitchFamily="49" charset="0"/>
-              </a:rPr>
-            </a:br>
-            <a:r>
-              <a:rPr lang="fr-FR" altLang="en-US" dirty="0" err="1">
-                <a:latin typeface="Lucida Console" panose="020B0609040504020204" pitchFamily="49" charset="0"/>
-              </a:rPr>
-              <a:t>add</a:t>
-            </a:r>
-            <a:r>
-              <a:rPr lang="fr-FR" altLang="en-US" dirty="0">
-                <a:latin typeface="Lucida Console" panose="020B0609040504020204" pitchFamily="49" charset="0"/>
-              </a:rPr>
-              <a:t>  x1,</a:t>
-            </a:r>
-            <a:r>
-              <a:rPr lang="fr-FR" altLang="en-US" dirty="0">
-                <a:solidFill>
-                  <a:schemeClr val="hlink"/>
-                </a:solidFill>
-                <a:latin typeface="Lucida Console" panose="020B0609040504020204" pitchFamily="49" charset="0"/>
-              </a:rPr>
-              <a:t>x31</a:t>
-            </a:r>
-            <a:r>
-              <a:rPr lang="fr-FR" altLang="en-US" dirty="0">
-                <a:latin typeface="Lucida Console" panose="020B0609040504020204" pitchFamily="49" charset="0"/>
-              </a:rPr>
-              <a:t>,x2</a:t>
-            </a:r>
-            <a:br>
-              <a:rPr lang="fr-FR" altLang="en-US" dirty="0">
-                <a:latin typeface="Lucida Console" panose="020B0609040504020204" pitchFamily="49" charset="0"/>
-              </a:rPr>
-            </a:br>
-            <a:r>
-              <a:rPr lang="fr-FR" altLang="en-US" dirty="0" err="1">
-                <a:latin typeface="Lucida Console" panose="020B0609040504020204" pitchFamily="49" charset="0"/>
-              </a:rPr>
-              <a:t>sub</a:t>
-            </a:r>
-            <a:r>
-              <a:rPr lang="fr-FR" altLang="en-US" dirty="0">
-                <a:latin typeface="Lucida Console" panose="020B0609040504020204" pitchFamily="49" charset="0"/>
-              </a:rPr>
-              <a:t>  x23,x23,x3</a:t>
-            </a:r>
-            <a:br>
-              <a:rPr lang="fr-FR" altLang="en-US" dirty="0">
-                <a:latin typeface="Lucida Console" panose="020B0609040504020204" pitchFamily="49" charset="0"/>
-              </a:rPr>
-            </a:br>
-            <a:r>
-              <a:rPr lang="fr-FR" altLang="en-US" dirty="0" err="1">
-                <a:latin typeface="Lucida Console" panose="020B0609040504020204" pitchFamily="49" charset="0"/>
-              </a:rPr>
-              <a:t>andi</a:t>
-            </a:r>
-            <a:r>
-              <a:rPr lang="fr-FR" altLang="en-US" dirty="0">
-                <a:latin typeface="Lucida Console" panose="020B0609040504020204" pitchFamily="49" charset="0"/>
-              </a:rPr>
-              <a:t> x5,x23,20</a:t>
-            </a:r>
-          </a:p>
-          <a:p>
-            <a:pPr lvl="1"/>
+              <a:t>Avoiding structural and data hazards</a:t>
+            </a:r>
+          </a:p>
+          <a:p>
+            <a:pPr>
+              <a:lnSpc>
+                <a:spcPct val="100000"/>
+              </a:lnSpc>
+              <a:spcBef>
+                <a:spcPts val="600"/>
+              </a:spcBef>
+            </a:pPr>
             <a:r>
               <a:rPr lang="en-US" altLang="en-US" dirty="0"/>
-              <a:t>Can start </a:t>
-            </a:r>
-            <a:r>
-              <a:rPr lang="en-US" altLang="en-US" dirty="0">
-                <a:latin typeface="Lucida Console" panose="020B0609040504020204" pitchFamily="49" charset="0"/>
-              </a:rPr>
-              <a:t>sub</a:t>
-            </a:r>
+              <a:t>Avoids the need for compiler scheduling</a:t>
+            </a:r>
+          </a:p>
+          <a:p>
+            <a:pPr lvl="1">
+              <a:lnSpc>
+                <a:spcPct val="100000"/>
+              </a:lnSpc>
+              <a:spcBef>
+                <a:spcPts val="600"/>
+              </a:spcBef>
+            </a:pPr>
             <a:r>
               <a:rPr lang="en-US" altLang="en-US" dirty="0"/>
-              <a:t> while </a:t>
-            </a:r>
-            <a:r>
-              <a:rPr lang="en-US" altLang="en-US" dirty="0">
-                <a:latin typeface="Lucida Console" panose="020B0609040504020204" pitchFamily="49" charset="0"/>
-              </a:rPr>
-              <a:t>add </a:t>
-            </a:r>
+              <a:t>Though it may still help</a:t>
+            </a:r>
+          </a:p>
+          <a:p>
+            <a:pPr lvl="1">
+              <a:lnSpc>
+                <a:spcPct val="100000"/>
+              </a:lnSpc>
+              <a:spcBef>
+                <a:spcPts val="600"/>
+              </a:spcBef>
+            </a:pPr>
             <a:r>
               <a:rPr lang="en-US" altLang="en-US" dirty="0"/>
-              <a:t>is waiting for </a:t>
-            </a:r>
-            <a:r>
-              <a:rPr lang="en-US" altLang="en-US" dirty="0" err="1"/>
-              <a:t>ld</a:t>
-            </a:r>
-            <a:endParaRPr lang="en-US" altLang="en-US" dirty="0"/>
-          </a:p>
-          <a:p>
-            <a:endParaRPr lang="en-US" dirty="0"/>
+              <a:t>Code semantics ensured by the </a:t>
+            </a:r>
+            <a:r>
+              <a:rPr lang="en-US" altLang="en-US" dirty="0" smtClean="0"/>
+              <a:t>CPU</a:t>
+            </a:r>
+            <a:endParaRPr lang="en-AU" altLang="en-US" dirty="0"/>
           </a:p>
         </p:txBody>
       </p:sp>
@@ -28337,7 +28248,7 @@
           <a:p>
             <a:r>
               <a:rPr lang="en-US" altLang="en-US" dirty="0"/>
-              <a:t>Dynamic Pipeline Scheduling</a:t>
+              <a:t>Dynamic Multiple Issue</a:t>
             </a:r>
             <a:endParaRPr lang="en-US" dirty="0"/>
           </a:p>
@@ -28346,7 +28257,7 @@
     </p:spTree>
     <p:extLst>
       <p:ext uri="{BB962C8B-B14F-4D97-AF65-F5344CB8AC3E}">
-        <p14:creationId xmlns:p14="http://schemas.microsoft.com/office/powerpoint/2010/main" val="3030685176"/>
+        <p14:creationId xmlns:p14="http://schemas.microsoft.com/office/powerpoint/2010/main" val="3972697766"/>
       </p:ext>
     </p:extLst>
   </p:cSld>
@@ -28388,93 +28299,160 @@
           <a:bodyPr/>
           <a:lstStyle/>
           <a:p>
-            <a:pPr>
-              <a:lnSpc>
-                <a:spcPct val="100000"/>
-              </a:lnSpc>
-              <a:spcBef>
-                <a:spcPts val="600"/>
-              </a:spcBef>
+            <a:r>
+              <a:rPr lang="en-US" altLang="en-US" dirty="0"/>
+              <a:t>Allow the CPU to execute instructions out of order to avoid stalls</a:t>
+            </a:r>
+          </a:p>
+          <a:p>
+            <a:pPr lvl="1"/>
+            <a:r>
+              <a:rPr lang="en-US" altLang="en-US" dirty="0"/>
+              <a:t>But commit result to registers in order</a:t>
+            </a:r>
+          </a:p>
+          <a:p>
+            <a:r>
+              <a:rPr lang="en-US" altLang="en-US" dirty="0"/>
+              <a:t>Example</a:t>
+            </a:r>
+          </a:p>
+          <a:p>
+            <a:pPr lvl="1">
+              <a:buNone/>
             </a:pPr>
             <a:r>
               <a:rPr lang="en-US" altLang="en-US" dirty="0"/>
-              <a:t>Why not just let the compiler schedule code?</a:t>
-            </a:r>
-          </a:p>
-          <a:p>
-            <a:pPr>
-              <a:lnSpc>
-                <a:spcPct val="100000"/>
-              </a:lnSpc>
-              <a:spcBef>
-                <a:spcPts val="600"/>
-              </a:spcBef>
-            </a:pPr>
+              <a:t>	</a:t>
+            </a:r>
+            <a:r>
+              <a:rPr lang="fr-FR" altLang="en-US" dirty="0" err="1">
+                <a:latin typeface="Lucida Console" panose="020B0609040504020204" pitchFamily="49" charset="0"/>
+              </a:rPr>
+              <a:t>ld</a:t>
+            </a:r>
+            <a:r>
+              <a:rPr lang="fr-FR" altLang="en-US" dirty="0">
+                <a:latin typeface="Lucida Console" panose="020B0609040504020204" pitchFamily="49" charset="0"/>
+              </a:rPr>
+              <a:t>   </a:t>
+            </a:r>
+            <a:r>
+              <a:rPr lang="fr-FR" altLang="en-US" dirty="0">
+                <a:solidFill>
+                  <a:schemeClr val="hlink"/>
+                </a:solidFill>
+                <a:latin typeface="Lucida Console" panose="020B0609040504020204" pitchFamily="49" charset="0"/>
+              </a:rPr>
+              <a:t>x31</a:t>
+            </a:r>
+            <a:r>
+              <a:rPr lang="fr-FR" altLang="en-US" dirty="0">
+                <a:latin typeface="Lucida Console" panose="020B0609040504020204" pitchFamily="49" charset="0"/>
+              </a:rPr>
+              <a:t>,20(x21)</a:t>
+            </a:r>
+            <a:br>
+              <a:rPr lang="fr-FR" altLang="en-US" dirty="0">
+                <a:latin typeface="Lucida Console" panose="020B0609040504020204" pitchFamily="49" charset="0"/>
+              </a:rPr>
+            </a:br>
+            <a:r>
+              <a:rPr lang="fr-FR" altLang="en-US" dirty="0" err="1">
+                <a:latin typeface="Lucida Console" panose="020B0609040504020204" pitchFamily="49" charset="0"/>
+              </a:rPr>
+              <a:t>add</a:t>
+            </a:r>
+            <a:r>
+              <a:rPr lang="fr-FR" altLang="en-US" dirty="0">
+                <a:latin typeface="Lucida Console" panose="020B0609040504020204" pitchFamily="49" charset="0"/>
+              </a:rPr>
+              <a:t>  x1,</a:t>
+            </a:r>
+            <a:r>
+              <a:rPr lang="fr-FR" altLang="en-US" dirty="0">
+                <a:solidFill>
+                  <a:schemeClr val="hlink"/>
+                </a:solidFill>
+                <a:latin typeface="Lucida Console" panose="020B0609040504020204" pitchFamily="49" charset="0"/>
+              </a:rPr>
+              <a:t>x31</a:t>
+            </a:r>
+            <a:r>
+              <a:rPr lang="fr-FR" altLang="en-US" dirty="0">
+                <a:latin typeface="Lucida Console" panose="020B0609040504020204" pitchFamily="49" charset="0"/>
+              </a:rPr>
+              <a:t>,x2</a:t>
+            </a:r>
+            <a:br>
+              <a:rPr lang="fr-FR" altLang="en-US" dirty="0">
+                <a:latin typeface="Lucida Console" panose="020B0609040504020204" pitchFamily="49" charset="0"/>
+              </a:rPr>
+            </a:br>
+            <a:r>
+              <a:rPr lang="fr-FR" altLang="en-US" dirty="0" err="1">
+                <a:latin typeface="Lucida Console" panose="020B0609040504020204" pitchFamily="49" charset="0"/>
+              </a:rPr>
+              <a:t>sub</a:t>
+            </a:r>
+            <a:r>
+              <a:rPr lang="fr-FR" altLang="en-US" dirty="0">
+                <a:latin typeface="Lucida Console" panose="020B0609040504020204" pitchFamily="49" charset="0"/>
+              </a:rPr>
+              <a:t>  x23,x23,x3</a:t>
+            </a:r>
+            <a:br>
+              <a:rPr lang="fr-FR" altLang="en-US" dirty="0">
+                <a:latin typeface="Lucida Console" panose="020B0609040504020204" pitchFamily="49" charset="0"/>
+              </a:rPr>
+            </a:br>
+            <a:r>
+              <a:rPr lang="fr-FR" altLang="en-US" dirty="0" err="1">
+                <a:latin typeface="Lucida Console" panose="020B0609040504020204" pitchFamily="49" charset="0"/>
+              </a:rPr>
+              <a:t>andi</a:t>
+            </a:r>
+            <a:r>
+              <a:rPr lang="fr-FR" altLang="en-US" dirty="0">
+                <a:latin typeface="Lucida Console" panose="020B0609040504020204" pitchFamily="49" charset="0"/>
+              </a:rPr>
+              <a:t> x5,x23,20</a:t>
+            </a:r>
+          </a:p>
+          <a:p>
+            <a:pPr lvl="1"/>
             <a:r>
               <a:rPr lang="en-US" altLang="en-US" dirty="0"/>
-              <a:t>Not all stalls are predicable</a:t>
-            </a:r>
-          </a:p>
-          <a:p>
-            <a:pPr lvl="1">
-              <a:lnSpc>
-                <a:spcPct val="100000"/>
-              </a:lnSpc>
-              <a:spcBef>
-                <a:spcPts val="600"/>
-              </a:spcBef>
-            </a:pPr>
+              <a:t>Can start </a:t>
+            </a:r>
+            <a:r>
+              <a:rPr lang="en-US" altLang="en-US" dirty="0">
+                <a:latin typeface="Lucida Console" panose="020B0609040504020204" pitchFamily="49" charset="0"/>
+              </a:rPr>
+              <a:t>sub</a:t>
+            </a:r>
             <a:r>
               <a:rPr lang="en-US" altLang="en-US" dirty="0"/>
-              <a:t>e.g., cache misses</a:t>
-            </a:r>
-          </a:p>
-          <a:p>
-            <a:pPr>
-              <a:lnSpc>
-                <a:spcPct val="100000"/>
-              </a:lnSpc>
-              <a:spcBef>
-                <a:spcPts val="600"/>
-              </a:spcBef>
-            </a:pPr>
+              <a:t> while </a:t>
+            </a:r>
+            <a:r>
+              <a:rPr lang="en-US" altLang="en-US" dirty="0">
+                <a:latin typeface="Lucida Console" panose="020B0609040504020204" pitchFamily="49" charset="0"/>
+              </a:rPr>
+              <a:t>add </a:t>
+            </a:r>
             <a:r>
               <a:rPr lang="en-US" altLang="en-US" dirty="0"/>
-              <a:t>Can’t always schedule around branches</a:t>
-            </a:r>
-          </a:p>
-          <a:p>
-            <a:pPr lvl="1">
-              <a:lnSpc>
-                <a:spcPct val="100000"/>
-              </a:lnSpc>
-              <a:spcBef>
-                <a:spcPts val="600"/>
-              </a:spcBef>
-            </a:pPr>
-            <a:r>
-              <a:rPr lang="en-US" altLang="en-US" dirty="0"/>
-              <a:t>Branch outcome is dynamically determined</a:t>
-            </a:r>
-          </a:p>
-          <a:p>
-            <a:pPr>
-              <a:lnSpc>
-                <a:spcPct val="100000"/>
-              </a:lnSpc>
-              <a:spcBef>
-                <a:spcPts val="600"/>
-              </a:spcBef>
-            </a:pPr>
-            <a:r>
-              <a:rPr lang="en-US" altLang="en-US" dirty="0"/>
-              <a:t>Different implementations of an ISA have different latencies and </a:t>
-            </a:r>
-            <a:r>
-              <a:rPr lang="en-US" altLang="en-US" dirty="0" smtClean="0"/>
-              <a:t>hazards</a:t>
+              <a:t>is waiting for </a:t>
+            </a:r>
+            <a:r>
+              <a:rPr lang="en-US" altLang="en-US" dirty="0" err="1"/>
+              <a:t>ld</a:t>
             </a:r>
             <a:endParaRPr lang="en-US" altLang="en-US" dirty="0"/>
+          </a:p>
+          <a:p>
+            <a:endParaRPr lang="en-US" dirty="0"/>
           </a:p>
         </p:txBody>
       </p:sp>
@@ -28520,6 +28498,189 @@
           <a:p>
             <a:r>
               <a:rPr lang="en-US" altLang="en-US" dirty="0"/>
+              <a:t>Dynamic Pipeline Scheduling</a:t>
+            </a:r>
+            <a:endParaRPr lang="en-US" dirty="0"/>
+          </a:p>
+        </p:txBody>
+      </p:sp>
+    </p:spTree>
+    <p:extLst>
+      <p:ext uri="{BB962C8B-B14F-4D97-AF65-F5344CB8AC3E}">
+        <p14:creationId xmlns:p14="http://schemas.microsoft.com/office/powerpoint/2010/main" val="3030685176"/>
+      </p:ext>
+    </p:extLst>
+  </p:cSld>
+  <p:clrMapOvr>
+    <a:masterClrMapping/>
+  </p:clrMapOvr>
+</p:sld>
+</file>
+
+<file path=ppt/slides/slide45.xml><?xml version="1.0" encoding="utf-8"?>
+<p:sld xmlns:a="http://schemas.openxmlformats.org/drawingml/2006/main" xmlns:r="http://schemas.openxmlformats.org/officeDocument/2006/relationships" xmlns:p="http://schemas.openxmlformats.org/presentationml/2006/main">
+  <p:cSld>
+    <p:spTree>
+      <p:nvGrpSpPr>
+        <p:cNvPr id="1" name=""/>
+        <p:cNvGrpSpPr/>
+        <p:nvPr/>
+      </p:nvGrpSpPr>
+      <p:grpSpPr>
+        <a:xfrm>
+          <a:off x="0" y="0"/>
+          <a:ext cx="0" cy="0"/>
+          <a:chOff x="0" y="0"/>
+          <a:chExt cx="0" cy="0"/>
+        </a:xfrm>
+      </p:grpSpPr>
+      <p:sp>
+        <p:nvSpPr>
+          <p:cNvPr id="2" name="Content Placeholder 1"/>
+          <p:cNvSpPr>
+            <a:spLocks noGrp="1"/>
+          </p:cNvSpPr>
+          <p:nvPr>
+            <p:ph idx="1"/>
+          </p:nvPr>
+        </p:nvSpPr>
+        <p:spPr/>
+        <p:txBody>
+          <a:bodyPr/>
+          <a:lstStyle/>
+          <a:p>
+            <a:pPr>
+              <a:lnSpc>
+                <a:spcPct val="100000"/>
+              </a:lnSpc>
+              <a:spcBef>
+                <a:spcPts val="600"/>
+              </a:spcBef>
+            </a:pPr>
+            <a:r>
+              <a:rPr lang="en-US" altLang="en-US" dirty="0"/>
+              <a:t>Why not just let the compiler schedule code?</a:t>
+            </a:r>
+          </a:p>
+          <a:p>
+            <a:pPr>
+              <a:lnSpc>
+                <a:spcPct val="100000"/>
+              </a:lnSpc>
+              <a:spcBef>
+                <a:spcPts val="600"/>
+              </a:spcBef>
+            </a:pPr>
+            <a:r>
+              <a:rPr lang="en-US" altLang="en-US" dirty="0"/>
+              <a:t>Not all stalls are predicable</a:t>
+            </a:r>
+          </a:p>
+          <a:p>
+            <a:pPr lvl="1">
+              <a:lnSpc>
+                <a:spcPct val="100000"/>
+              </a:lnSpc>
+              <a:spcBef>
+                <a:spcPts val="600"/>
+              </a:spcBef>
+            </a:pPr>
+            <a:r>
+              <a:rPr lang="en-US" altLang="en-US" dirty="0"/>
+              <a:t>e.g., cache misses</a:t>
+            </a:r>
+          </a:p>
+          <a:p>
+            <a:pPr>
+              <a:lnSpc>
+                <a:spcPct val="100000"/>
+              </a:lnSpc>
+              <a:spcBef>
+                <a:spcPts val="600"/>
+              </a:spcBef>
+            </a:pPr>
+            <a:r>
+              <a:rPr lang="en-US" altLang="en-US" dirty="0"/>
+              <a:t>Can’t always schedule around branches</a:t>
+            </a:r>
+          </a:p>
+          <a:p>
+            <a:pPr lvl="1">
+              <a:lnSpc>
+                <a:spcPct val="100000"/>
+              </a:lnSpc>
+              <a:spcBef>
+                <a:spcPts val="600"/>
+              </a:spcBef>
+            </a:pPr>
+            <a:r>
+              <a:rPr lang="en-US" altLang="en-US" dirty="0"/>
+              <a:t>Branch outcome is dynamically determined</a:t>
+            </a:r>
+          </a:p>
+          <a:p>
+            <a:pPr>
+              <a:lnSpc>
+                <a:spcPct val="100000"/>
+              </a:lnSpc>
+              <a:spcBef>
+                <a:spcPts val="600"/>
+              </a:spcBef>
+            </a:pPr>
+            <a:r>
+              <a:rPr lang="en-US" altLang="en-US" dirty="0"/>
+              <a:t>Different implementations of an ISA have different latencies and </a:t>
+            </a:r>
+            <a:r>
+              <a:rPr lang="en-US" altLang="en-US" dirty="0" smtClean="0"/>
+              <a:t>hazards</a:t>
+            </a:r>
+            <a:endParaRPr lang="en-US" altLang="en-US" dirty="0"/>
+          </a:p>
+        </p:txBody>
+      </p:sp>
+      <p:sp>
+        <p:nvSpPr>
+          <p:cNvPr id="3" name="Slide Number Placeholder 2"/>
+          <p:cNvSpPr>
+            <a:spLocks noGrp="1"/>
+          </p:cNvSpPr>
+          <p:nvPr>
+            <p:ph type="sldNum" sz="quarter" idx="12"/>
+          </p:nvPr>
+        </p:nvSpPr>
+        <p:spPr/>
+        <p:txBody>
+          <a:bodyPr/>
+          <a:lstStyle/>
+          <a:p>
+            <a:pPr algn="ctr"/>
+            <a:fld id="{1397BFD8-F312-4EF2-A268-44FB4BDDBBB0}" type="slidenum">
+              <a:rPr lang="ru-RU" smtClean="0"/>
+              <a:pPr algn="ctr"/>
+              <a:t>45</a:t>
+            </a:fld>
+            <a:endParaRPr lang="ru-RU" dirty="0"/>
+          </a:p>
+        </p:txBody>
+      </p:sp>
+      <p:sp>
+        <p:nvSpPr>
+          <p:cNvPr id="4" name="Title 3"/>
+          <p:cNvSpPr>
+            <a:spLocks noGrp="1"/>
+          </p:cNvSpPr>
+          <p:nvPr>
+            <p:ph type="title"/>
+          </p:nvPr>
+        </p:nvSpPr>
+        <p:spPr/>
+        <p:txBody>
+          <a:bodyPr/>
+          <a:lstStyle/>
+          <a:p>
+            <a:r>
+              <a:rPr lang="en-US" altLang="en-US" dirty="0"/>
               <a:t>Why Do Dynamic Scheduling?</a:t>
             </a:r>
             <a:endParaRPr lang="en-US" dirty="0"/>
@@ -28539,7 +28700,7 @@
 </p:sld>
 </file>
 
-<file path=ppt/slides/slide45.xml><?xml version="1.0" encoding="utf-8"?>
+<file path=ppt/slides/slide46.xml><?xml version="1.0" encoding="utf-8"?>
 <p:sld xmlns:a="http://schemas.openxmlformats.org/drawingml/2006/main" xmlns:r="http://schemas.openxmlformats.org/officeDocument/2006/relationships" xmlns:p="http://schemas.openxmlformats.org/presentationml/2006/main">
   <p:cSld>
     <p:spTree>
@@ -28575,7 +28736,7 @@
             <a:fld id="{1397BFD8-F312-4EF2-A268-44FB4BDDBBB0}" type="slidenum">
               <a:rPr lang="ru-RU" smtClean="0"/>
               <a:pPr algn="ctr"/>
-              <a:t>45</a:t>
+              <a:t>46</a:t>
             </a:fld>
             <a:endParaRPr lang="ru-RU" dirty="0"/>
           </a:p>
@@ -30182,7 +30343,7 @@
 </p:sld>
 </file>
 
-<file path=ppt/slides/slide46.xml><?xml version="1.0" encoding="utf-8"?>
+<file path=ppt/slides/slide47.xml><?xml version="1.0" encoding="utf-8"?>
 <p:sld xmlns:a="http://schemas.openxmlformats.org/drawingml/2006/main" xmlns:r="http://schemas.openxmlformats.org/officeDocument/2006/relationships" xmlns:p="http://schemas.openxmlformats.org/presentationml/2006/main">
   <p:cSld>
     <p:spTree>
@@ -30303,7 +30464,7 @@
             <a:fld id="{1397BFD8-F312-4EF2-A268-44FB4BDDBBB0}" type="slidenum">
               <a:rPr lang="ru-RU" smtClean="0"/>
               <a:pPr algn="ctr"/>
-              <a:t>46</a:t>
+              <a:t>47</a:t>
             </a:fld>
             <a:endParaRPr lang="ru-RU" dirty="0"/>
           </a:p>
@@ -30345,7 +30506,7 @@
 </p:sld>
 </file>
 
-<file path=ppt/slides/slide47.xml><?xml version="1.0" encoding="utf-8"?>
+<file path=ppt/slides/slide48.xml><?xml version="1.0" encoding="utf-8"?>
 <p:sld xmlns:a="http://schemas.openxmlformats.org/drawingml/2006/main" xmlns:r="http://schemas.openxmlformats.org/officeDocument/2006/relationships" xmlns:p="http://schemas.openxmlformats.org/presentationml/2006/main">
   <p:cSld>
     <p:spTree>
@@ -30487,7 +30648,7 @@
             <a:fld id="{1397BFD8-F312-4EF2-A268-44FB4BDDBBB0}" type="slidenum">
               <a:rPr lang="ru-RU" smtClean="0"/>
               <a:pPr algn="ctr"/>
-              <a:t>47</a:t>
+              <a:t>48</a:t>
             </a:fld>
             <a:endParaRPr lang="ru-RU" dirty="0"/>
           </a:p>
@@ -30529,7 +30690,7 @@
 </p:sld>
 </file>
 
-<file path=ppt/slides/slide48.xml><?xml version="1.0" encoding="utf-8"?>
+<file path=ppt/slides/slide49.xml><?xml version="1.0" encoding="utf-8"?>
 <p:sld xmlns:a="http://schemas.openxmlformats.org/drawingml/2006/main" xmlns:r="http://schemas.openxmlformats.org/officeDocument/2006/relationships" xmlns:p="http://schemas.openxmlformats.org/presentationml/2006/main">
   <p:cSld>
     <p:spTree>
@@ -31028,7 +31189,7 @@
             <a:fld id="{1397BFD8-F312-4EF2-A268-44FB4BDDBBB0}" type="slidenum">
               <a:rPr lang="ru-RU" smtClean="0"/>
               <a:pPr algn="ctr"/>
-              <a:t>48</a:t>
+              <a:t>49</a:t>
             </a:fld>
             <a:endParaRPr lang="ru-RU" dirty="0"/>
           </a:p>
